--- a/presentation.pptx
+++ b/presentation.pptx
@@ -5,12 +5,15 @@
     <p:sldMasterId id="2147483648" r:id="rId4"/>
   </p:sldMasterIdLst>
   <p:notesMasterIdLst>
-    <p:notesMasterId r:id="rId8"/>
+    <p:notesMasterId r:id="rId11"/>
   </p:notesMasterIdLst>
   <p:sldIdLst>
     <p:sldId id="474" r:id="rId5"/>
     <p:sldId id="429" r:id="rId6"/>
     <p:sldId id="428" r:id="rId7"/>
+    <p:sldId id="475" r:id="rId8"/>
+    <p:sldId id="476" r:id="rId9"/>
+    <p:sldId id="477" r:id="rId10"/>
   </p:sldIdLst>
   <p:sldSz cx="12192000" cy="6858000"/>
   <p:notesSz cx="7010400" cy="9296400"/>
@@ -120,7 +123,7 @@
 <file path=ppt/revisionInfo.xml><?xml version="1.0" encoding="utf-8"?>
 <p1510:revInfo xmlns:a="http://schemas.openxmlformats.org/drawingml/2006/main" xmlns:r="http://schemas.openxmlformats.org/officeDocument/2006/relationships" xmlns:p1510="http://schemas.microsoft.com/office/powerpoint/2015/10/main">
   <p1510:revLst>
-    <p1510:client id="{971AC896-1F24-41E9-8E21-C12134BC661F}" v="494" dt="2024-11-17T18:19:35.258"/>
+    <p1510:client id="{C60595B3-FE07-44C4-BE38-5AD18F404BD2}" v="38" dt="2024-11-30T23:41:00.707"/>
   </p1510:revLst>
 </p1510:revInfo>
 </file>
@@ -685,6 +688,228 @@
       </pc:sldChg>
     </pc:docChg>
   </pc:docChgLst>
+  <pc:docChgLst>
+    <pc:chgData name="Wang, Lukai" userId="42a40d5c-688c-4677-a5f3-e5d64f4d368d" providerId="ADAL" clId="{C60595B3-FE07-44C4-BE38-5AD18F404BD2}"/>
+    <pc:docChg chg="custSel addSld modSld">
+      <pc:chgData name="Wang, Lukai" userId="42a40d5c-688c-4677-a5f3-e5d64f4d368d" providerId="ADAL" clId="{C60595B3-FE07-44C4-BE38-5AD18F404BD2}" dt="2024-11-30T23:41:44.743" v="118" actId="1076"/>
+      <pc:docMkLst>
+        <pc:docMk/>
+      </pc:docMkLst>
+      <pc:sldChg chg="addSp delSp modSp add mod">
+        <pc:chgData name="Wang, Lukai" userId="42a40d5c-688c-4677-a5f3-e5d64f4d368d" providerId="ADAL" clId="{C60595B3-FE07-44C4-BE38-5AD18F404BD2}" dt="2024-11-30T23:39:00.078" v="42" actId="14100"/>
+        <pc:sldMkLst>
+          <pc:docMk/>
+          <pc:sldMk cId="1539622854" sldId="475"/>
+        </pc:sldMkLst>
+        <pc:spChg chg="del mod">
+          <ac:chgData name="Wang, Lukai" userId="42a40d5c-688c-4677-a5f3-e5d64f4d368d" providerId="ADAL" clId="{C60595B3-FE07-44C4-BE38-5AD18F404BD2}" dt="2024-11-30T23:37:13.312" v="11" actId="478"/>
+          <ac:spMkLst>
+            <pc:docMk/>
+            <pc:sldMk cId="1539622854" sldId="475"/>
+            <ac:spMk id="3" creationId="{A405512E-1903-A91C-C8D9-99E7CF43A5CD}"/>
+          </ac:spMkLst>
+        </pc:spChg>
+        <pc:spChg chg="mod">
+          <ac:chgData name="Wang, Lukai" userId="42a40d5c-688c-4677-a5f3-e5d64f4d368d" providerId="ADAL" clId="{C60595B3-FE07-44C4-BE38-5AD18F404BD2}" dt="2024-11-30T23:37:30.495" v="26" actId="20577"/>
+          <ac:spMkLst>
+            <pc:docMk/>
+            <pc:sldMk cId="1539622854" sldId="475"/>
+            <ac:spMk id="9" creationId="{5D3AC7B1-4A08-6DAA-5623-235BBE693B68}"/>
+          </ac:spMkLst>
+        </pc:spChg>
+        <pc:spChg chg="del">
+          <ac:chgData name="Wang, Lukai" userId="42a40d5c-688c-4677-a5f3-e5d64f4d368d" providerId="ADAL" clId="{C60595B3-FE07-44C4-BE38-5AD18F404BD2}" dt="2024-11-30T23:35:29.737" v="5" actId="478"/>
+          <ac:spMkLst>
+            <pc:docMk/>
+            <pc:sldMk cId="1539622854" sldId="475"/>
+            <ac:spMk id="13" creationId="{945F8DCC-E5C9-C079-C986-F394C06161C0}"/>
+          </ac:spMkLst>
+        </pc:spChg>
+        <pc:spChg chg="del">
+          <ac:chgData name="Wang, Lukai" userId="42a40d5c-688c-4677-a5f3-e5d64f4d368d" providerId="ADAL" clId="{C60595B3-FE07-44C4-BE38-5AD18F404BD2}" dt="2024-11-30T23:35:25.616" v="4" actId="478"/>
+          <ac:spMkLst>
+            <pc:docMk/>
+            <pc:sldMk cId="1539622854" sldId="475"/>
+            <ac:spMk id="14" creationId="{8F31210F-00A2-A619-EE18-15EA60405F41}"/>
+          </ac:spMkLst>
+        </pc:spChg>
+        <pc:spChg chg="del">
+          <ac:chgData name="Wang, Lukai" userId="42a40d5c-688c-4677-a5f3-e5d64f4d368d" providerId="ADAL" clId="{C60595B3-FE07-44C4-BE38-5AD18F404BD2}" dt="2024-11-30T23:35:32.704" v="6" actId="478"/>
+          <ac:spMkLst>
+            <pc:docMk/>
+            <pc:sldMk cId="1539622854" sldId="475"/>
+            <ac:spMk id="15" creationId="{919BA035-51A5-4EEC-FEFF-C6BAD87E9F0B}"/>
+          </ac:spMkLst>
+        </pc:spChg>
+        <pc:picChg chg="add mod">
+          <ac:chgData name="Wang, Lukai" userId="42a40d5c-688c-4677-a5f3-e5d64f4d368d" providerId="ADAL" clId="{C60595B3-FE07-44C4-BE38-5AD18F404BD2}" dt="2024-11-30T23:38:12.224" v="33" actId="1076"/>
+          <ac:picMkLst>
+            <pc:docMk/>
+            <pc:sldMk cId="1539622854" sldId="475"/>
+            <ac:picMk id="4" creationId="{6C031F2C-53AB-E431-6691-0E1900CF7B95}"/>
+          </ac:picMkLst>
+        </pc:picChg>
+        <pc:picChg chg="add mod">
+          <ac:chgData name="Wang, Lukai" userId="42a40d5c-688c-4677-a5f3-e5d64f4d368d" providerId="ADAL" clId="{C60595B3-FE07-44C4-BE38-5AD18F404BD2}" dt="2024-11-30T23:38:12.224" v="33" actId="1076"/>
+          <ac:picMkLst>
+            <pc:docMk/>
+            <pc:sldMk cId="1539622854" sldId="475"/>
+            <ac:picMk id="6" creationId="{AEC98743-FB58-9F26-C994-9EB75A9794A2}"/>
+          </ac:picMkLst>
+        </pc:picChg>
+        <pc:picChg chg="del">
+          <ac:chgData name="Wang, Lukai" userId="42a40d5c-688c-4677-a5f3-e5d64f4d368d" providerId="ADAL" clId="{C60595B3-FE07-44C4-BE38-5AD18F404BD2}" dt="2024-11-30T23:35:19.093" v="1" actId="478"/>
+          <ac:picMkLst>
+            <pc:docMk/>
+            <pc:sldMk cId="1539622854" sldId="475"/>
+            <ac:picMk id="7" creationId="{42FC4F45-02C6-E5B2-C27E-EA0081760DBE}"/>
+          </ac:picMkLst>
+        </pc:picChg>
+        <pc:picChg chg="del">
+          <ac:chgData name="Wang, Lukai" userId="42a40d5c-688c-4677-a5f3-e5d64f4d368d" providerId="ADAL" clId="{C60595B3-FE07-44C4-BE38-5AD18F404BD2}" dt="2024-11-30T23:35:20.942" v="2" actId="478"/>
+          <ac:picMkLst>
+            <pc:docMk/>
+            <pc:sldMk cId="1539622854" sldId="475"/>
+            <ac:picMk id="10" creationId="{9576C55A-8800-5914-D766-C69C4FAC8E11}"/>
+          </ac:picMkLst>
+        </pc:picChg>
+        <pc:picChg chg="add mod">
+          <ac:chgData name="Wang, Lukai" userId="42a40d5c-688c-4677-a5f3-e5d64f4d368d" providerId="ADAL" clId="{C60595B3-FE07-44C4-BE38-5AD18F404BD2}" dt="2024-11-30T23:38:35.784" v="38" actId="1076"/>
+          <ac:picMkLst>
+            <pc:docMk/>
+            <pc:sldMk cId="1539622854" sldId="475"/>
+            <ac:picMk id="11" creationId="{47337954-8CBD-728F-53AC-D6274583115E}"/>
+          </ac:picMkLst>
+        </pc:picChg>
+        <pc:picChg chg="del">
+          <ac:chgData name="Wang, Lukai" userId="42a40d5c-688c-4677-a5f3-e5d64f4d368d" providerId="ADAL" clId="{C60595B3-FE07-44C4-BE38-5AD18F404BD2}" dt="2024-11-30T23:35:22.559" v="3" actId="478"/>
+          <ac:picMkLst>
+            <pc:docMk/>
+            <pc:sldMk cId="1539622854" sldId="475"/>
+            <ac:picMk id="12" creationId="{54CF3038-6FB7-10AC-4291-F21DD092D327}"/>
+          </ac:picMkLst>
+        </pc:picChg>
+        <pc:picChg chg="add mod">
+          <ac:chgData name="Wang, Lukai" userId="42a40d5c-688c-4677-a5f3-e5d64f4d368d" providerId="ADAL" clId="{C60595B3-FE07-44C4-BE38-5AD18F404BD2}" dt="2024-11-30T23:39:00.078" v="42" actId="14100"/>
+          <ac:picMkLst>
+            <pc:docMk/>
+            <pc:sldMk cId="1539622854" sldId="475"/>
+            <ac:picMk id="17" creationId="{F10EEBE5-0B98-7C1D-72EF-7300FFBF7F53}"/>
+          </ac:picMkLst>
+        </pc:picChg>
+      </pc:sldChg>
+      <pc:sldChg chg="addSp delSp modSp add mod">
+        <pc:chgData name="Wang, Lukai" userId="42a40d5c-688c-4677-a5f3-e5d64f4d368d" providerId="ADAL" clId="{C60595B3-FE07-44C4-BE38-5AD18F404BD2}" dt="2024-11-30T23:40:45.503" v="90" actId="1076"/>
+        <pc:sldMkLst>
+          <pc:docMk/>
+          <pc:sldMk cId="1409333715" sldId="476"/>
+        </pc:sldMkLst>
+        <pc:spChg chg="mod">
+          <ac:chgData name="Wang, Lukai" userId="42a40d5c-688c-4677-a5f3-e5d64f4d368d" providerId="ADAL" clId="{C60595B3-FE07-44C4-BE38-5AD18F404BD2}" dt="2024-11-30T23:40:18.288" v="83" actId="20577"/>
+          <ac:spMkLst>
+            <pc:docMk/>
+            <pc:sldMk cId="1409333715" sldId="476"/>
+            <ac:spMk id="9" creationId="{5D3AC7B1-4A08-6DAA-5623-235BBE693B68}"/>
+          </ac:spMkLst>
+        </pc:spChg>
+        <pc:picChg chg="add mod">
+          <ac:chgData name="Wang, Lukai" userId="42a40d5c-688c-4677-a5f3-e5d64f4d368d" providerId="ADAL" clId="{C60595B3-FE07-44C4-BE38-5AD18F404BD2}" dt="2024-11-30T23:40:45.503" v="90" actId="1076"/>
+          <ac:picMkLst>
+            <pc:docMk/>
+            <pc:sldMk cId="1409333715" sldId="476"/>
+            <ac:picMk id="3" creationId="{A7FCE5D8-CBED-92AE-8378-3A98E20A6D45}"/>
+          </ac:picMkLst>
+        </pc:picChg>
+        <pc:picChg chg="del">
+          <ac:chgData name="Wang, Lukai" userId="42a40d5c-688c-4677-a5f3-e5d64f4d368d" providerId="ADAL" clId="{C60595B3-FE07-44C4-BE38-5AD18F404BD2}" dt="2024-11-30T23:39:17.487" v="55" actId="478"/>
+          <ac:picMkLst>
+            <pc:docMk/>
+            <pc:sldMk cId="1409333715" sldId="476"/>
+            <ac:picMk id="4" creationId="{6C031F2C-53AB-E431-6691-0E1900CF7B95}"/>
+          </ac:picMkLst>
+        </pc:picChg>
+        <pc:picChg chg="del">
+          <ac:chgData name="Wang, Lukai" userId="42a40d5c-688c-4677-a5f3-e5d64f4d368d" providerId="ADAL" clId="{C60595B3-FE07-44C4-BE38-5AD18F404BD2}" dt="2024-11-30T23:39:19.246" v="56" actId="478"/>
+          <ac:picMkLst>
+            <pc:docMk/>
+            <pc:sldMk cId="1409333715" sldId="476"/>
+            <ac:picMk id="6" creationId="{AEC98743-FB58-9F26-C994-9EB75A9794A2}"/>
+          </ac:picMkLst>
+        </pc:picChg>
+        <pc:picChg chg="add mod">
+          <ac:chgData name="Wang, Lukai" userId="42a40d5c-688c-4677-a5f3-e5d64f4d368d" providerId="ADAL" clId="{C60595B3-FE07-44C4-BE38-5AD18F404BD2}" dt="2024-11-30T23:40:45.503" v="90" actId="1076"/>
+          <ac:picMkLst>
+            <pc:docMk/>
+            <pc:sldMk cId="1409333715" sldId="476"/>
+            <ac:picMk id="7" creationId="{B83BEE1F-55EA-9323-EA06-4F95CFFE1253}"/>
+          </ac:picMkLst>
+        </pc:picChg>
+        <pc:picChg chg="del">
+          <ac:chgData name="Wang, Lukai" userId="42a40d5c-688c-4677-a5f3-e5d64f4d368d" providerId="ADAL" clId="{C60595B3-FE07-44C4-BE38-5AD18F404BD2}" dt="2024-11-30T23:39:22.751" v="58" actId="478"/>
+          <ac:picMkLst>
+            <pc:docMk/>
+            <pc:sldMk cId="1409333715" sldId="476"/>
+            <ac:picMk id="11" creationId="{47337954-8CBD-728F-53AC-D6274583115E}"/>
+          </ac:picMkLst>
+        </pc:picChg>
+        <pc:picChg chg="del">
+          <ac:chgData name="Wang, Lukai" userId="42a40d5c-688c-4677-a5f3-e5d64f4d368d" providerId="ADAL" clId="{C60595B3-FE07-44C4-BE38-5AD18F404BD2}" dt="2024-11-30T23:39:21.087" v="57" actId="478"/>
+          <ac:picMkLst>
+            <pc:docMk/>
+            <pc:sldMk cId="1409333715" sldId="476"/>
+            <ac:picMk id="17" creationId="{F10EEBE5-0B98-7C1D-72EF-7300FFBF7F53}"/>
+          </ac:picMkLst>
+        </pc:picChg>
+      </pc:sldChg>
+      <pc:sldChg chg="addSp delSp modSp add mod">
+        <pc:chgData name="Wang, Lukai" userId="42a40d5c-688c-4677-a5f3-e5d64f4d368d" providerId="ADAL" clId="{C60595B3-FE07-44C4-BE38-5AD18F404BD2}" dt="2024-11-30T23:41:44.743" v="118" actId="1076"/>
+        <pc:sldMkLst>
+          <pc:docMk/>
+          <pc:sldMk cId="1920478922" sldId="477"/>
+        </pc:sldMkLst>
+        <pc:spChg chg="mod">
+          <ac:chgData name="Wang, Lukai" userId="42a40d5c-688c-4677-a5f3-e5d64f4d368d" providerId="ADAL" clId="{C60595B3-FE07-44C4-BE38-5AD18F404BD2}" dt="2024-11-30T23:41:00.707" v="106" actId="20577"/>
+          <ac:spMkLst>
+            <pc:docMk/>
+            <pc:sldMk cId="1920478922" sldId="477"/>
+            <ac:spMk id="9" creationId="{5D3AC7B1-4A08-6DAA-5623-235BBE693B68}"/>
+          </ac:spMkLst>
+        </pc:spChg>
+        <pc:picChg chg="del">
+          <ac:chgData name="Wang, Lukai" userId="42a40d5c-688c-4677-a5f3-e5d64f4d368d" providerId="ADAL" clId="{C60595B3-FE07-44C4-BE38-5AD18F404BD2}" dt="2024-11-30T23:41:03.012" v="107" actId="478"/>
+          <ac:picMkLst>
+            <pc:docMk/>
+            <pc:sldMk cId="1920478922" sldId="477"/>
+            <ac:picMk id="3" creationId="{A7FCE5D8-CBED-92AE-8378-3A98E20A6D45}"/>
+          </ac:picMkLst>
+        </pc:picChg>
+        <pc:picChg chg="add mod">
+          <ac:chgData name="Wang, Lukai" userId="42a40d5c-688c-4677-a5f3-e5d64f4d368d" providerId="ADAL" clId="{C60595B3-FE07-44C4-BE38-5AD18F404BD2}" dt="2024-11-30T23:41:44.743" v="118" actId="1076"/>
+          <ac:picMkLst>
+            <pc:docMk/>
+            <pc:sldMk cId="1920478922" sldId="477"/>
+            <ac:picMk id="4" creationId="{BF6CB878-3E7F-3C7D-FF2B-3014B1A3BACD}"/>
+          </ac:picMkLst>
+        </pc:picChg>
+        <pc:picChg chg="add mod">
+          <ac:chgData name="Wang, Lukai" userId="42a40d5c-688c-4677-a5f3-e5d64f4d368d" providerId="ADAL" clId="{C60595B3-FE07-44C4-BE38-5AD18F404BD2}" dt="2024-11-30T23:41:44.743" v="118" actId="1076"/>
+          <ac:picMkLst>
+            <pc:docMk/>
+            <pc:sldMk cId="1920478922" sldId="477"/>
+            <ac:picMk id="6" creationId="{ABAEF4C7-1A02-804F-BF29-D0BEB4350CD8}"/>
+          </ac:picMkLst>
+        </pc:picChg>
+        <pc:picChg chg="del">
+          <ac:chgData name="Wang, Lukai" userId="42a40d5c-688c-4677-a5f3-e5d64f4d368d" providerId="ADAL" clId="{C60595B3-FE07-44C4-BE38-5AD18F404BD2}" dt="2024-11-30T23:41:04.888" v="108" actId="478"/>
+          <ac:picMkLst>
+            <pc:docMk/>
+            <pc:sldMk cId="1920478922" sldId="477"/>
+            <ac:picMk id="7" creationId="{B83BEE1F-55EA-9323-EA06-4F95CFFE1253}"/>
+          </ac:picMkLst>
+        </pc:picChg>
+      </pc:sldChg>
+    </pc:docChg>
+  </pc:docChgLst>
 </pc:chgInfo>
 </file>
 
@@ -770,7 +995,7 @@
           <a:p>
             <a:fld id="{F6970F09-7FD8-4C72-BF75-4118C1E313B7}" type="datetimeFigureOut">
               <a:rPr lang="en-US" smtClean="0"/>
-              <a:t>11/17/2024</a:t>
+              <a:t>11/30/2024</a:t>
             </a:fld>
             <a:endParaRPr lang="en-US"/>
           </a:p>
@@ -1320,6 +1545,342 @@
 </p:notes>
 </file>
 
+<file path=ppt/notesSlides/notesSlide4.xml><?xml version="1.0" encoding="utf-8"?>
+<p:notes xmlns:a="http://schemas.openxmlformats.org/drawingml/2006/main" xmlns:r="http://schemas.openxmlformats.org/officeDocument/2006/relationships" xmlns:p="http://schemas.openxmlformats.org/presentationml/2006/main">
+  <p:cSld>
+    <p:spTree>
+      <p:nvGrpSpPr>
+        <p:cNvPr id="1" name=""/>
+        <p:cNvGrpSpPr/>
+        <p:nvPr/>
+      </p:nvGrpSpPr>
+      <p:grpSpPr>
+        <a:xfrm>
+          <a:off x="0" y="0"/>
+          <a:ext cx="0" cy="0"/>
+          <a:chOff x="0" y="0"/>
+          <a:chExt cx="0" cy="0"/>
+        </a:xfrm>
+      </p:grpSpPr>
+      <p:sp>
+        <p:nvSpPr>
+          <p:cNvPr id="2" name="Slide Image Placeholder 1"/>
+          <p:cNvSpPr>
+            <a:spLocks noGrp="1" noRot="1" noChangeAspect="1"/>
+          </p:cNvSpPr>
+          <p:nvPr>
+            <p:ph type="sldImg"/>
+          </p:nvPr>
+        </p:nvSpPr>
+        <p:spPr/>
+      </p:sp>
+      <p:sp>
+        <p:nvSpPr>
+          <p:cNvPr id="3" name="Notes Placeholder 2"/>
+          <p:cNvSpPr>
+            <a:spLocks noGrp="1"/>
+          </p:cNvSpPr>
+          <p:nvPr>
+            <p:ph type="body" idx="1"/>
+          </p:nvPr>
+        </p:nvSpPr>
+        <p:spPr/>
+        <p:txBody>
+          <a:bodyPr/>
+          <a:lstStyle/>
+          <a:p>
+            <a:pPr marL="0" marR="0" lvl="0" indent="0" algn="l" defTabSz="914400" rtl="0" eaLnBrk="1" fontAlgn="auto" latinLnBrk="0" hangingPunct="1">
+              <a:lnSpc>
+                <a:spcPct val="100000"/>
+              </a:lnSpc>
+              <a:spcBef>
+                <a:spcPts val="0"/>
+              </a:spcBef>
+              <a:spcAft>
+                <a:spcPts val="0"/>
+              </a:spcAft>
+              <a:buClrTx/>
+              <a:buSzTx/>
+              <a:buFontTx/>
+              <a:buNone/>
+              <a:tabLst/>
+              <a:defRPr/>
+            </a:pPr>
+            <a:r>
+              <a:rPr lang="en-US" dirty="0"/>
+              <a:t>code</a:t>
+            </a:r>
+            <a:r>
+              <a:rPr lang="en-US"/>
+              <a:t>: pbb.</a:t>
+            </a:r>
+            <a:r>
+              <a:rPr lang="en-US" dirty="0"/>
+              <a:t>py</a:t>
+            </a:r>
+          </a:p>
+        </p:txBody>
+      </p:sp>
+      <p:sp>
+        <p:nvSpPr>
+          <p:cNvPr id="4" name="Slide Number Placeholder 3"/>
+          <p:cNvSpPr>
+            <a:spLocks noGrp="1"/>
+          </p:cNvSpPr>
+          <p:nvPr>
+            <p:ph type="sldNum" sz="quarter" idx="5"/>
+          </p:nvPr>
+        </p:nvSpPr>
+        <p:spPr/>
+        <p:txBody>
+          <a:bodyPr/>
+          <a:lstStyle/>
+          <a:p>
+            <a:fld id="{0D1C65D9-76AF-408C-BBEA-BE129EDCAF76}" type="slidenum">
+              <a:rPr lang="en-US" smtClean="0"/>
+              <a:t>4</a:t>
+            </a:fld>
+            <a:endParaRPr lang="en-US"/>
+          </a:p>
+        </p:txBody>
+      </p:sp>
+    </p:spTree>
+    <p:extLst>
+      <p:ext uri="{BB962C8B-B14F-4D97-AF65-F5344CB8AC3E}">
+        <p14:creationId xmlns:p14="http://schemas.microsoft.com/office/powerpoint/2010/main" val="3832984269"/>
+      </p:ext>
+    </p:extLst>
+  </p:cSld>
+  <p:clrMapOvr>
+    <a:masterClrMapping/>
+  </p:clrMapOvr>
+</p:notes>
+</file>
+
+<file path=ppt/notesSlides/notesSlide5.xml><?xml version="1.0" encoding="utf-8"?>
+<p:notes xmlns:a="http://schemas.openxmlformats.org/drawingml/2006/main" xmlns:r="http://schemas.openxmlformats.org/officeDocument/2006/relationships" xmlns:p="http://schemas.openxmlformats.org/presentationml/2006/main">
+  <p:cSld>
+    <p:spTree>
+      <p:nvGrpSpPr>
+        <p:cNvPr id="1" name=""/>
+        <p:cNvGrpSpPr/>
+        <p:nvPr/>
+      </p:nvGrpSpPr>
+      <p:grpSpPr>
+        <a:xfrm>
+          <a:off x="0" y="0"/>
+          <a:ext cx="0" cy="0"/>
+          <a:chOff x="0" y="0"/>
+          <a:chExt cx="0" cy="0"/>
+        </a:xfrm>
+      </p:grpSpPr>
+      <p:sp>
+        <p:nvSpPr>
+          <p:cNvPr id="2" name="Slide Image Placeholder 1"/>
+          <p:cNvSpPr>
+            <a:spLocks noGrp="1" noRot="1" noChangeAspect="1"/>
+          </p:cNvSpPr>
+          <p:nvPr>
+            <p:ph type="sldImg"/>
+          </p:nvPr>
+        </p:nvSpPr>
+        <p:spPr/>
+      </p:sp>
+      <p:sp>
+        <p:nvSpPr>
+          <p:cNvPr id="3" name="Notes Placeholder 2"/>
+          <p:cNvSpPr>
+            <a:spLocks noGrp="1"/>
+          </p:cNvSpPr>
+          <p:nvPr>
+            <p:ph type="body" idx="1"/>
+          </p:nvPr>
+        </p:nvSpPr>
+        <p:spPr/>
+        <p:txBody>
+          <a:bodyPr/>
+          <a:lstStyle/>
+          <a:p>
+            <a:pPr marL="0" marR="0" lvl="0" indent="0" algn="l" defTabSz="914400" rtl="0" eaLnBrk="1" fontAlgn="auto" latinLnBrk="0" hangingPunct="1">
+              <a:lnSpc>
+                <a:spcPct val="100000"/>
+              </a:lnSpc>
+              <a:spcBef>
+                <a:spcPts val="0"/>
+              </a:spcBef>
+              <a:spcAft>
+                <a:spcPts val="0"/>
+              </a:spcAft>
+              <a:buClrTx/>
+              <a:buSzTx/>
+              <a:buFontTx/>
+              <a:buNone/>
+              <a:tabLst/>
+              <a:defRPr/>
+            </a:pPr>
+            <a:r>
+              <a:rPr lang="en-US" dirty="0"/>
+              <a:t>code</a:t>
+            </a:r>
+            <a:r>
+              <a:rPr lang="en-US"/>
+              <a:t>: pbb.</a:t>
+            </a:r>
+            <a:r>
+              <a:rPr lang="en-US" dirty="0"/>
+              <a:t>py</a:t>
+            </a:r>
+          </a:p>
+        </p:txBody>
+      </p:sp>
+      <p:sp>
+        <p:nvSpPr>
+          <p:cNvPr id="4" name="Slide Number Placeholder 3"/>
+          <p:cNvSpPr>
+            <a:spLocks noGrp="1"/>
+          </p:cNvSpPr>
+          <p:nvPr>
+            <p:ph type="sldNum" sz="quarter" idx="5"/>
+          </p:nvPr>
+        </p:nvSpPr>
+        <p:spPr/>
+        <p:txBody>
+          <a:bodyPr/>
+          <a:lstStyle/>
+          <a:p>
+            <a:fld id="{0D1C65D9-76AF-408C-BBEA-BE129EDCAF76}" type="slidenum">
+              <a:rPr lang="en-US" smtClean="0"/>
+              <a:t>5</a:t>
+            </a:fld>
+            <a:endParaRPr lang="en-US"/>
+          </a:p>
+        </p:txBody>
+      </p:sp>
+    </p:spTree>
+    <p:extLst>
+      <p:ext uri="{BB962C8B-B14F-4D97-AF65-F5344CB8AC3E}">
+        <p14:creationId xmlns:p14="http://schemas.microsoft.com/office/powerpoint/2010/main" val="3041490940"/>
+      </p:ext>
+    </p:extLst>
+  </p:cSld>
+  <p:clrMapOvr>
+    <a:masterClrMapping/>
+  </p:clrMapOvr>
+</p:notes>
+</file>
+
+<file path=ppt/notesSlides/notesSlide6.xml><?xml version="1.0" encoding="utf-8"?>
+<p:notes xmlns:a="http://schemas.openxmlformats.org/drawingml/2006/main" xmlns:r="http://schemas.openxmlformats.org/officeDocument/2006/relationships" xmlns:p="http://schemas.openxmlformats.org/presentationml/2006/main">
+  <p:cSld>
+    <p:spTree>
+      <p:nvGrpSpPr>
+        <p:cNvPr id="1" name=""/>
+        <p:cNvGrpSpPr/>
+        <p:nvPr/>
+      </p:nvGrpSpPr>
+      <p:grpSpPr>
+        <a:xfrm>
+          <a:off x="0" y="0"/>
+          <a:ext cx="0" cy="0"/>
+          <a:chOff x="0" y="0"/>
+          <a:chExt cx="0" cy="0"/>
+        </a:xfrm>
+      </p:grpSpPr>
+      <p:sp>
+        <p:nvSpPr>
+          <p:cNvPr id="2" name="Slide Image Placeholder 1"/>
+          <p:cNvSpPr>
+            <a:spLocks noGrp="1" noRot="1" noChangeAspect="1"/>
+          </p:cNvSpPr>
+          <p:nvPr>
+            <p:ph type="sldImg"/>
+          </p:nvPr>
+        </p:nvSpPr>
+        <p:spPr/>
+      </p:sp>
+      <p:sp>
+        <p:nvSpPr>
+          <p:cNvPr id="3" name="Notes Placeholder 2"/>
+          <p:cNvSpPr>
+            <a:spLocks noGrp="1"/>
+          </p:cNvSpPr>
+          <p:nvPr>
+            <p:ph type="body" idx="1"/>
+          </p:nvPr>
+        </p:nvSpPr>
+        <p:spPr/>
+        <p:txBody>
+          <a:bodyPr/>
+          <a:lstStyle/>
+          <a:p>
+            <a:pPr marL="0" marR="0" lvl="0" indent="0" algn="l" defTabSz="914400" rtl="0" eaLnBrk="1" fontAlgn="auto" latinLnBrk="0" hangingPunct="1">
+              <a:lnSpc>
+                <a:spcPct val="100000"/>
+              </a:lnSpc>
+              <a:spcBef>
+                <a:spcPts val="0"/>
+              </a:spcBef>
+              <a:spcAft>
+                <a:spcPts val="0"/>
+              </a:spcAft>
+              <a:buClrTx/>
+              <a:buSzTx/>
+              <a:buFontTx/>
+              <a:buNone/>
+              <a:tabLst/>
+              <a:defRPr/>
+            </a:pPr>
+            <a:r>
+              <a:rPr lang="en-US" dirty="0"/>
+              <a:t>code</a:t>
+            </a:r>
+            <a:r>
+              <a:rPr lang="en-US"/>
+              <a:t>: pbb.</a:t>
+            </a:r>
+            <a:r>
+              <a:rPr lang="en-US" dirty="0"/>
+              <a:t>py</a:t>
+            </a:r>
+          </a:p>
+        </p:txBody>
+      </p:sp>
+      <p:sp>
+        <p:nvSpPr>
+          <p:cNvPr id="4" name="Slide Number Placeholder 3"/>
+          <p:cNvSpPr>
+            <a:spLocks noGrp="1"/>
+          </p:cNvSpPr>
+          <p:nvPr>
+            <p:ph type="sldNum" sz="quarter" idx="5"/>
+          </p:nvPr>
+        </p:nvSpPr>
+        <p:spPr/>
+        <p:txBody>
+          <a:bodyPr/>
+          <a:lstStyle/>
+          <a:p>
+            <a:fld id="{0D1C65D9-76AF-408C-BBEA-BE129EDCAF76}" type="slidenum">
+              <a:rPr lang="en-US" smtClean="0"/>
+              <a:t>6</a:t>
+            </a:fld>
+            <a:endParaRPr lang="en-US"/>
+          </a:p>
+        </p:txBody>
+      </p:sp>
+    </p:spTree>
+    <p:extLst>
+      <p:ext uri="{BB962C8B-B14F-4D97-AF65-F5344CB8AC3E}">
+        <p14:creationId xmlns:p14="http://schemas.microsoft.com/office/powerpoint/2010/main" val="3098439226"/>
+      </p:ext>
+    </p:extLst>
+  </p:cSld>
+  <p:clrMapOvr>
+    <a:masterClrMapping/>
+  </p:clrMapOvr>
+</p:notes>
+</file>
+
 <file path=ppt/slideLayouts/slideLayout1.xml><?xml version="1.0" encoding="utf-8"?>
 <p:sldLayout xmlns:a="http://schemas.openxmlformats.org/drawingml/2006/main" xmlns:r="http://schemas.openxmlformats.org/officeDocument/2006/relationships" xmlns:p="http://schemas.openxmlformats.org/presentationml/2006/main" type="title" preserve="1">
   <p:cSld name="Title Slide">
@@ -1467,7 +2028,7 @@
           <a:p>
             <a:fld id="{7E8FA1CD-1F25-4F2F-81DD-0B6A9FD60ECF}" type="datetimeFigureOut">
               <a:rPr lang="en-US" smtClean="0"/>
-              <a:t>11/17/2024</a:t>
+              <a:t>11/30/2024</a:t>
             </a:fld>
             <a:endParaRPr lang="en-US"/>
           </a:p>
@@ -1665,7 +2226,7 @@
           <a:p>
             <a:fld id="{7E8FA1CD-1F25-4F2F-81DD-0B6A9FD60ECF}" type="datetimeFigureOut">
               <a:rPr lang="en-US" smtClean="0"/>
-              <a:t>11/17/2024</a:t>
+              <a:t>11/30/2024</a:t>
             </a:fld>
             <a:endParaRPr lang="en-US"/>
           </a:p>
@@ -1873,7 +2434,7 @@
           <a:p>
             <a:fld id="{7E8FA1CD-1F25-4F2F-81DD-0B6A9FD60ECF}" type="datetimeFigureOut">
               <a:rPr lang="en-US" smtClean="0"/>
-              <a:t>11/17/2024</a:t>
+              <a:t>11/30/2024</a:t>
             </a:fld>
             <a:endParaRPr lang="en-US"/>
           </a:p>
@@ -2071,7 +2632,7 @@
           <a:p>
             <a:fld id="{7E8FA1CD-1F25-4F2F-81DD-0B6A9FD60ECF}" type="datetimeFigureOut">
               <a:rPr lang="en-US" smtClean="0"/>
-              <a:t>11/17/2024</a:t>
+              <a:t>11/30/2024</a:t>
             </a:fld>
             <a:endParaRPr lang="en-US"/>
           </a:p>
@@ -2346,7 +2907,7 @@
           <a:p>
             <a:fld id="{7E8FA1CD-1F25-4F2F-81DD-0B6A9FD60ECF}" type="datetimeFigureOut">
               <a:rPr lang="en-US" smtClean="0"/>
-              <a:t>11/17/2024</a:t>
+              <a:t>11/30/2024</a:t>
             </a:fld>
             <a:endParaRPr lang="en-US"/>
           </a:p>
@@ -2611,7 +3172,7 @@
           <a:p>
             <a:fld id="{7E8FA1CD-1F25-4F2F-81DD-0B6A9FD60ECF}" type="datetimeFigureOut">
               <a:rPr lang="en-US" smtClean="0"/>
-              <a:t>11/17/2024</a:t>
+              <a:t>11/30/2024</a:t>
             </a:fld>
             <a:endParaRPr lang="en-US"/>
           </a:p>
@@ -3023,7 +3584,7 @@
           <a:p>
             <a:fld id="{7E8FA1CD-1F25-4F2F-81DD-0B6A9FD60ECF}" type="datetimeFigureOut">
               <a:rPr lang="en-US" smtClean="0"/>
-              <a:t>11/17/2024</a:t>
+              <a:t>11/30/2024</a:t>
             </a:fld>
             <a:endParaRPr lang="en-US"/>
           </a:p>
@@ -3164,7 +3725,7 @@
           <a:p>
             <a:fld id="{7E8FA1CD-1F25-4F2F-81DD-0B6A9FD60ECF}" type="datetimeFigureOut">
               <a:rPr lang="en-US" smtClean="0"/>
-              <a:t>11/17/2024</a:t>
+              <a:t>11/30/2024</a:t>
             </a:fld>
             <a:endParaRPr lang="en-US"/>
           </a:p>
@@ -3277,7 +3838,7 @@
           <a:p>
             <a:fld id="{7E8FA1CD-1F25-4F2F-81DD-0B6A9FD60ECF}" type="datetimeFigureOut">
               <a:rPr lang="en-US" smtClean="0"/>
-              <a:t>11/17/2024</a:t>
+              <a:t>11/30/2024</a:t>
             </a:fld>
             <a:endParaRPr lang="en-US"/>
           </a:p>
@@ -3588,7 +4149,7 @@
           <a:p>
             <a:fld id="{7E8FA1CD-1F25-4F2F-81DD-0B6A9FD60ECF}" type="datetimeFigureOut">
               <a:rPr lang="en-US" smtClean="0"/>
-              <a:t>11/17/2024</a:t>
+              <a:t>11/30/2024</a:t>
             </a:fld>
             <a:endParaRPr lang="en-US"/>
           </a:p>
@@ -3876,7 +4437,7 @@
           <a:p>
             <a:fld id="{7E8FA1CD-1F25-4F2F-81DD-0B6A9FD60ECF}" type="datetimeFigureOut">
               <a:rPr lang="en-US" smtClean="0"/>
-              <a:t>11/17/2024</a:t>
+              <a:t>11/30/2024</a:t>
             </a:fld>
             <a:endParaRPr lang="en-US"/>
           </a:p>
@@ -4117,7 +4678,7 @@
           <a:p>
             <a:fld id="{7E8FA1CD-1F25-4F2F-81DD-0B6A9FD60ECF}" type="datetimeFigureOut">
               <a:rPr lang="en-US" smtClean="0"/>
-              <a:t>11/17/2024</a:t>
+              <a:t>11/30/2024</a:t>
             </a:fld>
             <a:endParaRPr lang="en-US"/>
           </a:p>
@@ -4576,8 +5137,8 @@
           </a:p>
         </p:txBody>
       </p:sp>
-      <mc:AlternateContent xmlns:mc="http://schemas.openxmlformats.org/markup-compatibility/2006">
-        <mc:Choice xmlns:a14="http://schemas.microsoft.com/office/drawing/2010/main" Requires="a14">
+      <mc:AlternateContent xmlns:mc="http://schemas.openxmlformats.org/markup-compatibility/2006" xmlns:a14="http://schemas.microsoft.com/office/drawing/2010/main">
+        <mc:Choice Requires="a14">
           <p:sp>
             <p:nvSpPr>
               <p:cNvPr id="2" name="TextBox 1">
@@ -4630,6 +5191,7 @@
                 </a:r>
               </a:p>
               <a:p>
+                <a:pPr/>
                 <a14:m>
                   <m:oMathPara xmlns:m="http://schemas.openxmlformats.org/officeDocument/2006/math">
                     <m:oMathParaPr>
@@ -4639,7 +5201,7 @@
                       <m:sSub>
                         <m:sSubPr>
                           <m:ctrlPr>
-                            <a:rPr lang="en-US">
+                            <a:rPr lang="en-US" i="1">
                               <a:latin typeface="Cambria Math" panose="02040503050406030204" pitchFamily="18" charset="0"/>
                             </a:rPr>
                           </m:ctrlPr>
@@ -4696,7 +5258,7 @@
                           <m:begChr m:val="{"/>
                           <m:endChr m:val=""/>
                           <m:ctrlPr>
-                            <a:rPr lang="en-US">
+                            <a:rPr lang="en-US" i="1">
                               <a:latin typeface="Cambria Math" panose="02040503050406030204" pitchFamily="18" charset="0"/>
                             </a:rPr>
                           </m:ctrlPr>
@@ -4705,7 +5267,7 @@
                           <m:eqArr>
                             <m:eqArrPr>
                               <m:ctrlPr>
-                                <a:rPr lang="en-US">
+                                <a:rPr lang="en-US" i="1">
                                   <a:latin typeface="Cambria Math" panose="02040503050406030204" pitchFamily="18" charset="0"/>
                                 </a:rPr>
                               </m:ctrlPr>
@@ -4747,7 +5309,7 @@
                               <m:d>
                                 <m:dPr>
                                   <m:ctrlPr>
-                                    <a:rPr lang="en-US">
+                                    <a:rPr lang="en-US" i="1">
                                       <a:latin typeface="Cambria Math" panose="02040503050406030204" pitchFamily="18" charset="0"/>
                                     </a:rPr>
                                   </m:ctrlPr>
@@ -4762,7 +5324,7 @@
                                   <m:f>
                                     <m:fPr>
                                       <m:ctrlPr>
-                                        <a:rPr lang="en-US">
+                                        <a:rPr lang="en-US" i="1">
                                           <a:latin typeface="Cambria Math" panose="02040503050406030204" pitchFamily="18" charset="0"/>
                                         </a:rPr>
                                       </m:ctrlPr>
@@ -4813,7 +5375,7 @@
                               <m:d>
                                 <m:dPr>
                                   <m:ctrlPr>
-                                    <a:rPr lang="en-US">
+                                    <a:rPr lang="en-US" i="1">
                                       <a:latin typeface="Cambria Math" panose="02040503050406030204" pitchFamily="18" charset="0"/>
                                     </a:rPr>
                                   </m:ctrlPr>
@@ -4828,7 +5390,7 @@
                                   <m:f>
                                     <m:fPr>
                                       <m:ctrlPr>
-                                        <a:rPr lang="en-US">
+                                        <a:rPr lang="en-US" i="1">
                                           <a:latin typeface="Cambria Math" panose="02040503050406030204" pitchFamily="18" charset="0"/>
                                         </a:rPr>
                                       </m:ctrlPr>
@@ -4970,13 +5532,7 @@
                       <a:rPr lang="en-US" b="0" i="1" smtClean="0">
                         <a:latin typeface="Cambria Math" panose="02040503050406030204" pitchFamily="18" charset="0"/>
                       </a:rPr>
-                      <m:t>×</m:t>
-                    </m:r>
-                    <m:r>
-                      <a:rPr lang="en-US" b="0" i="1" smtClean="0">
-                        <a:latin typeface="Cambria Math" panose="02040503050406030204" pitchFamily="18" charset="0"/>
-                      </a:rPr>
-                      <m:t>64=4096</m:t>
+                      <m:t>×64=4096</m:t>
                     </m:r>
                   </m:oMath>
                 </a14:m>
@@ -5236,7 +5792,7 @@
             </p:txBody>
           </p:sp>
         </mc:Choice>
-        <mc:Fallback>
+        <mc:Fallback xmlns="">
           <p:sp>
             <p:nvSpPr>
               <p:cNvPr id="2" name="TextBox 1">
@@ -6744,8 +7300,8 @@
           </a:p>
         </p:txBody>
       </p:sp>
-      <mc:AlternateContent xmlns:mc="http://schemas.openxmlformats.org/markup-compatibility/2006">
-        <mc:Choice xmlns:a14="http://schemas.microsoft.com/office/drawing/2010/main" Requires="a14">
+      <mc:AlternateContent xmlns:mc="http://schemas.openxmlformats.org/markup-compatibility/2006" xmlns:a14="http://schemas.microsoft.com/office/drawing/2010/main">
+        <mc:Choice Requires="a14">
           <p:sp>
             <p:nvSpPr>
               <p:cNvPr id="2" name="TextBox 1">
@@ -6786,6 +7342,7 @@
                 </a:r>
               </a:p>
               <a:p>
+                <a:pPr/>
                 <a14:m>
                   <m:oMathPara xmlns:m="http://schemas.openxmlformats.org/officeDocument/2006/math">
                     <m:oMathParaPr>
@@ -7086,58 +7643,78 @@
                 <a14:m>
                   <m:oMath xmlns:m="http://schemas.openxmlformats.org/officeDocument/2006/math">
                     <m:r>
-                      <a:rPr lang="en-US" b="1" i="1"/>
+                      <a:rPr lang="en-US" b="1" i="1">
+                        <a:latin typeface="Cambria Math" panose="02040503050406030204" pitchFamily="18" charset="0"/>
+                      </a:rPr>
                       <m:t>𝒄</m:t>
                     </m:r>
                     <m:r>
-                      <a:rPr lang="en-US" i="1"/>
+                      <a:rPr lang="en-US" i="1">
+                        <a:latin typeface="Cambria Math" panose="02040503050406030204" pitchFamily="18" charset="0"/>
+                      </a:rPr>
                       <m:t>=</m:t>
                     </m:r>
                     <m:d>
                       <m:dPr>
                         <m:ctrlPr>
-                          <a:rPr lang="en-US" i="1"/>
+                          <a:rPr lang="en-US" i="1">
+                            <a:latin typeface="Cambria Math" panose="02040503050406030204" pitchFamily="18" charset="0"/>
+                          </a:rPr>
                         </m:ctrlPr>
                       </m:dPr>
                       <m:e>
                         <m:sSub>
                           <m:sSubPr>
                             <m:ctrlPr>
-                              <a:rPr lang="en-US" i="1"/>
+                              <a:rPr lang="en-US" i="1">
+                                <a:latin typeface="Cambria Math" panose="02040503050406030204" pitchFamily="18" charset="0"/>
+                              </a:rPr>
                             </m:ctrlPr>
                           </m:sSubPr>
                           <m:e>
                             <m:r>
-                              <a:rPr lang="en-US" i="1"/>
+                              <a:rPr lang="en-US" i="1">
+                                <a:latin typeface="Cambria Math" panose="02040503050406030204" pitchFamily="18" charset="0"/>
+                              </a:rPr>
                               <m:t>𝑐</m:t>
                             </m:r>
                           </m:e>
                           <m:sub>
                             <m:r>
-                              <a:rPr lang="en-US" i="1"/>
+                              <a:rPr lang="en-US" i="1">
+                                <a:latin typeface="Cambria Math" panose="02040503050406030204" pitchFamily="18" charset="0"/>
+                              </a:rPr>
                               <m:t>𝑥𝑠</m:t>
                             </m:r>
                           </m:sub>
                         </m:sSub>
                         <m:r>
-                          <a:rPr lang="en-US" i="1"/>
+                          <a:rPr lang="en-US" i="1">
+                            <a:latin typeface="Cambria Math" panose="02040503050406030204" pitchFamily="18" charset="0"/>
+                          </a:rPr>
                           <m:t>,</m:t>
                         </m:r>
                         <m:sSub>
                           <m:sSubPr>
                             <m:ctrlPr>
-                              <a:rPr lang="en-US" i="1"/>
+                              <a:rPr lang="en-US" i="1">
+                                <a:latin typeface="Cambria Math" panose="02040503050406030204" pitchFamily="18" charset="0"/>
+                              </a:rPr>
                             </m:ctrlPr>
                           </m:sSubPr>
                           <m:e>
                             <m:r>
-                              <a:rPr lang="en-US" i="1"/>
+                              <a:rPr lang="en-US" i="1">
+                                <a:latin typeface="Cambria Math" panose="02040503050406030204" pitchFamily="18" charset="0"/>
+                              </a:rPr>
                               <m:t>𝑐</m:t>
                             </m:r>
                           </m:e>
                           <m:sub>
                             <m:r>
-                              <a:rPr lang="en-US" i="1"/>
+                              <a:rPr lang="en-US" i="1">
+                                <a:latin typeface="Cambria Math" panose="02040503050406030204" pitchFamily="18" charset="0"/>
+                              </a:rPr>
                               <m:t>𝑦𝑠</m:t>
                             </m:r>
                           </m:sub>
@@ -7309,6 +7886,7 @@
                 </a:r>
               </a:p>
               <a:p>
+                <a:pPr/>
                 <a14:m>
                   <m:oMathPara xmlns:m="http://schemas.openxmlformats.org/officeDocument/2006/math">
                     <m:oMathParaPr>
@@ -8176,47 +8754,7 @@
                         <a:ea typeface="Cambria Math" panose="02040503050406030204" pitchFamily="18" charset="0"/>
                         <a:cs typeface="Times New Roman" panose="02020603050405020304" pitchFamily="18" charset="0"/>
                       </a:rPr>
-                      <m:t>∈(</m:t>
-                    </m:r>
-                    <m:r>
-                      <a:rPr lang="en-US" i="1" kern="100">
-                        <a:latin typeface="Cambria Math" panose="02040503050406030204" pitchFamily="18" charset="0"/>
-                        <a:ea typeface="Cambria Math" panose="02040503050406030204" pitchFamily="18" charset="0"/>
-                        <a:cs typeface="Times New Roman" panose="02020603050405020304" pitchFamily="18" charset="0"/>
-                      </a:rPr>
-                      <m:t>−</m:t>
-                    </m:r>
-                    <m:r>
-                      <a:rPr lang="en-US" i="1" kern="100">
-                        <a:latin typeface="Cambria Math" panose="02040503050406030204" pitchFamily="18" charset="0"/>
-                        <a:ea typeface="Cambria Math" panose="02040503050406030204" pitchFamily="18" charset="0"/>
-                        <a:cs typeface="Times New Roman" panose="02020603050405020304" pitchFamily="18" charset="0"/>
-                      </a:rPr>
-                      <m:t>0</m:t>
-                    </m:r>
-                    <m:r>
-                      <a:rPr lang="en-US" i="1" kern="100">
-                        <a:latin typeface="Cambria Math" panose="02040503050406030204" pitchFamily="18" charset="0"/>
-                        <a:ea typeface="Cambria Math" panose="02040503050406030204" pitchFamily="18" charset="0"/>
-                        <a:cs typeface="Times New Roman" panose="02020603050405020304" pitchFamily="18" charset="0"/>
-                      </a:rPr>
-                      <m:t>.5</m:t>
-                    </m:r>
-                    <m:r>
-                      <a:rPr lang="en-US" i="1" kern="100">
-                        <a:latin typeface="Cambria Math" panose="02040503050406030204" pitchFamily="18" charset="0"/>
-                        <a:ea typeface="Cambria Math" panose="02040503050406030204" pitchFamily="18" charset="0"/>
-                        <a:cs typeface="Times New Roman" panose="02020603050405020304" pitchFamily="18" charset="0"/>
-                      </a:rPr>
-                      <m:t>,0.5</m:t>
-                    </m:r>
-                    <m:r>
-                      <a:rPr lang="en-US" i="1" kern="100">
-                        <a:latin typeface="Cambria Math" panose="02040503050406030204" pitchFamily="18" charset="0"/>
-                        <a:ea typeface="Cambria Math" panose="02040503050406030204" pitchFamily="18" charset="0"/>
-                        <a:cs typeface="Times New Roman" panose="02020603050405020304" pitchFamily="18" charset="0"/>
-                      </a:rPr>
-                      <m:t>)</m:t>
+                      <m:t>∈(−0.5,0.5)</m:t>
                     </m:r>
                   </m:oMath>
                 </a14:m>
@@ -8230,7 +8768,7 @@
             </p:txBody>
           </p:sp>
         </mc:Choice>
-        <mc:Fallback>
+        <mc:Fallback xmlns="">
           <p:sp>
             <p:nvSpPr>
               <p:cNvPr id="2" name="TextBox 1">
@@ -8305,8 +8843,8 @@
           </a:prstGeom>
         </p:spPr>
       </p:pic>
-      <mc:AlternateContent xmlns:mc="http://schemas.openxmlformats.org/markup-compatibility/2006">
-        <mc:Choice xmlns:a14="http://schemas.microsoft.com/office/drawing/2010/main" Requires="a14">
+      <mc:AlternateContent xmlns:mc="http://schemas.openxmlformats.org/markup-compatibility/2006" xmlns:a14="http://schemas.microsoft.com/office/drawing/2010/main">
+        <mc:Choice Requires="a14">
           <p:sp>
             <p:nvSpPr>
               <p:cNvPr id="5" name="TextBox 4">
@@ -8432,7 +8970,7 @@
                     <m:sSub>
                       <m:sSubPr>
                         <m:ctrlPr>
-                          <a:rPr lang="en-US">
+                          <a:rPr lang="en-US" i="1">
                             <a:latin typeface="Cambria Math" panose="02040503050406030204" pitchFamily="18" charset="0"/>
                           </a:rPr>
                         </m:ctrlPr>
@@ -8467,7 +9005,7 @@
                     <m:sSub>
                       <m:sSubPr>
                         <m:ctrlPr>
-                          <a:rPr lang="en-US">
+                          <a:rPr lang="en-US" i="1">
                             <a:latin typeface="Cambria Math" panose="02040503050406030204" pitchFamily="18" charset="0"/>
                           </a:rPr>
                         </m:ctrlPr>
@@ -8502,7 +9040,7 @@
                     <m:f>
                       <m:fPr>
                         <m:ctrlPr>
-                          <a:rPr lang="en-US">
+                          <a:rPr lang="en-US" i="1">
                             <a:latin typeface="Cambria Math" panose="02040503050406030204" pitchFamily="18" charset="0"/>
                           </a:rPr>
                         </m:ctrlPr>
@@ -8519,7 +9057,7 @@
                         <m:d>
                           <m:dPr>
                             <m:ctrlPr>
-                              <a:rPr lang="en-US">
+                              <a:rPr lang="en-US" i="1">
                                 <a:latin typeface="Cambria Math" panose="02040503050406030204" pitchFamily="18" charset="0"/>
                               </a:rPr>
                             </m:ctrlPr>
@@ -8540,7 +9078,7 @@
                             <m:sSubSup>
                               <m:sSubSupPr>
                                 <m:ctrlPr>
-                                  <a:rPr lang="en-US">
+                                  <a:rPr lang="en-US" i="1">
                                     <a:latin typeface="Cambria Math" panose="02040503050406030204" pitchFamily="18" charset="0"/>
                                   </a:rPr>
                                 </m:ctrlPr>
@@ -8586,7 +9124,7 @@
             </p:txBody>
           </p:sp>
         </mc:Choice>
-        <mc:Fallback>
+        <mc:Fallback xmlns="">
           <p:sp>
             <p:nvSpPr>
               <p:cNvPr id="5" name="TextBox 4">
@@ -8731,8 +9269,8 @@
           </a:p>
         </p:txBody>
       </p:sp>
-      <mc:AlternateContent xmlns:mc="http://schemas.openxmlformats.org/markup-compatibility/2006">
-        <mc:Choice xmlns:a14="http://schemas.microsoft.com/office/drawing/2010/main" Requires="a14">
+      <mc:AlternateContent xmlns:mc="http://schemas.openxmlformats.org/markup-compatibility/2006" xmlns:a14="http://schemas.microsoft.com/office/drawing/2010/main">
+        <mc:Choice Requires="a14">
           <p:sp>
             <p:nvSpPr>
               <p:cNvPr id="3" name="TextBox 2">
@@ -8777,26 +9315,36 @@
                 <a14:m>
                   <m:oMath xmlns:m="http://schemas.openxmlformats.org/officeDocument/2006/math">
                     <m:r>
-                      <a:rPr lang="en-US" i="1"/>
+                      <a:rPr lang="en-US" i="1">
+                        <a:latin typeface="Cambria Math" panose="02040503050406030204" pitchFamily="18" charset="0"/>
+                      </a:rPr>
                       <m:t>𝐻</m:t>
                     </m:r>
                     <m:r>
-                      <a:rPr lang="en-US" i="1"/>
+                      <a:rPr lang="en-US" i="1">
+                        <a:latin typeface="Cambria Math" panose="02040503050406030204" pitchFamily="18" charset="0"/>
+                      </a:rPr>
                       <m:t>=</m:t>
                     </m:r>
                     <m:r>
-                      <a:rPr lang="en-US" i="1"/>
+                      <a:rPr lang="en-US" i="1">
+                        <a:latin typeface="Cambria Math" panose="02040503050406030204" pitchFamily="18" charset="0"/>
+                      </a:rPr>
                       <m:t>𝑈</m:t>
                     </m:r>
                     <m:r>
                       <m:rPr>
                         <m:sty m:val="p"/>
                       </m:rPr>
-                      <a:rPr lang="en-US"/>
+                      <a:rPr lang="en-US">
+                        <a:latin typeface="Cambria Math" panose="02040503050406030204" pitchFamily="18" charset="0"/>
+                      </a:rPr>
                       <m:t>Σ</m:t>
                     </m:r>
                     <m:r>
-                      <a:rPr lang="en-US" i="1"/>
+                      <a:rPr lang="en-US" i="1">
+                        <a:latin typeface="Cambria Math" panose="02040503050406030204" pitchFamily="18" charset="0"/>
+                      </a:rPr>
                       <m:t>𝑉</m:t>
                     </m:r>
                   </m:oMath>
@@ -8815,34 +9363,46 @@
                     <m:sSup>
                       <m:sSupPr>
                         <m:ctrlPr>
-                          <a:rPr lang="en-US" i="1"/>
+                          <a:rPr lang="en-US" i="1">
+                            <a:latin typeface="Cambria Math" panose="02040503050406030204" pitchFamily="18" charset="0"/>
+                          </a:rPr>
                         </m:ctrlPr>
                       </m:sSupPr>
                       <m:e>
                         <m:r>
-                          <a:rPr lang="en-US" i="1"/>
+                          <a:rPr lang="en-US" i="1">
+                            <a:latin typeface="Cambria Math" panose="02040503050406030204" pitchFamily="18" charset="0"/>
+                          </a:rPr>
                           <m:t>𝐻</m:t>
                         </m:r>
                       </m:e>
                       <m:sup>
                         <m:r>
-                          <a:rPr lang="en-US" i="1"/>
+                          <a:rPr lang="en-US" i="1">
+                            <a:latin typeface="Cambria Math" panose="02040503050406030204" pitchFamily="18" charset="0"/>
+                          </a:rPr>
                           <m:t>+</m:t>
                         </m:r>
                       </m:sup>
                     </m:sSup>
                     <m:r>
-                      <a:rPr lang="en-US" i="1"/>
+                      <a:rPr lang="en-US" i="1">
+                        <a:latin typeface="Cambria Math" panose="02040503050406030204" pitchFamily="18" charset="0"/>
+                      </a:rPr>
                       <m:t>=</m:t>
                     </m:r>
                     <m:r>
-                      <a:rPr lang="en-US" i="1"/>
+                      <a:rPr lang="en-US" i="1">
+                        <a:latin typeface="Cambria Math" panose="02040503050406030204" pitchFamily="18" charset="0"/>
+                      </a:rPr>
                       <m:t>𝑉</m:t>
                     </m:r>
                     <m:sSup>
                       <m:sSupPr>
                         <m:ctrlPr>
-                          <a:rPr lang="en-US" i="1"/>
+                          <a:rPr lang="en-US" i="1">
+                            <a:latin typeface="Cambria Math" panose="02040503050406030204" pitchFamily="18" charset="0"/>
+                          </a:rPr>
                         </m:ctrlPr>
                       </m:sSupPr>
                       <m:e>
@@ -8850,13 +9410,17 @@
                           <m:rPr>
                             <m:sty m:val="p"/>
                           </m:rPr>
-                          <a:rPr lang="en-US"/>
+                          <a:rPr lang="en-US">
+                            <a:latin typeface="Cambria Math" panose="02040503050406030204" pitchFamily="18" charset="0"/>
+                          </a:rPr>
                           <m:t>Σ</m:t>
                         </m:r>
                       </m:e>
                       <m:sup>
                         <m:r>
-                          <a:rPr lang="en-US" i="1"/>
+                          <a:rPr lang="en-US" i="1">
+                            <a:latin typeface="Cambria Math" panose="02040503050406030204" pitchFamily="18" charset="0"/>
+                          </a:rPr>
                           <m:t>+</m:t>
                         </m:r>
                       </m:sup>
@@ -8864,18 +9428,24 @@
                     <m:sSup>
                       <m:sSupPr>
                         <m:ctrlPr>
-                          <a:rPr lang="en-US" i="1"/>
+                          <a:rPr lang="en-US" i="1">
+                            <a:latin typeface="Cambria Math" panose="02040503050406030204" pitchFamily="18" charset="0"/>
+                          </a:rPr>
                         </m:ctrlPr>
                       </m:sSupPr>
                       <m:e>
                         <m:r>
-                          <a:rPr lang="en-US" i="1"/>
+                          <a:rPr lang="en-US" i="1">
+                            <a:latin typeface="Cambria Math" panose="02040503050406030204" pitchFamily="18" charset="0"/>
+                          </a:rPr>
                           <m:t>𝑈</m:t>
                         </m:r>
                       </m:e>
                       <m:sup>
                         <m:r>
-                          <a:rPr lang="en-US"/>
+                          <a:rPr lang="en-US">
+                            <a:latin typeface="Cambria Math" panose="02040503050406030204" pitchFamily="18" charset="0"/>
+                          </a:rPr>
                           <m:t>⊤</m:t>
                         </m:r>
                       </m:sup>
@@ -8941,15 +9511,21 @@
                 <a14:m>
                   <m:oMath xmlns:m="http://schemas.openxmlformats.org/officeDocument/2006/math">
                     <m:r>
-                      <a:rPr lang="en-US" i="1"/>
+                      <a:rPr lang="en-US" i="1">
+                        <a:latin typeface="Cambria Math" panose="02040503050406030204" pitchFamily="18" charset="0"/>
+                      </a:rPr>
                       <m:t>𝑝</m:t>
                     </m:r>
                     <m:r>
-                      <a:rPr lang="en-US" i="1"/>
+                      <a:rPr lang="en-US" i="1">
+                        <a:latin typeface="Cambria Math" panose="02040503050406030204" pitchFamily="18" charset="0"/>
+                      </a:rPr>
                       <m:t>=</m:t>
                     </m:r>
                     <m:r>
-                      <a:rPr lang="en-US" i="1"/>
+                      <a:rPr lang="en-US" i="1">
+                        <a:latin typeface="Cambria Math" panose="02040503050406030204" pitchFamily="18" charset="0"/>
+                      </a:rPr>
                       <m:t>𝐻𝑓</m:t>
                     </m:r>
                   </m:oMath>
@@ -8969,41 +9545,55 @@
                       <m:accPr>
                         <m:chr m:val="̂"/>
                         <m:ctrlPr>
-                          <a:rPr lang="en-US" i="1"/>
+                          <a:rPr lang="en-US" i="1">
+                            <a:latin typeface="Cambria Math" panose="02040503050406030204" pitchFamily="18" charset="0"/>
+                          </a:rPr>
                         </m:ctrlPr>
                       </m:accPr>
                       <m:e>
                         <m:r>
-                          <a:rPr lang="en-US" i="1"/>
+                          <a:rPr lang="en-US" i="1">
+                            <a:latin typeface="Cambria Math" panose="02040503050406030204" pitchFamily="18" charset="0"/>
+                          </a:rPr>
                           <m:t>𝑓</m:t>
                         </m:r>
                       </m:e>
                     </m:acc>
                     <m:r>
-                      <a:rPr lang="en-US" i="1"/>
+                      <a:rPr lang="en-US" i="1">
+                        <a:latin typeface="Cambria Math" panose="02040503050406030204" pitchFamily="18" charset="0"/>
+                      </a:rPr>
                       <m:t>=</m:t>
                     </m:r>
                     <m:sSup>
                       <m:sSupPr>
                         <m:ctrlPr>
-                          <a:rPr lang="en-US" i="1"/>
+                          <a:rPr lang="en-US" i="1">
+                            <a:latin typeface="Cambria Math" panose="02040503050406030204" pitchFamily="18" charset="0"/>
+                          </a:rPr>
                         </m:ctrlPr>
                       </m:sSupPr>
                       <m:e>
                         <m:r>
-                          <a:rPr lang="en-US" i="1"/>
+                          <a:rPr lang="en-US" i="1">
+                            <a:latin typeface="Cambria Math" panose="02040503050406030204" pitchFamily="18" charset="0"/>
+                          </a:rPr>
                           <m:t>𝐻</m:t>
                         </m:r>
                       </m:e>
                       <m:sup>
                         <m:r>
-                          <a:rPr lang="en-US" i="1"/>
+                          <a:rPr lang="en-US" i="1">
+                            <a:latin typeface="Cambria Math" panose="02040503050406030204" pitchFamily="18" charset="0"/>
+                          </a:rPr>
                           <m:t>+</m:t>
                         </m:r>
                       </m:sup>
                     </m:sSup>
                     <m:r>
-                      <a:rPr lang="en-US" i="1"/>
+                      <a:rPr lang="en-US" i="1">
+                        <a:latin typeface="Cambria Math" panose="02040503050406030204" pitchFamily="18" charset="0"/>
+                      </a:rPr>
                       <m:t>𝑝</m:t>
                     </m:r>
                   </m:oMath>
@@ -9018,7 +9608,7 @@
             </p:txBody>
           </p:sp>
         </mc:Choice>
-        <mc:Fallback>
+        <mc:Fallback xmlns="">
           <p:sp>
             <p:nvSpPr>
               <p:cNvPr id="3" name="TextBox 2">
@@ -9153,8 +9743,8 @@
           </a:prstGeom>
         </p:spPr>
       </p:pic>
-      <mc:AlternateContent xmlns:mc="http://schemas.openxmlformats.org/markup-compatibility/2006">
-        <mc:Choice xmlns:a14="http://schemas.microsoft.com/office/drawing/2010/main" Requires="a14">
+      <mc:AlternateContent xmlns:mc="http://schemas.openxmlformats.org/markup-compatibility/2006" xmlns:a14="http://schemas.microsoft.com/office/drawing/2010/main">
+        <mc:Choice Requires="a14">
           <p:sp>
             <p:nvSpPr>
               <p:cNvPr id="13" name="Rectangle 12">
@@ -9223,7 +9813,7 @@
             </p:txBody>
           </p:sp>
         </mc:Choice>
-        <mc:Fallback>
+        <mc:Fallback xmlns="">
           <p:sp>
             <p:nvSpPr>
               <p:cNvPr id="13" name="Rectangle 12">
@@ -9268,8 +9858,8 @@
           </p:sp>
         </mc:Fallback>
       </mc:AlternateContent>
-      <mc:AlternateContent xmlns:mc="http://schemas.openxmlformats.org/markup-compatibility/2006">
-        <mc:Choice xmlns:a14="http://schemas.microsoft.com/office/drawing/2010/main" Requires="a14">
+      <mc:AlternateContent xmlns:mc="http://schemas.openxmlformats.org/markup-compatibility/2006" xmlns:a14="http://schemas.microsoft.com/office/drawing/2010/main">
+        <mc:Choice Requires="a14">
           <p:sp>
             <p:nvSpPr>
               <p:cNvPr id="14" name="Rectangle 13">
@@ -9328,13 +9918,7 @@
                         <a:rPr lang="en-US" b="0" i="1" smtClean="0">
                           <a:latin typeface="Cambria Math" panose="02040503050406030204" pitchFamily="18" charset="0"/>
                         </a:rPr>
-                        <m:t>×</m:t>
-                      </m:r>
-                      <m:r>
-                        <a:rPr lang="en-US" b="0" i="1" smtClean="0">
-                          <a:latin typeface="Cambria Math" panose="02040503050406030204" pitchFamily="18" charset="0"/>
-                        </a:rPr>
-                        <m:t>32</m:t>
+                        <m:t>×32</m:t>
                       </m:r>
                     </m:oMath>
                   </m:oMathPara>
@@ -9344,7 +9928,7 @@
             </p:txBody>
           </p:sp>
         </mc:Choice>
-        <mc:Fallback>
+        <mc:Fallback xmlns="">
           <p:sp>
             <p:nvSpPr>
               <p:cNvPr id="14" name="Rectangle 13">
@@ -9389,8 +9973,8 @@
           </p:sp>
         </mc:Fallback>
       </mc:AlternateContent>
-      <mc:AlternateContent xmlns:mc="http://schemas.openxmlformats.org/markup-compatibility/2006">
-        <mc:Choice xmlns:a14="http://schemas.microsoft.com/office/drawing/2010/main" Requires="a14">
+      <mc:AlternateContent xmlns:mc="http://schemas.openxmlformats.org/markup-compatibility/2006" xmlns:a14="http://schemas.microsoft.com/office/drawing/2010/main">
+        <mc:Choice Requires="a14">
           <p:sp>
             <p:nvSpPr>
               <p:cNvPr id="15" name="Rectangle 14">
@@ -9449,13 +10033,7 @@
                         <a:rPr lang="en-US" b="0" i="1" smtClean="0">
                           <a:latin typeface="Cambria Math" panose="02040503050406030204" pitchFamily="18" charset="0"/>
                         </a:rPr>
-                        <m:t>×</m:t>
-                      </m:r>
-                      <m:r>
-                        <a:rPr lang="en-US" b="0" i="1" smtClean="0">
-                          <a:latin typeface="Cambria Math" panose="02040503050406030204" pitchFamily="18" charset="0"/>
-                        </a:rPr>
-                        <m:t>8</m:t>
+                        <m:t>×8</m:t>
                       </m:r>
                     </m:oMath>
                   </m:oMathPara>
@@ -9465,7 +10043,7 @@
             </p:txBody>
           </p:sp>
         </mc:Choice>
-        <mc:Fallback>
+        <mc:Fallback xmlns="">
           <p:sp>
             <p:nvSpPr>
               <p:cNvPr id="15" name="Rectangle 14">
@@ -9514,6 +10092,651 @@
     <p:extLst>
       <p:ext uri="{BB962C8B-B14F-4D97-AF65-F5344CB8AC3E}">
         <p14:creationId xmlns:p14="http://schemas.microsoft.com/office/powerpoint/2010/main" val="2814959665"/>
+      </p:ext>
+    </p:extLst>
+  </p:cSld>
+  <p:clrMapOvr>
+    <a:masterClrMapping/>
+  </p:clrMapOvr>
+</p:sld>
+</file>
+
+<file path=ppt/slides/slide4.xml><?xml version="1.0" encoding="utf-8"?>
+<p:sld xmlns:a="http://schemas.openxmlformats.org/drawingml/2006/main" xmlns:r="http://schemas.openxmlformats.org/officeDocument/2006/relationships" xmlns:p="http://schemas.openxmlformats.org/presentationml/2006/main">
+  <p:cSld>
+    <p:spTree>
+      <p:nvGrpSpPr>
+        <p:cNvPr id="1" name=""/>
+        <p:cNvGrpSpPr/>
+        <p:nvPr/>
+      </p:nvGrpSpPr>
+      <p:grpSpPr>
+        <a:xfrm>
+          <a:off x="0" y="0"/>
+          <a:ext cx="0" cy="0"/>
+          <a:chOff x="0" y="0"/>
+          <a:chExt cx="0" cy="0"/>
+        </a:xfrm>
+      </p:grpSpPr>
+      <p:sp>
+        <p:nvSpPr>
+          <p:cNvPr id="9" name="TextBox 8">
+            <a:extLst>
+              <a:ext uri="{FF2B5EF4-FFF2-40B4-BE49-F238E27FC236}">
+                <a16:creationId xmlns:a16="http://schemas.microsoft.com/office/drawing/2014/main" id="{5D3AC7B1-4A08-6DAA-5623-235BBE693B68}"/>
+              </a:ext>
+            </a:extLst>
+          </p:cNvPr>
+          <p:cNvSpPr txBox="1"/>
+          <p:nvPr/>
+        </p:nvSpPr>
+        <p:spPr>
+          <a:xfrm>
+            <a:off x="827841" y="166160"/>
+            <a:ext cx="7730233" cy="461665"/>
+          </a:xfrm>
+          <a:prstGeom prst="rect">
+            <a:avLst/>
+          </a:prstGeom>
+          <a:noFill/>
+        </p:spPr>
+        <p:txBody>
+          <a:bodyPr wrap="square">
+            <a:spAutoFit/>
+          </a:bodyPr>
+          <a:lstStyle/>
+          <a:p>
+            <a:r>
+              <a:rPr lang="en-US" sz="2400" b="0" dirty="0">
+                <a:latin typeface="Times New Roman" panose="02020603050405020304" pitchFamily="18" charset="0"/>
+                <a:cs typeface="Times New Roman" panose="02020603050405020304" pitchFamily="18" charset="0"/>
+              </a:rPr>
+              <a:t>Eigenvalues</a:t>
+            </a:r>
+            <a:endParaRPr lang="en-US" sz="2400" dirty="0">
+              <a:latin typeface="Times New Roman" panose="02020603050405020304" pitchFamily="18" charset="0"/>
+              <a:cs typeface="Times New Roman" panose="02020603050405020304" pitchFamily="18" charset="0"/>
+            </a:endParaRPr>
+          </a:p>
+        </p:txBody>
+      </p:sp>
+      <p:pic>
+        <p:nvPicPr>
+          <p:cNvPr id="4" name="Picture 3">
+            <a:extLst>
+              <a:ext uri="{FF2B5EF4-FFF2-40B4-BE49-F238E27FC236}">
+                <a16:creationId xmlns:a16="http://schemas.microsoft.com/office/drawing/2014/main" id="{6C031F2C-53AB-E431-6691-0E1900CF7B95}"/>
+              </a:ext>
+            </a:extLst>
+          </p:cNvPr>
+          <p:cNvPicPr>
+            <a:picLocks noChangeAspect="1"/>
+          </p:cNvPicPr>
+          <p:nvPr/>
+        </p:nvPicPr>
+        <p:blipFill>
+          <a:blip r:embed="rId3"/>
+          <a:stretch>
+            <a:fillRect/>
+          </a:stretch>
+        </p:blipFill>
+        <p:spPr>
+          <a:xfrm>
+            <a:off x="1312473" y="819848"/>
+            <a:ext cx="4479061" cy="2828607"/>
+          </a:xfrm>
+          <a:prstGeom prst="rect">
+            <a:avLst/>
+          </a:prstGeom>
+        </p:spPr>
+      </p:pic>
+      <p:pic>
+        <p:nvPicPr>
+          <p:cNvPr id="6" name="Picture 5">
+            <a:extLst>
+              <a:ext uri="{FF2B5EF4-FFF2-40B4-BE49-F238E27FC236}">
+                <a16:creationId xmlns:a16="http://schemas.microsoft.com/office/drawing/2014/main" id="{AEC98743-FB58-9F26-C994-9EB75A9794A2}"/>
+              </a:ext>
+            </a:extLst>
+          </p:cNvPr>
+          <p:cNvPicPr>
+            <a:picLocks noChangeAspect="1"/>
+          </p:cNvPicPr>
+          <p:nvPr/>
+        </p:nvPicPr>
+        <p:blipFill>
+          <a:blip r:embed="rId4"/>
+          <a:stretch>
+            <a:fillRect/>
+          </a:stretch>
+        </p:blipFill>
+        <p:spPr>
+          <a:xfrm>
+            <a:off x="5791534" y="819847"/>
+            <a:ext cx="4479061" cy="2828608"/>
+          </a:xfrm>
+          <a:prstGeom prst="rect">
+            <a:avLst/>
+          </a:prstGeom>
+        </p:spPr>
+      </p:pic>
+      <p:pic>
+        <p:nvPicPr>
+          <p:cNvPr id="11" name="Picture 10">
+            <a:extLst>
+              <a:ext uri="{FF2B5EF4-FFF2-40B4-BE49-F238E27FC236}">
+                <a16:creationId xmlns:a16="http://schemas.microsoft.com/office/drawing/2014/main" id="{47337954-8CBD-728F-53AC-D6274583115E}"/>
+              </a:ext>
+            </a:extLst>
+          </p:cNvPr>
+          <p:cNvPicPr>
+            <a:picLocks noChangeAspect="1"/>
+          </p:cNvPicPr>
+          <p:nvPr/>
+        </p:nvPicPr>
+        <p:blipFill>
+          <a:blip r:embed="rId5"/>
+          <a:stretch>
+            <a:fillRect/>
+          </a:stretch>
+        </p:blipFill>
+        <p:spPr>
+          <a:xfrm>
+            <a:off x="1312473" y="3648455"/>
+            <a:ext cx="4479061" cy="2828607"/>
+          </a:xfrm>
+          <a:prstGeom prst="rect">
+            <a:avLst/>
+          </a:prstGeom>
+        </p:spPr>
+      </p:pic>
+      <p:pic>
+        <p:nvPicPr>
+          <p:cNvPr id="17" name="Picture 16">
+            <a:extLst>
+              <a:ext uri="{FF2B5EF4-FFF2-40B4-BE49-F238E27FC236}">
+                <a16:creationId xmlns:a16="http://schemas.microsoft.com/office/drawing/2014/main" id="{F10EEBE5-0B98-7C1D-72EF-7300FFBF7F53}"/>
+              </a:ext>
+            </a:extLst>
+          </p:cNvPr>
+          <p:cNvPicPr>
+            <a:picLocks noChangeAspect="1"/>
+          </p:cNvPicPr>
+          <p:nvPr/>
+        </p:nvPicPr>
+        <p:blipFill>
+          <a:blip r:embed="rId6"/>
+          <a:stretch>
+            <a:fillRect/>
+          </a:stretch>
+        </p:blipFill>
+        <p:spPr>
+          <a:xfrm>
+            <a:off x="5791535" y="3648455"/>
+            <a:ext cx="4479060" cy="2828607"/>
+          </a:xfrm>
+          <a:prstGeom prst="rect">
+            <a:avLst/>
+          </a:prstGeom>
+        </p:spPr>
+      </p:pic>
+    </p:spTree>
+    <p:extLst>
+      <p:ext uri="{BB962C8B-B14F-4D97-AF65-F5344CB8AC3E}">
+        <p14:creationId xmlns:p14="http://schemas.microsoft.com/office/powerpoint/2010/main" val="1539622854"/>
+      </p:ext>
+    </p:extLst>
+  </p:cSld>
+  <p:clrMapOvr>
+    <a:masterClrMapping/>
+  </p:clrMapOvr>
+</p:sld>
+</file>
+
+<file path=ppt/slides/slide5.xml><?xml version="1.0" encoding="utf-8"?>
+<p:sld xmlns:a="http://schemas.openxmlformats.org/drawingml/2006/main" xmlns:r="http://schemas.openxmlformats.org/officeDocument/2006/relationships" xmlns:p="http://schemas.openxmlformats.org/presentationml/2006/main">
+  <p:cSld>
+    <p:spTree>
+      <p:nvGrpSpPr>
+        <p:cNvPr id="1" name=""/>
+        <p:cNvGrpSpPr/>
+        <p:nvPr/>
+      </p:nvGrpSpPr>
+      <p:grpSpPr>
+        <a:xfrm>
+          <a:off x="0" y="0"/>
+          <a:ext cx="0" cy="0"/>
+          <a:chOff x="0" y="0"/>
+          <a:chExt cx="0" cy="0"/>
+        </a:xfrm>
+      </p:grpSpPr>
+      <mc:AlternateContent xmlns:mc="http://schemas.openxmlformats.org/markup-compatibility/2006">
+        <mc:Choice xmlns:a14="http://schemas.microsoft.com/office/drawing/2010/main" Requires="a14">
+          <p:sp>
+            <p:nvSpPr>
+              <p:cNvPr id="9" name="TextBox 8">
+                <a:extLst>
+                  <a:ext uri="{FF2B5EF4-FFF2-40B4-BE49-F238E27FC236}">
+                    <a16:creationId xmlns:a16="http://schemas.microsoft.com/office/drawing/2014/main" id="{5D3AC7B1-4A08-6DAA-5623-235BBE693B68}"/>
+                  </a:ext>
+                </a:extLst>
+              </p:cNvPr>
+              <p:cNvSpPr txBox="1"/>
+              <p:nvPr/>
+            </p:nvSpPr>
+            <p:spPr>
+              <a:xfrm>
+                <a:off x="827841" y="166160"/>
+                <a:ext cx="7730233" cy="461665"/>
+              </a:xfrm>
+              <a:prstGeom prst="rect">
+                <a:avLst/>
+              </a:prstGeom>
+              <a:noFill/>
+            </p:spPr>
+            <p:txBody>
+              <a:bodyPr wrap="square">
+                <a:spAutoFit/>
+              </a:bodyPr>
+              <a:lstStyle/>
+              <a:p>
+                <a:r>
+                  <a:rPr lang="en-US" sz="2400" b="0" dirty="0">
+                    <a:latin typeface="Times New Roman" panose="02020603050405020304" pitchFamily="18" charset="0"/>
+                    <a:cs typeface="Times New Roman" panose="02020603050405020304" pitchFamily="18" charset="0"/>
+                  </a:rPr>
+                  <a:t>Eigenvectors: </a:t>
+                </a:r>
+                <a14:m>
+                  <m:oMath xmlns:m="http://schemas.openxmlformats.org/officeDocument/2006/math">
+                    <m:r>
+                      <a:rPr lang="en-US" sz="2400" b="0" i="1" smtClean="0">
+                        <a:latin typeface="Cambria Math" panose="02040503050406030204" pitchFamily="18" charset="0"/>
+                        <a:cs typeface="Times New Roman" panose="02020603050405020304" pitchFamily="18" charset="0"/>
+                      </a:rPr>
+                      <m:t>8×8</m:t>
+                    </m:r>
+                  </m:oMath>
+                </a14:m>
+                <a:r>
+                  <a:rPr lang="en-US" sz="2400" dirty="0">
+                    <a:latin typeface="Times New Roman" panose="02020603050405020304" pitchFamily="18" charset="0"/>
+                    <a:cs typeface="Times New Roman" panose="02020603050405020304" pitchFamily="18" charset="0"/>
+                  </a:rPr>
+                  <a:t> and </a:t>
+                </a:r>
+                <a14:m>
+                  <m:oMath xmlns:m="http://schemas.openxmlformats.org/officeDocument/2006/math">
+                    <m:r>
+                      <a:rPr lang="en-US" sz="2400" b="0" i="0" smtClean="0">
+                        <a:latin typeface="Cambria Math" panose="02040503050406030204" pitchFamily="18" charset="0"/>
+                        <a:cs typeface="Times New Roman" panose="02020603050405020304" pitchFamily="18" charset="0"/>
+                      </a:rPr>
+                      <m:t>32</m:t>
+                    </m:r>
+                    <m:r>
+                      <a:rPr lang="en-US" sz="2400" i="1">
+                        <a:latin typeface="Cambria Math" panose="02040503050406030204" pitchFamily="18" charset="0"/>
+                        <a:cs typeface="Times New Roman" panose="02020603050405020304" pitchFamily="18" charset="0"/>
+                      </a:rPr>
+                      <m:t>×</m:t>
+                    </m:r>
+                    <m:r>
+                      <a:rPr lang="en-US" sz="2400" b="0" i="1" smtClean="0">
+                        <a:latin typeface="Cambria Math" panose="02040503050406030204" pitchFamily="18" charset="0"/>
+                        <a:cs typeface="Times New Roman" panose="02020603050405020304" pitchFamily="18" charset="0"/>
+                      </a:rPr>
+                      <m:t>32</m:t>
+                    </m:r>
+                  </m:oMath>
+                </a14:m>
+                <a:endParaRPr lang="en-US" sz="2400" dirty="0">
+                  <a:latin typeface="Times New Roman" panose="02020603050405020304" pitchFamily="18" charset="0"/>
+                  <a:cs typeface="Times New Roman" panose="02020603050405020304" pitchFamily="18" charset="0"/>
+                </a:endParaRPr>
+              </a:p>
+            </p:txBody>
+          </p:sp>
+        </mc:Choice>
+        <mc:Fallback>
+          <p:sp>
+            <p:nvSpPr>
+              <p:cNvPr id="9" name="TextBox 8">
+                <a:extLst>
+                  <a:ext uri="{FF2B5EF4-FFF2-40B4-BE49-F238E27FC236}">
+                    <a16:creationId xmlns:a16="http://schemas.microsoft.com/office/drawing/2014/main" id="{5D3AC7B1-4A08-6DAA-5623-235BBE693B68}"/>
+                  </a:ext>
+                </a:extLst>
+              </p:cNvPr>
+              <p:cNvSpPr txBox="1">
+                <a:spLocks noRot="1" noChangeAspect="1" noMove="1" noResize="1" noEditPoints="1" noAdjustHandles="1" noChangeArrowheads="1" noChangeShapeType="1" noTextEdit="1"/>
+              </p:cNvSpPr>
+              <p:nvPr/>
+            </p:nvSpPr>
+            <p:spPr>
+              <a:xfrm>
+                <a:off x="827841" y="166160"/>
+                <a:ext cx="7730233" cy="461665"/>
+              </a:xfrm>
+              <a:prstGeom prst="rect">
+                <a:avLst/>
+              </a:prstGeom>
+              <a:blipFill>
+                <a:blip r:embed="rId3"/>
+                <a:stretch>
+                  <a:fillRect l="-1262" t="-10526" b="-28947"/>
+                </a:stretch>
+              </a:blipFill>
+            </p:spPr>
+            <p:txBody>
+              <a:bodyPr/>
+              <a:lstStyle/>
+              <a:p>
+                <a:r>
+                  <a:rPr lang="en-US">
+                    <a:noFill/>
+                  </a:rPr>
+                  <a:t> </a:t>
+                </a:r>
+              </a:p>
+            </p:txBody>
+          </p:sp>
+        </mc:Fallback>
+      </mc:AlternateContent>
+      <p:pic>
+        <p:nvPicPr>
+          <p:cNvPr id="3" name="Picture 2">
+            <a:extLst>
+              <a:ext uri="{FF2B5EF4-FFF2-40B4-BE49-F238E27FC236}">
+                <a16:creationId xmlns:a16="http://schemas.microsoft.com/office/drawing/2014/main" id="{A7FCE5D8-CBED-92AE-8378-3A98E20A6D45}"/>
+              </a:ext>
+            </a:extLst>
+          </p:cNvPr>
+          <p:cNvPicPr>
+            <a:picLocks noChangeAspect="1"/>
+          </p:cNvPicPr>
+          <p:nvPr/>
+        </p:nvPicPr>
+        <p:blipFill>
+          <a:blip r:embed="rId4"/>
+          <a:stretch>
+            <a:fillRect/>
+          </a:stretch>
+        </p:blipFill>
+        <p:spPr>
+          <a:xfrm>
+            <a:off x="2267712" y="627825"/>
+            <a:ext cx="7424928" cy="2919414"/>
+          </a:xfrm>
+          <a:prstGeom prst="rect">
+            <a:avLst/>
+          </a:prstGeom>
+        </p:spPr>
+      </p:pic>
+      <p:pic>
+        <p:nvPicPr>
+          <p:cNvPr id="7" name="Picture 6">
+            <a:extLst>
+              <a:ext uri="{FF2B5EF4-FFF2-40B4-BE49-F238E27FC236}">
+                <a16:creationId xmlns:a16="http://schemas.microsoft.com/office/drawing/2014/main" id="{B83BEE1F-55EA-9323-EA06-4F95CFFE1253}"/>
+              </a:ext>
+            </a:extLst>
+          </p:cNvPr>
+          <p:cNvPicPr>
+            <a:picLocks noChangeAspect="1"/>
+          </p:cNvPicPr>
+          <p:nvPr/>
+        </p:nvPicPr>
+        <p:blipFill>
+          <a:blip r:embed="rId5"/>
+          <a:stretch>
+            <a:fillRect/>
+          </a:stretch>
+        </p:blipFill>
+        <p:spPr>
+          <a:xfrm>
+            <a:off x="2267001" y="3547239"/>
+            <a:ext cx="7430781" cy="2919414"/>
+          </a:xfrm>
+          <a:prstGeom prst="rect">
+            <a:avLst/>
+          </a:prstGeom>
+        </p:spPr>
+      </p:pic>
+    </p:spTree>
+    <p:extLst>
+      <p:ext uri="{BB962C8B-B14F-4D97-AF65-F5344CB8AC3E}">
+        <p14:creationId xmlns:p14="http://schemas.microsoft.com/office/powerpoint/2010/main" val="1409333715"/>
+      </p:ext>
+    </p:extLst>
+  </p:cSld>
+  <p:clrMapOvr>
+    <a:masterClrMapping/>
+  </p:clrMapOvr>
+</p:sld>
+</file>
+
+<file path=ppt/slides/slide6.xml><?xml version="1.0" encoding="utf-8"?>
+<p:sld xmlns:a="http://schemas.openxmlformats.org/drawingml/2006/main" xmlns:r="http://schemas.openxmlformats.org/officeDocument/2006/relationships" xmlns:p="http://schemas.openxmlformats.org/presentationml/2006/main">
+  <p:cSld>
+    <p:spTree>
+      <p:nvGrpSpPr>
+        <p:cNvPr id="1" name=""/>
+        <p:cNvGrpSpPr/>
+        <p:nvPr/>
+      </p:nvGrpSpPr>
+      <p:grpSpPr>
+        <a:xfrm>
+          <a:off x="0" y="0"/>
+          <a:ext cx="0" cy="0"/>
+          <a:chOff x="0" y="0"/>
+          <a:chExt cx="0" cy="0"/>
+        </a:xfrm>
+      </p:grpSpPr>
+      <mc:AlternateContent xmlns:mc="http://schemas.openxmlformats.org/markup-compatibility/2006">
+        <mc:Choice xmlns:a14="http://schemas.microsoft.com/office/drawing/2010/main" Requires="a14">
+          <p:sp>
+            <p:nvSpPr>
+              <p:cNvPr id="9" name="TextBox 8">
+                <a:extLst>
+                  <a:ext uri="{FF2B5EF4-FFF2-40B4-BE49-F238E27FC236}">
+                    <a16:creationId xmlns:a16="http://schemas.microsoft.com/office/drawing/2014/main" id="{5D3AC7B1-4A08-6DAA-5623-235BBE693B68}"/>
+                  </a:ext>
+                </a:extLst>
+              </p:cNvPr>
+              <p:cNvSpPr txBox="1"/>
+              <p:nvPr/>
+            </p:nvSpPr>
+            <p:spPr>
+              <a:xfrm>
+                <a:off x="827841" y="166160"/>
+                <a:ext cx="7730233" cy="461665"/>
+              </a:xfrm>
+              <a:prstGeom prst="rect">
+                <a:avLst/>
+              </a:prstGeom>
+              <a:noFill/>
+            </p:spPr>
+            <p:txBody>
+              <a:bodyPr wrap="square">
+                <a:spAutoFit/>
+              </a:bodyPr>
+              <a:lstStyle/>
+              <a:p>
+                <a:r>
+                  <a:rPr lang="en-US" sz="2400" b="0" dirty="0">
+                    <a:latin typeface="Times New Roman" panose="02020603050405020304" pitchFamily="18" charset="0"/>
+                    <a:cs typeface="Times New Roman" panose="02020603050405020304" pitchFamily="18" charset="0"/>
+                  </a:rPr>
+                  <a:t>Eigenvectors: </a:t>
+                </a:r>
+                <a14:m>
+                  <m:oMath xmlns:m="http://schemas.openxmlformats.org/officeDocument/2006/math">
+                    <m:r>
+                      <a:rPr lang="en-US" sz="2400" b="0" i="1" smtClean="0">
+                        <a:latin typeface="Cambria Math" panose="02040503050406030204" pitchFamily="18" charset="0"/>
+                        <a:cs typeface="Times New Roman" panose="02020603050405020304" pitchFamily="18" charset="0"/>
+                      </a:rPr>
+                      <m:t>64×64</m:t>
+                    </m:r>
+                  </m:oMath>
+                </a14:m>
+                <a:r>
+                  <a:rPr lang="en-US" sz="2400" dirty="0">
+                    <a:latin typeface="Times New Roman" panose="02020603050405020304" pitchFamily="18" charset="0"/>
+                    <a:cs typeface="Times New Roman" panose="02020603050405020304" pitchFamily="18" charset="0"/>
+                  </a:rPr>
+                  <a:t> and </a:t>
+                </a:r>
+                <a14:m>
+                  <m:oMath xmlns:m="http://schemas.openxmlformats.org/officeDocument/2006/math">
+                    <m:r>
+                      <a:rPr lang="en-US" sz="2400" dirty="0">
+                        <a:latin typeface="Cambria Math" panose="02040503050406030204" pitchFamily="18" charset="0"/>
+                        <a:cs typeface="Times New Roman" panose="02020603050405020304" pitchFamily="18" charset="0"/>
+                      </a:rPr>
+                      <m:t>1</m:t>
+                    </m:r>
+                    <m:r>
+                      <a:rPr lang="en-US" sz="2400" b="0" i="0" dirty="0" smtClean="0">
+                        <a:latin typeface="Cambria Math" panose="02040503050406030204" pitchFamily="18" charset="0"/>
+                        <a:cs typeface="Times New Roman" panose="02020603050405020304" pitchFamily="18" charset="0"/>
+                      </a:rPr>
+                      <m:t>28</m:t>
+                    </m:r>
+                    <m:r>
+                      <a:rPr lang="en-US" sz="2400" i="1">
+                        <a:latin typeface="Cambria Math" panose="02040503050406030204" pitchFamily="18" charset="0"/>
+                        <a:cs typeface="Times New Roman" panose="02020603050405020304" pitchFamily="18" charset="0"/>
+                      </a:rPr>
+                      <m:t>×</m:t>
+                    </m:r>
+                    <m:r>
+                      <a:rPr lang="en-US" sz="2400" b="0" i="1" smtClean="0">
+                        <a:latin typeface="Cambria Math" panose="02040503050406030204" pitchFamily="18" charset="0"/>
+                        <a:cs typeface="Times New Roman" panose="02020603050405020304" pitchFamily="18" charset="0"/>
+                      </a:rPr>
+                      <m:t>128</m:t>
+                    </m:r>
+                  </m:oMath>
+                </a14:m>
+                <a:endParaRPr lang="en-US" sz="2400" dirty="0">
+                  <a:latin typeface="Times New Roman" panose="02020603050405020304" pitchFamily="18" charset="0"/>
+                  <a:cs typeface="Times New Roman" panose="02020603050405020304" pitchFamily="18" charset="0"/>
+                </a:endParaRPr>
+              </a:p>
+            </p:txBody>
+          </p:sp>
+        </mc:Choice>
+        <mc:Fallback>
+          <p:sp>
+            <p:nvSpPr>
+              <p:cNvPr id="9" name="TextBox 8">
+                <a:extLst>
+                  <a:ext uri="{FF2B5EF4-FFF2-40B4-BE49-F238E27FC236}">
+                    <a16:creationId xmlns:a16="http://schemas.microsoft.com/office/drawing/2014/main" id="{5D3AC7B1-4A08-6DAA-5623-235BBE693B68}"/>
+                  </a:ext>
+                </a:extLst>
+              </p:cNvPr>
+              <p:cNvSpPr txBox="1">
+                <a:spLocks noRot="1" noChangeAspect="1" noMove="1" noResize="1" noEditPoints="1" noAdjustHandles="1" noChangeArrowheads="1" noChangeShapeType="1" noTextEdit="1"/>
+              </p:cNvSpPr>
+              <p:nvPr/>
+            </p:nvSpPr>
+            <p:spPr>
+              <a:xfrm>
+                <a:off x="827841" y="166160"/>
+                <a:ext cx="7730233" cy="461665"/>
+              </a:xfrm>
+              <a:prstGeom prst="rect">
+                <a:avLst/>
+              </a:prstGeom>
+              <a:blipFill>
+                <a:blip r:embed="rId3"/>
+                <a:stretch>
+                  <a:fillRect l="-1262" t="-10526" b="-28947"/>
+                </a:stretch>
+              </a:blipFill>
+            </p:spPr>
+            <p:txBody>
+              <a:bodyPr/>
+              <a:lstStyle/>
+              <a:p>
+                <a:r>
+                  <a:rPr lang="en-US">
+                    <a:noFill/>
+                  </a:rPr>
+                  <a:t> </a:t>
+                </a:r>
+              </a:p>
+            </p:txBody>
+          </p:sp>
+        </mc:Fallback>
+      </mc:AlternateContent>
+      <p:pic>
+        <p:nvPicPr>
+          <p:cNvPr id="4" name="Picture 3">
+            <a:extLst>
+              <a:ext uri="{FF2B5EF4-FFF2-40B4-BE49-F238E27FC236}">
+                <a16:creationId xmlns:a16="http://schemas.microsoft.com/office/drawing/2014/main" id="{BF6CB878-3E7F-3C7D-FF2B-3014B1A3BACD}"/>
+              </a:ext>
+            </a:extLst>
+          </p:cNvPr>
+          <p:cNvPicPr>
+            <a:picLocks noChangeAspect="1"/>
+          </p:cNvPicPr>
+          <p:nvPr/>
+        </p:nvPicPr>
+        <p:blipFill>
+          <a:blip r:embed="rId4"/>
+          <a:stretch>
+            <a:fillRect/>
+          </a:stretch>
+        </p:blipFill>
+        <p:spPr>
+          <a:xfrm>
+            <a:off x="2066544" y="627825"/>
+            <a:ext cx="7319342" cy="2875632"/>
+          </a:xfrm>
+          <a:prstGeom prst="rect">
+            <a:avLst/>
+          </a:prstGeom>
+        </p:spPr>
+      </p:pic>
+      <p:pic>
+        <p:nvPicPr>
+          <p:cNvPr id="6" name="Picture 5">
+            <a:extLst>
+              <a:ext uri="{FF2B5EF4-FFF2-40B4-BE49-F238E27FC236}">
+                <a16:creationId xmlns:a16="http://schemas.microsoft.com/office/drawing/2014/main" id="{ABAEF4C7-1A02-804F-BF29-D0BEB4350CD8}"/>
+              </a:ext>
+            </a:extLst>
+          </p:cNvPr>
+          <p:cNvPicPr>
+            <a:picLocks noChangeAspect="1"/>
+          </p:cNvPicPr>
+          <p:nvPr/>
+        </p:nvPicPr>
+        <p:blipFill>
+          <a:blip r:embed="rId5"/>
+          <a:stretch>
+            <a:fillRect/>
+          </a:stretch>
+        </p:blipFill>
+        <p:spPr>
+          <a:xfrm>
+            <a:off x="2066544" y="3503457"/>
+            <a:ext cx="7319344" cy="2875632"/>
+          </a:xfrm>
+          <a:prstGeom prst="rect">
+            <a:avLst/>
+          </a:prstGeom>
+        </p:spPr>
+      </p:pic>
+    </p:spTree>
+    <p:extLst>
+      <p:ext uri="{BB962C8B-B14F-4D97-AF65-F5344CB8AC3E}">
+        <p14:creationId xmlns:p14="http://schemas.microsoft.com/office/powerpoint/2010/main" val="1920478922"/>
       </p:ext>
     </p:extLst>
   </p:cSld>
@@ -10114,23 +11337,6 @@
 </file>
 
 <file path=customXml/item1.xml><?xml version="1.0" encoding="utf-8"?>
-<p:properties xmlns:p="http://schemas.microsoft.com/office/2006/metadata/properties" xmlns:xsi="http://www.w3.org/2001/XMLSchema-instance" xmlns:pc="http://schemas.microsoft.com/office/infopath/2007/PartnerControls">
-  <documentManagement>
-    <_activity xmlns="65ab1a49-e739-4593-bd50-31927be0d00d" xsi:nil="true"/>
-  </documentManagement>
-</p:properties>
-</file>
-
-<file path=customXml/item2.xml><?xml version="1.0" encoding="utf-8"?>
-<?mso-contentType ?>
-<FormTemplates xmlns="http://schemas.microsoft.com/sharepoint/v3/contenttype/forms">
-  <Display>DocumentLibraryForm</Display>
-  <Edit>DocumentLibraryForm</Edit>
-  <New>DocumentLibraryForm</New>
-</FormTemplates>
-</file>
-
-<file path=customXml/item3.xml><?xml version="1.0" encoding="utf-8"?>
 <ct:contentTypeSchema xmlns:ct="http://schemas.microsoft.com/office/2006/metadata/contentType" xmlns:ma="http://schemas.microsoft.com/office/2006/metadata/properties/metaAttributes" ct:_="" ma:_="" ma:contentTypeName="Document" ma:contentTypeID="0x010100EC4F812E6609434DA8633D12E8A65FAC" ma:contentTypeVersion="15" ma:contentTypeDescription="Create a new document." ma:contentTypeScope="" ma:versionID="b65c8206aacb6a2f09658d1288328316">
   <xsd:schema xmlns:xsd="http://www.w3.org/2001/XMLSchema" xmlns:xs="http://www.w3.org/2001/XMLSchema" xmlns:p="http://schemas.microsoft.com/office/2006/metadata/properties" xmlns:ns3="65ab1a49-e739-4593-bd50-31927be0d00d" xmlns:ns4="33e0619f-d250-4555-b544-2748c73268b5" targetNamespace="http://schemas.microsoft.com/office/2006/metadata/properties" ma:root="true" ma:fieldsID="00031ad9e95b0eece4881d6199365dd2" ns3:_="" ns4:_="">
     <xsd:import namespace="65ab1a49-e739-4593-bd50-31927be0d00d"/>
@@ -10363,32 +11569,24 @@
 </ct:contentTypeSchema>
 </file>
 
-<file path=customXml/itemProps1.xml><?xml version="1.0" encoding="utf-8"?>
-<ds:datastoreItem xmlns:ds="http://schemas.openxmlformats.org/officeDocument/2006/customXml" ds:itemID="{DEC4EDD2-4785-4152-B467-3F8AFA5739BC}">
-  <ds:schemaRefs>
-    <ds:schemaRef ds:uri="33e0619f-d250-4555-b544-2748c73268b5"/>
-    <ds:schemaRef ds:uri="65ab1a49-e739-4593-bd50-31927be0d00d"/>
-    <ds:schemaRef ds:uri="http://purl.org/dc/dcmitype/"/>
-    <ds:schemaRef ds:uri="http://purl.org/dc/elements/1.1/"/>
-    <ds:schemaRef ds:uri="http://purl.org/dc/terms/"/>
-    <ds:schemaRef ds:uri="http://schemas.microsoft.com/office/2006/documentManagement/types"/>
-    <ds:schemaRef ds:uri="http://schemas.microsoft.com/office/2006/metadata/properties"/>
-    <ds:schemaRef ds:uri="http://schemas.microsoft.com/office/infopath/2007/PartnerControls"/>
-    <ds:schemaRef ds:uri="http://schemas.openxmlformats.org/package/2006/metadata/core-properties"/>
-    <ds:schemaRef ds:uri="http://www.w3.org/XML/1998/namespace"/>
-  </ds:schemaRefs>
-</ds:datastoreItem>
+<file path=customXml/item2.xml><?xml version="1.0" encoding="utf-8"?>
+<?mso-contentType ?>
+<FormTemplates xmlns="http://schemas.microsoft.com/sharepoint/v3/contenttype/forms">
+  <Display>DocumentLibraryForm</Display>
+  <Edit>DocumentLibraryForm</Edit>
+  <New>DocumentLibraryForm</New>
+</FormTemplates>
 </file>
 
-<file path=customXml/itemProps2.xml><?xml version="1.0" encoding="utf-8"?>
-<ds:datastoreItem xmlns:ds="http://schemas.openxmlformats.org/officeDocument/2006/customXml" ds:itemID="{EE6237EC-2080-4FEC-B60F-FBA9319B39FB}">
-  <ds:schemaRefs>
-    <ds:schemaRef ds:uri="http://schemas.microsoft.com/sharepoint/v3/contenttype/forms"/>
-  </ds:schemaRefs>
-</ds:datastoreItem>
+<file path=customXml/item3.xml><?xml version="1.0" encoding="utf-8"?>
+<p:properties xmlns:p="http://schemas.microsoft.com/office/2006/metadata/properties" xmlns:xsi="http://www.w3.org/2001/XMLSchema-instance" xmlns:pc="http://schemas.microsoft.com/office/infopath/2007/PartnerControls">
+  <documentManagement>
+    <_activity xmlns="65ab1a49-e739-4593-bd50-31927be0d00d" xsi:nil="true"/>
+  </documentManagement>
+</p:properties>
 </file>
 
-<file path=customXml/itemProps3.xml><?xml version="1.0" encoding="utf-8"?>
+<file path=customXml/itemProps1.xml><?xml version="1.0" encoding="utf-8"?>
 <ds:datastoreItem xmlns:ds="http://schemas.openxmlformats.org/officeDocument/2006/customXml" ds:itemID="{7D36296C-3063-46FE-957C-EBD96179AF0D}">
   <ds:schemaRefs>
     <ds:schemaRef ds:uri="33e0619f-d250-4555-b544-2748c73268b5"/>
@@ -10405,4 +11603,29 @@
     <ds:schemaRef ds:uri="http://www.w3.org/2001/XMLSchema"/>
   </ds:schemaRefs>
 </ds:datastoreItem>
+</file>
+
+<file path=customXml/itemProps2.xml><?xml version="1.0" encoding="utf-8"?>
+<ds:datastoreItem xmlns:ds="http://schemas.openxmlformats.org/officeDocument/2006/customXml" ds:itemID="{EE6237EC-2080-4FEC-B60F-FBA9319B39FB}">
+  <ds:schemaRefs>
+    <ds:schemaRef ds:uri="http://schemas.microsoft.com/sharepoint/v3/contenttype/forms"/>
+  </ds:schemaRefs>
+</ds:datastoreItem>
+</file>
+
+<file path=customXml/itemProps3.xml><?xml version="1.0" encoding="utf-8"?>
+<ds:datastoreItem xmlns:ds="http://schemas.openxmlformats.org/officeDocument/2006/customXml" ds:itemID="{DEC4EDD2-4785-4152-B467-3F8AFA5739BC}">
+  <ds:schemaRefs>
+    <ds:schemaRef ds:uri="33e0619f-d250-4555-b544-2748c73268b5"/>
+    <ds:schemaRef ds:uri="65ab1a49-e739-4593-bd50-31927be0d00d"/>
+    <ds:schemaRef ds:uri="http://purl.org/dc/dcmitype/"/>
+    <ds:schemaRef ds:uri="http://purl.org/dc/elements/1.1/"/>
+    <ds:schemaRef ds:uri="http://purl.org/dc/terms/"/>
+    <ds:schemaRef ds:uri="http://schemas.microsoft.com/office/2006/documentManagement/types"/>
+    <ds:schemaRef ds:uri="http://schemas.microsoft.com/office/2006/metadata/properties"/>
+    <ds:schemaRef ds:uri="http://schemas.microsoft.com/office/infopath/2007/PartnerControls"/>
+    <ds:schemaRef ds:uri="http://schemas.openxmlformats.org/package/2006/metadata/core-properties"/>
+    <ds:schemaRef ds:uri="http://www.w3.org/XML/1998/namespace"/>
+  </ds:schemaRefs>
+</ds:datastoreItem>
 </file>
--- a/presentation.pptx
+++ b/presentation.pptx
@@ -5,7 +5,7 @@
     <p:sldMasterId id="2147483648" r:id="rId4"/>
   </p:sldMasterIdLst>
   <p:notesMasterIdLst>
-    <p:notesMasterId r:id="rId11"/>
+    <p:notesMasterId r:id="rId14"/>
   </p:notesMasterIdLst>
   <p:sldIdLst>
     <p:sldId id="474" r:id="rId5"/>
@@ -14,6 +14,9 @@
     <p:sldId id="475" r:id="rId8"/>
     <p:sldId id="476" r:id="rId9"/>
     <p:sldId id="477" r:id="rId10"/>
+    <p:sldId id="480" r:id="rId11"/>
+    <p:sldId id="478" r:id="rId12"/>
+    <p:sldId id="479" r:id="rId13"/>
   </p:sldIdLst>
   <p:sldSz cx="12192000" cy="6858000"/>
   <p:notesSz cx="7010400" cy="9296400"/>
@@ -130,6 +133,228 @@
 
 <file path=ppt/changesInfos/changesInfo1.xml><?xml version="1.0" encoding="utf-8"?>
 <pc:chgInfo xmlns:a="http://schemas.openxmlformats.org/drawingml/2006/main" xmlns:r="http://schemas.openxmlformats.org/officeDocument/2006/relationships" xmlns:ac="http://schemas.microsoft.com/office/drawing/2013/main/command" xmlns:pc="http://schemas.microsoft.com/office/powerpoint/2013/main/command">
+  <pc:docChgLst>
+    <pc:chgData name="Wang, Lukai" userId="42a40d5c-688c-4677-a5f3-e5d64f4d368d" providerId="ADAL" clId="{C60595B3-FE07-44C4-BE38-5AD18F404BD2}"/>
+    <pc:docChg chg="custSel addSld modSld">
+      <pc:chgData name="Wang, Lukai" userId="42a40d5c-688c-4677-a5f3-e5d64f4d368d" providerId="ADAL" clId="{C60595B3-FE07-44C4-BE38-5AD18F404BD2}" dt="2024-11-30T23:41:44.743" v="118" actId="1076"/>
+      <pc:docMkLst>
+        <pc:docMk/>
+      </pc:docMkLst>
+      <pc:sldChg chg="addSp delSp modSp add mod">
+        <pc:chgData name="Wang, Lukai" userId="42a40d5c-688c-4677-a5f3-e5d64f4d368d" providerId="ADAL" clId="{C60595B3-FE07-44C4-BE38-5AD18F404BD2}" dt="2024-11-30T23:39:00.078" v="42" actId="14100"/>
+        <pc:sldMkLst>
+          <pc:docMk/>
+          <pc:sldMk cId="1539622854" sldId="475"/>
+        </pc:sldMkLst>
+        <pc:spChg chg="del mod">
+          <ac:chgData name="Wang, Lukai" userId="42a40d5c-688c-4677-a5f3-e5d64f4d368d" providerId="ADAL" clId="{C60595B3-FE07-44C4-BE38-5AD18F404BD2}" dt="2024-11-30T23:37:13.312" v="11" actId="478"/>
+          <ac:spMkLst>
+            <pc:docMk/>
+            <pc:sldMk cId="1539622854" sldId="475"/>
+            <ac:spMk id="3" creationId="{A405512E-1903-A91C-C8D9-99E7CF43A5CD}"/>
+          </ac:spMkLst>
+        </pc:spChg>
+        <pc:spChg chg="mod">
+          <ac:chgData name="Wang, Lukai" userId="42a40d5c-688c-4677-a5f3-e5d64f4d368d" providerId="ADAL" clId="{C60595B3-FE07-44C4-BE38-5AD18F404BD2}" dt="2024-11-30T23:37:30.495" v="26" actId="20577"/>
+          <ac:spMkLst>
+            <pc:docMk/>
+            <pc:sldMk cId="1539622854" sldId="475"/>
+            <ac:spMk id="9" creationId="{5D3AC7B1-4A08-6DAA-5623-235BBE693B68}"/>
+          </ac:spMkLst>
+        </pc:spChg>
+        <pc:spChg chg="del">
+          <ac:chgData name="Wang, Lukai" userId="42a40d5c-688c-4677-a5f3-e5d64f4d368d" providerId="ADAL" clId="{C60595B3-FE07-44C4-BE38-5AD18F404BD2}" dt="2024-11-30T23:35:29.737" v="5" actId="478"/>
+          <ac:spMkLst>
+            <pc:docMk/>
+            <pc:sldMk cId="1539622854" sldId="475"/>
+            <ac:spMk id="13" creationId="{945F8DCC-E5C9-C079-C986-F394C06161C0}"/>
+          </ac:spMkLst>
+        </pc:spChg>
+        <pc:spChg chg="del">
+          <ac:chgData name="Wang, Lukai" userId="42a40d5c-688c-4677-a5f3-e5d64f4d368d" providerId="ADAL" clId="{C60595B3-FE07-44C4-BE38-5AD18F404BD2}" dt="2024-11-30T23:35:25.616" v="4" actId="478"/>
+          <ac:spMkLst>
+            <pc:docMk/>
+            <pc:sldMk cId="1539622854" sldId="475"/>
+            <ac:spMk id="14" creationId="{8F31210F-00A2-A619-EE18-15EA60405F41}"/>
+          </ac:spMkLst>
+        </pc:spChg>
+        <pc:spChg chg="del">
+          <ac:chgData name="Wang, Lukai" userId="42a40d5c-688c-4677-a5f3-e5d64f4d368d" providerId="ADAL" clId="{C60595B3-FE07-44C4-BE38-5AD18F404BD2}" dt="2024-11-30T23:35:32.704" v="6" actId="478"/>
+          <ac:spMkLst>
+            <pc:docMk/>
+            <pc:sldMk cId="1539622854" sldId="475"/>
+            <ac:spMk id="15" creationId="{919BA035-51A5-4EEC-FEFF-C6BAD87E9F0B}"/>
+          </ac:spMkLst>
+        </pc:spChg>
+        <pc:picChg chg="add mod">
+          <ac:chgData name="Wang, Lukai" userId="42a40d5c-688c-4677-a5f3-e5d64f4d368d" providerId="ADAL" clId="{C60595B3-FE07-44C4-BE38-5AD18F404BD2}" dt="2024-11-30T23:38:12.224" v="33" actId="1076"/>
+          <ac:picMkLst>
+            <pc:docMk/>
+            <pc:sldMk cId="1539622854" sldId="475"/>
+            <ac:picMk id="4" creationId="{6C031F2C-53AB-E431-6691-0E1900CF7B95}"/>
+          </ac:picMkLst>
+        </pc:picChg>
+        <pc:picChg chg="add mod">
+          <ac:chgData name="Wang, Lukai" userId="42a40d5c-688c-4677-a5f3-e5d64f4d368d" providerId="ADAL" clId="{C60595B3-FE07-44C4-BE38-5AD18F404BD2}" dt="2024-11-30T23:38:12.224" v="33" actId="1076"/>
+          <ac:picMkLst>
+            <pc:docMk/>
+            <pc:sldMk cId="1539622854" sldId="475"/>
+            <ac:picMk id="6" creationId="{AEC98743-FB58-9F26-C994-9EB75A9794A2}"/>
+          </ac:picMkLst>
+        </pc:picChg>
+        <pc:picChg chg="del">
+          <ac:chgData name="Wang, Lukai" userId="42a40d5c-688c-4677-a5f3-e5d64f4d368d" providerId="ADAL" clId="{C60595B3-FE07-44C4-BE38-5AD18F404BD2}" dt="2024-11-30T23:35:19.093" v="1" actId="478"/>
+          <ac:picMkLst>
+            <pc:docMk/>
+            <pc:sldMk cId="1539622854" sldId="475"/>
+            <ac:picMk id="7" creationId="{42FC4F45-02C6-E5B2-C27E-EA0081760DBE}"/>
+          </ac:picMkLst>
+        </pc:picChg>
+        <pc:picChg chg="del">
+          <ac:chgData name="Wang, Lukai" userId="42a40d5c-688c-4677-a5f3-e5d64f4d368d" providerId="ADAL" clId="{C60595B3-FE07-44C4-BE38-5AD18F404BD2}" dt="2024-11-30T23:35:20.942" v="2" actId="478"/>
+          <ac:picMkLst>
+            <pc:docMk/>
+            <pc:sldMk cId="1539622854" sldId="475"/>
+            <ac:picMk id="10" creationId="{9576C55A-8800-5914-D766-C69C4FAC8E11}"/>
+          </ac:picMkLst>
+        </pc:picChg>
+        <pc:picChg chg="add mod">
+          <ac:chgData name="Wang, Lukai" userId="42a40d5c-688c-4677-a5f3-e5d64f4d368d" providerId="ADAL" clId="{C60595B3-FE07-44C4-BE38-5AD18F404BD2}" dt="2024-11-30T23:38:35.784" v="38" actId="1076"/>
+          <ac:picMkLst>
+            <pc:docMk/>
+            <pc:sldMk cId="1539622854" sldId="475"/>
+            <ac:picMk id="11" creationId="{47337954-8CBD-728F-53AC-D6274583115E}"/>
+          </ac:picMkLst>
+        </pc:picChg>
+        <pc:picChg chg="del">
+          <ac:chgData name="Wang, Lukai" userId="42a40d5c-688c-4677-a5f3-e5d64f4d368d" providerId="ADAL" clId="{C60595B3-FE07-44C4-BE38-5AD18F404BD2}" dt="2024-11-30T23:35:22.559" v="3" actId="478"/>
+          <ac:picMkLst>
+            <pc:docMk/>
+            <pc:sldMk cId="1539622854" sldId="475"/>
+            <ac:picMk id="12" creationId="{54CF3038-6FB7-10AC-4291-F21DD092D327}"/>
+          </ac:picMkLst>
+        </pc:picChg>
+        <pc:picChg chg="add mod">
+          <ac:chgData name="Wang, Lukai" userId="42a40d5c-688c-4677-a5f3-e5d64f4d368d" providerId="ADAL" clId="{C60595B3-FE07-44C4-BE38-5AD18F404BD2}" dt="2024-11-30T23:39:00.078" v="42" actId="14100"/>
+          <ac:picMkLst>
+            <pc:docMk/>
+            <pc:sldMk cId="1539622854" sldId="475"/>
+            <ac:picMk id="17" creationId="{F10EEBE5-0B98-7C1D-72EF-7300FFBF7F53}"/>
+          </ac:picMkLst>
+        </pc:picChg>
+      </pc:sldChg>
+      <pc:sldChg chg="addSp delSp modSp add mod">
+        <pc:chgData name="Wang, Lukai" userId="42a40d5c-688c-4677-a5f3-e5d64f4d368d" providerId="ADAL" clId="{C60595B3-FE07-44C4-BE38-5AD18F404BD2}" dt="2024-11-30T23:40:45.503" v="90" actId="1076"/>
+        <pc:sldMkLst>
+          <pc:docMk/>
+          <pc:sldMk cId="1409333715" sldId="476"/>
+        </pc:sldMkLst>
+        <pc:spChg chg="mod">
+          <ac:chgData name="Wang, Lukai" userId="42a40d5c-688c-4677-a5f3-e5d64f4d368d" providerId="ADAL" clId="{C60595B3-FE07-44C4-BE38-5AD18F404BD2}" dt="2024-11-30T23:40:18.288" v="83" actId="20577"/>
+          <ac:spMkLst>
+            <pc:docMk/>
+            <pc:sldMk cId="1409333715" sldId="476"/>
+            <ac:spMk id="9" creationId="{5D3AC7B1-4A08-6DAA-5623-235BBE693B68}"/>
+          </ac:spMkLst>
+        </pc:spChg>
+        <pc:picChg chg="add mod">
+          <ac:chgData name="Wang, Lukai" userId="42a40d5c-688c-4677-a5f3-e5d64f4d368d" providerId="ADAL" clId="{C60595B3-FE07-44C4-BE38-5AD18F404BD2}" dt="2024-11-30T23:40:45.503" v="90" actId="1076"/>
+          <ac:picMkLst>
+            <pc:docMk/>
+            <pc:sldMk cId="1409333715" sldId="476"/>
+            <ac:picMk id="3" creationId="{A7FCE5D8-CBED-92AE-8378-3A98E20A6D45}"/>
+          </ac:picMkLst>
+        </pc:picChg>
+        <pc:picChg chg="del">
+          <ac:chgData name="Wang, Lukai" userId="42a40d5c-688c-4677-a5f3-e5d64f4d368d" providerId="ADAL" clId="{C60595B3-FE07-44C4-BE38-5AD18F404BD2}" dt="2024-11-30T23:39:17.487" v="55" actId="478"/>
+          <ac:picMkLst>
+            <pc:docMk/>
+            <pc:sldMk cId="1409333715" sldId="476"/>
+            <ac:picMk id="4" creationId="{6C031F2C-53AB-E431-6691-0E1900CF7B95}"/>
+          </ac:picMkLst>
+        </pc:picChg>
+        <pc:picChg chg="del">
+          <ac:chgData name="Wang, Lukai" userId="42a40d5c-688c-4677-a5f3-e5d64f4d368d" providerId="ADAL" clId="{C60595B3-FE07-44C4-BE38-5AD18F404BD2}" dt="2024-11-30T23:39:19.246" v="56" actId="478"/>
+          <ac:picMkLst>
+            <pc:docMk/>
+            <pc:sldMk cId="1409333715" sldId="476"/>
+            <ac:picMk id="6" creationId="{AEC98743-FB58-9F26-C994-9EB75A9794A2}"/>
+          </ac:picMkLst>
+        </pc:picChg>
+        <pc:picChg chg="add mod">
+          <ac:chgData name="Wang, Lukai" userId="42a40d5c-688c-4677-a5f3-e5d64f4d368d" providerId="ADAL" clId="{C60595B3-FE07-44C4-BE38-5AD18F404BD2}" dt="2024-11-30T23:40:45.503" v="90" actId="1076"/>
+          <ac:picMkLst>
+            <pc:docMk/>
+            <pc:sldMk cId="1409333715" sldId="476"/>
+            <ac:picMk id="7" creationId="{B83BEE1F-55EA-9323-EA06-4F95CFFE1253}"/>
+          </ac:picMkLst>
+        </pc:picChg>
+        <pc:picChg chg="del">
+          <ac:chgData name="Wang, Lukai" userId="42a40d5c-688c-4677-a5f3-e5d64f4d368d" providerId="ADAL" clId="{C60595B3-FE07-44C4-BE38-5AD18F404BD2}" dt="2024-11-30T23:39:22.751" v="58" actId="478"/>
+          <ac:picMkLst>
+            <pc:docMk/>
+            <pc:sldMk cId="1409333715" sldId="476"/>
+            <ac:picMk id="11" creationId="{47337954-8CBD-728F-53AC-D6274583115E}"/>
+          </ac:picMkLst>
+        </pc:picChg>
+        <pc:picChg chg="del">
+          <ac:chgData name="Wang, Lukai" userId="42a40d5c-688c-4677-a5f3-e5d64f4d368d" providerId="ADAL" clId="{C60595B3-FE07-44C4-BE38-5AD18F404BD2}" dt="2024-11-30T23:39:21.087" v="57" actId="478"/>
+          <ac:picMkLst>
+            <pc:docMk/>
+            <pc:sldMk cId="1409333715" sldId="476"/>
+            <ac:picMk id="17" creationId="{F10EEBE5-0B98-7C1D-72EF-7300FFBF7F53}"/>
+          </ac:picMkLst>
+        </pc:picChg>
+      </pc:sldChg>
+      <pc:sldChg chg="addSp delSp modSp add mod">
+        <pc:chgData name="Wang, Lukai" userId="42a40d5c-688c-4677-a5f3-e5d64f4d368d" providerId="ADAL" clId="{C60595B3-FE07-44C4-BE38-5AD18F404BD2}" dt="2024-11-30T23:41:44.743" v="118" actId="1076"/>
+        <pc:sldMkLst>
+          <pc:docMk/>
+          <pc:sldMk cId="1920478922" sldId="477"/>
+        </pc:sldMkLst>
+        <pc:spChg chg="mod">
+          <ac:chgData name="Wang, Lukai" userId="42a40d5c-688c-4677-a5f3-e5d64f4d368d" providerId="ADAL" clId="{C60595B3-FE07-44C4-BE38-5AD18F404BD2}" dt="2024-11-30T23:41:00.707" v="106" actId="20577"/>
+          <ac:spMkLst>
+            <pc:docMk/>
+            <pc:sldMk cId="1920478922" sldId="477"/>
+            <ac:spMk id="9" creationId="{5D3AC7B1-4A08-6DAA-5623-235BBE693B68}"/>
+          </ac:spMkLst>
+        </pc:spChg>
+        <pc:picChg chg="del">
+          <ac:chgData name="Wang, Lukai" userId="42a40d5c-688c-4677-a5f3-e5d64f4d368d" providerId="ADAL" clId="{C60595B3-FE07-44C4-BE38-5AD18F404BD2}" dt="2024-11-30T23:41:03.012" v="107" actId="478"/>
+          <ac:picMkLst>
+            <pc:docMk/>
+            <pc:sldMk cId="1920478922" sldId="477"/>
+            <ac:picMk id="3" creationId="{A7FCE5D8-CBED-92AE-8378-3A98E20A6D45}"/>
+          </ac:picMkLst>
+        </pc:picChg>
+        <pc:picChg chg="add mod">
+          <ac:chgData name="Wang, Lukai" userId="42a40d5c-688c-4677-a5f3-e5d64f4d368d" providerId="ADAL" clId="{C60595B3-FE07-44C4-BE38-5AD18F404BD2}" dt="2024-11-30T23:41:44.743" v="118" actId="1076"/>
+          <ac:picMkLst>
+            <pc:docMk/>
+            <pc:sldMk cId="1920478922" sldId="477"/>
+            <ac:picMk id="4" creationId="{BF6CB878-3E7F-3C7D-FF2B-3014B1A3BACD}"/>
+          </ac:picMkLst>
+        </pc:picChg>
+        <pc:picChg chg="add mod">
+          <ac:chgData name="Wang, Lukai" userId="42a40d5c-688c-4677-a5f3-e5d64f4d368d" providerId="ADAL" clId="{C60595B3-FE07-44C4-BE38-5AD18F404BD2}" dt="2024-11-30T23:41:44.743" v="118" actId="1076"/>
+          <ac:picMkLst>
+            <pc:docMk/>
+            <pc:sldMk cId="1920478922" sldId="477"/>
+            <ac:picMk id="6" creationId="{ABAEF4C7-1A02-804F-BF29-D0BEB4350CD8}"/>
+          </ac:picMkLst>
+        </pc:picChg>
+        <pc:picChg chg="del">
+          <ac:chgData name="Wang, Lukai" userId="42a40d5c-688c-4677-a5f3-e5d64f4d368d" providerId="ADAL" clId="{C60595B3-FE07-44C4-BE38-5AD18F404BD2}" dt="2024-11-30T23:41:04.888" v="108" actId="478"/>
+          <ac:picMkLst>
+            <pc:docMk/>
+            <pc:sldMk cId="1920478922" sldId="477"/>
+            <ac:picMk id="7" creationId="{B83BEE1F-55EA-9323-EA06-4F95CFFE1253}"/>
+          </ac:picMkLst>
+        </pc:picChg>
+      </pc:sldChg>
+    </pc:docChg>
+  </pc:docChgLst>
   <pc:docChgLst>
     <pc:chgData name="Wang, Lukai" userId="42a40d5c-688c-4677-a5f3-e5d64f4d368d" providerId="ADAL" clId="{971AC896-1F24-41E9-8E21-C12134BC661F}"/>
     <pc:docChg chg="undo custSel addSld delSld modSld sldOrd">
@@ -688,228 +913,6 @@
       </pc:sldChg>
     </pc:docChg>
   </pc:docChgLst>
-  <pc:docChgLst>
-    <pc:chgData name="Wang, Lukai" userId="42a40d5c-688c-4677-a5f3-e5d64f4d368d" providerId="ADAL" clId="{C60595B3-FE07-44C4-BE38-5AD18F404BD2}"/>
-    <pc:docChg chg="custSel addSld modSld">
-      <pc:chgData name="Wang, Lukai" userId="42a40d5c-688c-4677-a5f3-e5d64f4d368d" providerId="ADAL" clId="{C60595B3-FE07-44C4-BE38-5AD18F404BD2}" dt="2024-11-30T23:41:44.743" v="118" actId="1076"/>
-      <pc:docMkLst>
-        <pc:docMk/>
-      </pc:docMkLst>
-      <pc:sldChg chg="addSp delSp modSp add mod">
-        <pc:chgData name="Wang, Lukai" userId="42a40d5c-688c-4677-a5f3-e5d64f4d368d" providerId="ADAL" clId="{C60595B3-FE07-44C4-BE38-5AD18F404BD2}" dt="2024-11-30T23:39:00.078" v="42" actId="14100"/>
-        <pc:sldMkLst>
-          <pc:docMk/>
-          <pc:sldMk cId="1539622854" sldId="475"/>
-        </pc:sldMkLst>
-        <pc:spChg chg="del mod">
-          <ac:chgData name="Wang, Lukai" userId="42a40d5c-688c-4677-a5f3-e5d64f4d368d" providerId="ADAL" clId="{C60595B3-FE07-44C4-BE38-5AD18F404BD2}" dt="2024-11-30T23:37:13.312" v="11" actId="478"/>
-          <ac:spMkLst>
-            <pc:docMk/>
-            <pc:sldMk cId="1539622854" sldId="475"/>
-            <ac:spMk id="3" creationId="{A405512E-1903-A91C-C8D9-99E7CF43A5CD}"/>
-          </ac:spMkLst>
-        </pc:spChg>
-        <pc:spChg chg="mod">
-          <ac:chgData name="Wang, Lukai" userId="42a40d5c-688c-4677-a5f3-e5d64f4d368d" providerId="ADAL" clId="{C60595B3-FE07-44C4-BE38-5AD18F404BD2}" dt="2024-11-30T23:37:30.495" v="26" actId="20577"/>
-          <ac:spMkLst>
-            <pc:docMk/>
-            <pc:sldMk cId="1539622854" sldId="475"/>
-            <ac:spMk id="9" creationId="{5D3AC7B1-4A08-6DAA-5623-235BBE693B68}"/>
-          </ac:spMkLst>
-        </pc:spChg>
-        <pc:spChg chg="del">
-          <ac:chgData name="Wang, Lukai" userId="42a40d5c-688c-4677-a5f3-e5d64f4d368d" providerId="ADAL" clId="{C60595B3-FE07-44C4-BE38-5AD18F404BD2}" dt="2024-11-30T23:35:29.737" v="5" actId="478"/>
-          <ac:spMkLst>
-            <pc:docMk/>
-            <pc:sldMk cId="1539622854" sldId="475"/>
-            <ac:spMk id="13" creationId="{945F8DCC-E5C9-C079-C986-F394C06161C0}"/>
-          </ac:spMkLst>
-        </pc:spChg>
-        <pc:spChg chg="del">
-          <ac:chgData name="Wang, Lukai" userId="42a40d5c-688c-4677-a5f3-e5d64f4d368d" providerId="ADAL" clId="{C60595B3-FE07-44C4-BE38-5AD18F404BD2}" dt="2024-11-30T23:35:25.616" v="4" actId="478"/>
-          <ac:spMkLst>
-            <pc:docMk/>
-            <pc:sldMk cId="1539622854" sldId="475"/>
-            <ac:spMk id="14" creationId="{8F31210F-00A2-A619-EE18-15EA60405F41}"/>
-          </ac:spMkLst>
-        </pc:spChg>
-        <pc:spChg chg="del">
-          <ac:chgData name="Wang, Lukai" userId="42a40d5c-688c-4677-a5f3-e5d64f4d368d" providerId="ADAL" clId="{C60595B3-FE07-44C4-BE38-5AD18F404BD2}" dt="2024-11-30T23:35:32.704" v="6" actId="478"/>
-          <ac:spMkLst>
-            <pc:docMk/>
-            <pc:sldMk cId="1539622854" sldId="475"/>
-            <ac:spMk id="15" creationId="{919BA035-51A5-4EEC-FEFF-C6BAD87E9F0B}"/>
-          </ac:spMkLst>
-        </pc:spChg>
-        <pc:picChg chg="add mod">
-          <ac:chgData name="Wang, Lukai" userId="42a40d5c-688c-4677-a5f3-e5d64f4d368d" providerId="ADAL" clId="{C60595B3-FE07-44C4-BE38-5AD18F404BD2}" dt="2024-11-30T23:38:12.224" v="33" actId="1076"/>
-          <ac:picMkLst>
-            <pc:docMk/>
-            <pc:sldMk cId="1539622854" sldId="475"/>
-            <ac:picMk id="4" creationId="{6C031F2C-53AB-E431-6691-0E1900CF7B95}"/>
-          </ac:picMkLst>
-        </pc:picChg>
-        <pc:picChg chg="add mod">
-          <ac:chgData name="Wang, Lukai" userId="42a40d5c-688c-4677-a5f3-e5d64f4d368d" providerId="ADAL" clId="{C60595B3-FE07-44C4-BE38-5AD18F404BD2}" dt="2024-11-30T23:38:12.224" v="33" actId="1076"/>
-          <ac:picMkLst>
-            <pc:docMk/>
-            <pc:sldMk cId="1539622854" sldId="475"/>
-            <ac:picMk id="6" creationId="{AEC98743-FB58-9F26-C994-9EB75A9794A2}"/>
-          </ac:picMkLst>
-        </pc:picChg>
-        <pc:picChg chg="del">
-          <ac:chgData name="Wang, Lukai" userId="42a40d5c-688c-4677-a5f3-e5d64f4d368d" providerId="ADAL" clId="{C60595B3-FE07-44C4-BE38-5AD18F404BD2}" dt="2024-11-30T23:35:19.093" v="1" actId="478"/>
-          <ac:picMkLst>
-            <pc:docMk/>
-            <pc:sldMk cId="1539622854" sldId="475"/>
-            <ac:picMk id="7" creationId="{42FC4F45-02C6-E5B2-C27E-EA0081760DBE}"/>
-          </ac:picMkLst>
-        </pc:picChg>
-        <pc:picChg chg="del">
-          <ac:chgData name="Wang, Lukai" userId="42a40d5c-688c-4677-a5f3-e5d64f4d368d" providerId="ADAL" clId="{C60595B3-FE07-44C4-BE38-5AD18F404BD2}" dt="2024-11-30T23:35:20.942" v="2" actId="478"/>
-          <ac:picMkLst>
-            <pc:docMk/>
-            <pc:sldMk cId="1539622854" sldId="475"/>
-            <ac:picMk id="10" creationId="{9576C55A-8800-5914-D766-C69C4FAC8E11}"/>
-          </ac:picMkLst>
-        </pc:picChg>
-        <pc:picChg chg="add mod">
-          <ac:chgData name="Wang, Lukai" userId="42a40d5c-688c-4677-a5f3-e5d64f4d368d" providerId="ADAL" clId="{C60595B3-FE07-44C4-BE38-5AD18F404BD2}" dt="2024-11-30T23:38:35.784" v="38" actId="1076"/>
-          <ac:picMkLst>
-            <pc:docMk/>
-            <pc:sldMk cId="1539622854" sldId="475"/>
-            <ac:picMk id="11" creationId="{47337954-8CBD-728F-53AC-D6274583115E}"/>
-          </ac:picMkLst>
-        </pc:picChg>
-        <pc:picChg chg="del">
-          <ac:chgData name="Wang, Lukai" userId="42a40d5c-688c-4677-a5f3-e5d64f4d368d" providerId="ADAL" clId="{C60595B3-FE07-44C4-BE38-5AD18F404BD2}" dt="2024-11-30T23:35:22.559" v="3" actId="478"/>
-          <ac:picMkLst>
-            <pc:docMk/>
-            <pc:sldMk cId="1539622854" sldId="475"/>
-            <ac:picMk id="12" creationId="{54CF3038-6FB7-10AC-4291-F21DD092D327}"/>
-          </ac:picMkLst>
-        </pc:picChg>
-        <pc:picChg chg="add mod">
-          <ac:chgData name="Wang, Lukai" userId="42a40d5c-688c-4677-a5f3-e5d64f4d368d" providerId="ADAL" clId="{C60595B3-FE07-44C4-BE38-5AD18F404BD2}" dt="2024-11-30T23:39:00.078" v="42" actId="14100"/>
-          <ac:picMkLst>
-            <pc:docMk/>
-            <pc:sldMk cId="1539622854" sldId="475"/>
-            <ac:picMk id="17" creationId="{F10EEBE5-0B98-7C1D-72EF-7300FFBF7F53}"/>
-          </ac:picMkLst>
-        </pc:picChg>
-      </pc:sldChg>
-      <pc:sldChg chg="addSp delSp modSp add mod">
-        <pc:chgData name="Wang, Lukai" userId="42a40d5c-688c-4677-a5f3-e5d64f4d368d" providerId="ADAL" clId="{C60595B3-FE07-44C4-BE38-5AD18F404BD2}" dt="2024-11-30T23:40:45.503" v="90" actId="1076"/>
-        <pc:sldMkLst>
-          <pc:docMk/>
-          <pc:sldMk cId="1409333715" sldId="476"/>
-        </pc:sldMkLst>
-        <pc:spChg chg="mod">
-          <ac:chgData name="Wang, Lukai" userId="42a40d5c-688c-4677-a5f3-e5d64f4d368d" providerId="ADAL" clId="{C60595B3-FE07-44C4-BE38-5AD18F404BD2}" dt="2024-11-30T23:40:18.288" v="83" actId="20577"/>
-          <ac:spMkLst>
-            <pc:docMk/>
-            <pc:sldMk cId="1409333715" sldId="476"/>
-            <ac:spMk id="9" creationId="{5D3AC7B1-4A08-6DAA-5623-235BBE693B68}"/>
-          </ac:spMkLst>
-        </pc:spChg>
-        <pc:picChg chg="add mod">
-          <ac:chgData name="Wang, Lukai" userId="42a40d5c-688c-4677-a5f3-e5d64f4d368d" providerId="ADAL" clId="{C60595B3-FE07-44C4-BE38-5AD18F404BD2}" dt="2024-11-30T23:40:45.503" v="90" actId="1076"/>
-          <ac:picMkLst>
-            <pc:docMk/>
-            <pc:sldMk cId="1409333715" sldId="476"/>
-            <ac:picMk id="3" creationId="{A7FCE5D8-CBED-92AE-8378-3A98E20A6D45}"/>
-          </ac:picMkLst>
-        </pc:picChg>
-        <pc:picChg chg="del">
-          <ac:chgData name="Wang, Lukai" userId="42a40d5c-688c-4677-a5f3-e5d64f4d368d" providerId="ADAL" clId="{C60595B3-FE07-44C4-BE38-5AD18F404BD2}" dt="2024-11-30T23:39:17.487" v="55" actId="478"/>
-          <ac:picMkLst>
-            <pc:docMk/>
-            <pc:sldMk cId="1409333715" sldId="476"/>
-            <ac:picMk id="4" creationId="{6C031F2C-53AB-E431-6691-0E1900CF7B95}"/>
-          </ac:picMkLst>
-        </pc:picChg>
-        <pc:picChg chg="del">
-          <ac:chgData name="Wang, Lukai" userId="42a40d5c-688c-4677-a5f3-e5d64f4d368d" providerId="ADAL" clId="{C60595B3-FE07-44C4-BE38-5AD18F404BD2}" dt="2024-11-30T23:39:19.246" v="56" actId="478"/>
-          <ac:picMkLst>
-            <pc:docMk/>
-            <pc:sldMk cId="1409333715" sldId="476"/>
-            <ac:picMk id="6" creationId="{AEC98743-FB58-9F26-C994-9EB75A9794A2}"/>
-          </ac:picMkLst>
-        </pc:picChg>
-        <pc:picChg chg="add mod">
-          <ac:chgData name="Wang, Lukai" userId="42a40d5c-688c-4677-a5f3-e5d64f4d368d" providerId="ADAL" clId="{C60595B3-FE07-44C4-BE38-5AD18F404BD2}" dt="2024-11-30T23:40:45.503" v="90" actId="1076"/>
-          <ac:picMkLst>
-            <pc:docMk/>
-            <pc:sldMk cId="1409333715" sldId="476"/>
-            <ac:picMk id="7" creationId="{B83BEE1F-55EA-9323-EA06-4F95CFFE1253}"/>
-          </ac:picMkLst>
-        </pc:picChg>
-        <pc:picChg chg="del">
-          <ac:chgData name="Wang, Lukai" userId="42a40d5c-688c-4677-a5f3-e5d64f4d368d" providerId="ADAL" clId="{C60595B3-FE07-44C4-BE38-5AD18F404BD2}" dt="2024-11-30T23:39:22.751" v="58" actId="478"/>
-          <ac:picMkLst>
-            <pc:docMk/>
-            <pc:sldMk cId="1409333715" sldId="476"/>
-            <ac:picMk id="11" creationId="{47337954-8CBD-728F-53AC-D6274583115E}"/>
-          </ac:picMkLst>
-        </pc:picChg>
-        <pc:picChg chg="del">
-          <ac:chgData name="Wang, Lukai" userId="42a40d5c-688c-4677-a5f3-e5d64f4d368d" providerId="ADAL" clId="{C60595B3-FE07-44C4-BE38-5AD18F404BD2}" dt="2024-11-30T23:39:21.087" v="57" actId="478"/>
-          <ac:picMkLst>
-            <pc:docMk/>
-            <pc:sldMk cId="1409333715" sldId="476"/>
-            <ac:picMk id="17" creationId="{F10EEBE5-0B98-7C1D-72EF-7300FFBF7F53}"/>
-          </ac:picMkLst>
-        </pc:picChg>
-      </pc:sldChg>
-      <pc:sldChg chg="addSp delSp modSp add mod">
-        <pc:chgData name="Wang, Lukai" userId="42a40d5c-688c-4677-a5f3-e5d64f4d368d" providerId="ADAL" clId="{C60595B3-FE07-44C4-BE38-5AD18F404BD2}" dt="2024-11-30T23:41:44.743" v="118" actId="1076"/>
-        <pc:sldMkLst>
-          <pc:docMk/>
-          <pc:sldMk cId="1920478922" sldId="477"/>
-        </pc:sldMkLst>
-        <pc:spChg chg="mod">
-          <ac:chgData name="Wang, Lukai" userId="42a40d5c-688c-4677-a5f3-e5d64f4d368d" providerId="ADAL" clId="{C60595B3-FE07-44C4-BE38-5AD18F404BD2}" dt="2024-11-30T23:41:00.707" v="106" actId="20577"/>
-          <ac:spMkLst>
-            <pc:docMk/>
-            <pc:sldMk cId="1920478922" sldId="477"/>
-            <ac:spMk id="9" creationId="{5D3AC7B1-4A08-6DAA-5623-235BBE693B68}"/>
-          </ac:spMkLst>
-        </pc:spChg>
-        <pc:picChg chg="del">
-          <ac:chgData name="Wang, Lukai" userId="42a40d5c-688c-4677-a5f3-e5d64f4d368d" providerId="ADAL" clId="{C60595B3-FE07-44C4-BE38-5AD18F404BD2}" dt="2024-11-30T23:41:03.012" v="107" actId="478"/>
-          <ac:picMkLst>
-            <pc:docMk/>
-            <pc:sldMk cId="1920478922" sldId="477"/>
-            <ac:picMk id="3" creationId="{A7FCE5D8-CBED-92AE-8378-3A98E20A6D45}"/>
-          </ac:picMkLst>
-        </pc:picChg>
-        <pc:picChg chg="add mod">
-          <ac:chgData name="Wang, Lukai" userId="42a40d5c-688c-4677-a5f3-e5d64f4d368d" providerId="ADAL" clId="{C60595B3-FE07-44C4-BE38-5AD18F404BD2}" dt="2024-11-30T23:41:44.743" v="118" actId="1076"/>
-          <ac:picMkLst>
-            <pc:docMk/>
-            <pc:sldMk cId="1920478922" sldId="477"/>
-            <ac:picMk id="4" creationId="{BF6CB878-3E7F-3C7D-FF2B-3014B1A3BACD}"/>
-          </ac:picMkLst>
-        </pc:picChg>
-        <pc:picChg chg="add mod">
-          <ac:chgData name="Wang, Lukai" userId="42a40d5c-688c-4677-a5f3-e5d64f4d368d" providerId="ADAL" clId="{C60595B3-FE07-44C4-BE38-5AD18F404BD2}" dt="2024-11-30T23:41:44.743" v="118" actId="1076"/>
-          <ac:picMkLst>
-            <pc:docMk/>
-            <pc:sldMk cId="1920478922" sldId="477"/>
-            <ac:picMk id="6" creationId="{ABAEF4C7-1A02-804F-BF29-D0BEB4350CD8}"/>
-          </ac:picMkLst>
-        </pc:picChg>
-        <pc:picChg chg="del">
-          <ac:chgData name="Wang, Lukai" userId="42a40d5c-688c-4677-a5f3-e5d64f4d368d" providerId="ADAL" clId="{C60595B3-FE07-44C4-BE38-5AD18F404BD2}" dt="2024-11-30T23:41:04.888" v="108" actId="478"/>
-          <ac:picMkLst>
-            <pc:docMk/>
-            <pc:sldMk cId="1920478922" sldId="477"/>
-            <ac:picMk id="7" creationId="{B83BEE1F-55EA-9323-EA06-4F95CFFE1253}"/>
-          </ac:picMkLst>
-        </pc:picChg>
-      </pc:sldChg>
-    </pc:docChg>
-  </pc:docChgLst>
 </pc:chgInfo>
 </file>
 
@@ -995,7 +998,7 @@
           <a:p>
             <a:fld id="{F6970F09-7FD8-4C72-BF75-4118C1E313B7}" type="datetimeFigureOut">
               <a:rPr lang="en-US" smtClean="0"/>
-              <a:t>11/30/2024</a:t>
+              <a:t>12/1/2024</a:t>
             </a:fld>
             <a:endParaRPr lang="en-US"/>
           </a:p>
@@ -2028,7 +2031,7 @@
           <a:p>
             <a:fld id="{7E8FA1CD-1F25-4F2F-81DD-0B6A9FD60ECF}" type="datetimeFigureOut">
               <a:rPr lang="en-US" smtClean="0"/>
-              <a:t>11/30/2024</a:t>
+              <a:t>12/1/2024</a:t>
             </a:fld>
             <a:endParaRPr lang="en-US"/>
           </a:p>
@@ -2226,7 +2229,7 @@
           <a:p>
             <a:fld id="{7E8FA1CD-1F25-4F2F-81DD-0B6A9FD60ECF}" type="datetimeFigureOut">
               <a:rPr lang="en-US" smtClean="0"/>
-              <a:t>11/30/2024</a:t>
+              <a:t>12/1/2024</a:t>
             </a:fld>
             <a:endParaRPr lang="en-US"/>
           </a:p>
@@ -2434,7 +2437,7 @@
           <a:p>
             <a:fld id="{7E8FA1CD-1F25-4F2F-81DD-0B6A9FD60ECF}" type="datetimeFigureOut">
               <a:rPr lang="en-US" smtClean="0"/>
-              <a:t>11/30/2024</a:t>
+              <a:t>12/1/2024</a:t>
             </a:fld>
             <a:endParaRPr lang="en-US"/>
           </a:p>
@@ -2632,7 +2635,7 @@
           <a:p>
             <a:fld id="{7E8FA1CD-1F25-4F2F-81DD-0B6A9FD60ECF}" type="datetimeFigureOut">
               <a:rPr lang="en-US" smtClean="0"/>
-              <a:t>11/30/2024</a:t>
+              <a:t>12/1/2024</a:t>
             </a:fld>
             <a:endParaRPr lang="en-US"/>
           </a:p>
@@ -2907,7 +2910,7 @@
           <a:p>
             <a:fld id="{7E8FA1CD-1F25-4F2F-81DD-0B6A9FD60ECF}" type="datetimeFigureOut">
               <a:rPr lang="en-US" smtClean="0"/>
-              <a:t>11/30/2024</a:t>
+              <a:t>12/1/2024</a:t>
             </a:fld>
             <a:endParaRPr lang="en-US"/>
           </a:p>
@@ -3172,7 +3175,7 @@
           <a:p>
             <a:fld id="{7E8FA1CD-1F25-4F2F-81DD-0B6A9FD60ECF}" type="datetimeFigureOut">
               <a:rPr lang="en-US" smtClean="0"/>
-              <a:t>11/30/2024</a:t>
+              <a:t>12/1/2024</a:t>
             </a:fld>
             <a:endParaRPr lang="en-US"/>
           </a:p>
@@ -3584,7 +3587,7 @@
           <a:p>
             <a:fld id="{7E8FA1CD-1F25-4F2F-81DD-0B6A9FD60ECF}" type="datetimeFigureOut">
               <a:rPr lang="en-US" smtClean="0"/>
-              <a:t>11/30/2024</a:t>
+              <a:t>12/1/2024</a:t>
             </a:fld>
             <a:endParaRPr lang="en-US"/>
           </a:p>
@@ -3725,7 +3728,7 @@
           <a:p>
             <a:fld id="{7E8FA1CD-1F25-4F2F-81DD-0B6A9FD60ECF}" type="datetimeFigureOut">
               <a:rPr lang="en-US" smtClean="0"/>
-              <a:t>11/30/2024</a:t>
+              <a:t>12/1/2024</a:t>
             </a:fld>
             <a:endParaRPr lang="en-US"/>
           </a:p>
@@ -3838,7 +3841,7 @@
           <a:p>
             <a:fld id="{7E8FA1CD-1F25-4F2F-81DD-0B6A9FD60ECF}" type="datetimeFigureOut">
               <a:rPr lang="en-US" smtClean="0"/>
-              <a:t>11/30/2024</a:t>
+              <a:t>12/1/2024</a:t>
             </a:fld>
             <a:endParaRPr lang="en-US"/>
           </a:p>
@@ -4149,7 +4152,7 @@
           <a:p>
             <a:fld id="{7E8FA1CD-1F25-4F2F-81DD-0B6A9FD60ECF}" type="datetimeFigureOut">
               <a:rPr lang="en-US" smtClean="0"/>
-              <a:t>11/30/2024</a:t>
+              <a:t>12/1/2024</a:t>
             </a:fld>
             <a:endParaRPr lang="en-US"/>
           </a:p>
@@ -4437,7 +4440,7 @@
           <a:p>
             <a:fld id="{7E8FA1CD-1F25-4F2F-81DD-0B6A9FD60ECF}" type="datetimeFigureOut">
               <a:rPr lang="en-US" smtClean="0"/>
-              <a:t>11/30/2024</a:t>
+              <a:t>12/1/2024</a:t>
             </a:fld>
             <a:endParaRPr lang="en-US"/>
           </a:p>
@@ -4678,7 +4681,7 @@
           <a:p>
             <a:fld id="{7E8FA1CD-1F25-4F2F-81DD-0B6A9FD60ECF}" type="datetimeFigureOut">
               <a:rPr lang="en-US" smtClean="0"/>
-              <a:t>11/30/2024</a:t>
+              <a:t>12/1/2024</a:t>
             </a:fld>
             <a:endParaRPr lang="en-US"/>
           </a:p>
@@ -10310,8 +10313,8 @@
           <a:chExt cx="0" cy="0"/>
         </a:xfrm>
       </p:grpSpPr>
-      <mc:AlternateContent xmlns:mc="http://schemas.openxmlformats.org/markup-compatibility/2006">
-        <mc:Choice xmlns:a14="http://schemas.microsoft.com/office/drawing/2010/main" Requires="a14">
+      <mc:AlternateContent xmlns:mc="http://schemas.openxmlformats.org/markup-compatibility/2006" xmlns:a14="http://schemas.microsoft.com/office/drawing/2010/main">
+        <mc:Choice Requires="a14">
           <p:sp>
             <p:nvSpPr>
               <p:cNvPr id="9" name="TextBox 8">
@@ -10398,7 +10401,7 @@
             </p:txBody>
           </p:sp>
         </mc:Choice>
-        <mc:Fallback>
+        <mc:Fallback xmlns="">
           <p:sp>
             <p:nvSpPr>
               <p:cNvPr id="9" name="TextBox 8">
@@ -10533,8 +10536,8 @@
           <a:chExt cx="0" cy="0"/>
         </a:xfrm>
       </p:grpSpPr>
-      <mc:AlternateContent xmlns:mc="http://schemas.openxmlformats.org/markup-compatibility/2006">
-        <mc:Choice xmlns:a14="http://schemas.microsoft.com/office/drawing/2010/main" Requires="a14">
+      <mc:AlternateContent xmlns:mc="http://schemas.openxmlformats.org/markup-compatibility/2006" xmlns:a14="http://schemas.microsoft.com/office/drawing/2010/main">
+        <mc:Choice Requires="a14">
           <p:sp>
             <p:nvSpPr>
               <p:cNvPr id="9" name="TextBox 8">
@@ -10628,7 +10631,7 @@
             </p:txBody>
           </p:sp>
         </mc:Choice>
-        <mc:Fallback>
+        <mc:Fallback xmlns="">
           <p:sp>
             <p:nvSpPr>
               <p:cNvPr id="9" name="TextBox 8">
@@ -10737,6 +10740,901 @@
     <p:extLst>
       <p:ext uri="{BB962C8B-B14F-4D97-AF65-F5344CB8AC3E}">
         <p14:creationId xmlns:p14="http://schemas.microsoft.com/office/powerpoint/2010/main" val="1920478922"/>
+      </p:ext>
+    </p:extLst>
+  </p:cSld>
+  <p:clrMapOvr>
+    <a:masterClrMapping/>
+  </p:clrMapOvr>
+</p:sld>
+</file>
+
+<file path=ppt/slides/slide7.xml><?xml version="1.0" encoding="utf-8"?>
+<p:sld xmlns:a="http://schemas.openxmlformats.org/drawingml/2006/main" xmlns:r="http://schemas.openxmlformats.org/officeDocument/2006/relationships" xmlns:p="http://schemas.openxmlformats.org/presentationml/2006/main">
+  <p:cSld>
+    <p:spTree>
+      <p:nvGrpSpPr>
+        <p:cNvPr id="1" name=""/>
+        <p:cNvGrpSpPr/>
+        <p:nvPr/>
+      </p:nvGrpSpPr>
+      <p:grpSpPr>
+        <a:xfrm>
+          <a:off x="0" y="0"/>
+          <a:ext cx="0" cy="0"/>
+          <a:chOff x="0" y="0"/>
+          <a:chExt cx="0" cy="0"/>
+        </a:xfrm>
+      </p:grpSpPr>
+      <p:sp>
+        <p:nvSpPr>
+          <p:cNvPr id="2" name="Title 1">
+            <a:extLst>
+              <a:ext uri="{FF2B5EF4-FFF2-40B4-BE49-F238E27FC236}">
+                <a16:creationId xmlns:a16="http://schemas.microsoft.com/office/drawing/2014/main" id="{00A8A42D-AC99-E2AB-7958-AAC8F737E4B4}"/>
+              </a:ext>
+            </a:extLst>
+          </p:cNvPr>
+          <p:cNvSpPr>
+            <a:spLocks noGrp="1"/>
+          </p:cNvSpPr>
+          <p:nvPr>
+            <p:ph type="title"/>
+          </p:nvPr>
+        </p:nvSpPr>
+        <p:spPr/>
+        <p:txBody>
+          <a:bodyPr/>
+          <a:lstStyle/>
+          <a:p>
+            <a:r>
+              <a:rPr lang="en-US" dirty="0"/>
+              <a:t>Part D calculations</a:t>
+            </a:r>
+          </a:p>
+        </p:txBody>
+      </p:sp>
+      <mc:AlternateContent xmlns:mc="http://schemas.openxmlformats.org/markup-compatibility/2006">
+        <mc:Choice xmlns:a14="http://schemas.microsoft.com/office/drawing/2010/main" Requires="a14">
+          <p:sp>
+            <p:nvSpPr>
+              <p:cNvPr id="3" name="Content Placeholder 2">
+                <a:extLst>
+                  <a:ext uri="{FF2B5EF4-FFF2-40B4-BE49-F238E27FC236}">
+                    <a16:creationId xmlns:a16="http://schemas.microsoft.com/office/drawing/2014/main" id="{AC7B966C-2333-A8EB-D4CB-76FBC3398A82}"/>
+                  </a:ext>
+                </a:extLst>
+              </p:cNvPr>
+              <p:cNvSpPr>
+                <a:spLocks noGrp="1"/>
+              </p:cNvSpPr>
+              <p:nvPr>
+                <p:ph idx="1"/>
+              </p:nvPr>
+            </p:nvSpPr>
+            <p:spPr>
+              <a:xfrm>
+                <a:off x="838200" y="1825625"/>
+                <a:ext cx="10515600" cy="4826384"/>
+              </a:xfrm>
+            </p:spPr>
+            <p:txBody>
+              <a:bodyPr>
+                <a:normAutofit lnSpcReduction="10000"/>
+              </a:bodyPr>
+              <a:lstStyle/>
+              <a:p>
+                <a:r>
+                  <a:rPr lang="en-US" dirty="0"/>
+                  <a:t>dice similarity coefficient (DSC) definition</a:t>
+                </a:r>
+              </a:p>
+              <a:p>
+                <a:pPr lvl="1"/>
+                <a14:m>
+                  <m:oMath xmlns:m="http://schemas.openxmlformats.org/officeDocument/2006/math">
+                    <m:r>
+                      <a:rPr lang="en-US" b="0" i="1" smtClean="0">
+                        <a:latin typeface="Cambria Math" panose="02040503050406030204" pitchFamily="18" charset="0"/>
+                      </a:rPr>
+                      <m:t>𝐷𝑆𝐶</m:t>
+                    </m:r>
+                    <m:r>
+                      <a:rPr lang="en-US" b="0" i="1" smtClean="0">
+                        <a:latin typeface="Cambria Math" panose="02040503050406030204" pitchFamily="18" charset="0"/>
+                      </a:rPr>
+                      <m:t>=</m:t>
+                    </m:r>
+                    <m:f>
+                      <m:fPr>
+                        <m:ctrlPr>
+                          <a:rPr lang="en-US" b="0" i="1" smtClean="0">
+                            <a:latin typeface="Cambria Math" panose="02040503050406030204" pitchFamily="18" charset="0"/>
+                          </a:rPr>
+                        </m:ctrlPr>
+                      </m:fPr>
+                      <m:num>
+                        <m:r>
+                          <a:rPr lang="en-US" b="0" i="1" smtClean="0">
+                            <a:latin typeface="Cambria Math" panose="02040503050406030204" pitchFamily="18" charset="0"/>
+                          </a:rPr>
+                          <m:t>2|</m:t>
+                        </m:r>
+                        <m:r>
+                          <a:rPr lang="en-US" b="0" i="1" smtClean="0">
+                            <a:latin typeface="Cambria Math" panose="02040503050406030204" pitchFamily="18" charset="0"/>
+                          </a:rPr>
+                          <m:t>𝑋</m:t>
+                        </m:r>
+                        <m:r>
+                          <a:rPr lang="en-US" b="0" i="1" smtClean="0">
+                            <a:latin typeface="Cambria Math" panose="02040503050406030204" pitchFamily="18" charset="0"/>
+                          </a:rPr>
+                          <m:t>∩</m:t>
+                        </m:r>
+                        <m:r>
+                          <a:rPr lang="en-US" b="0" i="1" smtClean="0">
+                            <a:latin typeface="Cambria Math" panose="02040503050406030204" pitchFamily="18" charset="0"/>
+                          </a:rPr>
+                          <m:t>𝑌</m:t>
+                        </m:r>
+                        <m:r>
+                          <a:rPr lang="en-US" b="0" i="1" smtClean="0">
+                            <a:latin typeface="Cambria Math" panose="02040503050406030204" pitchFamily="18" charset="0"/>
+                          </a:rPr>
+                          <m:t>| </m:t>
+                        </m:r>
+                      </m:num>
+                      <m:den>
+                        <m:d>
+                          <m:dPr>
+                            <m:begChr m:val="|"/>
+                            <m:endChr m:val="|"/>
+                            <m:ctrlPr>
+                              <a:rPr lang="en-US" b="0" i="1" smtClean="0">
+                                <a:latin typeface="Cambria Math" panose="02040503050406030204" pitchFamily="18" charset="0"/>
+                              </a:rPr>
+                            </m:ctrlPr>
+                          </m:dPr>
+                          <m:e>
+                            <m:r>
+                              <a:rPr lang="en-US" b="0" i="1" smtClean="0">
+                                <a:latin typeface="Cambria Math" panose="02040503050406030204" pitchFamily="18" charset="0"/>
+                              </a:rPr>
+                              <m:t>𝑋</m:t>
+                            </m:r>
+                          </m:e>
+                        </m:d>
+                        <m:r>
+                          <a:rPr lang="en-US" b="0" i="1" smtClean="0">
+                            <a:latin typeface="Cambria Math" panose="02040503050406030204" pitchFamily="18" charset="0"/>
+                          </a:rPr>
+                          <m:t>+|</m:t>
+                        </m:r>
+                        <m:r>
+                          <a:rPr lang="en-US" b="0" i="1" smtClean="0">
+                            <a:latin typeface="Cambria Math" panose="02040503050406030204" pitchFamily="18" charset="0"/>
+                          </a:rPr>
+                          <m:t>𝑌</m:t>
+                        </m:r>
+                        <m:r>
+                          <a:rPr lang="en-US" b="0" i="1" smtClean="0">
+                            <a:latin typeface="Cambria Math" panose="02040503050406030204" pitchFamily="18" charset="0"/>
+                          </a:rPr>
+                          <m:t>|</m:t>
+                        </m:r>
+                      </m:den>
+                    </m:f>
+                    <m:r>
+                      <a:rPr lang="en-US" b="0" i="0" smtClean="0">
+                        <a:latin typeface="Cambria Math" panose="02040503050406030204" pitchFamily="18" charset="0"/>
+                      </a:rPr>
+                      <m:t> </m:t>
+                    </m:r>
+                  </m:oMath>
+                </a14:m>
+                <a:r>
+                  <a:rPr lang="en-US" dirty="0"/>
+                  <a:t>between sets </a:t>
+                </a:r>
+                <a:r>
+                  <a:rPr lang="en-US" i="1" dirty="0"/>
+                  <a:t>X</a:t>
+                </a:r>
+                <a:r>
+                  <a:rPr lang="en-US" dirty="0"/>
+                  <a:t> and </a:t>
+                </a:r>
+                <a:r>
+                  <a:rPr lang="en-US" i="1" dirty="0"/>
+                  <a:t>Y</a:t>
+                </a:r>
+                <a:r>
+                  <a:rPr lang="en-US" dirty="0"/>
+                  <a:t>, where </a:t>
+                </a:r>
+                <a14:m>
+                  <m:oMath xmlns:m="http://schemas.openxmlformats.org/officeDocument/2006/math">
+                    <m:r>
+                      <a:rPr lang="en-US" i="1">
+                        <a:latin typeface="Cambria Math" panose="02040503050406030204" pitchFamily="18" charset="0"/>
+                      </a:rPr>
+                      <m:t>|</m:t>
+                    </m:r>
+                    <m:r>
+                      <a:rPr lang="en-US" i="1">
+                        <a:latin typeface="Cambria Math" panose="02040503050406030204" pitchFamily="18" charset="0"/>
+                      </a:rPr>
+                      <m:t>𝑋</m:t>
+                    </m:r>
+                    <m:r>
+                      <a:rPr lang="en-US" i="1">
+                        <a:latin typeface="Cambria Math" panose="02040503050406030204" pitchFamily="18" charset="0"/>
+                      </a:rPr>
+                      <m:t>∩</m:t>
+                    </m:r>
+                    <m:r>
+                      <a:rPr lang="en-US" i="1">
+                        <a:latin typeface="Cambria Math" panose="02040503050406030204" pitchFamily="18" charset="0"/>
+                      </a:rPr>
+                      <m:t>𝑌</m:t>
+                    </m:r>
+                    <m:r>
+                      <a:rPr lang="en-US" i="1">
+                        <a:latin typeface="Cambria Math" panose="02040503050406030204" pitchFamily="18" charset="0"/>
+                      </a:rPr>
+                      <m:t>| </m:t>
+                    </m:r>
+                  </m:oMath>
+                </a14:m>
+                <a:r>
+                  <a:rPr lang="en-US" dirty="0"/>
+                  <a:t>is number of shared elements between the two sets, and </a:t>
+                </a:r>
+                <a14:m>
+                  <m:oMath xmlns:m="http://schemas.openxmlformats.org/officeDocument/2006/math">
+                    <m:r>
+                      <a:rPr lang="en-US" b="0" i="1" smtClean="0">
+                        <a:latin typeface="Cambria Math" panose="02040503050406030204" pitchFamily="18" charset="0"/>
+                      </a:rPr>
+                      <m:t>|</m:t>
+                    </m:r>
+                    <m:r>
+                      <a:rPr lang="en-US" b="0" i="1" smtClean="0">
+                        <a:latin typeface="Cambria Math" panose="02040503050406030204" pitchFamily="18" charset="0"/>
+                      </a:rPr>
+                      <m:t>𝑋</m:t>
+                    </m:r>
+                    <m:r>
+                      <a:rPr lang="en-US" b="0" i="1" smtClean="0">
+                        <a:latin typeface="Cambria Math" panose="02040503050406030204" pitchFamily="18" charset="0"/>
+                      </a:rPr>
+                      <m:t>|</m:t>
+                    </m:r>
+                  </m:oMath>
+                </a14:m>
+                <a:r>
+                  <a:rPr lang="en-US" dirty="0"/>
+                  <a:t>&amp;</a:t>
+                </a:r>
+                <a14:m>
+                  <m:oMath xmlns:m="http://schemas.openxmlformats.org/officeDocument/2006/math">
+                    <m:d>
+                      <m:dPr>
+                        <m:begChr m:val="|"/>
+                        <m:endChr m:val="|"/>
+                        <m:ctrlPr>
+                          <a:rPr lang="en-US" b="0" i="1" dirty="0" smtClean="0">
+                            <a:latin typeface="Cambria Math" panose="02040503050406030204" pitchFamily="18" charset="0"/>
+                          </a:rPr>
+                        </m:ctrlPr>
+                      </m:dPr>
+                      <m:e>
+                        <m:r>
+                          <a:rPr lang="en-US" b="0" i="1" dirty="0" smtClean="0">
+                            <a:latin typeface="Cambria Math" panose="02040503050406030204" pitchFamily="18" charset="0"/>
+                          </a:rPr>
+                          <m:t>𝑌</m:t>
+                        </m:r>
+                      </m:e>
+                    </m:d>
+                  </m:oMath>
+                </a14:m>
+                <a:r>
+                  <a:rPr lang="en-US" dirty="0"/>
+                  <a:t> are the number of elements in each set respectively</a:t>
+                </a:r>
+              </a:p>
+              <a:p>
+                <a:pPr lvl="1"/>
+                <a:r>
+                  <a:rPr lang="en-US" dirty="0"/>
+                  <a:t>In the context of the project, </a:t>
+                </a:r>
+                <a14:m>
+                  <m:oMath xmlns:m="http://schemas.openxmlformats.org/officeDocument/2006/math">
+                    <m:r>
+                      <a:rPr lang="en-US" b="0" i="1" smtClean="0">
+                        <a:latin typeface="Cambria Math" panose="02040503050406030204" pitchFamily="18" charset="0"/>
+                      </a:rPr>
+                      <m:t>|</m:t>
+                    </m:r>
+                    <m:r>
+                      <a:rPr lang="en-US" b="0" i="1" smtClean="0">
+                        <a:latin typeface="Cambria Math" panose="02040503050406030204" pitchFamily="18" charset="0"/>
+                      </a:rPr>
+                      <m:t>𝑋</m:t>
+                    </m:r>
+                    <m:r>
+                      <a:rPr lang="en-US" b="0" i="1" smtClean="0">
+                        <a:latin typeface="Cambria Math" panose="02040503050406030204" pitchFamily="18" charset="0"/>
+                      </a:rPr>
+                      <m:t>|</m:t>
+                    </m:r>
+                  </m:oMath>
+                </a14:m>
+                <a:r>
+                  <a:rPr lang="en-US" dirty="0"/>
+                  <a:t> is pixel number in true segmentation, </a:t>
+                </a:r>
+                <a14:m>
+                  <m:oMath xmlns:m="http://schemas.openxmlformats.org/officeDocument/2006/math">
+                    <m:r>
+                      <a:rPr lang="en-US" b="0" i="1" smtClean="0">
+                        <a:latin typeface="Cambria Math" panose="02040503050406030204" pitchFamily="18" charset="0"/>
+                      </a:rPr>
+                      <m:t>|</m:t>
+                    </m:r>
+                    <m:r>
+                      <a:rPr lang="en-US" b="0" i="1" smtClean="0">
+                        <a:latin typeface="Cambria Math" panose="02040503050406030204" pitchFamily="18" charset="0"/>
+                      </a:rPr>
+                      <m:t>𝑌</m:t>
+                    </m:r>
+                    <m:r>
+                      <a:rPr lang="en-US" b="0" i="1" smtClean="0">
+                        <a:latin typeface="Cambria Math" panose="02040503050406030204" pitchFamily="18" charset="0"/>
+                      </a:rPr>
+                      <m:t>|</m:t>
+                    </m:r>
+                  </m:oMath>
+                </a14:m>
+                <a:r>
+                  <a:rPr lang="en-US" dirty="0"/>
+                  <a:t> is pixel number in CNN estimated segmentation, and </a:t>
+                </a:r>
+                <a14:m>
+                  <m:oMath xmlns:m="http://schemas.openxmlformats.org/officeDocument/2006/math">
+                    <m:r>
+                      <a:rPr lang="en-US" b="0" i="1" smtClean="0">
+                        <a:latin typeface="Cambria Math" panose="02040503050406030204" pitchFamily="18" charset="0"/>
+                      </a:rPr>
+                      <m:t>|</m:t>
+                    </m:r>
+                    <m:r>
+                      <a:rPr lang="en-US" b="0" i="1" smtClean="0">
+                        <a:latin typeface="Cambria Math" panose="02040503050406030204" pitchFamily="18" charset="0"/>
+                      </a:rPr>
+                      <m:t>𝑋</m:t>
+                    </m:r>
+                    <m:r>
+                      <a:rPr lang="en-US" b="0" i="1" smtClean="0">
+                        <a:latin typeface="Cambria Math" panose="02040503050406030204" pitchFamily="18" charset="0"/>
+                      </a:rPr>
+                      <m:t>∩</m:t>
+                    </m:r>
+                    <m:r>
+                      <a:rPr lang="en-US" b="0" i="1" smtClean="0">
+                        <a:latin typeface="Cambria Math" panose="02040503050406030204" pitchFamily="18" charset="0"/>
+                      </a:rPr>
+                      <m:t>𝑌</m:t>
+                    </m:r>
+                    <m:r>
+                      <a:rPr lang="en-US" b="0" i="1" smtClean="0">
+                        <a:latin typeface="Cambria Math" panose="02040503050406030204" pitchFamily="18" charset="0"/>
+                      </a:rPr>
+                      <m:t>|</m:t>
+                    </m:r>
+                  </m:oMath>
+                </a14:m>
+                <a:r>
+                  <a:rPr lang="en-US" dirty="0"/>
+                  <a:t> is number of identical pixels shared between the two</a:t>
+                </a:r>
+              </a:p>
+              <a:p>
+                <a:pPr lvl="1"/>
+                <a:r>
+                  <a:rPr lang="en-US" dirty="0"/>
+                  <a:t>In case where both </a:t>
+                </a:r>
+                <a:r>
+                  <a:rPr lang="en-US" i="1" dirty="0"/>
+                  <a:t>X </a:t>
+                </a:r>
+                <a:r>
+                  <a:rPr lang="en-US" dirty="0"/>
+                  <a:t>and </a:t>
+                </a:r>
+                <a:r>
+                  <a:rPr lang="en-US" i="1" dirty="0"/>
+                  <a:t>Y</a:t>
+                </a:r>
+                <a:r>
+                  <a:rPr lang="en-US" dirty="0"/>
+                  <a:t> are empty sets, </a:t>
+                </a:r>
+                <a:r>
+                  <a:rPr lang="en-US" i="1" dirty="0"/>
+                  <a:t>DSC</a:t>
+                </a:r>
+                <a:r>
+                  <a:rPr lang="en-US" dirty="0"/>
+                  <a:t> is set to 1 since the model correctly identifies that there are no object pixels present</a:t>
+                </a:r>
+              </a:p>
+              <a:p>
+                <a:r>
+                  <a:rPr lang="en-US" dirty="0"/>
+                  <a:t>Signal area definition</a:t>
+                </a:r>
+              </a:p>
+              <a:p>
+                <a:pPr lvl="1"/>
+                <a14:m>
+                  <m:oMath xmlns:m="http://schemas.openxmlformats.org/officeDocument/2006/math">
+                    <m:sSub>
+                      <m:sSubPr>
+                        <m:ctrlPr>
+                          <a:rPr lang="en-US" b="0" i="1" smtClean="0">
+                            <a:latin typeface="Cambria Math" panose="02040503050406030204" pitchFamily="18" charset="0"/>
+                          </a:rPr>
+                        </m:ctrlPr>
+                      </m:sSubPr>
+                      <m:e>
+                        <m:r>
+                          <a:rPr lang="en-US" b="0" i="1" smtClean="0">
+                            <a:latin typeface="Cambria Math" panose="02040503050406030204" pitchFamily="18" charset="0"/>
+                          </a:rPr>
+                          <m:t>𝜎</m:t>
+                        </m:r>
+                      </m:e>
+                      <m:sub>
+                        <m:r>
+                          <a:rPr lang="en-US" b="0" i="1" smtClean="0">
+                            <a:latin typeface="Cambria Math" panose="02040503050406030204" pitchFamily="18" charset="0"/>
+                          </a:rPr>
+                          <m:t>𝑠</m:t>
+                        </m:r>
+                      </m:sub>
+                    </m:sSub>
+                  </m:oMath>
+                </a14:m>
+                <a:r>
+                  <a:rPr lang="en-US" dirty="0"/>
+                  <a:t> is used to generate system matrix, thus true signal area = </a:t>
+                </a:r>
+                <a14:m>
+                  <m:oMath xmlns:m="http://schemas.openxmlformats.org/officeDocument/2006/math">
+                    <m:r>
+                      <a:rPr lang="en-US" b="0" i="1" smtClean="0">
+                        <a:latin typeface="Cambria Math" panose="02040503050406030204" pitchFamily="18" charset="0"/>
+                      </a:rPr>
+                      <m:t>𝜋</m:t>
+                    </m:r>
+                    <m:sSubSup>
+                      <m:sSubSupPr>
+                        <m:ctrlPr>
+                          <a:rPr lang="en-US" b="0" i="1" smtClean="0">
+                            <a:latin typeface="Cambria Math" panose="02040503050406030204" pitchFamily="18" charset="0"/>
+                          </a:rPr>
+                        </m:ctrlPr>
+                      </m:sSubSupPr>
+                      <m:e>
+                        <m:r>
+                          <a:rPr lang="en-US" b="0" i="1" smtClean="0">
+                            <a:latin typeface="Cambria Math" panose="02040503050406030204" pitchFamily="18" charset="0"/>
+                          </a:rPr>
+                          <m:t>𝜎</m:t>
+                        </m:r>
+                      </m:e>
+                      <m:sub>
+                        <m:r>
+                          <a:rPr lang="en-US" b="0" i="1" smtClean="0">
+                            <a:latin typeface="Cambria Math" panose="02040503050406030204" pitchFamily="18" charset="0"/>
+                          </a:rPr>
+                          <m:t>𝑠</m:t>
+                        </m:r>
+                      </m:sub>
+                      <m:sup>
+                        <m:r>
+                          <a:rPr lang="en-US" b="0" i="1" smtClean="0">
+                            <a:latin typeface="Cambria Math" panose="02040503050406030204" pitchFamily="18" charset="0"/>
+                          </a:rPr>
+                          <m:t>2</m:t>
+                        </m:r>
+                      </m:sup>
+                    </m:sSubSup>
+                  </m:oMath>
+                </a14:m>
+                <a:endParaRPr lang="en-US" dirty="0"/>
+              </a:p>
+              <a:p>
+                <a:pPr lvl="1"/>
+                <a:r>
+                  <a:rPr lang="en-US" dirty="0"/>
+                  <a:t>Model signal area can be obtained by </a:t>
+                </a:r>
+                <a14:m>
+                  <m:oMath xmlns:m="http://schemas.openxmlformats.org/officeDocument/2006/math">
+                    <m:r>
+                      <a:rPr lang="en-US" b="0" i="1" smtClean="0">
+                        <a:latin typeface="Cambria Math" panose="02040503050406030204" pitchFamily="18" charset="0"/>
+                      </a:rPr>
+                      <m:t>𝑚𝑜𝑑𝑒𝑙𝑒𝑑</m:t>
+                    </m:r>
+                    <m:r>
+                      <a:rPr lang="en-US" b="0" i="1" smtClean="0">
+                        <a:latin typeface="Cambria Math" panose="02040503050406030204" pitchFamily="18" charset="0"/>
+                      </a:rPr>
+                      <m:t> </m:t>
+                    </m:r>
+                    <m:r>
+                      <a:rPr lang="en-US" b="0" i="1" smtClean="0">
+                        <a:latin typeface="Cambria Math" panose="02040503050406030204" pitchFamily="18" charset="0"/>
+                      </a:rPr>
+                      <m:t>𝑜𝑏𝑗𝑒𝑐𝑡</m:t>
+                    </m:r>
+                    <m:r>
+                      <a:rPr lang="en-US" b="0" i="1" smtClean="0">
+                        <a:latin typeface="Cambria Math" panose="02040503050406030204" pitchFamily="18" charset="0"/>
+                      </a:rPr>
+                      <m:t> </m:t>
+                    </m:r>
+                    <m:r>
+                      <a:rPr lang="en-US" b="0" i="1" smtClean="0">
+                        <a:latin typeface="Cambria Math" panose="02040503050406030204" pitchFamily="18" charset="0"/>
+                      </a:rPr>
+                      <m:t>𝑝𝑖𝑥𝑒𝑙</m:t>
+                    </m:r>
+                    <m:r>
+                      <a:rPr lang="en-US" b="0" i="1" smtClean="0">
+                        <a:latin typeface="Cambria Math" panose="02040503050406030204" pitchFamily="18" charset="0"/>
+                      </a:rPr>
+                      <m:t> </m:t>
+                    </m:r>
+                    <m:r>
+                      <a:rPr lang="en-US" b="0" i="1" smtClean="0">
+                        <a:latin typeface="Cambria Math" panose="02040503050406030204" pitchFamily="18" charset="0"/>
+                      </a:rPr>
+                      <m:t>𝑐𝑜𝑢𝑛𝑡</m:t>
+                    </m:r>
+                    <m:r>
+                      <a:rPr lang="en-US" b="0" i="1" smtClean="0">
+                        <a:latin typeface="Cambria Math" panose="02040503050406030204" pitchFamily="18" charset="0"/>
+                      </a:rPr>
+                      <m:t>×</m:t>
+                    </m:r>
+                    <m:r>
+                      <a:rPr lang="en-US" b="0" i="1" smtClean="0">
+                        <a:latin typeface="Cambria Math" panose="02040503050406030204" pitchFamily="18" charset="0"/>
+                      </a:rPr>
+                      <m:t>𝑝𝑖𝑥𝑒𝑙</m:t>
+                    </m:r>
+                    <m:r>
+                      <a:rPr lang="en-US" b="0" i="1" smtClean="0">
+                        <a:latin typeface="Cambria Math" panose="02040503050406030204" pitchFamily="18" charset="0"/>
+                      </a:rPr>
+                      <m:t> </m:t>
+                    </m:r>
+                    <m:r>
+                      <a:rPr lang="en-US" b="0" i="1" smtClean="0">
+                        <a:latin typeface="Cambria Math" panose="02040503050406030204" pitchFamily="18" charset="0"/>
+                      </a:rPr>
+                      <m:t>𝑠𝑖𝑧𝑒</m:t>
+                    </m:r>
+                  </m:oMath>
+                </a14:m>
+                <a:endParaRPr lang="en-US" dirty="0"/>
+              </a:p>
+            </p:txBody>
+          </p:sp>
+        </mc:Choice>
+        <mc:Fallback>
+          <p:sp>
+            <p:nvSpPr>
+              <p:cNvPr id="3" name="Content Placeholder 2">
+                <a:extLst>
+                  <a:ext uri="{FF2B5EF4-FFF2-40B4-BE49-F238E27FC236}">
+                    <a16:creationId xmlns:a16="http://schemas.microsoft.com/office/drawing/2014/main" id="{AC7B966C-2333-A8EB-D4CB-76FBC3398A82}"/>
+                  </a:ext>
+                </a:extLst>
+              </p:cNvPr>
+              <p:cNvSpPr>
+                <a:spLocks noGrp="1" noRot="1" noChangeAspect="1" noMove="1" noResize="1" noEditPoints="1" noAdjustHandles="1" noChangeArrowheads="1" noChangeShapeType="1" noTextEdit="1"/>
+              </p:cNvSpPr>
+              <p:nvPr>
+                <p:ph idx="1"/>
+              </p:nvPr>
+            </p:nvSpPr>
+            <p:spPr>
+              <a:xfrm>
+                <a:off x="838200" y="1825625"/>
+                <a:ext cx="10515600" cy="4826384"/>
+              </a:xfrm>
+              <a:blipFill>
+                <a:blip r:embed="rId2"/>
+                <a:stretch>
+                  <a:fillRect l="-1043" t="-2778"/>
+                </a:stretch>
+              </a:blipFill>
+            </p:spPr>
+            <p:txBody>
+              <a:bodyPr/>
+              <a:lstStyle/>
+              <a:p>
+                <a:r>
+                  <a:rPr lang="en-US">
+                    <a:noFill/>
+                  </a:rPr>
+                  <a:t> </a:t>
+                </a:r>
+              </a:p>
+            </p:txBody>
+          </p:sp>
+        </mc:Fallback>
+      </mc:AlternateContent>
+    </p:spTree>
+    <p:extLst>
+      <p:ext uri="{BB962C8B-B14F-4D97-AF65-F5344CB8AC3E}">
+        <p14:creationId xmlns:p14="http://schemas.microsoft.com/office/powerpoint/2010/main" val="3927467327"/>
+      </p:ext>
+    </p:extLst>
+  </p:cSld>
+  <p:clrMapOvr>
+    <a:masterClrMapping/>
+  </p:clrMapOvr>
+</p:sld>
+</file>
+
+<file path=ppt/slides/slide8.xml><?xml version="1.0" encoding="utf-8"?>
+<p:sld xmlns:a="http://schemas.openxmlformats.org/drawingml/2006/main" xmlns:r="http://schemas.openxmlformats.org/officeDocument/2006/relationships" xmlns:p="http://schemas.openxmlformats.org/presentationml/2006/main">
+  <p:cSld>
+    <p:spTree>
+      <p:nvGrpSpPr>
+        <p:cNvPr id="1" name=""/>
+        <p:cNvGrpSpPr/>
+        <p:nvPr/>
+      </p:nvGrpSpPr>
+      <p:grpSpPr>
+        <a:xfrm>
+          <a:off x="0" y="0"/>
+          <a:ext cx="0" cy="0"/>
+          <a:chOff x="0" y="0"/>
+          <a:chExt cx="0" cy="0"/>
+        </a:xfrm>
+      </p:grpSpPr>
+      <p:sp>
+        <p:nvSpPr>
+          <p:cNvPr id="2" name="Title 1">
+            <a:extLst>
+              <a:ext uri="{FF2B5EF4-FFF2-40B4-BE49-F238E27FC236}">
+                <a16:creationId xmlns:a16="http://schemas.microsoft.com/office/drawing/2014/main" id="{25EDB189-BE1E-FF1A-9818-B326885A36EA}"/>
+              </a:ext>
+            </a:extLst>
+          </p:cNvPr>
+          <p:cNvSpPr>
+            <a:spLocks noGrp="1"/>
+          </p:cNvSpPr>
+          <p:nvPr>
+            <p:ph type="title"/>
+          </p:nvPr>
+        </p:nvSpPr>
+        <p:spPr/>
+        <p:txBody>
+          <a:bodyPr/>
+          <a:lstStyle/>
+          <a:p>
+            <a:r>
+              <a:rPr lang="en-US" dirty="0"/>
+              <a:t> dice similarity coefficient (DSC) </a:t>
+            </a:r>
+          </a:p>
+        </p:txBody>
+      </p:sp>
+      <p:pic>
+        <p:nvPicPr>
+          <p:cNvPr id="5" name="Content Placeholder 4">
+            <a:extLst>
+              <a:ext uri="{FF2B5EF4-FFF2-40B4-BE49-F238E27FC236}">
+                <a16:creationId xmlns:a16="http://schemas.microsoft.com/office/drawing/2014/main" id="{1EA8C25E-5119-6304-1777-CEBE3CAEFDC9}"/>
+              </a:ext>
+            </a:extLst>
+          </p:cNvPr>
+          <p:cNvPicPr>
+            <a:picLocks noGrp="1" noChangeAspect="1"/>
+          </p:cNvPicPr>
+          <p:nvPr>
+            <p:ph idx="1"/>
+          </p:nvPr>
+        </p:nvPicPr>
+        <p:blipFill>
+          <a:blip r:embed="rId2"/>
+          <a:stretch>
+            <a:fillRect/>
+          </a:stretch>
+        </p:blipFill>
+        <p:spPr>
+          <a:xfrm>
+            <a:off x="3179678" y="1825625"/>
+            <a:ext cx="5832644" cy="4351338"/>
+          </a:xfrm>
+        </p:spPr>
+      </p:pic>
+    </p:spTree>
+    <p:extLst>
+      <p:ext uri="{BB962C8B-B14F-4D97-AF65-F5344CB8AC3E}">
+        <p14:creationId xmlns:p14="http://schemas.microsoft.com/office/powerpoint/2010/main" val="1477655658"/>
+      </p:ext>
+    </p:extLst>
+  </p:cSld>
+  <p:clrMapOvr>
+    <a:masterClrMapping/>
+  </p:clrMapOvr>
+</p:sld>
+</file>
+
+<file path=ppt/slides/slide9.xml><?xml version="1.0" encoding="utf-8"?>
+<p:sld xmlns:a="http://schemas.openxmlformats.org/drawingml/2006/main" xmlns:r="http://schemas.openxmlformats.org/officeDocument/2006/relationships" xmlns:p="http://schemas.openxmlformats.org/presentationml/2006/main">
+  <p:cSld>
+    <p:spTree>
+      <p:nvGrpSpPr>
+        <p:cNvPr id="1" name=""/>
+        <p:cNvGrpSpPr/>
+        <p:nvPr/>
+      </p:nvGrpSpPr>
+      <p:grpSpPr>
+        <a:xfrm>
+          <a:off x="0" y="0"/>
+          <a:ext cx="0" cy="0"/>
+          <a:chOff x="0" y="0"/>
+          <a:chExt cx="0" cy="0"/>
+        </a:xfrm>
+      </p:grpSpPr>
+      <mc:AlternateContent xmlns:mc="http://schemas.openxmlformats.org/markup-compatibility/2006">
+        <mc:Choice xmlns:a14="http://schemas.microsoft.com/office/drawing/2010/main" Requires="a14">
+          <p:sp>
+            <p:nvSpPr>
+              <p:cNvPr id="2" name="Title 1">
+                <a:extLst>
+                  <a:ext uri="{FF2B5EF4-FFF2-40B4-BE49-F238E27FC236}">
+                    <a16:creationId xmlns:a16="http://schemas.microsoft.com/office/drawing/2014/main" id="{E350D33D-2193-433C-8EF7-B2C2D5E37D96}"/>
+                  </a:ext>
+                </a:extLst>
+              </p:cNvPr>
+              <p:cNvSpPr>
+                <a:spLocks noGrp="1"/>
+              </p:cNvSpPr>
+              <p:nvPr>
+                <p:ph type="title"/>
+              </p:nvPr>
+            </p:nvSpPr>
+            <p:spPr/>
+            <p:txBody>
+              <a:bodyPr/>
+              <a:lstStyle/>
+              <a:p>
+                <a:r>
+                  <a:rPr lang="en-US" dirty="0"/>
+                  <a:t>Signal area size as a function of </a:t>
+                </a:r>
+                <a14:m>
+                  <m:oMath xmlns:m="http://schemas.openxmlformats.org/officeDocument/2006/math">
+                    <m:sSub>
+                      <m:sSubPr>
+                        <m:ctrlPr>
+                          <a:rPr lang="en-US" b="0" i="1" smtClean="0">
+                            <a:latin typeface="Cambria Math" panose="02040503050406030204" pitchFamily="18" charset="0"/>
+                          </a:rPr>
+                        </m:ctrlPr>
+                      </m:sSubPr>
+                      <m:e>
+                        <m:r>
+                          <a:rPr lang="en-US" b="0" i="1" smtClean="0">
+                            <a:latin typeface="Cambria Math" panose="02040503050406030204" pitchFamily="18" charset="0"/>
+                          </a:rPr>
+                          <m:t>𝜎</m:t>
+                        </m:r>
+                      </m:e>
+                      <m:sub>
+                        <m:r>
+                          <a:rPr lang="en-US" b="0" i="1" smtClean="0">
+                            <a:latin typeface="Cambria Math" panose="02040503050406030204" pitchFamily="18" charset="0"/>
+                          </a:rPr>
+                          <m:t>𝑠</m:t>
+                        </m:r>
+                      </m:sub>
+                    </m:sSub>
+                  </m:oMath>
+                </a14:m>
+                <a:endParaRPr lang="en-US" dirty="0"/>
+              </a:p>
+            </p:txBody>
+          </p:sp>
+        </mc:Choice>
+        <mc:Fallback>
+          <p:sp>
+            <p:nvSpPr>
+              <p:cNvPr id="2" name="Title 1">
+                <a:extLst>
+                  <a:ext uri="{FF2B5EF4-FFF2-40B4-BE49-F238E27FC236}">
+                    <a16:creationId xmlns:a16="http://schemas.microsoft.com/office/drawing/2014/main" id="{E350D33D-2193-433C-8EF7-B2C2D5E37D96}"/>
+                  </a:ext>
+                </a:extLst>
+              </p:cNvPr>
+              <p:cNvSpPr>
+                <a:spLocks noGrp="1" noRot="1" noChangeAspect="1" noMove="1" noResize="1" noEditPoints="1" noAdjustHandles="1" noChangeArrowheads="1" noChangeShapeType="1" noTextEdit="1"/>
+              </p:cNvSpPr>
+              <p:nvPr>
+                <p:ph type="title"/>
+              </p:nvPr>
+            </p:nvSpPr>
+            <p:spPr>
+              <a:blipFill>
+                <a:blip r:embed="rId2"/>
+                <a:stretch>
+                  <a:fillRect l="-2377"/>
+                </a:stretch>
+              </a:blipFill>
+            </p:spPr>
+            <p:txBody>
+              <a:bodyPr/>
+              <a:lstStyle/>
+              <a:p>
+                <a:r>
+                  <a:rPr lang="en-US">
+                    <a:noFill/>
+                  </a:rPr>
+                  <a:t> </a:t>
+                </a:r>
+              </a:p>
+            </p:txBody>
+          </p:sp>
+        </mc:Fallback>
+      </mc:AlternateContent>
+      <p:pic>
+        <p:nvPicPr>
+          <p:cNvPr id="5" name="Content Placeholder 4">
+            <a:extLst>
+              <a:ext uri="{FF2B5EF4-FFF2-40B4-BE49-F238E27FC236}">
+                <a16:creationId xmlns:a16="http://schemas.microsoft.com/office/drawing/2014/main" id="{9069030D-1B50-BA0A-A3AC-C6BEFC5C7322}"/>
+              </a:ext>
+            </a:extLst>
+          </p:cNvPr>
+          <p:cNvPicPr>
+            <a:picLocks noGrp="1" noChangeAspect="1"/>
+          </p:cNvPicPr>
+          <p:nvPr>
+            <p:ph idx="1"/>
+          </p:nvPr>
+        </p:nvPicPr>
+        <p:blipFill>
+          <a:blip r:embed="rId3"/>
+          <a:stretch>
+            <a:fillRect/>
+          </a:stretch>
+        </p:blipFill>
+        <p:spPr>
+          <a:xfrm>
+            <a:off x="2702755" y="1825625"/>
+            <a:ext cx="6786490" cy="4351338"/>
+          </a:xfrm>
+        </p:spPr>
+      </p:pic>
+    </p:spTree>
+    <p:extLst>
+      <p:ext uri="{BB962C8B-B14F-4D97-AF65-F5344CB8AC3E}">
+        <p14:creationId xmlns:p14="http://schemas.microsoft.com/office/powerpoint/2010/main" val="847609079"/>
       </p:ext>
     </p:extLst>
   </p:cSld>
@@ -11337,6 +12235,23 @@
 </file>
 
 <file path=customXml/item1.xml><?xml version="1.0" encoding="utf-8"?>
+<p:properties xmlns:p="http://schemas.microsoft.com/office/2006/metadata/properties" xmlns:xsi="http://www.w3.org/2001/XMLSchema-instance" xmlns:pc="http://schemas.microsoft.com/office/infopath/2007/PartnerControls">
+  <documentManagement>
+    <_activity xmlns="65ab1a49-e739-4593-bd50-31927be0d00d" xsi:nil="true"/>
+  </documentManagement>
+</p:properties>
+</file>
+
+<file path=customXml/item2.xml><?xml version="1.0" encoding="utf-8"?>
+<?mso-contentType ?>
+<FormTemplates xmlns="http://schemas.microsoft.com/sharepoint/v3/contenttype/forms">
+  <Display>DocumentLibraryForm</Display>
+  <Edit>DocumentLibraryForm</Edit>
+  <New>DocumentLibraryForm</New>
+</FormTemplates>
+</file>
+
+<file path=customXml/item3.xml><?xml version="1.0" encoding="utf-8"?>
 <ct:contentTypeSchema xmlns:ct="http://schemas.microsoft.com/office/2006/metadata/contentType" xmlns:ma="http://schemas.microsoft.com/office/2006/metadata/properties/metaAttributes" ct:_="" ma:_="" ma:contentTypeName="Document" ma:contentTypeID="0x010100EC4F812E6609434DA8633D12E8A65FAC" ma:contentTypeVersion="15" ma:contentTypeDescription="Create a new document." ma:contentTypeScope="" ma:versionID="b65c8206aacb6a2f09658d1288328316">
   <xsd:schema xmlns:xsd="http://www.w3.org/2001/XMLSchema" xmlns:xs="http://www.w3.org/2001/XMLSchema" xmlns:p="http://schemas.microsoft.com/office/2006/metadata/properties" xmlns:ns3="65ab1a49-e739-4593-bd50-31927be0d00d" xmlns:ns4="33e0619f-d250-4555-b544-2748c73268b5" targetNamespace="http://schemas.microsoft.com/office/2006/metadata/properties" ma:root="true" ma:fieldsID="00031ad9e95b0eece4881d6199365dd2" ns3:_="" ns4:_="">
     <xsd:import namespace="65ab1a49-e739-4593-bd50-31927be0d00d"/>
@@ -11569,24 +12484,32 @@
 </ct:contentTypeSchema>
 </file>
 
-<file path=customXml/item2.xml><?xml version="1.0" encoding="utf-8"?>
-<?mso-contentType ?>
-<FormTemplates xmlns="http://schemas.microsoft.com/sharepoint/v3/contenttype/forms">
-  <Display>DocumentLibraryForm</Display>
-  <Edit>DocumentLibraryForm</Edit>
-  <New>DocumentLibraryForm</New>
-</FormTemplates>
+<file path=customXml/itemProps1.xml><?xml version="1.0" encoding="utf-8"?>
+<ds:datastoreItem xmlns:ds="http://schemas.openxmlformats.org/officeDocument/2006/customXml" ds:itemID="{DEC4EDD2-4785-4152-B467-3F8AFA5739BC}">
+  <ds:schemaRefs>
+    <ds:schemaRef ds:uri="33e0619f-d250-4555-b544-2748c73268b5"/>
+    <ds:schemaRef ds:uri="65ab1a49-e739-4593-bd50-31927be0d00d"/>
+    <ds:schemaRef ds:uri="http://purl.org/dc/dcmitype/"/>
+    <ds:schemaRef ds:uri="http://purl.org/dc/elements/1.1/"/>
+    <ds:schemaRef ds:uri="http://purl.org/dc/terms/"/>
+    <ds:schemaRef ds:uri="http://schemas.microsoft.com/office/2006/documentManagement/types"/>
+    <ds:schemaRef ds:uri="http://schemas.microsoft.com/office/2006/metadata/properties"/>
+    <ds:schemaRef ds:uri="http://schemas.microsoft.com/office/infopath/2007/PartnerControls"/>
+    <ds:schemaRef ds:uri="http://schemas.openxmlformats.org/package/2006/metadata/core-properties"/>
+    <ds:schemaRef ds:uri="http://www.w3.org/XML/1998/namespace"/>
+  </ds:schemaRefs>
+</ds:datastoreItem>
 </file>
 
-<file path=customXml/item3.xml><?xml version="1.0" encoding="utf-8"?>
-<p:properties xmlns:p="http://schemas.microsoft.com/office/2006/metadata/properties" xmlns:xsi="http://www.w3.org/2001/XMLSchema-instance" xmlns:pc="http://schemas.microsoft.com/office/infopath/2007/PartnerControls">
-  <documentManagement>
-    <_activity xmlns="65ab1a49-e739-4593-bd50-31927be0d00d" xsi:nil="true"/>
-  </documentManagement>
-</p:properties>
+<file path=customXml/itemProps2.xml><?xml version="1.0" encoding="utf-8"?>
+<ds:datastoreItem xmlns:ds="http://schemas.openxmlformats.org/officeDocument/2006/customXml" ds:itemID="{EE6237EC-2080-4FEC-B60F-FBA9319B39FB}">
+  <ds:schemaRefs>
+    <ds:schemaRef ds:uri="http://schemas.microsoft.com/sharepoint/v3/contenttype/forms"/>
+  </ds:schemaRefs>
+</ds:datastoreItem>
 </file>
 
-<file path=customXml/itemProps1.xml><?xml version="1.0" encoding="utf-8"?>
+<file path=customXml/itemProps3.xml><?xml version="1.0" encoding="utf-8"?>
 <ds:datastoreItem xmlns:ds="http://schemas.openxmlformats.org/officeDocument/2006/customXml" ds:itemID="{7D36296C-3063-46FE-957C-EBD96179AF0D}">
   <ds:schemaRefs>
     <ds:schemaRef ds:uri="33e0619f-d250-4555-b544-2748c73268b5"/>
@@ -11603,29 +12526,4 @@
     <ds:schemaRef ds:uri="http://www.w3.org/2001/XMLSchema"/>
   </ds:schemaRefs>
 </ds:datastoreItem>
-</file>
-
-<file path=customXml/itemProps2.xml><?xml version="1.0" encoding="utf-8"?>
-<ds:datastoreItem xmlns:ds="http://schemas.openxmlformats.org/officeDocument/2006/customXml" ds:itemID="{EE6237EC-2080-4FEC-B60F-FBA9319B39FB}">
-  <ds:schemaRefs>
-    <ds:schemaRef ds:uri="http://schemas.microsoft.com/sharepoint/v3/contenttype/forms"/>
-  </ds:schemaRefs>
-</ds:datastoreItem>
-</file>
-
-<file path=customXml/itemProps3.xml><?xml version="1.0" encoding="utf-8"?>
-<ds:datastoreItem xmlns:ds="http://schemas.openxmlformats.org/officeDocument/2006/customXml" ds:itemID="{DEC4EDD2-4785-4152-B467-3F8AFA5739BC}">
-  <ds:schemaRefs>
-    <ds:schemaRef ds:uri="33e0619f-d250-4555-b544-2748c73268b5"/>
-    <ds:schemaRef ds:uri="65ab1a49-e739-4593-bd50-31927be0d00d"/>
-    <ds:schemaRef ds:uri="http://purl.org/dc/dcmitype/"/>
-    <ds:schemaRef ds:uri="http://purl.org/dc/elements/1.1/"/>
-    <ds:schemaRef ds:uri="http://purl.org/dc/terms/"/>
-    <ds:schemaRef ds:uri="http://schemas.microsoft.com/office/2006/documentManagement/types"/>
-    <ds:schemaRef ds:uri="http://schemas.microsoft.com/office/2006/metadata/properties"/>
-    <ds:schemaRef ds:uri="http://schemas.microsoft.com/office/infopath/2007/PartnerControls"/>
-    <ds:schemaRef ds:uri="http://schemas.openxmlformats.org/package/2006/metadata/core-properties"/>
-    <ds:schemaRef ds:uri="http://www.w3.org/XML/1998/namespace"/>
-  </ds:schemaRefs>
-</ds:datastoreItem>
 </file>
--- a/presentation.pptx
+++ b/presentation.pptx
@@ -5,7 +5,7 @@
     <p:sldMasterId id="2147483648" r:id="rId4"/>
   </p:sldMasterIdLst>
   <p:notesMasterIdLst>
-    <p:notesMasterId r:id="rId14"/>
+    <p:notesMasterId r:id="rId22"/>
   </p:notesMasterIdLst>
   <p:sldIdLst>
     <p:sldId id="474" r:id="rId5"/>
@@ -14,9 +14,17 @@
     <p:sldId id="475" r:id="rId8"/>
     <p:sldId id="476" r:id="rId9"/>
     <p:sldId id="477" r:id="rId10"/>
-    <p:sldId id="480" r:id="rId11"/>
-    <p:sldId id="478" r:id="rId12"/>
-    <p:sldId id="479" r:id="rId13"/>
+    <p:sldId id="481" r:id="rId11"/>
+    <p:sldId id="487" r:id="rId12"/>
+    <p:sldId id="482" r:id="rId13"/>
+    <p:sldId id="483" r:id="rId14"/>
+    <p:sldId id="484" r:id="rId15"/>
+    <p:sldId id="485" r:id="rId16"/>
+    <p:sldId id="486" r:id="rId17"/>
+    <p:sldId id="480" r:id="rId18"/>
+    <p:sldId id="478" r:id="rId19"/>
+    <p:sldId id="479" r:id="rId20"/>
+    <p:sldId id="488" r:id="rId21"/>
   </p:sldIdLst>
   <p:sldSz cx="12192000" cy="6858000"/>
   <p:notesSz cx="7010400" cy="9296400"/>
@@ -131,791 +139,6 @@
 </p1510:revInfo>
 </file>
 
-<file path=ppt/changesInfos/changesInfo1.xml><?xml version="1.0" encoding="utf-8"?>
-<pc:chgInfo xmlns:a="http://schemas.openxmlformats.org/drawingml/2006/main" xmlns:r="http://schemas.openxmlformats.org/officeDocument/2006/relationships" xmlns:ac="http://schemas.microsoft.com/office/drawing/2013/main/command" xmlns:pc="http://schemas.microsoft.com/office/powerpoint/2013/main/command">
-  <pc:docChgLst>
-    <pc:chgData name="Wang, Lukai" userId="42a40d5c-688c-4677-a5f3-e5d64f4d368d" providerId="ADAL" clId="{C60595B3-FE07-44C4-BE38-5AD18F404BD2}"/>
-    <pc:docChg chg="custSel addSld modSld">
-      <pc:chgData name="Wang, Lukai" userId="42a40d5c-688c-4677-a5f3-e5d64f4d368d" providerId="ADAL" clId="{C60595B3-FE07-44C4-BE38-5AD18F404BD2}" dt="2024-11-30T23:41:44.743" v="118" actId="1076"/>
-      <pc:docMkLst>
-        <pc:docMk/>
-      </pc:docMkLst>
-      <pc:sldChg chg="addSp delSp modSp add mod">
-        <pc:chgData name="Wang, Lukai" userId="42a40d5c-688c-4677-a5f3-e5d64f4d368d" providerId="ADAL" clId="{C60595B3-FE07-44C4-BE38-5AD18F404BD2}" dt="2024-11-30T23:39:00.078" v="42" actId="14100"/>
-        <pc:sldMkLst>
-          <pc:docMk/>
-          <pc:sldMk cId="1539622854" sldId="475"/>
-        </pc:sldMkLst>
-        <pc:spChg chg="del mod">
-          <ac:chgData name="Wang, Lukai" userId="42a40d5c-688c-4677-a5f3-e5d64f4d368d" providerId="ADAL" clId="{C60595B3-FE07-44C4-BE38-5AD18F404BD2}" dt="2024-11-30T23:37:13.312" v="11" actId="478"/>
-          <ac:spMkLst>
-            <pc:docMk/>
-            <pc:sldMk cId="1539622854" sldId="475"/>
-            <ac:spMk id="3" creationId="{A405512E-1903-A91C-C8D9-99E7CF43A5CD}"/>
-          </ac:spMkLst>
-        </pc:spChg>
-        <pc:spChg chg="mod">
-          <ac:chgData name="Wang, Lukai" userId="42a40d5c-688c-4677-a5f3-e5d64f4d368d" providerId="ADAL" clId="{C60595B3-FE07-44C4-BE38-5AD18F404BD2}" dt="2024-11-30T23:37:30.495" v="26" actId="20577"/>
-          <ac:spMkLst>
-            <pc:docMk/>
-            <pc:sldMk cId="1539622854" sldId="475"/>
-            <ac:spMk id="9" creationId="{5D3AC7B1-4A08-6DAA-5623-235BBE693B68}"/>
-          </ac:spMkLst>
-        </pc:spChg>
-        <pc:spChg chg="del">
-          <ac:chgData name="Wang, Lukai" userId="42a40d5c-688c-4677-a5f3-e5d64f4d368d" providerId="ADAL" clId="{C60595B3-FE07-44C4-BE38-5AD18F404BD2}" dt="2024-11-30T23:35:29.737" v="5" actId="478"/>
-          <ac:spMkLst>
-            <pc:docMk/>
-            <pc:sldMk cId="1539622854" sldId="475"/>
-            <ac:spMk id="13" creationId="{945F8DCC-E5C9-C079-C986-F394C06161C0}"/>
-          </ac:spMkLst>
-        </pc:spChg>
-        <pc:spChg chg="del">
-          <ac:chgData name="Wang, Lukai" userId="42a40d5c-688c-4677-a5f3-e5d64f4d368d" providerId="ADAL" clId="{C60595B3-FE07-44C4-BE38-5AD18F404BD2}" dt="2024-11-30T23:35:25.616" v="4" actId="478"/>
-          <ac:spMkLst>
-            <pc:docMk/>
-            <pc:sldMk cId="1539622854" sldId="475"/>
-            <ac:spMk id="14" creationId="{8F31210F-00A2-A619-EE18-15EA60405F41}"/>
-          </ac:spMkLst>
-        </pc:spChg>
-        <pc:spChg chg="del">
-          <ac:chgData name="Wang, Lukai" userId="42a40d5c-688c-4677-a5f3-e5d64f4d368d" providerId="ADAL" clId="{C60595B3-FE07-44C4-BE38-5AD18F404BD2}" dt="2024-11-30T23:35:32.704" v="6" actId="478"/>
-          <ac:spMkLst>
-            <pc:docMk/>
-            <pc:sldMk cId="1539622854" sldId="475"/>
-            <ac:spMk id="15" creationId="{919BA035-51A5-4EEC-FEFF-C6BAD87E9F0B}"/>
-          </ac:spMkLst>
-        </pc:spChg>
-        <pc:picChg chg="add mod">
-          <ac:chgData name="Wang, Lukai" userId="42a40d5c-688c-4677-a5f3-e5d64f4d368d" providerId="ADAL" clId="{C60595B3-FE07-44C4-BE38-5AD18F404BD2}" dt="2024-11-30T23:38:12.224" v="33" actId="1076"/>
-          <ac:picMkLst>
-            <pc:docMk/>
-            <pc:sldMk cId="1539622854" sldId="475"/>
-            <ac:picMk id="4" creationId="{6C031F2C-53AB-E431-6691-0E1900CF7B95}"/>
-          </ac:picMkLst>
-        </pc:picChg>
-        <pc:picChg chg="add mod">
-          <ac:chgData name="Wang, Lukai" userId="42a40d5c-688c-4677-a5f3-e5d64f4d368d" providerId="ADAL" clId="{C60595B3-FE07-44C4-BE38-5AD18F404BD2}" dt="2024-11-30T23:38:12.224" v="33" actId="1076"/>
-          <ac:picMkLst>
-            <pc:docMk/>
-            <pc:sldMk cId="1539622854" sldId="475"/>
-            <ac:picMk id="6" creationId="{AEC98743-FB58-9F26-C994-9EB75A9794A2}"/>
-          </ac:picMkLst>
-        </pc:picChg>
-        <pc:picChg chg="del">
-          <ac:chgData name="Wang, Lukai" userId="42a40d5c-688c-4677-a5f3-e5d64f4d368d" providerId="ADAL" clId="{C60595B3-FE07-44C4-BE38-5AD18F404BD2}" dt="2024-11-30T23:35:19.093" v="1" actId="478"/>
-          <ac:picMkLst>
-            <pc:docMk/>
-            <pc:sldMk cId="1539622854" sldId="475"/>
-            <ac:picMk id="7" creationId="{42FC4F45-02C6-E5B2-C27E-EA0081760DBE}"/>
-          </ac:picMkLst>
-        </pc:picChg>
-        <pc:picChg chg="del">
-          <ac:chgData name="Wang, Lukai" userId="42a40d5c-688c-4677-a5f3-e5d64f4d368d" providerId="ADAL" clId="{C60595B3-FE07-44C4-BE38-5AD18F404BD2}" dt="2024-11-30T23:35:20.942" v="2" actId="478"/>
-          <ac:picMkLst>
-            <pc:docMk/>
-            <pc:sldMk cId="1539622854" sldId="475"/>
-            <ac:picMk id="10" creationId="{9576C55A-8800-5914-D766-C69C4FAC8E11}"/>
-          </ac:picMkLst>
-        </pc:picChg>
-        <pc:picChg chg="add mod">
-          <ac:chgData name="Wang, Lukai" userId="42a40d5c-688c-4677-a5f3-e5d64f4d368d" providerId="ADAL" clId="{C60595B3-FE07-44C4-BE38-5AD18F404BD2}" dt="2024-11-30T23:38:35.784" v="38" actId="1076"/>
-          <ac:picMkLst>
-            <pc:docMk/>
-            <pc:sldMk cId="1539622854" sldId="475"/>
-            <ac:picMk id="11" creationId="{47337954-8CBD-728F-53AC-D6274583115E}"/>
-          </ac:picMkLst>
-        </pc:picChg>
-        <pc:picChg chg="del">
-          <ac:chgData name="Wang, Lukai" userId="42a40d5c-688c-4677-a5f3-e5d64f4d368d" providerId="ADAL" clId="{C60595B3-FE07-44C4-BE38-5AD18F404BD2}" dt="2024-11-30T23:35:22.559" v="3" actId="478"/>
-          <ac:picMkLst>
-            <pc:docMk/>
-            <pc:sldMk cId="1539622854" sldId="475"/>
-            <ac:picMk id="12" creationId="{54CF3038-6FB7-10AC-4291-F21DD092D327}"/>
-          </ac:picMkLst>
-        </pc:picChg>
-        <pc:picChg chg="add mod">
-          <ac:chgData name="Wang, Lukai" userId="42a40d5c-688c-4677-a5f3-e5d64f4d368d" providerId="ADAL" clId="{C60595B3-FE07-44C4-BE38-5AD18F404BD2}" dt="2024-11-30T23:39:00.078" v="42" actId="14100"/>
-          <ac:picMkLst>
-            <pc:docMk/>
-            <pc:sldMk cId="1539622854" sldId="475"/>
-            <ac:picMk id="17" creationId="{F10EEBE5-0B98-7C1D-72EF-7300FFBF7F53}"/>
-          </ac:picMkLst>
-        </pc:picChg>
-      </pc:sldChg>
-      <pc:sldChg chg="addSp delSp modSp add mod">
-        <pc:chgData name="Wang, Lukai" userId="42a40d5c-688c-4677-a5f3-e5d64f4d368d" providerId="ADAL" clId="{C60595B3-FE07-44C4-BE38-5AD18F404BD2}" dt="2024-11-30T23:40:45.503" v="90" actId="1076"/>
-        <pc:sldMkLst>
-          <pc:docMk/>
-          <pc:sldMk cId="1409333715" sldId="476"/>
-        </pc:sldMkLst>
-        <pc:spChg chg="mod">
-          <ac:chgData name="Wang, Lukai" userId="42a40d5c-688c-4677-a5f3-e5d64f4d368d" providerId="ADAL" clId="{C60595B3-FE07-44C4-BE38-5AD18F404BD2}" dt="2024-11-30T23:40:18.288" v="83" actId="20577"/>
-          <ac:spMkLst>
-            <pc:docMk/>
-            <pc:sldMk cId="1409333715" sldId="476"/>
-            <ac:spMk id="9" creationId="{5D3AC7B1-4A08-6DAA-5623-235BBE693B68}"/>
-          </ac:spMkLst>
-        </pc:spChg>
-        <pc:picChg chg="add mod">
-          <ac:chgData name="Wang, Lukai" userId="42a40d5c-688c-4677-a5f3-e5d64f4d368d" providerId="ADAL" clId="{C60595B3-FE07-44C4-BE38-5AD18F404BD2}" dt="2024-11-30T23:40:45.503" v="90" actId="1076"/>
-          <ac:picMkLst>
-            <pc:docMk/>
-            <pc:sldMk cId="1409333715" sldId="476"/>
-            <ac:picMk id="3" creationId="{A7FCE5D8-CBED-92AE-8378-3A98E20A6D45}"/>
-          </ac:picMkLst>
-        </pc:picChg>
-        <pc:picChg chg="del">
-          <ac:chgData name="Wang, Lukai" userId="42a40d5c-688c-4677-a5f3-e5d64f4d368d" providerId="ADAL" clId="{C60595B3-FE07-44C4-BE38-5AD18F404BD2}" dt="2024-11-30T23:39:17.487" v="55" actId="478"/>
-          <ac:picMkLst>
-            <pc:docMk/>
-            <pc:sldMk cId="1409333715" sldId="476"/>
-            <ac:picMk id="4" creationId="{6C031F2C-53AB-E431-6691-0E1900CF7B95}"/>
-          </ac:picMkLst>
-        </pc:picChg>
-        <pc:picChg chg="del">
-          <ac:chgData name="Wang, Lukai" userId="42a40d5c-688c-4677-a5f3-e5d64f4d368d" providerId="ADAL" clId="{C60595B3-FE07-44C4-BE38-5AD18F404BD2}" dt="2024-11-30T23:39:19.246" v="56" actId="478"/>
-          <ac:picMkLst>
-            <pc:docMk/>
-            <pc:sldMk cId="1409333715" sldId="476"/>
-            <ac:picMk id="6" creationId="{AEC98743-FB58-9F26-C994-9EB75A9794A2}"/>
-          </ac:picMkLst>
-        </pc:picChg>
-        <pc:picChg chg="add mod">
-          <ac:chgData name="Wang, Lukai" userId="42a40d5c-688c-4677-a5f3-e5d64f4d368d" providerId="ADAL" clId="{C60595B3-FE07-44C4-BE38-5AD18F404BD2}" dt="2024-11-30T23:40:45.503" v="90" actId="1076"/>
-          <ac:picMkLst>
-            <pc:docMk/>
-            <pc:sldMk cId="1409333715" sldId="476"/>
-            <ac:picMk id="7" creationId="{B83BEE1F-55EA-9323-EA06-4F95CFFE1253}"/>
-          </ac:picMkLst>
-        </pc:picChg>
-        <pc:picChg chg="del">
-          <ac:chgData name="Wang, Lukai" userId="42a40d5c-688c-4677-a5f3-e5d64f4d368d" providerId="ADAL" clId="{C60595B3-FE07-44C4-BE38-5AD18F404BD2}" dt="2024-11-30T23:39:22.751" v="58" actId="478"/>
-          <ac:picMkLst>
-            <pc:docMk/>
-            <pc:sldMk cId="1409333715" sldId="476"/>
-            <ac:picMk id="11" creationId="{47337954-8CBD-728F-53AC-D6274583115E}"/>
-          </ac:picMkLst>
-        </pc:picChg>
-        <pc:picChg chg="del">
-          <ac:chgData name="Wang, Lukai" userId="42a40d5c-688c-4677-a5f3-e5d64f4d368d" providerId="ADAL" clId="{C60595B3-FE07-44C4-BE38-5AD18F404BD2}" dt="2024-11-30T23:39:21.087" v="57" actId="478"/>
-          <ac:picMkLst>
-            <pc:docMk/>
-            <pc:sldMk cId="1409333715" sldId="476"/>
-            <ac:picMk id="17" creationId="{F10EEBE5-0B98-7C1D-72EF-7300FFBF7F53}"/>
-          </ac:picMkLst>
-        </pc:picChg>
-      </pc:sldChg>
-      <pc:sldChg chg="addSp delSp modSp add mod">
-        <pc:chgData name="Wang, Lukai" userId="42a40d5c-688c-4677-a5f3-e5d64f4d368d" providerId="ADAL" clId="{C60595B3-FE07-44C4-BE38-5AD18F404BD2}" dt="2024-11-30T23:41:44.743" v="118" actId="1076"/>
-        <pc:sldMkLst>
-          <pc:docMk/>
-          <pc:sldMk cId="1920478922" sldId="477"/>
-        </pc:sldMkLst>
-        <pc:spChg chg="mod">
-          <ac:chgData name="Wang, Lukai" userId="42a40d5c-688c-4677-a5f3-e5d64f4d368d" providerId="ADAL" clId="{C60595B3-FE07-44C4-BE38-5AD18F404BD2}" dt="2024-11-30T23:41:00.707" v="106" actId="20577"/>
-          <ac:spMkLst>
-            <pc:docMk/>
-            <pc:sldMk cId="1920478922" sldId="477"/>
-            <ac:spMk id="9" creationId="{5D3AC7B1-4A08-6DAA-5623-235BBE693B68}"/>
-          </ac:spMkLst>
-        </pc:spChg>
-        <pc:picChg chg="del">
-          <ac:chgData name="Wang, Lukai" userId="42a40d5c-688c-4677-a5f3-e5d64f4d368d" providerId="ADAL" clId="{C60595B3-FE07-44C4-BE38-5AD18F404BD2}" dt="2024-11-30T23:41:03.012" v="107" actId="478"/>
-          <ac:picMkLst>
-            <pc:docMk/>
-            <pc:sldMk cId="1920478922" sldId="477"/>
-            <ac:picMk id="3" creationId="{A7FCE5D8-CBED-92AE-8378-3A98E20A6D45}"/>
-          </ac:picMkLst>
-        </pc:picChg>
-        <pc:picChg chg="add mod">
-          <ac:chgData name="Wang, Lukai" userId="42a40d5c-688c-4677-a5f3-e5d64f4d368d" providerId="ADAL" clId="{C60595B3-FE07-44C4-BE38-5AD18F404BD2}" dt="2024-11-30T23:41:44.743" v="118" actId="1076"/>
-          <ac:picMkLst>
-            <pc:docMk/>
-            <pc:sldMk cId="1920478922" sldId="477"/>
-            <ac:picMk id="4" creationId="{BF6CB878-3E7F-3C7D-FF2B-3014B1A3BACD}"/>
-          </ac:picMkLst>
-        </pc:picChg>
-        <pc:picChg chg="add mod">
-          <ac:chgData name="Wang, Lukai" userId="42a40d5c-688c-4677-a5f3-e5d64f4d368d" providerId="ADAL" clId="{C60595B3-FE07-44C4-BE38-5AD18F404BD2}" dt="2024-11-30T23:41:44.743" v="118" actId="1076"/>
-          <ac:picMkLst>
-            <pc:docMk/>
-            <pc:sldMk cId="1920478922" sldId="477"/>
-            <ac:picMk id="6" creationId="{ABAEF4C7-1A02-804F-BF29-D0BEB4350CD8}"/>
-          </ac:picMkLst>
-        </pc:picChg>
-        <pc:picChg chg="del">
-          <ac:chgData name="Wang, Lukai" userId="42a40d5c-688c-4677-a5f3-e5d64f4d368d" providerId="ADAL" clId="{C60595B3-FE07-44C4-BE38-5AD18F404BD2}" dt="2024-11-30T23:41:04.888" v="108" actId="478"/>
-          <ac:picMkLst>
-            <pc:docMk/>
-            <pc:sldMk cId="1920478922" sldId="477"/>
-            <ac:picMk id="7" creationId="{B83BEE1F-55EA-9323-EA06-4F95CFFE1253}"/>
-          </ac:picMkLst>
-        </pc:picChg>
-      </pc:sldChg>
-    </pc:docChg>
-  </pc:docChgLst>
-  <pc:docChgLst>
-    <pc:chgData name="Wang, Lukai" userId="42a40d5c-688c-4677-a5f3-e5d64f4d368d" providerId="ADAL" clId="{971AC896-1F24-41E9-8E21-C12134BC661F}"/>
-    <pc:docChg chg="undo custSel addSld delSld modSld sldOrd">
-      <pc:chgData name="Wang, Lukai" userId="42a40d5c-688c-4677-a5f3-e5d64f4d368d" providerId="ADAL" clId="{971AC896-1F24-41E9-8E21-C12134BC661F}" dt="2024-11-17T18:20:01.237" v="1392" actId="20577"/>
-      <pc:docMkLst>
-        <pc:docMk/>
-      </pc:docMkLst>
-      <pc:sldChg chg="del">
-        <pc:chgData name="Wang, Lukai" userId="42a40d5c-688c-4677-a5f3-e5d64f4d368d" providerId="ADAL" clId="{971AC896-1F24-41E9-8E21-C12134BC661F}" dt="2024-11-17T18:19:50.667" v="1389" actId="47"/>
-        <pc:sldMkLst>
-          <pc:docMk/>
-          <pc:sldMk cId="2982283689" sldId="417"/>
-        </pc:sldMkLst>
-      </pc:sldChg>
-      <pc:sldChg chg="addSp delSp modSp mod ord modNotesTx">
-        <pc:chgData name="Wang, Lukai" userId="42a40d5c-688c-4677-a5f3-e5d64f4d368d" providerId="ADAL" clId="{971AC896-1F24-41E9-8E21-C12134BC661F}" dt="2024-11-17T18:20:01.237" v="1392" actId="20577"/>
-        <pc:sldMkLst>
-          <pc:docMk/>
-          <pc:sldMk cId="2814959665" sldId="428"/>
-        </pc:sldMkLst>
-        <pc:spChg chg="del">
-          <ac:chgData name="Wang, Lukai" userId="42a40d5c-688c-4677-a5f3-e5d64f4d368d" providerId="ADAL" clId="{971AC896-1F24-41E9-8E21-C12134BC661F}" dt="2024-11-17T17:30:32.135" v="481" actId="478"/>
-          <ac:spMkLst>
-            <pc:docMk/>
-            <pc:sldMk cId="2814959665" sldId="428"/>
-            <ac:spMk id="2" creationId="{70CC1263-EBE5-EB52-E687-CFFD9C0C0782}"/>
-          </ac:spMkLst>
-        </pc:spChg>
-        <pc:spChg chg="add mod">
-          <ac:chgData name="Wang, Lukai" userId="42a40d5c-688c-4677-a5f3-e5d64f4d368d" providerId="ADAL" clId="{971AC896-1F24-41E9-8E21-C12134BC661F}" dt="2024-11-17T18:17:25.467" v="1328" actId="20577"/>
-          <ac:spMkLst>
-            <pc:docMk/>
-            <pc:sldMk cId="2814959665" sldId="428"/>
-            <ac:spMk id="3" creationId="{A405512E-1903-A91C-C8D9-99E7CF43A5CD}"/>
-          </ac:spMkLst>
-        </pc:spChg>
-        <pc:spChg chg="mod">
-          <ac:chgData name="Wang, Lukai" userId="42a40d5c-688c-4677-a5f3-e5d64f4d368d" providerId="ADAL" clId="{971AC896-1F24-41E9-8E21-C12134BC661F}" dt="2024-11-17T18:05:41.431" v="1236" actId="20577"/>
-          <ac:spMkLst>
-            <pc:docMk/>
-            <pc:sldMk cId="2814959665" sldId="428"/>
-            <ac:spMk id="9" creationId="{5D3AC7B1-4A08-6DAA-5623-235BBE693B68}"/>
-          </ac:spMkLst>
-        </pc:spChg>
-        <pc:spChg chg="add mod">
-          <ac:chgData name="Wang, Lukai" userId="42a40d5c-688c-4677-a5f3-e5d64f4d368d" providerId="ADAL" clId="{971AC896-1F24-41E9-8E21-C12134BC661F}" dt="2024-11-17T18:19:24.899" v="1375" actId="1035"/>
-          <ac:spMkLst>
-            <pc:docMk/>
-            <pc:sldMk cId="2814959665" sldId="428"/>
-            <ac:spMk id="13" creationId="{945F8DCC-E5C9-C079-C986-F394C06161C0}"/>
-          </ac:spMkLst>
-        </pc:spChg>
-        <pc:spChg chg="add mod">
-          <ac:chgData name="Wang, Lukai" userId="42a40d5c-688c-4677-a5f3-e5d64f4d368d" providerId="ADAL" clId="{971AC896-1F24-41E9-8E21-C12134BC661F}" dt="2024-11-17T18:19:21.181" v="1370" actId="20577"/>
-          <ac:spMkLst>
-            <pc:docMk/>
-            <pc:sldMk cId="2814959665" sldId="428"/>
-            <ac:spMk id="14" creationId="{8F31210F-00A2-A619-EE18-15EA60405F41}"/>
-          </ac:spMkLst>
-        </pc:spChg>
-        <pc:spChg chg="add mod">
-          <ac:chgData name="Wang, Lukai" userId="42a40d5c-688c-4677-a5f3-e5d64f4d368d" providerId="ADAL" clId="{971AC896-1F24-41E9-8E21-C12134BC661F}" dt="2024-11-17T18:19:35.258" v="1381" actId="20577"/>
-          <ac:spMkLst>
-            <pc:docMk/>
-            <pc:sldMk cId="2814959665" sldId="428"/>
-            <ac:spMk id="15" creationId="{919BA035-51A5-4EEC-FEFF-C6BAD87E9F0B}"/>
-          </ac:spMkLst>
-        </pc:spChg>
-        <pc:picChg chg="add del mod">
-          <ac:chgData name="Wang, Lukai" userId="42a40d5c-688c-4677-a5f3-e5d64f4d368d" providerId="ADAL" clId="{971AC896-1F24-41E9-8E21-C12134BC661F}" dt="2024-11-17T18:12:02.088" v="1321" actId="478"/>
-          <ac:picMkLst>
-            <pc:docMk/>
-            <pc:sldMk cId="2814959665" sldId="428"/>
-            <ac:picMk id="5" creationId="{E338D1E7-DAC7-5A2B-0452-C14BAA504651}"/>
-          </ac:picMkLst>
-        </pc:picChg>
-        <pc:picChg chg="add mod">
-          <ac:chgData name="Wang, Lukai" userId="42a40d5c-688c-4677-a5f3-e5d64f4d368d" providerId="ADAL" clId="{971AC896-1F24-41E9-8E21-C12134BC661F}" dt="2024-11-17T18:18:15.662" v="1360" actId="1035"/>
-          <ac:picMkLst>
-            <pc:docMk/>
-            <pc:sldMk cId="2814959665" sldId="428"/>
-            <ac:picMk id="7" creationId="{42FC4F45-02C6-E5B2-C27E-EA0081760DBE}"/>
-          </ac:picMkLst>
-        </pc:picChg>
-        <pc:picChg chg="add mod">
-          <ac:chgData name="Wang, Lukai" userId="42a40d5c-688c-4677-a5f3-e5d64f4d368d" providerId="ADAL" clId="{971AC896-1F24-41E9-8E21-C12134BC661F}" dt="2024-11-17T18:18:09.006" v="1343" actId="1076"/>
-          <ac:picMkLst>
-            <pc:docMk/>
-            <pc:sldMk cId="2814959665" sldId="428"/>
-            <ac:picMk id="10" creationId="{9576C55A-8800-5914-D766-C69C4FAC8E11}"/>
-          </ac:picMkLst>
-        </pc:picChg>
-        <pc:picChg chg="add mod">
-          <ac:chgData name="Wang, Lukai" userId="42a40d5c-688c-4677-a5f3-e5d64f4d368d" providerId="ADAL" clId="{971AC896-1F24-41E9-8E21-C12134BC661F}" dt="2024-11-17T18:18:12.621" v="1351" actId="1036"/>
-          <ac:picMkLst>
-            <pc:docMk/>
-            <pc:sldMk cId="2814959665" sldId="428"/>
-            <ac:picMk id="12" creationId="{54CF3038-6FB7-10AC-4291-F21DD092D327}"/>
-          </ac:picMkLst>
-        </pc:picChg>
-      </pc:sldChg>
-      <pc:sldChg chg="addSp modSp mod modNotesTx">
-        <pc:chgData name="Wang, Lukai" userId="42a40d5c-688c-4677-a5f3-e5d64f4d368d" providerId="ADAL" clId="{971AC896-1F24-41E9-8E21-C12134BC661F}" dt="2024-11-17T17:30:26.540" v="480" actId="20577"/>
-        <pc:sldMkLst>
-          <pc:docMk/>
-          <pc:sldMk cId="1810298791" sldId="429"/>
-        </pc:sldMkLst>
-        <pc:spChg chg="add mod">
-          <ac:chgData name="Wang, Lukai" userId="42a40d5c-688c-4677-a5f3-e5d64f4d368d" providerId="ADAL" clId="{971AC896-1F24-41E9-8E21-C12134BC661F}" dt="2024-11-17T17:24:25.484" v="188" actId="1076"/>
-          <ac:spMkLst>
-            <pc:docMk/>
-            <pc:sldMk cId="1810298791" sldId="429"/>
-            <ac:spMk id="2" creationId="{59BA5A38-354A-8A83-B8D5-C34602D235B2}"/>
-          </ac:spMkLst>
-        </pc:spChg>
-        <pc:spChg chg="add mod">
-          <ac:chgData name="Wang, Lukai" userId="42a40d5c-688c-4677-a5f3-e5d64f4d368d" providerId="ADAL" clId="{971AC896-1F24-41E9-8E21-C12134BC661F}" dt="2024-11-17T17:29:59.758" v="468" actId="20577"/>
-          <ac:spMkLst>
-            <pc:docMk/>
-            <pc:sldMk cId="1810298791" sldId="429"/>
-            <ac:spMk id="5" creationId="{CE5DA239-D3A1-D77C-6C74-C6CFAD1ABBB1}"/>
-          </ac:spMkLst>
-        </pc:spChg>
-        <pc:spChg chg="mod">
-          <ac:chgData name="Wang, Lukai" userId="42a40d5c-688c-4677-a5f3-e5d64f4d368d" providerId="ADAL" clId="{971AC896-1F24-41E9-8E21-C12134BC661F}" dt="2024-11-17T17:14:23.417" v="53" actId="20577"/>
-          <ac:spMkLst>
-            <pc:docMk/>
-            <pc:sldMk cId="1810298791" sldId="429"/>
-            <ac:spMk id="9" creationId="{5D3AC7B1-4A08-6DAA-5623-235BBE693B68}"/>
-          </ac:spMkLst>
-        </pc:spChg>
-        <pc:picChg chg="add mod">
-          <ac:chgData name="Wang, Lukai" userId="42a40d5c-688c-4677-a5f3-e5d64f4d368d" providerId="ADAL" clId="{971AC896-1F24-41E9-8E21-C12134BC661F}" dt="2024-11-17T17:27:12.862" v="415" actId="1076"/>
-          <ac:picMkLst>
-            <pc:docMk/>
-            <pc:sldMk cId="1810298791" sldId="429"/>
-            <ac:picMk id="4" creationId="{51AABD52-6A33-25E2-2A13-CB19302A2F3B}"/>
-          </ac:picMkLst>
-        </pc:picChg>
-      </pc:sldChg>
-      <pc:sldChg chg="del">
-        <pc:chgData name="Wang, Lukai" userId="42a40d5c-688c-4677-a5f3-e5d64f4d368d" providerId="ADAL" clId="{971AC896-1F24-41E9-8E21-C12134BC661F}" dt="2024-11-17T18:19:45.347" v="1383" actId="47"/>
-        <pc:sldMkLst>
-          <pc:docMk/>
-          <pc:sldMk cId="2763685599" sldId="432"/>
-        </pc:sldMkLst>
-      </pc:sldChg>
-      <pc:sldChg chg="del">
-        <pc:chgData name="Wang, Lukai" userId="42a40d5c-688c-4677-a5f3-e5d64f4d368d" providerId="ADAL" clId="{971AC896-1F24-41E9-8E21-C12134BC661F}" dt="2024-11-17T18:19:44.827" v="1382" actId="47"/>
-        <pc:sldMkLst>
-          <pc:docMk/>
-          <pc:sldMk cId="2846036923" sldId="459"/>
-        </pc:sldMkLst>
-      </pc:sldChg>
-      <pc:sldChg chg="del">
-        <pc:chgData name="Wang, Lukai" userId="42a40d5c-688c-4677-a5f3-e5d64f4d368d" providerId="ADAL" clId="{971AC896-1F24-41E9-8E21-C12134BC661F}" dt="2024-11-17T18:19:45.772" v="1384" actId="47"/>
-        <pc:sldMkLst>
-          <pc:docMk/>
-          <pc:sldMk cId="1980264546" sldId="464"/>
-        </pc:sldMkLst>
-      </pc:sldChg>
-      <pc:sldChg chg="del">
-        <pc:chgData name="Wang, Lukai" userId="42a40d5c-688c-4677-a5f3-e5d64f4d368d" providerId="ADAL" clId="{971AC896-1F24-41E9-8E21-C12134BC661F}" dt="2024-11-17T18:19:46.209" v="1385" actId="47"/>
-        <pc:sldMkLst>
-          <pc:docMk/>
-          <pc:sldMk cId="4129797496" sldId="465"/>
-        </pc:sldMkLst>
-      </pc:sldChg>
-      <pc:sldChg chg="del">
-        <pc:chgData name="Wang, Lukai" userId="42a40d5c-688c-4677-a5f3-e5d64f4d368d" providerId="ADAL" clId="{971AC896-1F24-41E9-8E21-C12134BC661F}" dt="2024-11-17T18:19:48.403" v="1388" actId="47"/>
-        <pc:sldMkLst>
-          <pc:docMk/>
-          <pc:sldMk cId="3455396745" sldId="468"/>
-        </pc:sldMkLst>
-      </pc:sldChg>
-      <pc:sldChg chg="del">
-        <pc:chgData name="Wang, Lukai" userId="42a40d5c-688c-4677-a5f3-e5d64f4d368d" providerId="ADAL" clId="{971AC896-1F24-41E9-8E21-C12134BC661F}" dt="2024-11-17T18:19:47.153" v="1387" actId="47"/>
-        <pc:sldMkLst>
-          <pc:docMk/>
-          <pc:sldMk cId="3227348609" sldId="469"/>
-        </pc:sldMkLst>
-      </pc:sldChg>
-      <pc:sldChg chg="del">
-        <pc:chgData name="Wang, Lukai" userId="42a40d5c-688c-4677-a5f3-e5d64f4d368d" providerId="ADAL" clId="{971AC896-1F24-41E9-8E21-C12134BC661F}" dt="2024-11-17T18:19:46.649" v="1386" actId="47"/>
-        <pc:sldMkLst>
-          <pc:docMk/>
-          <pc:sldMk cId="4281396742" sldId="473"/>
-        </pc:sldMkLst>
-      </pc:sldChg>
-      <pc:sldChg chg="addSp delSp modSp add mod">
-        <pc:chgData name="Wang, Lukai" userId="42a40d5c-688c-4677-a5f3-e5d64f4d368d" providerId="ADAL" clId="{971AC896-1F24-41E9-8E21-C12134BC661F}" dt="2024-11-17T18:00:09.034" v="1186" actId="20577"/>
-        <pc:sldMkLst>
-          <pc:docMk/>
-          <pc:sldMk cId="656819139" sldId="474"/>
-        </pc:sldMkLst>
-        <pc:spChg chg="add mod">
-          <ac:chgData name="Wang, Lukai" userId="42a40d5c-688c-4677-a5f3-e5d64f4d368d" providerId="ADAL" clId="{971AC896-1F24-41E9-8E21-C12134BC661F}" dt="2024-11-17T18:00:09.034" v="1186" actId="20577"/>
-          <ac:spMkLst>
-            <pc:docMk/>
-            <pc:sldMk cId="656819139" sldId="474"/>
-            <ac:spMk id="2" creationId="{812DDB36-654C-CD01-BEAD-F8E8184CE101}"/>
-          </ac:spMkLst>
-        </pc:spChg>
-        <pc:spChg chg="add mod">
-          <ac:chgData name="Wang, Lukai" userId="42a40d5c-688c-4677-a5f3-e5d64f4d368d" providerId="ADAL" clId="{971AC896-1F24-41E9-8E21-C12134BC661F}" dt="2024-11-17T17:42:19.076" v="691" actId="164"/>
-          <ac:spMkLst>
-            <pc:docMk/>
-            <pc:sldMk cId="656819139" sldId="474"/>
-            <ac:spMk id="3" creationId="{44ED7BEC-C005-51C2-C707-17154877C340}"/>
-          </ac:spMkLst>
-        </pc:spChg>
-        <pc:spChg chg="add mod">
-          <ac:chgData name="Wang, Lukai" userId="42a40d5c-688c-4677-a5f3-e5d64f4d368d" providerId="ADAL" clId="{971AC896-1F24-41E9-8E21-C12134BC661F}" dt="2024-11-17T17:43:32.097" v="790" actId="164"/>
-          <ac:spMkLst>
-            <pc:docMk/>
-            <pc:sldMk cId="656819139" sldId="474"/>
-            <ac:spMk id="5" creationId="{9163C89F-9D05-7187-F71E-750B7438F1D4}"/>
-          </ac:spMkLst>
-        </pc:spChg>
-        <pc:spChg chg="mod">
-          <ac:chgData name="Wang, Lukai" userId="42a40d5c-688c-4677-a5f3-e5d64f4d368d" providerId="ADAL" clId="{971AC896-1F24-41E9-8E21-C12134BC661F}" dt="2024-11-17T17:32:38.446" v="521" actId="20577"/>
-          <ac:spMkLst>
-            <pc:docMk/>
-            <pc:sldMk cId="656819139" sldId="474"/>
-            <ac:spMk id="9" creationId="{5D3AC7B1-4A08-6DAA-5623-235BBE693B68}"/>
-          </ac:spMkLst>
-        </pc:spChg>
-        <pc:spChg chg="mod">
-          <ac:chgData name="Wang, Lukai" userId="42a40d5c-688c-4677-a5f3-e5d64f4d368d" providerId="ADAL" clId="{971AC896-1F24-41E9-8E21-C12134BC661F}" dt="2024-11-17T17:43:32.097" v="790" actId="164"/>
-          <ac:spMkLst>
-            <pc:docMk/>
-            <pc:sldMk cId="656819139" sldId="474"/>
-            <ac:spMk id="20" creationId="{00D20F59-68A4-5BCB-E1FB-DBA6F1CCAD71}"/>
-          </ac:spMkLst>
-        </pc:spChg>
-        <pc:spChg chg="mod">
-          <ac:chgData name="Wang, Lukai" userId="42a40d5c-688c-4677-a5f3-e5d64f4d368d" providerId="ADAL" clId="{971AC896-1F24-41E9-8E21-C12134BC661F}" dt="2024-11-17T17:42:56.999" v="785" actId="1037"/>
-          <ac:spMkLst>
-            <pc:docMk/>
-            <pc:sldMk cId="656819139" sldId="474"/>
-            <ac:spMk id="31" creationId="{C1DC2356-C0DB-0F45-EBBC-1BACF825B11C}"/>
-          </ac:spMkLst>
-        </pc:spChg>
-        <pc:spChg chg="add mod ord">
-          <ac:chgData name="Wang, Lukai" userId="42a40d5c-688c-4677-a5f3-e5d64f4d368d" providerId="ADAL" clId="{971AC896-1F24-41E9-8E21-C12134BC661F}" dt="2024-11-17T17:44:05.836" v="916" actId="164"/>
-          <ac:spMkLst>
-            <pc:docMk/>
-            <pc:sldMk cId="656819139" sldId="474"/>
-            <ac:spMk id="42" creationId="{C6ABBD02-7ADA-6751-763D-FD7FC4ED734F}"/>
-          </ac:spMkLst>
-        </pc:spChg>
-        <pc:spChg chg="add mod">
-          <ac:chgData name="Wang, Lukai" userId="42a40d5c-688c-4677-a5f3-e5d64f4d368d" providerId="ADAL" clId="{971AC896-1F24-41E9-8E21-C12134BC661F}" dt="2024-11-17T17:48:15.549" v="1046" actId="1076"/>
-          <ac:spMkLst>
-            <pc:docMk/>
-            <pc:sldMk cId="656819139" sldId="474"/>
-            <ac:spMk id="47" creationId="{65D40839-8A17-0450-FB79-F4CD87E7188F}"/>
-          </ac:spMkLst>
-        </pc:spChg>
-        <pc:grpChg chg="add mod">
-          <ac:chgData name="Wang, Lukai" userId="42a40d5c-688c-4677-a5f3-e5d64f4d368d" providerId="ADAL" clId="{971AC896-1F24-41E9-8E21-C12134BC661F}" dt="2024-11-17T17:43:32.097" v="790" actId="164"/>
-          <ac:grpSpMkLst>
-            <pc:docMk/>
-            <pc:sldMk cId="656819139" sldId="474"/>
-            <ac:grpSpMk id="18" creationId="{6AEA44C0-1F28-0AB5-33BB-93D3C35A6774}"/>
-          </ac:grpSpMkLst>
-        </pc:grpChg>
-        <pc:grpChg chg="add mod">
-          <ac:chgData name="Wang, Lukai" userId="42a40d5c-688c-4677-a5f3-e5d64f4d368d" providerId="ADAL" clId="{971AC896-1F24-41E9-8E21-C12134BC661F}" dt="2024-11-17T17:43:32.097" v="790" actId="164"/>
-          <ac:grpSpMkLst>
-            <pc:docMk/>
-            <pc:sldMk cId="656819139" sldId="474"/>
-            <ac:grpSpMk id="19" creationId="{B57CFA3B-E2E2-34C4-CD99-66247F26C1E1}"/>
-          </ac:grpSpMkLst>
-        </pc:grpChg>
-        <pc:grpChg chg="add mod">
-          <ac:chgData name="Wang, Lukai" userId="42a40d5c-688c-4677-a5f3-e5d64f4d368d" providerId="ADAL" clId="{971AC896-1F24-41E9-8E21-C12134BC661F}" dt="2024-11-17T17:42:19.076" v="691" actId="164"/>
-          <ac:grpSpMkLst>
-            <pc:docMk/>
-            <pc:sldMk cId="656819139" sldId="474"/>
-            <ac:grpSpMk id="30" creationId="{84D11B61-19E2-7136-43CF-A227FA69D619}"/>
-          </ac:grpSpMkLst>
-        </pc:grpChg>
-        <pc:grpChg chg="add mod">
-          <ac:chgData name="Wang, Lukai" userId="42a40d5c-688c-4677-a5f3-e5d64f4d368d" providerId="ADAL" clId="{971AC896-1F24-41E9-8E21-C12134BC661F}" dt="2024-11-17T17:48:15.549" v="1046" actId="1076"/>
-          <ac:grpSpMkLst>
-            <pc:docMk/>
-            <pc:sldMk cId="656819139" sldId="474"/>
-            <ac:grpSpMk id="43" creationId="{4265776D-015B-DF4A-43F9-0BB0115DACA2}"/>
-          </ac:grpSpMkLst>
-        </pc:grpChg>
-        <pc:grpChg chg="add mod">
-          <ac:chgData name="Wang, Lukai" userId="42a40d5c-688c-4677-a5f3-e5d64f4d368d" providerId="ADAL" clId="{971AC896-1F24-41E9-8E21-C12134BC661F}" dt="2024-11-17T17:44:05.836" v="916" actId="164"/>
-          <ac:grpSpMkLst>
-            <pc:docMk/>
-            <pc:sldMk cId="656819139" sldId="474"/>
-            <ac:grpSpMk id="44" creationId="{EBE0DFAC-9606-CB1F-F4AF-9BD9190A08F9}"/>
-          </ac:grpSpMkLst>
-        </pc:grpChg>
-        <pc:grpChg chg="add mod">
-          <ac:chgData name="Wang, Lukai" userId="42a40d5c-688c-4677-a5f3-e5d64f4d368d" providerId="ADAL" clId="{971AC896-1F24-41E9-8E21-C12134BC661F}" dt="2024-11-17T17:43:32.097" v="790" actId="164"/>
-          <ac:grpSpMkLst>
-            <pc:docMk/>
-            <pc:sldMk cId="656819139" sldId="474"/>
-            <ac:grpSpMk id="45" creationId="{043512EB-8423-DB2D-36C3-615ACAEBB980}"/>
-          </ac:grpSpMkLst>
-        </pc:grpChg>
-        <pc:grpChg chg="add mod">
-          <ac:chgData name="Wang, Lukai" userId="42a40d5c-688c-4677-a5f3-e5d64f4d368d" providerId="ADAL" clId="{971AC896-1F24-41E9-8E21-C12134BC661F}" dt="2024-11-17T17:48:15.549" v="1046" actId="1076"/>
-          <ac:grpSpMkLst>
-            <pc:docMk/>
-            <pc:sldMk cId="656819139" sldId="474"/>
-            <ac:grpSpMk id="46" creationId="{3E53F0F9-3EF7-786C-1D9A-A53ACB56E4C8}"/>
-          </ac:grpSpMkLst>
-        </pc:grpChg>
-        <pc:graphicFrameChg chg="add del mod modGraphic">
-          <ac:chgData name="Wang, Lukai" userId="42a40d5c-688c-4677-a5f3-e5d64f4d368d" providerId="ADAL" clId="{971AC896-1F24-41E9-8E21-C12134BC661F}" dt="2024-11-17T17:40:22.346" v="672" actId="478"/>
-          <ac:graphicFrameMkLst>
-            <pc:docMk/>
-            <pc:sldMk cId="656819139" sldId="474"/>
-            <ac:graphicFrameMk id="4" creationId="{6A4B7BAF-EC2D-7262-5651-0C51C90F1473}"/>
-          </ac:graphicFrameMkLst>
-        </pc:graphicFrameChg>
-        <pc:cxnChg chg="add mod">
-          <ac:chgData name="Wang, Lukai" userId="42a40d5c-688c-4677-a5f3-e5d64f4d368d" providerId="ADAL" clId="{971AC896-1F24-41E9-8E21-C12134BC661F}" dt="2024-11-17T17:43:32.097" v="790" actId="164"/>
-          <ac:cxnSpMkLst>
-            <pc:docMk/>
-            <pc:sldMk cId="656819139" sldId="474"/>
-            <ac:cxnSpMk id="7" creationId="{B45D65A0-2ED7-0600-2F92-4CE096A94D22}"/>
-          </ac:cxnSpMkLst>
-        </pc:cxnChg>
-        <pc:cxnChg chg="add mod">
-          <ac:chgData name="Wang, Lukai" userId="42a40d5c-688c-4677-a5f3-e5d64f4d368d" providerId="ADAL" clId="{971AC896-1F24-41E9-8E21-C12134BC661F}" dt="2024-11-17T17:43:32.097" v="790" actId="164"/>
-          <ac:cxnSpMkLst>
-            <pc:docMk/>
-            <pc:sldMk cId="656819139" sldId="474"/>
-            <ac:cxnSpMk id="8" creationId="{8380866C-C4A1-0D67-9B1E-F32A14D192AB}"/>
-          </ac:cxnSpMkLst>
-        </pc:cxnChg>
-        <pc:cxnChg chg="add mod">
-          <ac:chgData name="Wang, Lukai" userId="42a40d5c-688c-4677-a5f3-e5d64f4d368d" providerId="ADAL" clId="{971AC896-1F24-41E9-8E21-C12134BC661F}" dt="2024-11-17T17:43:32.097" v="790" actId="164"/>
-          <ac:cxnSpMkLst>
-            <pc:docMk/>
-            <pc:sldMk cId="656819139" sldId="474"/>
-            <ac:cxnSpMk id="10" creationId="{E238E1CB-15F8-E23F-83D8-49984CEB721C}"/>
-          </ac:cxnSpMkLst>
-        </pc:cxnChg>
-        <pc:cxnChg chg="add mod">
-          <ac:chgData name="Wang, Lukai" userId="42a40d5c-688c-4677-a5f3-e5d64f4d368d" providerId="ADAL" clId="{971AC896-1F24-41E9-8E21-C12134BC661F}" dt="2024-11-17T17:43:32.097" v="790" actId="164"/>
-          <ac:cxnSpMkLst>
-            <pc:docMk/>
-            <pc:sldMk cId="656819139" sldId="474"/>
-            <ac:cxnSpMk id="11" creationId="{E0673933-90BB-C0F6-2897-568337938F71}"/>
-          </ac:cxnSpMkLst>
-        </pc:cxnChg>
-        <pc:cxnChg chg="add mod">
-          <ac:chgData name="Wang, Lukai" userId="42a40d5c-688c-4677-a5f3-e5d64f4d368d" providerId="ADAL" clId="{971AC896-1F24-41E9-8E21-C12134BC661F}" dt="2024-11-17T17:43:32.097" v="790" actId="164"/>
-          <ac:cxnSpMkLst>
-            <pc:docMk/>
-            <pc:sldMk cId="656819139" sldId="474"/>
-            <ac:cxnSpMk id="12" creationId="{FCF166E9-8276-8CE2-6CAA-F95D5D6FEA14}"/>
-          </ac:cxnSpMkLst>
-        </pc:cxnChg>
-        <pc:cxnChg chg="add mod">
-          <ac:chgData name="Wang, Lukai" userId="42a40d5c-688c-4677-a5f3-e5d64f4d368d" providerId="ADAL" clId="{971AC896-1F24-41E9-8E21-C12134BC661F}" dt="2024-11-17T17:43:32.097" v="790" actId="164"/>
-          <ac:cxnSpMkLst>
-            <pc:docMk/>
-            <pc:sldMk cId="656819139" sldId="474"/>
-            <ac:cxnSpMk id="13" creationId="{4B7AB79A-E55D-E826-1FE1-D8FF6155C7C4}"/>
-          </ac:cxnSpMkLst>
-        </pc:cxnChg>
-        <pc:cxnChg chg="add mod">
-          <ac:chgData name="Wang, Lukai" userId="42a40d5c-688c-4677-a5f3-e5d64f4d368d" providerId="ADAL" clId="{971AC896-1F24-41E9-8E21-C12134BC661F}" dt="2024-11-17T17:43:32.097" v="790" actId="164"/>
-          <ac:cxnSpMkLst>
-            <pc:docMk/>
-            <pc:sldMk cId="656819139" sldId="474"/>
-            <ac:cxnSpMk id="14" creationId="{BD9D00E3-7ABE-AB60-F0A7-1ADEB5F065C8}"/>
-          </ac:cxnSpMkLst>
-        </pc:cxnChg>
-        <pc:cxnChg chg="add mod">
-          <ac:chgData name="Wang, Lukai" userId="42a40d5c-688c-4677-a5f3-e5d64f4d368d" providerId="ADAL" clId="{971AC896-1F24-41E9-8E21-C12134BC661F}" dt="2024-11-17T17:43:32.097" v="790" actId="164"/>
-          <ac:cxnSpMkLst>
-            <pc:docMk/>
-            <pc:sldMk cId="656819139" sldId="474"/>
-            <ac:cxnSpMk id="15" creationId="{4665C06F-07A8-8E3F-9D14-5446A243C1AD}"/>
-          </ac:cxnSpMkLst>
-        </pc:cxnChg>
-        <pc:cxnChg chg="add mod">
-          <ac:chgData name="Wang, Lukai" userId="42a40d5c-688c-4677-a5f3-e5d64f4d368d" providerId="ADAL" clId="{971AC896-1F24-41E9-8E21-C12134BC661F}" dt="2024-11-17T17:43:32.097" v="790" actId="164"/>
-          <ac:cxnSpMkLst>
-            <pc:docMk/>
-            <pc:sldMk cId="656819139" sldId="474"/>
-            <ac:cxnSpMk id="16" creationId="{2F7CCE36-E801-7116-0896-3313D0D27A89}"/>
-          </ac:cxnSpMkLst>
-        </pc:cxnChg>
-        <pc:cxnChg chg="add del mod">
-          <ac:chgData name="Wang, Lukai" userId="42a40d5c-688c-4677-a5f3-e5d64f4d368d" providerId="ADAL" clId="{971AC896-1F24-41E9-8E21-C12134BC661F}" dt="2024-11-17T17:39:48.315" v="659" actId="478"/>
-          <ac:cxnSpMkLst>
-            <pc:docMk/>
-            <pc:sldMk cId="656819139" sldId="474"/>
-            <ac:cxnSpMk id="17" creationId="{9A0474EF-7548-83D8-4A69-61EB97080B37}"/>
-          </ac:cxnSpMkLst>
-        </pc:cxnChg>
-        <pc:cxnChg chg="mod">
-          <ac:chgData name="Wang, Lukai" userId="42a40d5c-688c-4677-a5f3-e5d64f4d368d" providerId="ADAL" clId="{971AC896-1F24-41E9-8E21-C12134BC661F}" dt="2024-11-17T17:43:32.097" v="790" actId="164"/>
-          <ac:cxnSpMkLst>
-            <pc:docMk/>
-            <pc:sldMk cId="656819139" sldId="474"/>
-            <ac:cxnSpMk id="21" creationId="{1D8C0E9F-0547-B21B-8A58-348BEA3980B3}"/>
-          </ac:cxnSpMkLst>
-        </pc:cxnChg>
-        <pc:cxnChg chg="mod">
-          <ac:chgData name="Wang, Lukai" userId="42a40d5c-688c-4677-a5f3-e5d64f4d368d" providerId="ADAL" clId="{971AC896-1F24-41E9-8E21-C12134BC661F}" dt="2024-11-17T17:43:32.097" v="790" actId="164"/>
-          <ac:cxnSpMkLst>
-            <pc:docMk/>
-            <pc:sldMk cId="656819139" sldId="474"/>
-            <ac:cxnSpMk id="22" creationId="{95F00CCF-85D7-0417-0A79-015B2129E52D}"/>
-          </ac:cxnSpMkLst>
-        </pc:cxnChg>
-        <pc:cxnChg chg="mod">
-          <ac:chgData name="Wang, Lukai" userId="42a40d5c-688c-4677-a5f3-e5d64f4d368d" providerId="ADAL" clId="{971AC896-1F24-41E9-8E21-C12134BC661F}" dt="2024-11-17T17:43:32.097" v="790" actId="164"/>
-          <ac:cxnSpMkLst>
-            <pc:docMk/>
-            <pc:sldMk cId="656819139" sldId="474"/>
-            <ac:cxnSpMk id="23" creationId="{4804388F-4631-34E5-647E-96C754FEAAB0}"/>
-          </ac:cxnSpMkLst>
-        </pc:cxnChg>
-        <pc:cxnChg chg="mod">
-          <ac:chgData name="Wang, Lukai" userId="42a40d5c-688c-4677-a5f3-e5d64f4d368d" providerId="ADAL" clId="{971AC896-1F24-41E9-8E21-C12134BC661F}" dt="2024-11-17T17:43:32.097" v="790" actId="164"/>
-          <ac:cxnSpMkLst>
-            <pc:docMk/>
-            <pc:sldMk cId="656819139" sldId="474"/>
-            <ac:cxnSpMk id="24" creationId="{02B8FA78-BDFD-E4B6-DC7C-02660B7D11CB}"/>
-          </ac:cxnSpMkLst>
-        </pc:cxnChg>
-        <pc:cxnChg chg="mod">
-          <ac:chgData name="Wang, Lukai" userId="42a40d5c-688c-4677-a5f3-e5d64f4d368d" providerId="ADAL" clId="{971AC896-1F24-41E9-8E21-C12134BC661F}" dt="2024-11-17T17:43:32.097" v="790" actId="164"/>
-          <ac:cxnSpMkLst>
-            <pc:docMk/>
-            <pc:sldMk cId="656819139" sldId="474"/>
-            <ac:cxnSpMk id="25" creationId="{AF7AE47C-9DC0-DC7E-2341-9AB5002F4209}"/>
-          </ac:cxnSpMkLst>
-        </pc:cxnChg>
-        <pc:cxnChg chg="mod">
-          <ac:chgData name="Wang, Lukai" userId="42a40d5c-688c-4677-a5f3-e5d64f4d368d" providerId="ADAL" clId="{971AC896-1F24-41E9-8E21-C12134BC661F}" dt="2024-11-17T17:43:32.097" v="790" actId="164"/>
-          <ac:cxnSpMkLst>
-            <pc:docMk/>
-            <pc:sldMk cId="656819139" sldId="474"/>
-            <ac:cxnSpMk id="26" creationId="{C9824532-3329-8BB9-2881-0219B03F8A9D}"/>
-          </ac:cxnSpMkLst>
-        </pc:cxnChg>
-        <pc:cxnChg chg="mod">
-          <ac:chgData name="Wang, Lukai" userId="42a40d5c-688c-4677-a5f3-e5d64f4d368d" providerId="ADAL" clId="{971AC896-1F24-41E9-8E21-C12134BC661F}" dt="2024-11-17T17:43:32.097" v="790" actId="164"/>
-          <ac:cxnSpMkLst>
-            <pc:docMk/>
-            <pc:sldMk cId="656819139" sldId="474"/>
-            <ac:cxnSpMk id="27" creationId="{A8C24FC1-BD78-194A-B493-BDC4B5027B5E}"/>
-          </ac:cxnSpMkLst>
-        </pc:cxnChg>
-        <pc:cxnChg chg="mod">
-          <ac:chgData name="Wang, Lukai" userId="42a40d5c-688c-4677-a5f3-e5d64f4d368d" providerId="ADAL" clId="{971AC896-1F24-41E9-8E21-C12134BC661F}" dt="2024-11-17T17:43:32.097" v="790" actId="164"/>
-          <ac:cxnSpMkLst>
-            <pc:docMk/>
-            <pc:sldMk cId="656819139" sldId="474"/>
-            <ac:cxnSpMk id="28" creationId="{F7F63813-BFE6-9072-F5CF-D9200BADB60A}"/>
-          </ac:cxnSpMkLst>
-        </pc:cxnChg>
-        <pc:cxnChg chg="mod">
-          <ac:chgData name="Wang, Lukai" userId="42a40d5c-688c-4677-a5f3-e5d64f4d368d" providerId="ADAL" clId="{971AC896-1F24-41E9-8E21-C12134BC661F}" dt="2024-11-17T17:43:32.097" v="790" actId="164"/>
-          <ac:cxnSpMkLst>
-            <pc:docMk/>
-            <pc:sldMk cId="656819139" sldId="474"/>
-            <ac:cxnSpMk id="29" creationId="{E9594035-5B4A-BF28-52A0-33DC37A08004}"/>
-          </ac:cxnSpMkLst>
-        </pc:cxnChg>
-        <pc:cxnChg chg="mod">
-          <ac:chgData name="Wang, Lukai" userId="42a40d5c-688c-4677-a5f3-e5d64f4d368d" providerId="ADAL" clId="{971AC896-1F24-41E9-8E21-C12134BC661F}" dt="2024-11-17T17:42:56.999" v="785" actId="1037"/>
-          <ac:cxnSpMkLst>
-            <pc:docMk/>
-            <pc:sldMk cId="656819139" sldId="474"/>
-            <ac:cxnSpMk id="32" creationId="{52805C6D-0795-563D-0AFE-6BF96CAC6C52}"/>
-          </ac:cxnSpMkLst>
-        </pc:cxnChg>
-        <pc:cxnChg chg="mod">
-          <ac:chgData name="Wang, Lukai" userId="42a40d5c-688c-4677-a5f3-e5d64f4d368d" providerId="ADAL" clId="{971AC896-1F24-41E9-8E21-C12134BC661F}" dt="2024-11-17T17:42:56.999" v="785" actId="1037"/>
-          <ac:cxnSpMkLst>
-            <pc:docMk/>
-            <pc:sldMk cId="656819139" sldId="474"/>
-            <ac:cxnSpMk id="33" creationId="{62B245E2-FC22-85F4-D25A-556695C9E734}"/>
-          </ac:cxnSpMkLst>
-        </pc:cxnChg>
-        <pc:cxnChg chg="mod">
-          <ac:chgData name="Wang, Lukai" userId="42a40d5c-688c-4677-a5f3-e5d64f4d368d" providerId="ADAL" clId="{971AC896-1F24-41E9-8E21-C12134BC661F}" dt="2024-11-17T17:42:56.999" v="785" actId="1037"/>
-          <ac:cxnSpMkLst>
-            <pc:docMk/>
-            <pc:sldMk cId="656819139" sldId="474"/>
-            <ac:cxnSpMk id="34" creationId="{33497AE0-8E08-765D-317E-F484642DAA8E}"/>
-          </ac:cxnSpMkLst>
-        </pc:cxnChg>
-        <pc:cxnChg chg="mod">
-          <ac:chgData name="Wang, Lukai" userId="42a40d5c-688c-4677-a5f3-e5d64f4d368d" providerId="ADAL" clId="{971AC896-1F24-41E9-8E21-C12134BC661F}" dt="2024-11-17T17:42:56.999" v="785" actId="1037"/>
-          <ac:cxnSpMkLst>
-            <pc:docMk/>
-            <pc:sldMk cId="656819139" sldId="474"/>
-            <ac:cxnSpMk id="35" creationId="{E063275D-EEFC-C504-3773-82F02F173CF8}"/>
-          </ac:cxnSpMkLst>
-        </pc:cxnChg>
-        <pc:cxnChg chg="mod">
-          <ac:chgData name="Wang, Lukai" userId="42a40d5c-688c-4677-a5f3-e5d64f4d368d" providerId="ADAL" clId="{971AC896-1F24-41E9-8E21-C12134BC661F}" dt="2024-11-17T17:42:56.999" v="785" actId="1037"/>
-          <ac:cxnSpMkLst>
-            <pc:docMk/>
-            <pc:sldMk cId="656819139" sldId="474"/>
-            <ac:cxnSpMk id="36" creationId="{2A0DF144-D8A9-8210-ECE5-8895562A5CA0}"/>
-          </ac:cxnSpMkLst>
-        </pc:cxnChg>
-        <pc:cxnChg chg="mod">
-          <ac:chgData name="Wang, Lukai" userId="42a40d5c-688c-4677-a5f3-e5d64f4d368d" providerId="ADAL" clId="{971AC896-1F24-41E9-8E21-C12134BC661F}" dt="2024-11-17T17:42:56.999" v="785" actId="1037"/>
-          <ac:cxnSpMkLst>
-            <pc:docMk/>
-            <pc:sldMk cId="656819139" sldId="474"/>
-            <ac:cxnSpMk id="37" creationId="{491A74C9-B71F-321E-FC23-8C78E1190BD2}"/>
-          </ac:cxnSpMkLst>
-        </pc:cxnChg>
-        <pc:cxnChg chg="mod">
-          <ac:chgData name="Wang, Lukai" userId="42a40d5c-688c-4677-a5f3-e5d64f4d368d" providerId="ADAL" clId="{971AC896-1F24-41E9-8E21-C12134BC661F}" dt="2024-11-17T17:42:56.999" v="785" actId="1037"/>
-          <ac:cxnSpMkLst>
-            <pc:docMk/>
-            <pc:sldMk cId="656819139" sldId="474"/>
-            <ac:cxnSpMk id="38" creationId="{FAC9F689-C0F4-78A9-0EFB-269C70FF9B9F}"/>
-          </ac:cxnSpMkLst>
-        </pc:cxnChg>
-        <pc:cxnChg chg="mod">
-          <ac:chgData name="Wang, Lukai" userId="42a40d5c-688c-4677-a5f3-e5d64f4d368d" providerId="ADAL" clId="{971AC896-1F24-41E9-8E21-C12134BC661F}" dt="2024-11-17T17:42:56.999" v="785" actId="1037"/>
-          <ac:cxnSpMkLst>
-            <pc:docMk/>
-            <pc:sldMk cId="656819139" sldId="474"/>
-            <ac:cxnSpMk id="39" creationId="{5C17CE1F-8EAE-9BB1-4B2C-E3956505D472}"/>
-          </ac:cxnSpMkLst>
-        </pc:cxnChg>
-        <pc:cxnChg chg="mod">
-          <ac:chgData name="Wang, Lukai" userId="42a40d5c-688c-4677-a5f3-e5d64f4d368d" providerId="ADAL" clId="{971AC896-1F24-41E9-8E21-C12134BC661F}" dt="2024-11-17T17:42:56.999" v="785" actId="1037"/>
-          <ac:cxnSpMkLst>
-            <pc:docMk/>
-            <pc:sldMk cId="656819139" sldId="474"/>
-            <ac:cxnSpMk id="40" creationId="{EEEF8EE2-6FCC-1E56-ED63-AA66896350B4}"/>
-          </ac:cxnSpMkLst>
-        </pc:cxnChg>
-        <pc:cxnChg chg="add mod">
-          <ac:chgData name="Wang, Lukai" userId="42a40d5c-688c-4677-a5f3-e5d64f4d368d" providerId="ADAL" clId="{971AC896-1F24-41E9-8E21-C12134BC661F}" dt="2024-11-17T17:41:13.230" v="678"/>
-          <ac:cxnSpMkLst>
-            <pc:docMk/>
-            <pc:sldMk cId="656819139" sldId="474"/>
-            <ac:cxnSpMk id="41" creationId="{86AF4347-DE2E-4B76-6673-852B43120165}"/>
-          </ac:cxnSpMkLst>
-        </pc:cxnChg>
-      </pc:sldChg>
-    </pc:docChg>
-  </pc:docChgLst>
-</pc:chgInfo>
-</file>
-
 <file path=ppt/notesMasters/notesMaster1.xml><?xml version="1.0" encoding="utf-8"?>
 <p:notesMaster xmlns:a="http://schemas.openxmlformats.org/drawingml/2006/main" xmlns:r="http://schemas.openxmlformats.org/officeDocument/2006/relationships" xmlns:p="http://schemas.openxmlformats.org/presentationml/2006/main">
   <p:cSld>
@@ -998,7 +221,7 @@
           <a:p>
             <a:fld id="{F6970F09-7FD8-4C72-BF75-4118C1E313B7}" type="datetimeFigureOut">
               <a:rPr lang="en-US" smtClean="0"/>
-              <a:t>12/1/2024</a:t>
+              <a:t>12/2/24</a:t>
             </a:fld>
             <a:endParaRPr lang="en-US"/>
           </a:p>
@@ -1884,6 +1107,270 @@
 </p:notes>
 </file>
 
+<file path=ppt/notesSlides/notesSlide7.xml><?xml version="1.0" encoding="utf-8"?>
+<p:notes xmlns:a="http://schemas.openxmlformats.org/drawingml/2006/main" xmlns:r="http://schemas.openxmlformats.org/officeDocument/2006/relationships" xmlns:p="http://schemas.openxmlformats.org/presentationml/2006/main">
+  <p:cSld>
+    <p:spTree>
+      <p:nvGrpSpPr>
+        <p:cNvPr id="1" name=""/>
+        <p:cNvGrpSpPr/>
+        <p:nvPr/>
+      </p:nvGrpSpPr>
+      <p:grpSpPr>
+        <a:xfrm>
+          <a:off x="0" y="0"/>
+          <a:ext cx="0" cy="0"/>
+          <a:chOff x="0" y="0"/>
+          <a:chExt cx="0" cy="0"/>
+        </a:xfrm>
+      </p:grpSpPr>
+      <p:sp>
+        <p:nvSpPr>
+          <p:cNvPr id="2" name="Slide Image Placeholder 1"/>
+          <p:cNvSpPr>
+            <a:spLocks noGrp="1" noRot="1" noChangeAspect="1"/>
+          </p:cNvSpPr>
+          <p:nvPr>
+            <p:ph type="sldImg"/>
+          </p:nvPr>
+        </p:nvSpPr>
+        <p:spPr/>
+      </p:sp>
+      <p:sp>
+        <p:nvSpPr>
+          <p:cNvPr id="3" name="Notes Placeholder 2"/>
+          <p:cNvSpPr>
+            <a:spLocks noGrp="1"/>
+          </p:cNvSpPr>
+          <p:nvPr>
+            <p:ph type="body" idx="1"/>
+          </p:nvPr>
+        </p:nvSpPr>
+        <p:spPr/>
+        <p:txBody>
+          <a:bodyPr/>
+          <a:lstStyle/>
+          <a:p>
+            <a:r>
+              <a:rPr lang="en-US" dirty="0"/>
+              <a:t>https://</a:t>
+            </a:r>
+            <a:r>
+              <a:rPr lang="en-US" dirty="0" err="1"/>
+              <a:t>towardsdatascience.com</a:t>
+            </a:r>
+            <a:r>
+              <a:rPr lang="en-US" dirty="0"/>
+              <a:t>/beginners-guide-to-understanding-convolutional-neural-networks-ae9ed58bb17d?gi=f4cbd89cadd8</a:t>
+            </a:r>
+          </a:p>
+          <a:p>
+            <a:endParaRPr lang="en-US" dirty="0"/>
+          </a:p>
+          <a:p>
+            <a:r>
+              <a:rPr lang="en-US" dirty="0"/>
+              <a:t>https://</a:t>
+            </a:r>
+            <a:r>
+              <a:rPr lang="en-US" dirty="0" err="1"/>
+              <a:t>medium.com</a:t>
+            </a:r>
+            <a:r>
+              <a:rPr lang="en-US" dirty="0"/>
+              <a:t>/</a:t>
+            </a:r>
+            <a:r>
+              <a:rPr lang="en-US" dirty="0" err="1"/>
+              <a:t>aimonks</a:t>
+            </a:r>
+            <a:r>
+              <a:rPr lang="en-US" dirty="0"/>
+              <a:t>/unlocking-the-potential-of-convolutional-autoencoders-a-deep-dive-into-image-processing-and-3d1212bad408</a:t>
+            </a:r>
+          </a:p>
+        </p:txBody>
+      </p:sp>
+      <p:sp>
+        <p:nvSpPr>
+          <p:cNvPr id="4" name="Slide Number Placeholder 3"/>
+          <p:cNvSpPr>
+            <a:spLocks noGrp="1"/>
+          </p:cNvSpPr>
+          <p:nvPr>
+            <p:ph type="sldNum" sz="quarter" idx="5"/>
+          </p:nvPr>
+        </p:nvSpPr>
+        <p:spPr/>
+        <p:txBody>
+          <a:bodyPr/>
+          <a:lstStyle/>
+          <a:p>
+            <a:fld id="{0D1C65D9-76AF-408C-BBEA-BE129EDCAF76}" type="slidenum">
+              <a:rPr lang="en-US" smtClean="0"/>
+              <a:t>7</a:t>
+            </a:fld>
+            <a:endParaRPr lang="en-US"/>
+          </a:p>
+        </p:txBody>
+      </p:sp>
+    </p:spTree>
+    <p:extLst>
+      <p:ext uri="{BB962C8B-B14F-4D97-AF65-F5344CB8AC3E}">
+        <p14:creationId xmlns:p14="http://schemas.microsoft.com/office/powerpoint/2010/main" val="3758467549"/>
+      </p:ext>
+    </p:extLst>
+  </p:cSld>
+  <p:clrMapOvr>
+    <a:masterClrMapping/>
+  </p:clrMapOvr>
+</p:notes>
+</file>
+
+<file path=ppt/notesSlides/notesSlide8.xml><?xml version="1.0" encoding="utf-8"?>
+<p:notes xmlns:a="http://schemas.openxmlformats.org/drawingml/2006/main" xmlns:r="http://schemas.openxmlformats.org/officeDocument/2006/relationships" xmlns:p="http://schemas.openxmlformats.org/presentationml/2006/main">
+  <p:cSld>
+    <p:spTree>
+      <p:nvGrpSpPr>
+        <p:cNvPr id="1" name="">
+          <a:extLst>
+            <a:ext uri="{FF2B5EF4-FFF2-40B4-BE49-F238E27FC236}">
+              <a16:creationId xmlns:a16="http://schemas.microsoft.com/office/drawing/2014/main" id="{0FA5BE7F-008C-184C-7986-63E20600A9A6}"/>
+            </a:ext>
+          </a:extLst>
+        </p:cNvPr>
+        <p:cNvGrpSpPr/>
+        <p:nvPr/>
+      </p:nvGrpSpPr>
+      <p:grpSpPr>
+        <a:xfrm>
+          <a:off x="0" y="0"/>
+          <a:ext cx="0" cy="0"/>
+          <a:chOff x="0" y="0"/>
+          <a:chExt cx="0" cy="0"/>
+        </a:xfrm>
+      </p:grpSpPr>
+      <p:sp>
+        <p:nvSpPr>
+          <p:cNvPr id="2" name="Slide Image Placeholder 1">
+            <a:extLst>
+              <a:ext uri="{FF2B5EF4-FFF2-40B4-BE49-F238E27FC236}">
+                <a16:creationId xmlns:a16="http://schemas.microsoft.com/office/drawing/2014/main" id="{652374A7-1F58-49B1-5996-4BE96674690D}"/>
+              </a:ext>
+            </a:extLst>
+          </p:cNvPr>
+          <p:cNvSpPr>
+            <a:spLocks noGrp="1" noRot="1" noChangeAspect="1"/>
+          </p:cNvSpPr>
+          <p:nvPr>
+            <p:ph type="sldImg"/>
+          </p:nvPr>
+        </p:nvSpPr>
+        <p:spPr/>
+      </p:sp>
+      <p:sp>
+        <p:nvSpPr>
+          <p:cNvPr id="3" name="Notes Placeholder 2">
+            <a:extLst>
+              <a:ext uri="{FF2B5EF4-FFF2-40B4-BE49-F238E27FC236}">
+                <a16:creationId xmlns:a16="http://schemas.microsoft.com/office/drawing/2014/main" id="{AFBA9F97-3C6B-D8AD-4863-B8BCB2572D81}"/>
+              </a:ext>
+            </a:extLst>
+          </p:cNvPr>
+          <p:cNvSpPr>
+            <a:spLocks noGrp="1"/>
+          </p:cNvSpPr>
+          <p:nvPr>
+            <p:ph type="body" idx="1"/>
+          </p:nvPr>
+        </p:nvSpPr>
+        <p:spPr/>
+        <p:txBody>
+          <a:bodyPr/>
+          <a:lstStyle/>
+          <a:p>
+            <a:r>
+              <a:rPr lang="en-US" dirty="0"/>
+              <a:t>https://</a:t>
+            </a:r>
+            <a:r>
+              <a:rPr lang="en-US" dirty="0" err="1"/>
+              <a:t>towardsdatascience.com</a:t>
+            </a:r>
+            <a:r>
+              <a:rPr lang="en-US" dirty="0"/>
+              <a:t>/beginners-guide-to-understanding-convolutional-neural-networks-ae9ed58bb17d?gi=f4cbd89cadd8</a:t>
+            </a:r>
+          </a:p>
+          <a:p>
+            <a:endParaRPr lang="en-US" dirty="0"/>
+          </a:p>
+          <a:p>
+            <a:r>
+              <a:rPr lang="en-US" dirty="0"/>
+              <a:t>https://</a:t>
+            </a:r>
+            <a:r>
+              <a:rPr lang="en-US" dirty="0" err="1"/>
+              <a:t>medium.com</a:t>
+            </a:r>
+            <a:r>
+              <a:rPr lang="en-US" dirty="0"/>
+              <a:t>/</a:t>
+            </a:r>
+            <a:r>
+              <a:rPr lang="en-US" dirty="0" err="1"/>
+              <a:t>aimonks</a:t>
+            </a:r>
+            <a:r>
+              <a:rPr lang="en-US" dirty="0"/>
+              <a:t>/unlocking-the-potential-of-convolutional-autoencoders-a-deep-dive-into-image-processing-and-3d1212bad408</a:t>
+            </a:r>
+          </a:p>
+        </p:txBody>
+      </p:sp>
+      <p:sp>
+        <p:nvSpPr>
+          <p:cNvPr id="4" name="Slide Number Placeholder 3">
+            <a:extLst>
+              <a:ext uri="{FF2B5EF4-FFF2-40B4-BE49-F238E27FC236}">
+                <a16:creationId xmlns:a16="http://schemas.microsoft.com/office/drawing/2014/main" id="{3EF61CB8-8F33-2C2A-F5FB-CEE0FF898F1F}"/>
+              </a:ext>
+            </a:extLst>
+          </p:cNvPr>
+          <p:cNvSpPr>
+            <a:spLocks noGrp="1"/>
+          </p:cNvSpPr>
+          <p:nvPr>
+            <p:ph type="sldNum" sz="quarter" idx="5"/>
+          </p:nvPr>
+        </p:nvSpPr>
+        <p:spPr/>
+        <p:txBody>
+          <a:bodyPr/>
+          <a:lstStyle/>
+          <a:p>
+            <a:fld id="{0D1C65D9-76AF-408C-BBEA-BE129EDCAF76}" type="slidenum">
+              <a:rPr lang="en-US" smtClean="0"/>
+              <a:t>9</a:t>
+            </a:fld>
+            <a:endParaRPr lang="en-US"/>
+          </a:p>
+        </p:txBody>
+      </p:sp>
+    </p:spTree>
+    <p:extLst>
+      <p:ext uri="{BB962C8B-B14F-4D97-AF65-F5344CB8AC3E}">
+        <p14:creationId xmlns:p14="http://schemas.microsoft.com/office/powerpoint/2010/main" val="73515793"/>
+      </p:ext>
+    </p:extLst>
+  </p:cSld>
+  <p:clrMapOvr>
+    <a:masterClrMapping/>
+  </p:clrMapOvr>
+</p:notes>
+</file>
+
 <file path=ppt/slideLayouts/slideLayout1.xml><?xml version="1.0" encoding="utf-8"?>
 <p:sldLayout xmlns:a="http://schemas.openxmlformats.org/drawingml/2006/main" xmlns:r="http://schemas.openxmlformats.org/officeDocument/2006/relationships" xmlns:p="http://schemas.openxmlformats.org/presentationml/2006/main" type="title" preserve="1">
   <p:cSld name="Title Slide">
@@ -2031,7 +1518,7 @@
           <a:p>
             <a:fld id="{7E8FA1CD-1F25-4F2F-81DD-0B6A9FD60ECF}" type="datetimeFigureOut">
               <a:rPr lang="en-US" smtClean="0"/>
-              <a:t>12/1/2024</a:t>
+              <a:t>12/2/24</a:t>
             </a:fld>
             <a:endParaRPr lang="en-US"/>
           </a:p>
@@ -2229,7 +1716,7 @@
           <a:p>
             <a:fld id="{7E8FA1CD-1F25-4F2F-81DD-0B6A9FD60ECF}" type="datetimeFigureOut">
               <a:rPr lang="en-US" smtClean="0"/>
-              <a:t>12/1/2024</a:t>
+              <a:t>12/2/24</a:t>
             </a:fld>
             <a:endParaRPr lang="en-US"/>
           </a:p>
@@ -2437,7 +1924,7 @@
           <a:p>
             <a:fld id="{7E8FA1CD-1F25-4F2F-81DD-0B6A9FD60ECF}" type="datetimeFigureOut">
               <a:rPr lang="en-US" smtClean="0"/>
-              <a:t>12/1/2024</a:t>
+              <a:t>12/2/24</a:t>
             </a:fld>
             <a:endParaRPr lang="en-US"/>
           </a:p>
@@ -2635,7 +2122,7 @@
           <a:p>
             <a:fld id="{7E8FA1CD-1F25-4F2F-81DD-0B6A9FD60ECF}" type="datetimeFigureOut">
               <a:rPr lang="en-US" smtClean="0"/>
-              <a:t>12/1/2024</a:t>
+              <a:t>12/2/24</a:t>
             </a:fld>
             <a:endParaRPr lang="en-US"/>
           </a:p>
@@ -2910,7 +2397,7 @@
           <a:p>
             <a:fld id="{7E8FA1CD-1F25-4F2F-81DD-0B6A9FD60ECF}" type="datetimeFigureOut">
               <a:rPr lang="en-US" smtClean="0"/>
-              <a:t>12/1/2024</a:t>
+              <a:t>12/2/24</a:t>
             </a:fld>
             <a:endParaRPr lang="en-US"/>
           </a:p>
@@ -3175,7 +2662,7 @@
           <a:p>
             <a:fld id="{7E8FA1CD-1F25-4F2F-81DD-0B6A9FD60ECF}" type="datetimeFigureOut">
               <a:rPr lang="en-US" smtClean="0"/>
-              <a:t>12/1/2024</a:t>
+              <a:t>12/2/24</a:t>
             </a:fld>
             <a:endParaRPr lang="en-US"/>
           </a:p>
@@ -3587,7 +3074,7 @@
           <a:p>
             <a:fld id="{7E8FA1CD-1F25-4F2F-81DD-0B6A9FD60ECF}" type="datetimeFigureOut">
               <a:rPr lang="en-US" smtClean="0"/>
-              <a:t>12/1/2024</a:t>
+              <a:t>12/2/24</a:t>
             </a:fld>
             <a:endParaRPr lang="en-US"/>
           </a:p>
@@ -3728,7 +3215,7 @@
           <a:p>
             <a:fld id="{7E8FA1CD-1F25-4F2F-81DD-0B6A9FD60ECF}" type="datetimeFigureOut">
               <a:rPr lang="en-US" smtClean="0"/>
-              <a:t>12/1/2024</a:t>
+              <a:t>12/2/24</a:t>
             </a:fld>
             <a:endParaRPr lang="en-US"/>
           </a:p>
@@ -3841,7 +3328,7 @@
           <a:p>
             <a:fld id="{7E8FA1CD-1F25-4F2F-81DD-0B6A9FD60ECF}" type="datetimeFigureOut">
               <a:rPr lang="en-US" smtClean="0"/>
-              <a:t>12/1/2024</a:t>
+              <a:t>12/2/24</a:t>
             </a:fld>
             <a:endParaRPr lang="en-US"/>
           </a:p>
@@ -4152,7 +3639,7 @@
           <a:p>
             <a:fld id="{7E8FA1CD-1F25-4F2F-81DD-0B6A9FD60ECF}" type="datetimeFigureOut">
               <a:rPr lang="en-US" smtClean="0"/>
-              <a:t>12/1/2024</a:t>
+              <a:t>12/2/24</a:t>
             </a:fld>
             <a:endParaRPr lang="en-US"/>
           </a:p>
@@ -4440,7 +3927,7 @@
           <a:p>
             <a:fld id="{7E8FA1CD-1F25-4F2F-81DD-0B6A9FD60ECF}" type="datetimeFigureOut">
               <a:rPr lang="en-US" smtClean="0"/>
-              <a:t>12/1/2024</a:t>
+              <a:t>12/2/24</a:t>
             </a:fld>
             <a:endParaRPr lang="en-US"/>
           </a:p>
@@ -4681,7 +4168,7 @@
           <a:p>
             <a:fld id="{7E8FA1CD-1F25-4F2F-81DD-0B6A9FD60ECF}" type="datetimeFigureOut">
               <a:rPr lang="en-US" smtClean="0"/>
-              <a:t>12/1/2024</a:t>
+              <a:t>12/2/24</a:t>
             </a:fld>
             <a:endParaRPr lang="en-US"/>
           </a:p>
@@ -7248,6 +6735,1671 @@
 </p:sld>
 </file>
 
+<file path=ppt/slides/slide10.xml><?xml version="1.0" encoding="utf-8"?>
+<p:sld xmlns:a="http://schemas.openxmlformats.org/drawingml/2006/main" xmlns:r="http://schemas.openxmlformats.org/officeDocument/2006/relationships" xmlns:p="http://schemas.openxmlformats.org/presentationml/2006/main">
+  <p:cSld>
+    <p:spTree>
+      <p:nvGrpSpPr>
+        <p:cNvPr id="1" name=""/>
+        <p:cNvGrpSpPr/>
+        <p:nvPr/>
+      </p:nvGrpSpPr>
+      <p:grpSpPr>
+        <a:xfrm>
+          <a:off x="0" y="0"/>
+          <a:ext cx="0" cy="0"/>
+          <a:chOff x="0" y="0"/>
+          <a:chExt cx="0" cy="0"/>
+        </a:xfrm>
+      </p:grpSpPr>
+      <p:sp>
+        <p:nvSpPr>
+          <p:cNvPr id="2" name="Title 1">
+            <a:extLst>
+              <a:ext uri="{FF2B5EF4-FFF2-40B4-BE49-F238E27FC236}">
+                <a16:creationId xmlns:a16="http://schemas.microsoft.com/office/drawing/2014/main" id="{1E513F15-2CED-2E78-7F39-25C4440F8474}"/>
+              </a:ext>
+            </a:extLst>
+          </p:cNvPr>
+          <p:cNvSpPr>
+            <a:spLocks noGrp="1"/>
+          </p:cNvSpPr>
+          <p:nvPr>
+            <p:ph type="title"/>
+          </p:nvPr>
+        </p:nvSpPr>
+        <p:spPr/>
+        <p:txBody>
+          <a:bodyPr/>
+          <a:lstStyle/>
+          <a:p>
+            <a:r>
+              <a:rPr lang="en-US" dirty="0"/>
+              <a:t>8x8 Segmentation Results</a:t>
+            </a:r>
+          </a:p>
+        </p:txBody>
+      </p:sp>
+      <p:sp>
+        <p:nvSpPr>
+          <p:cNvPr id="3" name="Content Placeholder 2">
+            <a:extLst>
+              <a:ext uri="{FF2B5EF4-FFF2-40B4-BE49-F238E27FC236}">
+                <a16:creationId xmlns:a16="http://schemas.microsoft.com/office/drawing/2014/main" id="{BC06CA68-6756-ACD1-8E57-0A248ECFA14A}"/>
+              </a:ext>
+            </a:extLst>
+          </p:cNvPr>
+          <p:cNvSpPr>
+            <a:spLocks noGrp="1"/>
+          </p:cNvSpPr>
+          <p:nvPr>
+            <p:ph idx="1"/>
+          </p:nvPr>
+        </p:nvSpPr>
+        <p:spPr/>
+        <p:txBody>
+          <a:bodyPr/>
+          <a:lstStyle/>
+          <a:p>
+            <a:endParaRPr lang="en-US" dirty="0"/>
+          </a:p>
+        </p:txBody>
+      </p:sp>
+      <p:pic>
+        <p:nvPicPr>
+          <p:cNvPr id="4" name="Picture 3">
+            <a:extLst>
+              <a:ext uri="{FF2B5EF4-FFF2-40B4-BE49-F238E27FC236}">
+                <a16:creationId xmlns:a16="http://schemas.microsoft.com/office/drawing/2014/main" id="{C3B91AF8-0482-87A5-01FF-F194E7DDB9B8}"/>
+              </a:ext>
+            </a:extLst>
+          </p:cNvPr>
+          <p:cNvPicPr>
+            <a:picLocks noChangeAspect="1"/>
+          </p:cNvPicPr>
+          <p:nvPr/>
+        </p:nvPicPr>
+        <p:blipFill>
+          <a:blip r:embed="rId2"/>
+          <a:stretch>
+            <a:fillRect/>
+          </a:stretch>
+        </p:blipFill>
+        <p:spPr>
+          <a:xfrm>
+            <a:off x="2209800" y="1468095"/>
+            <a:ext cx="7772400" cy="5389905"/>
+          </a:xfrm>
+          <a:prstGeom prst="rect">
+            <a:avLst/>
+          </a:prstGeom>
+        </p:spPr>
+      </p:pic>
+    </p:spTree>
+    <p:extLst>
+      <p:ext uri="{BB962C8B-B14F-4D97-AF65-F5344CB8AC3E}">
+        <p14:creationId xmlns:p14="http://schemas.microsoft.com/office/powerpoint/2010/main" val="33163634"/>
+      </p:ext>
+    </p:extLst>
+  </p:cSld>
+  <p:clrMapOvr>
+    <a:masterClrMapping/>
+  </p:clrMapOvr>
+</p:sld>
+</file>
+
+<file path=ppt/slides/slide11.xml><?xml version="1.0" encoding="utf-8"?>
+<p:sld xmlns:a="http://schemas.openxmlformats.org/drawingml/2006/main" xmlns:r="http://schemas.openxmlformats.org/officeDocument/2006/relationships" xmlns:p="http://schemas.openxmlformats.org/presentationml/2006/main">
+  <p:cSld>
+    <p:spTree>
+      <p:nvGrpSpPr>
+        <p:cNvPr id="1" name="">
+          <a:extLst>
+            <a:ext uri="{FF2B5EF4-FFF2-40B4-BE49-F238E27FC236}">
+              <a16:creationId xmlns:a16="http://schemas.microsoft.com/office/drawing/2014/main" id="{BF8FAD15-AA29-853E-A215-805CBCDBE8A9}"/>
+            </a:ext>
+          </a:extLst>
+        </p:cNvPr>
+        <p:cNvGrpSpPr/>
+        <p:nvPr/>
+      </p:nvGrpSpPr>
+      <p:grpSpPr>
+        <a:xfrm>
+          <a:off x="0" y="0"/>
+          <a:ext cx="0" cy="0"/>
+          <a:chOff x="0" y="0"/>
+          <a:chExt cx="0" cy="0"/>
+        </a:xfrm>
+      </p:grpSpPr>
+      <p:sp>
+        <p:nvSpPr>
+          <p:cNvPr id="2" name="Title 1">
+            <a:extLst>
+              <a:ext uri="{FF2B5EF4-FFF2-40B4-BE49-F238E27FC236}">
+                <a16:creationId xmlns:a16="http://schemas.microsoft.com/office/drawing/2014/main" id="{409B43C3-BA3B-9F52-4AF5-DD87984B408E}"/>
+              </a:ext>
+            </a:extLst>
+          </p:cNvPr>
+          <p:cNvSpPr>
+            <a:spLocks noGrp="1"/>
+          </p:cNvSpPr>
+          <p:nvPr>
+            <p:ph type="title"/>
+          </p:nvPr>
+        </p:nvSpPr>
+        <p:spPr/>
+        <p:txBody>
+          <a:bodyPr/>
+          <a:lstStyle/>
+          <a:p>
+            <a:r>
+              <a:rPr lang="en-US" dirty="0"/>
+              <a:t>32x32 Segmentation Results</a:t>
+            </a:r>
+          </a:p>
+        </p:txBody>
+      </p:sp>
+      <p:sp>
+        <p:nvSpPr>
+          <p:cNvPr id="3" name="Content Placeholder 2">
+            <a:extLst>
+              <a:ext uri="{FF2B5EF4-FFF2-40B4-BE49-F238E27FC236}">
+                <a16:creationId xmlns:a16="http://schemas.microsoft.com/office/drawing/2014/main" id="{8C40A23D-9EAD-1FD2-7463-F845D85DE411}"/>
+              </a:ext>
+            </a:extLst>
+          </p:cNvPr>
+          <p:cNvSpPr>
+            <a:spLocks noGrp="1"/>
+          </p:cNvSpPr>
+          <p:nvPr>
+            <p:ph idx="1"/>
+          </p:nvPr>
+        </p:nvSpPr>
+        <p:spPr/>
+        <p:txBody>
+          <a:bodyPr/>
+          <a:lstStyle/>
+          <a:p>
+            <a:endParaRPr lang="en-US" dirty="0"/>
+          </a:p>
+        </p:txBody>
+      </p:sp>
+      <p:pic>
+        <p:nvPicPr>
+          <p:cNvPr id="4" name="Picture 3">
+            <a:extLst>
+              <a:ext uri="{FF2B5EF4-FFF2-40B4-BE49-F238E27FC236}">
+                <a16:creationId xmlns:a16="http://schemas.microsoft.com/office/drawing/2014/main" id="{FBFF0850-DE82-9B03-F730-E8BB2EF489C4}"/>
+              </a:ext>
+            </a:extLst>
+          </p:cNvPr>
+          <p:cNvPicPr>
+            <a:picLocks noChangeAspect="1"/>
+          </p:cNvPicPr>
+          <p:nvPr/>
+        </p:nvPicPr>
+        <p:blipFill>
+          <a:blip r:embed="rId2"/>
+          <a:stretch>
+            <a:fillRect/>
+          </a:stretch>
+        </p:blipFill>
+        <p:spPr>
+          <a:xfrm>
+            <a:off x="2209800" y="1468095"/>
+            <a:ext cx="7772400" cy="5389905"/>
+          </a:xfrm>
+          <a:prstGeom prst="rect">
+            <a:avLst/>
+          </a:prstGeom>
+        </p:spPr>
+      </p:pic>
+    </p:spTree>
+    <p:extLst>
+      <p:ext uri="{BB962C8B-B14F-4D97-AF65-F5344CB8AC3E}">
+        <p14:creationId xmlns:p14="http://schemas.microsoft.com/office/powerpoint/2010/main" val="2802558876"/>
+      </p:ext>
+    </p:extLst>
+  </p:cSld>
+  <p:clrMapOvr>
+    <a:masterClrMapping/>
+  </p:clrMapOvr>
+</p:sld>
+</file>
+
+<file path=ppt/slides/slide12.xml><?xml version="1.0" encoding="utf-8"?>
+<p:sld xmlns:a="http://schemas.openxmlformats.org/drawingml/2006/main" xmlns:r="http://schemas.openxmlformats.org/officeDocument/2006/relationships" xmlns:p="http://schemas.openxmlformats.org/presentationml/2006/main">
+  <p:cSld>
+    <p:spTree>
+      <p:nvGrpSpPr>
+        <p:cNvPr id="1" name="">
+          <a:extLst>
+            <a:ext uri="{FF2B5EF4-FFF2-40B4-BE49-F238E27FC236}">
+              <a16:creationId xmlns:a16="http://schemas.microsoft.com/office/drawing/2014/main" id="{635ECEEA-19D1-BA27-166B-FB70E35972A9}"/>
+            </a:ext>
+          </a:extLst>
+        </p:cNvPr>
+        <p:cNvGrpSpPr/>
+        <p:nvPr/>
+      </p:nvGrpSpPr>
+      <p:grpSpPr>
+        <a:xfrm>
+          <a:off x="0" y="0"/>
+          <a:ext cx="0" cy="0"/>
+          <a:chOff x="0" y="0"/>
+          <a:chExt cx="0" cy="0"/>
+        </a:xfrm>
+      </p:grpSpPr>
+      <p:sp>
+        <p:nvSpPr>
+          <p:cNvPr id="2" name="Title 1">
+            <a:extLst>
+              <a:ext uri="{FF2B5EF4-FFF2-40B4-BE49-F238E27FC236}">
+                <a16:creationId xmlns:a16="http://schemas.microsoft.com/office/drawing/2014/main" id="{3A616D43-BB1B-B786-9E5E-D781F4362DF9}"/>
+              </a:ext>
+            </a:extLst>
+          </p:cNvPr>
+          <p:cNvSpPr>
+            <a:spLocks noGrp="1"/>
+          </p:cNvSpPr>
+          <p:nvPr>
+            <p:ph type="title"/>
+          </p:nvPr>
+        </p:nvSpPr>
+        <p:spPr/>
+        <p:txBody>
+          <a:bodyPr/>
+          <a:lstStyle/>
+          <a:p>
+            <a:r>
+              <a:rPr lang="en-US" dirty="0"/>
+              <a:t>64x64 Segmentation Results</a:t>
+            </a:r>
+          </a:p>
+        </p:txBody>
+      </p:sp>
+      <p:sp>
+        <p:nvSpPr>
+          <p:cNvPr id="3" name="Content Placeholder 2">
+            <a:extLst>
+              <a:ext uri="{FF2B5EF4-FFF2-40B4-BE49-F238E27FC236}">
+                <a16:creationId xmlns:a16="http://schemas.microsoft.com/office/drawing/2014/main" id="{06611067-BA7C-73E4-5C74-3162BAAED8AE}"/>
+              </a:ext>
+            </a:extLst>
+          </p:cNvPr>
+          <p:cNvSpPr>
+            <a:spLocks noGrp="1"/>
+          </p:cNvSpPr>
+          <p:nvPr>
+            <p:ph idx="1"/>
+          </p:nvPr>
+        </p:nvSpPr>
+        <p:spPr/>
+        <p:txBody>
+          <a:bodyPr/>
+          <a:lstStyle/>
+          <a:p>
+            <a:endParaRPr lang="en-US" dirty="0"/>
+          </a:p>
+        </p:txBody>
+      </p:sp>
+      <p:pic>
+        <p:nvPicPr>
+          <p:cNvPr id="7" name="Picture 6">
+            <a:extLst>
+              <a:ext uri="{FF2B5EF4-FFF2-40B4-BE49-F238E27FC236}">
+                <a16:creationId xmlns:a16="http://schemas.microsoft.com/office/drawing/2014/main" id="{1C6CB015-ACAF-3978-796F-67857C45DEDE}"/>
+              </a:ext>
+            </a:extLst>
+          </p:cNvPr>
+          <p:cNvPicPr>
+            <a:picLocks noChangeAspect="1"/>
+          </p:cNvPicPr>
+          <p:nvPr/>
+        </p:nvPicPr>
+        <p:blipFill>
+          <a:blip r:embed="rId2"/>
+          <a:stretch>
+            <a:fillRect/>
+          </a:stretch>
+        </p:blipFill>
+        <p:spPr>
+          <a:xfrm>
+            <a:off x="2209800" y="1468095"/>
+            <a:ext cx="7772400" cy="5389905"/>
+          </a:xfrm>
+          <a:prstGeom prst="rect">
+            <a:avLst/>
+          </a:prstGeom>
+        </p:spPr>
+      </p:pic>
+    </p:spTree>
+    <p:extLst>
+      <p:ext uri="{BB962C8B-B14F-4D97-AF65-F5344CB8AC3E}">
+        <p14:creationId xmlns:p14="http://schemas.microsoft.com/office/powerpoint/2010/main" val="4053708851"/>
+      </p:ext>
+    </p:extLst>
+  </p:cSld>
+  <p:clrMapOvr>
+    <a:masterClrMapping/>
+  </p:clrMapOvr>
+</p:sld>
+</file>
+
+<file path=ppt/slides/slide13.xml><?xml version="1.0" encoding="utf-8"?>
+<p:sld xmlns:a="http://schemas.openxmlformats.org/drawingml/2006/main" xmlns:r="http://schemas.openxmlformats.org/officeDocument/2006/relationships" xmlns:p="http://schemas.openxmlformats.org/presentationml/2006/main">
+  <p:cSld>
+    <p:spTree>
+      <p:nvGrpSpPr>
+        <p:cNvPr id="1" name="">
+          <a:extLst>
+            <a:ext uri="{FF2B5EF4-FFF2-40B4-BE49-F238E27FC236}">
+              <a16:creationId xmlns:a16="http://schemas.microsoft.com/office/drawing/2014/main" id="{BBA36FE1-915C-8A34-116A-C7C3DB28AE7B}"/>
+            </a:ext>
+          </a:extLst>
+        </p:cNvPr>
+        <p:cNvGrpSpPr/>
+        <p:nvPr/>
+      </p:nvGrpSpPr>
+      <p:grpSpPr>
+        <a:xfrm>
+          <a:off x="0" y="0"/>
+          <a:ext cx="0" cy="0"/>
+          <a:chOff x="0" y="0"/>
+          <a:chExt cx="0" cy="0"/>
+        </a:xfrm>
+      </p:grpSpPr>
+      <p:sp>
+        <p:nvSpPr>
+          <p:cNvPr id="2" name="Title 1">
+            <a:extLst>
+              <a:ext uri="{FF2B5EF4-FFF2-40B4-BE49-F238E27FC236}">
+                <a16:creationId xmlns:a16="http://schemas.microsoft.com/office/drawing/2014/main" id="{39344384-53DA-DA4C-6D79-73CFAADABBBB}"/>
+              </a:ext>
+            </a:extLst>
+          </p:cNvPr>
+          <p:cNvSpPr>
+            <a:spLocks noGrp="1"/>
+          </p:cNvSpPr>
+          <p:nvPr>
+            <p:ph type="title"/>
+          </p:nvPr>
+        </p:nvSpPr>
+        <p:spPr/>
+        <p:txBody>
+          <a:bodyPr/>
+          <a:lstStyle/>
+          <a:p>
+            <a:r>
+              <a:rPr lang="en-US" dirty="0"/>
+              <a:t>128x128 Segmentation Results</a:t>
+            </a:r>
+          </a:p>
+        </p:txBody>
+      </p:sp>
+      <p:sp>
+        <p:nvSpPr>
+          <p:cNvPr id="3" name="Content Placeholder 2">
+            <a:extLst>
+              <a:ext uri="{FF2B5EF4-FFF2-40B4-BE49-F238E27FC236}">
+                <a16:creationId xmlns:a16="http://schemas.microsoft.com/office/drawing/2014/main" id="{3AD4DE50-1B54-7419-9774-B35FA3739BEF}"/>
+              </a:ext>
+            </a:extLst>
+          </p:cNvPr>
+          <p:cNvSpPr>
+            <a:spLocks noGrp="1"/>
+          </p:cNvSpPr>
+          <p:nvPr>
+            <p:ph idx="1"/>
+          </p:nvPr>
+        </p:nvSpPr>
+        <p:spPr/>
+        <p:txBody>
+          <a:bodyPr/>
+          <a:lstStyle/>
+          <a:p>
+            <a:endParaRPr lang="en-US" dirty="0"/>
+          </a:p>
+        </p:txBody>
+      </p:sp>
+      <p:pic>
+        <p:nvPicPr>
+          <p:cNvPr id="4" name="Picture 3">
+            <a:extLst>
+              <a:ext uri="{FF2B5EF4-FFF2-40B4-BE49-F238E27FC236}">
+                <a16:creationId xmlns:a16="http://schemas.microsoft.com/office/drawing/2014/main" id="{266563C6-55DE-D7AE-89EC-7771DEAEFB3A}"/>
+              </a:ext>
+            </a:extLst>
+          </p:cNvPr>
+          <p:cNvPicPr>
+            <a:picLocks noChangeAspect="1"/>
+          </p:cNvPicPr>
+          <p:nvPr/>
+        </p:nvPicPr>
+        <p:blipFill>
+          <a:blip r:embed="rId2"/>
+          <a:stretch>
+            <a:fillRect/>
+          </a:stretch>
+        </p:blipFill>
+        <p:spPr>
+          <a:xfrm>
+            <a:off x="2209800" y="1468095"/>
+            <a:ext cx="7772400" cy="5389905"/>
+          </a:xfrm>
+          <a:prstGeom prst="rect">
+            <a:avLst/>
+          </a:prstGeom>
+        </p:spPr>
+      </p:pic>
+    </p:spTree>
+    <p:extLst>
+      <p:ext uri="{BB962C8B-B14F-4D97-AF65-F5344CB8AC3E}">
+        <p14:creationId xmlns:p14="http://schemas.microsoft.com/office/powerpoint/2010/main" val="323787208"/>
+      </p:ext>
+    </p:extLst>
+  </p:cSld>
+  <p:clrMapOvr>
+    <a:masterClrMapping/>
+  </p:clrMapOvr>
+</p:sld>
+</file>
+
+<file path=ppt/slides/slide14.xml><?xml version="1.0" encoding="utf-8"?>
+<p:sld xmlns:a="http://schemas.openxmlformats.org/drawingml/2006/main" xmlns:r="http://schemas.openxmlformats.org/officeDocument/2006/relationships" xmlns:p="http://schemas.openxmlformats.org/presentationml/2006/main">
+  <p:cSld>
+    <p:spTree>
+      <p:nvGrpSpPr>
+        <p:cNvPr id="1" name=""/>
+        <p:cNvGrpSpPr/>
+        <p:nvPr/>
+      </p:nvGrpSpPr>
+      <p:grpSpPr>
+        <a:xfrm>
+          <a:off x="0" y="0"/>
+          <a:ext cx="0" cy="0"/>
+          <a:chOff x="0" y="0"/>
+          <a:chExt cx="0" cy="0"/>
+        </a:xfrm>
+      </p:grpSpPr>
+      <p:sp>
+        <p:nvSpPr>
+          <p:cNvPr id="2" name="Title 1">
+            <a:extLst>
+              <a:ext uri="{FF2B5EF4-FFF2-40B4-BE49-F238E27FC236}">
+                <a16:creationId xmlns:a16="http://schemas.microsoft.com/office/drawing/2014/main" id="{00A8A42D-AC99-E2AB-7958-AAC8F737E4B4}"/>
+              </a:ext>
+            </a:extLst>
+          </p:cNvPr>
+          <p:cNvSpPr>
+            <a:spLocks noGrp="1"/>
+          </p:cNvSpPr>
+          <p:nvPr>
+            <p:ph type="title"/>
+          </p:nvPr>
+        </p:nvSpPr>
+        <p:spPr/>
+        <p:txBody>
+          <a:bodyPr/>
+          <a:lstStyle/>
+          <a:p>
+            <a:r>
+              <a:rPr lang="en-US" dirty="0"/>
+              <a:t>Part D calculations</a:t>
+            </a:r>
+          </a:p>
+        </p:txBody>
+      </p:sp>
+      <mc:AlternateContent xmlns:mc="http://schemas.openxmlformats.org/markup-compatibility/2006" xmlns:a14="http://schemas.microsoft.com/office/drawing/2010/main">
+        <mc:Choice Requires="a14">
+          <p:sp>
+            <p:nvSpPr>
+              <p:cNvPr id="3" name="Content Placeholder 2">
+                <a:extLst>
+                  <a:ext uri="{FF2B5EF4-FFF2-40B4-BE49-F238E27FC236}">
+                    <a16:creationId xmlns:a16="http://schemas.microsoft.com/office/drawing/2014/main" id="{AC7B966C-2333-A8EB-D4CB-76FBC3398A82}"/>
+                  </a:ext>
+                </a:extLst>
+              </p:cNvPr>
+              <p:cNvSpPr>
+                <a:spLocks noGrp="1"/>
+              </p:cNvSpPr>
+              <p:nvPr>
+                <p:ph idx="1"/>
+              </p:nvPr>
+            </p:nvSpPr>
+            <p:spPr>
+              <a:xfrm>
+                <a:off x="838200" y="1825625"/>
+                <a:ext cx="10515600" cy="4826384"/>
+              </a:xfrm>
+            </p:spPr>
+            <p:txBody>
+              <a:bodyPr>
+                <a:normAutofit lnSpcReduction="10000"/>
+              </a:bodyPr>
+              <a:lstStyle/>
+              <a:p>
+                <a:r>
+                  <a:rPr lang="en-US" dirty="0"/>
+                  <a:t>dice similarity coefficient (DSC) definition</a:t>
+                </a:r>
+              </a:p>
+              <a:p>
+                <a:pPr lvl="1"/>
+                <a14:m>
+                  <m:oMath xmlns:m="http://schemas.openxmlformats.org/officeDocument/2006/math">
+                    <m:r>
+                      <a:rPr lang="en-US" b="0" i="1" smtClean="0">
+                        <a:latin typeface="Cambria Math" panose="02040503050406030204" pitchFamily="18" charset="0"/>
+                      </a:rPr>
+                      <m:t>𝐷𝑆𝐶</m:t>
+                    </m:r>
+                    <m:r>
+                      <a:rPr lang="en-US" b="0" i="1" smtClean="0">
+                        <a:latin typeface="Cambria Math" panose="02040503050406030204" pitchFamily="18" charset="0"/>
+                      </a:rPr>
+                      <m:t>=</m:t>
+                    </m:r>
+                    <m:f>
+                      <m:fPr>
+                        <m:ctrlPr>
+                          <a:rPr lang="en-US" b="0" i="1" smtClean="0">
+                            <a:latin typeface="Cambria Math" panose="02040503050406030204" pitchFamily="18" charset="0"/>
+                          </a:rPr>
+                        </m:ctrlPr>
+                      </m:fPr>
+                      <m:num>
+                        <m:r>
+                          <a:rPr lang="en-US" b="0" i="1" smtClean="0">
+                            <a:latin typeface="Cambria Math" panose="02040503050406030204" pitchFamily="18" charset="0"/>
+                          </a:rPr>
+                          <m:t>2|</m:t>
+                        </m:r>
+                        <m:r>
+                          <a:rPr lang="en-US" b="0" i="1" smtClean="0">
+                            <a:latin typeface="Cambria Math" panose="02040503050406030204" pitchFamily="18" charset="0"/>
+                          </a:rPr>
+                          <m:t>𝑋</m:t>
+                        </m:r>
+                        <m:r>
+                          <a:rPr lang="en-US" b="0" i="1" smtClean="0">
+                            <a:latin typeface="Cambria Math" panose="02040503050406030204" pitchFamily="18" charset="0"/>
+                          </a:rPr>
+                          <m:t>∩</m:t>
+                        </m:r>
+                        <m:r>
+                          <a:rPr lang="en-US" b="0" i="1" smtClean="0">
+                            <a:latin typeface="Cambria Math" panose="02040503050406030204" pitchFamily="18" charset="0"/>
+                          </a:rPr>
+                          <m:t>𝑌</m:t>
+                        </m:r>
+                        <m:r>
+                          <a:rPr lang="en-US" b="0" i="1" smtClean="0">
+                            <a:latin typeface="Cambria Math" panose="02040503050406030204" pitchFamily="18" charset="0"/>
+                          </a:rPr>
+                          <m:t>| </m:t>
+                        </m:r>
+                      </m:num>
+                      <m:den>
+                        <m:d>
+                          <m:dPr>
+                            <m:begChr m:val="|"/>
+                            <m:endChr m:val="|"/>
+                            <m:ctrlPr>
+                              <a:rPr lang="en-US" b="0" i="1" smtClean="0">
+                                <a:latin typeface="Cambria Math" panose="02040503050406030204" pitchFamily="18" charset="0"/>
+                              </a:rPr>
+                            </m:ctrlPr>
+                          </m:dPr>
+                          <m:e>
+                            <m:r>
+                              <a:rPr lang="en-US" b="0" i="1" smtClean="0">
+                                <a:latin typeface="Cambria Math" panose="02040503050406030204" pitchFamily="18" charset="0"/>
+                              </a:rPr>
+                              <m:t>𝑋</m:t>
+                            </m:r>
+                          </m:e>
+                        </m:d>
+                        <m:r>
+                          <a:rPr lang="en-US" b="0" i="1" smtClean="0">
+                            <a:latin typeface="Cambria Math" panose="02040503050406030204" pitchFamily="18" charset="0"/>
+                          </a:rPr>
+                          <m:t>+|</m:t>
+                        </m:r>
+                        <m:r>
+                          <a:rPr lang="en-US" b="0" i="1" smtClean="0">
+                            <a:latin typeface="Cambria Math" panose="02040503050406030204" pitchFamily="18" charset="0"/>
+                          </a:rPr>
+                          <m:t>𝑌</m:t>
+                        </m:r>
+                        <m:r>
+                          <a:rPr lang="en-US" b="0" i="1" smtClean="0">
+                            <a:latin typeface="Cambria Math" panose="02040503050406030204" pitchFamily="18" charset="0"/>
+                          </a:rPr>
+                          <m:t>|</m:t>
+                        </m:r>
+                      </m:den>
+                    </m:f>
+                    <m:r>
+                      <a:rPr lang="en-US" b="0" i="0" smtClean="0">
+                        <a:latin typeface="Cambria Math" panose="02040503050406030204" pitchFamily="18" charset="0"/>
+                      </a:rPr>
+                      <m:t> </m:t>
+                    </m:r>
+                  </m:oMath>
+                </a14:m>
+                <a:r>
+                  <a:rPr lang="en-US" dirty="0"/>
+                  <a:t>between sets </a:t>
+                </a:r>
+                <a:r>
+                  <a:rPr lang="en-US" i="1" dirty="0"/>
+                  <a:t>X</a:t>
+                </a:r>
+                <a:r>
+                  <a:rPr lang="en-US" dirty="0"/>
+                  <a:t> and </a:t>
+                </a:r>
+                <a:r>
+                  <a:rPr lang="en-US" i="1" dirty="0"/>
+                  <a:t>Y</a:t>
+                </a:r>
+                <a:r>
+                  <a:rPr lang="en-US" dirty="0"/>
+                  <a:t>, where </a:t>
+                </a:r>
+                <a14:m>
+                  <m:oMath xmlns:m="http://schemas.openxmlformats.org/officeDocument/2006/math">
+                    <m:r>
+                      <a:rPr lang="en-US" i="1">
+                        <a:latin typeface="Cambria Math" panose="02040503050406030204" pitchFamily="18" charset="0"/>
+                      </a:rPr>
+                      <m:t>|</m:t>
+                    </m:r>
+                    <m:r>
+                      <a:rPr lang="en-US" i="1">
+                        <a:latin typeface="Cambria Math" panose="02040503050406030204" pitchFamily="18" charset="0"/>
+                      </a:rPr>
+                      <m:t>𝑋</m:t>
+                    </m:r>
+                    <m:r>
+                      <a:rPr lang="en-US" i="1">
+                        <a:latin typeface="Cambria Math" panose="02040503050406030204" pitchFamily="18" charset="0"/>
+                      </a:rPr>
+                      <m:t>∩</m:t>
+                    </m:r>
+                    <m:r>
+                      <a:rPr lang="en-US" i="1">
+                        <a:latin typeface="Cambria Math" panose="02040503050406030204" pitchFamily="18" charset="0"/>
+                      </a:rPr>
+                      <m:t>𝑌</m:t>
+                    </m:r>
+                    <m:r>
+                      <a:rPr lang="en-US" i="1">
+                        <a:latin typeface="Cambria Math" panose="02040503050406030204" pitchFamily="18" charset="0"/>
+                      </a:rPr>
+                      <m:t>| </m:t>
+                    </m:r>
+                  </m:oMath>
+                </a14:m>
+                <a:r>
+                  <a:rPr lang="en-US" dirty="0"/>
+                  <a:t>is number of shared elements between the two sets, and </a:t>
+                </a:r>
+                <a14:m>
+                  <m:oMath xmlns:m="http://schemas.openxmlformats.org/officeDocument/2006/math">
+                    <m:r>
+                      <a:rPr lang="en-US" b="0" i="1" smtClean="0">
+                        <a:latin typeface="Cambria Math" panose="02040503050406030204" pitchFamily="18" charset="0"/>
+                      </a:rPr>
+                      <m:t>|</m:t>
+                    </m:r>
+                    <m:r>
+                      <a:rPr lang="en-US" b="0" i="1" smtClean="0">
+                        <a:latin typeface="Cambria Math" panose="02040503050406030204" pitchFamily="18" charset="0"/>
+                      </a:rPr>
+                      <m:t>𝑋</m:t>
+                    </m:r>
+                    <m:r>
+                      <a:rPr lang="en-US" b="0" i="1" smtClean="0">
+                        <a:latin typeface="Cambria Math" panose="02040503050406030204" pitchFamily="18" charset="0"/>
+                      </a:rPr>
+                      <m:t>|</m:t>
+                    </m:r>
+                  </m:oMath>
+                </a14:m>
+                <a:r>
+                  <a:rPr lang="en-US" dirty="0"/>
+                  <a:t>&amp;</a:t>
+                </a:r>
+                <a14:m>
+                  <m:oMath xmlns:m="http://schemas.openxmlformats.org/officeDocument/2006/math">
+                    <m:d>
+                      <m:dPr>
+                        <m:begChr m:val="|"/>
+                        <m:endChr m:val="|"/>
+                        <m:ctrlPr>
+                          <a:rPr lang="en-US" b="0" i="1" dirty="0" smtClean="0">
+                            <a:latin typeface="Cambria Math" panose="02040503050406030204" pitchFamily="18" charset="0"/>
+                          </a:rPr>
+                        </m:ctrlPr>
+                      </m:dPr>
+                      <m:e>
+                        <m:r>
+                          <a:rPr lang="en-US" b="0" i="1" dirty="0" smtClean="0">
+                            <a:latin typeface="Cambria Math" panose="02040503050406030204" pitchFamily="18" charset="0"/>
+                          </a:rPr>
+                          <m:t>𝑌</m:t>
+                        </m:r>
+                      </m:e>
+                    </m:d>
+                  </m:oMath>
+                </a14:m>
+                <a:r>
+                  <a:rPr lang="en-US" dirty="0"/>
+                  <a:t> are the number of elements in each set respectively</a:t>
+                </a:r>
+              </a:p>
+              <a:p>
+                <a:pPr lvl="1"/>
+                <a:r>
+                  <a:rPr lang="en-US" dirty="0"/>
+                  <a:t>In the context of the project, </a:t>
+                </a:r>
+                <a14:m>
+                  <m:oMath xmlns:m="http://schemas.openxmlformats.org/officeDocument/2006/math">
+                    <m:r>
+                      <a:rPr lang="en-US" b="0" i="1" smtClean="0">
+                        <a:latin typeface="Cambria Math" panose="02040503050406030204" pitchFamily="18" charset="0"/>
+                      </a:rPr>
+                      <m:t>|</m:t>
+                    </m:r>
+                    <m:r>
+                      <a:rPr lang="en-US" b="0" i="1" smtClean="0">
+                        <a:latin typeface="Cambria Math" panose="02040503050406030204" pitchFamily="18" charset="0"/>
+                      </a:rPr>
+                      <m:t>𝑋</m:t>
+                    </m:r>
+                    <m:r>
+                      <a:rPr lang="en-US" b="0" i="1" smtClean="0">
+                        <a:latin typeface="Cambria Math" panose="02040503050406030204" pitchFamily="18" charset="0"/>
+                      </a:rPr>
+                      <m:t>|</m:t>
+                    </m:r>
+                  </m:oMath>
+                </a14:m>
+                <a:r>
+                  <a:rPr lang="en-US" dirty="0"/>
+                  <a:t> is pixel number in true segmentation, </a:t>
+                </a:r>
+                <a14:m>
+                  <m:oMath xmlns:m="http://schemas.openxmlformats.org/officeDocument/2006/math">
+                    <m:r>
+                      <a:rPr lang="en-US" b="0" i="1" smtClean="0">
+                        <a:latin typeface="Cambria Math" panose="02040503050406030204" pitchFamily="18" charset="0"/>
+                      </a:rPr>
+                      <m:t>|</m:t>
+                    </m:r>
+                    <m:r>
+                      <a:rPr lang="en-US" b="0" i="1" smtClean="0">
+                        <a:latin typeface="Cambria Math" panose="02040503050406030204" pitchFamily="18" charset="0"/>
+                      </a:rPr>
+                      <m:t>𝑌</m:t>
+                    </m:r>
+                    <m:r>
+                      <a:rPr lang="en-US" b="0" i="1" smtClean="0">
+                        <a:latin typeface="Cambria Math" panose="02040503050406030204" pitchFamily="18" charset="0"/>
+                      </a:rPr>
+                      <m:t>|</m:t>
+                    </m:r>
+                  </m:oMath>
+                </a14:m>
+                <a:r>
+                  <a:rPr lang="en-US" dirty="0"/>
+                  <a:t> is pixel number in CNN estimated segmentation, and </a:t>
+                </a:r>
+                <a14:m>
+                  <m:oMath xmlns:m="http://schemas.openxmlformats.org/officeDocument/2006/math">
+                    <m:r>
+                      <a:rPr lang="en-US" b="0" i="1" smtClean="0">
+                        <a:latin typeface="Cambria Math" panose="02040503050406030204" pitchFamily="18" charset="0"/>
+                      </a:rPr>
+                      <m:t>|</m:t>
+                    </m:r>
+                    <m:r>
+                      <a:rPr lang="en-US" b="0" i="1" smtClean="0">
+                        <a:latin typeface="Cambria Math" panose="02040503050406030204" pitchFamily="18" charset="0"/>
+                      </a:rPr>
+                      <m:t>𝑋</m:t>
+                    </m:r>
+                    <m:r>
+                      <a:rPr lang="en-US" b="0" i="1" smtClean="0">
+                        <a:latin typeface="Cambria Math" panose="02040503050406030204" pitchFamily="18" charset="0"/>
+                      </a:rPr>
+                      <m:t>∩</m:t>
+                    </m:r>
+                    <m:r>
+                      <a:rPr lang="en-US" b="0" i="1" smtClean="0">
+                        <a:latin typeface="Cambria Math" panose="02040503050406030204" pitchFamily="18" charset="0"/>
+                      </a:rPr>
+                      <m:t>𝑌</m:t>
+                    </m:r>
+                    <m:r>
+                      <a:rPr lang="en-US" b="0" i="1" smtClean="0">
+                        <a:latin typeface="Cambria Math" panose="02040503050406030204" pitchFamily="18" charset="0"/>
+                      </a:rPr>
+                      <m:t>|</m:t>
+                    </m:r>
+                  </m:oMath>
+                </a14:m>
+                <a:r>
+                  <a:rPr lang="en-US" dirty="0"/>
+                  <a:t> is number of identical pixels shared between the two</a:t>
+                </a:r>
+              </a:p>
+              <a:p>
+                <a:pPr lvl="1"/>
+                <a:r>
+                  <a:rPr lang="en-US" dirty="0"/>
+                  <a:t>In case where both </a:t>
+                </a:r>
+                <a:r>
+                  <a:rPr lang="en-US" i="1" dirty="0"/>
+                  <a:t>X </a:t>
+                </a:r>
+                <a:r>
+                  <a:rPr lang="en-US" dirty="0"/>
+                  <a:t>and </a:t>
+                </a:r>
+                <a:r>
+                  <a:rPr lang="en-US" i="1" dirty="0"/>
+                  <a:t>Y</a:t>
+                </a:r>
+                <a:r>
+                  <a:rPr lang="en-US" dirty="0"/>
+                  <a:t> are empty sets, </a:t>
+                </a:r>
+                <a:r>
+                  <a:rPr lang="en-US" i="1" dirty="0"/>
+                  <a:t>DSC</a:t>
+                </a:r>
+                <a:r>
+                  <a:rPr lang="en-US" dirty="0"/>
+                  <a:t> is set to 1 since the model correctly identifies that there are no object pixels present</a:t>
+                </a:r>
+              </a:p>
+              <a:p>
+                <a:r>
+                  <a:rPr lang="en-US" dirty="0"/>
+                  <a:t>Signal area definition</a:t>
+                </a:r>
+              </a:p>
+              <a:p>
+                <a:pPr lvl="1"/>
+                <a14:m>
+                  <m:oMath xmlns:m="http://schemas.openxmlformats.org/officeDocument/2006/math">
+                    <m:sSub>
+                      <m:sSubPr>
+                        <m:ctrlPr>
+                          <a:rPr lang="en-US" b="0" i="1" smtClean="0">
+                            <a:latin typeface="Cambria Math" panose="02040503050406030204" pitchFamily="18" charset="0"/>
+                          </a:rPr>
+                        </m:ctrlPr>
+                      </m:sSubPr>
+                      <m:e>
+                        <m:r>
+                          <a:rPr lang="en-US" b="0" i="1" smtClean="0">
+                            <a:latin typeface="Cambria Math" panose="02040503050406030204" pitchFamily="18" charset="0"/>
+                          </a:rPr>
+                          <m:t>𝜎</m:t>
+                        </m:r>
+                      </m:e>
+                      <m:sub>
+                        <m:r>
+                          <a:rPr lang="en-US" b="0" i="1" smtClean="0">
+                            <a:latin typeface="Cambria Math" panose="02040503050406030204" pitchFamily="18" charset="0"/>
+                          </a:rPr>
+                          <m:t>𝑠</m:t>
+                        </m:r>
+                      </m:sub>
+                    </m:sSub>
+                  </m:oMath>
+                </a14:m>
+                <a:r>
+                  <a:rPr lang="en-US" dirty="0"/>
+                  <a:t> is used to generate system matrix, thus true signal area = </a:t>
+                </a:r>
+                <a14:m>
+                  <m:oMath xmlns:m="http://schemas.openxmlformats.org/officeDocument/2006/math">
+                    <m:r>
+                      <a:rPr lang="en-US" b="0" i="1" smtClean="0">
+                        <a:latin typeface="Cambria Math" panose="02040503050406030204" pitchFamily="18" charset="0"/>
+                      </a:rPr>
+                      <m:t>𝜋</m:t>
+                    </m:r>
+                    <m:sSubSup>
+                      <m:sSubSupPr>
+                        <m:ctrlPr>
+                          <a:rPr lang="en-US" b="0" i="1" smtClean="0">
+                            <a:latin typeface="Cambria Math" panose="02040503050406030204" pitchFamily="18" charset="0"/>
+                          </a:rPr>
+                        </m:ctrlPr>
+                      </m:sSubSupPr>
+                      <m:e>
+                        <m:r>
+                          <a:rPr lang="en-US" b="0" i="1" smtClean="0">
+                            <a:latin typeface="Cambria Math" panose="02040503050406030204" pitchFamily="18" charset="0"/>
+                          </a:rPr>
+                          <m:t>𝜎</m:t>
+                        </m:r>
+                      </m:e>
+                      <m:sub>
+                        <m:r>
+                          <a:rPr lang="en-US" b="0" i="1" smtClean="0">
+                            <a:latin typeface="Cambria Math" panose="02040503050406030204" pitchFamily="18" charset="0"/>
+                          </a:rPr>
+                          <m:t>𝑠</m:t>
+                        </m:r>
+                      </m:sub>
+                      <m:sup>
+                        <m:r>
+                          <a:rPr lang="en-US" b="0" i="1" smtClean="0">
+                            <a:latin typeface="Cambria Math" panose="02040503050406030204" pitchFamily="18" charset="0"/>
+                          </a:rPr>
+                          <m:t>2</m:t>
+                        </m:r>
+                      </m:sup>
+                    </m:sSubSup>
+                  </m:oMath>
+                </a14:m>
+                <a:endParaRPr lang="en-US" dirty="0"/>
+              </a:p>
+              <a:p>
+                <a:pPr lvl="1"/>
+                <a:r>
+                  <a:rPr lang="en-US" dirty="0"/>
+                  <a:t>Model signal area can be obtained by </a:t>
+                </a:r>
+                <a14:m>
+                  <m:oMath xmlns:m="http://schemas.openxmlformats.org/officeDocument/2006/math">
+                    <m:r>
+                      <a:rPr lang="en-US" b="0" i="1" smtClean="0">
+                        <a:latin typeface="Cambria Math" panose="02040503050406030204" pitchFamily="18" charset="0"/>
+                      </a:rPr>
+                      <m:t>𝑚𝑜𝑑𝑒𝑙𝑒𝑑</m:t>
+                    </m:r>
+                    <m:r>
+                      <a:rPr lang="en-US" b="0" i="1" smtClean="0">
+                        <a:latin typeface="Cambria Math" panose="02040503050406030204" pitchFamily="18" charset="0"/>
+                      </a:rPr>
+                      <m:t> </m:t>
+                    </m:r>
+                    <m:r>
+                      <a:rPr lang="en-US" b="0" i="1" smtClean="0">
+                        <a:latin typeface="Cambria Math" panose="02040503050406030204" pitchFamily="18" charset="0"/>
+                      </a:rPr>
+                      <m:t>𝑜𝑏𝑗𝑒𝑐𝑡</m:t>
+                    </m:r>
+                    <m:r>
+                      <a:rPr lang="en-US" b="0" i="1" smtClean="0">
+                        <a:latin typeface="Cambria Math" panose="02040503050406030204" pitchFamily="18" charset="0"/>
+                      </a:rPr>
+                      <m:t> </m:t>
+                    </m:r>
+                    <m:r>
+                      <a:rPr lang="en-US" b="0" i="1" smtClean="0">
+                        <a:latin typeface="Cambria Math" panose="02040503050406030204" pitchFamily="18" charset="0"/>
+                      </a:rPr>
+                      <m:t>𝑝𝑖𝑥𝑒𝑙</m:t>
+                    </m:r>
+                    <m:r>
+                      <a:rPr lang="en-US" b="0" i="1" smtClean="0">
+                        <a:latin typeface="Cambria Math" panose="02040503050406030204" pitchFamily="18" charset="0"/>
+                      </a:rPr>
+                      <m:t> </m:t>
+                    </m:r>
+                    <m:r>
+                      <a:rPr lang="en-US" b="0" i="1" smtClean="0">
+                        <a:latin typeface="Cambria Math" panose="02040503050406030204" pitchFamily="18" charset="0"/>
+                      </a:rPr>
+                      <m:t>𝑐𝑜𝑢𝑛𝑡</m:t>
+                    </m:r>
+                    <m:r>
+                      <a:rPr lang="en-US" b="0" i="1" smtClean="0">
+                        <a:latin typeface="Cambria Math" panose="02040503050406030204" pitchFamily="18" charset="0"/>
+                      </a:rPr>
+                      <m:t>×</m:t>
+                    </m:r>
+                    <m:r>
+                      <a:rPr lang="en-US" b="0" i="1" smtClean="0">
+                        <a:latin typeface="Cambria Math" panose="02040503050406030204" pitchFamily="18" charset="0"/>
+                      </a:rPr>
+                      <m:t>𝑝𝑖𝑥𝑒𝑙</m:t>
+                    </m:r>
+                    <m:r>
+                      <a:rPr lang="en-US" b="0" i="1" smtClean="0">
+                        <a:latin typeface="Cambria Math" panose="02040503050406030204" pitchFamily="18" charset="0"/>
+                      </a:rPr>
+                      <m:t> </m:t>
+                    </m:r>
+                    <m:r>
+                      <a:rPr lang="en-US" b="0" i="1" smtClean="0">
+                        <a:latin typeface="Cambria Math" panose="02040503050406030204" pitchFamily="18" charset="0"/>
+                      </a:rPr>
+                      <m:t>𝑠𝑖𝑧𝑒</m:t>
+                    </m:r>
+                  </m:oMath>
+                </a14:m>
+                <a:endParaRPr lang="en-US" dirty="0"/>
+              </a:p>
+            </p:txBody>
+          </p:sp>
+        </mc:Choice>
+        <mc:Fallback xmlns="">
+          <p:sp>
+            <p:nvSpPr>
+              <p:cNvPr id="3" name="Content Placeholder 2">
+                <a:extLst>
+                  <a:ext uri="{FF2B5EF4-FFF2-40B4-BE49-F238E27FC236}">
+                    <a16:creationId xmlns:a16="http://schemas.microsoft.com/office/drawing/2014/main" id="{AC7B966C-2333-A8EB-D4CB-76FBC3398A82}"/>
+                  </a:ext>
+                </a:extLst>
+              </p:cNvPr>
+              <p:cNvSpPr>
+                <a:spLocks noGrp="1" noRot="1" noChangeAspect="1" noMove="1" noResize="1" noEditPoints="1" noAdjustHandles="1" noChangeArrowheads="1" noChangeShapeType="1" noTextEdit="1"/>
+              </p:cNvSpPr>
+              <p:nvPr>
+                <p:ph idx="1"/>
+              </p:nvPr>
+            </p:nvSpPr>
+            <p:spPr>
+              <a:xfrm>
+                <a:off x="838200" y="1825625"/>
+                <a:ext cx="10515600" cy="4826384"/>
+              </a:xfrm>
+              <a:blipFill>
+                <a:blip r:embed="rId2"/>
+                <a:stretch>
+                  <a:fillRect l="-1043" t="-2778"/>
+                </a:stretch>
+              </a:blipFill>
+            </p:spPr>
+            <p:txBody>
+              <a:bodyPr/>
+              <a:lstStyle/>
+              <a:p>
+                <a:r>
+                  <a:rPr lang="en-US">
+                    <a:noFill/>
+                  </a:rPr>
+                  <a:t> </a:t>
+                </a:r>
+              </a:p>
+            </p:txBody>
+          </p:sp>
+        </mc:Fallback>
+      </mc:AlternateContent>
+    </p:spTree>
+    <p:extLst>
+      <p:ext uri="{BB962C8B-B14F-4D97-AF65-F5344CB8AC3E}">
+        <p14:creationId xmlns:p14="http://schemas.microsoft.com/office/powerpoint/2010/main" val="3927467327"/>
+      </p:ext>
+    </p:extLst>
+  </p:cSld>
+  <p:clrMapOvr>
+    <a:masterClrMapping/>
+  </p:clrMapOvr>
+</p:sld>
+</file>
+
+<file path=ppt/slides/slide15.xml><?xml version="1.0" encoding="utf-8"?>
+<p:sld xmlns:a="http://schemas.openxmlformats.org/drawingml/2006/main" xmlns:r="http://schemas.openxmlformats.org/officeDocument/2006/relationships" xmlns:p="http://schemas.openxmlformats.org/presentationml/2006/main">
+  <p:cSld>
+    <p:spTree>
+      <p:nvGrpSpPr>
+        <p:cNvPr id="1" name=""/>
+        <p:cNvGrpSpPr/>
+        <p:nvPr/>
+      </p:nvGrpSpPr>
+      <p:grpSpPr>
+        <a:xfrm>
+          <a:off x="0" y="0"/>
+          <a:ext cx="0" cy="0"/>
+          <a:chOff x="0" y="0"/>
+          <a:chExt cx="0" cy="0"/>
+        </a:xfrm>
+      </p:grpSpPr>
+      <p:sp>
+        <p:nvSpPr>
+          <p:cNvPr id="2" name="Title 1">
+            <a:extLst>
+              <a:ext uri="{FF2B5EF4-FFF2-40B4-BE49-F238E27FC236}">
+                <a16:creationId xmlns:a16="http://schemas.microsoft.com/office/drawing/2014/main" id="{25EDB189-BE1E-FF1A-9818-B326885A36EA}"/>
+              </a:ext>
+            </a:extLst>
+          </p:cNvPr>
+          <p:cNvSpPr>
+            <a:spLocks noGrp="1"/>
+          </p:cNvSpPr>
+          <p:nvPr>
+            <p:ph type="title"/>
+          </p:nvPr>
+        </p:nvSpPr>
+        <p:spPr/>
+        <p:txBody>
+          <a:bodyPr/>
+          <a:lstStyle/>
+          <a:p>
+            <a:r>
+              <a:rPr lang="en-US" dirty="0"/>
+              <a:t> dice similarity coefficient (DSC) </a:t>
+            </a:r>
+          </a:p>
+        </p:txBody>
+      </p:sp>
+      <p:sp>
+        <p:nvSpPr>
+          <p:cNvPr id="4" name="Content Placeholder 3">
+            <a:extLst>
+              <a:ext uri="{FF2B5EF4-FFF2-40B4-BE49-F238E27FC236}">
+                <a16:creationId xmlns:a16="http://schemas.microsoft.com/office/drawing/2014/main" id="{5D235BBF-37DE-CAD7-8B93-4EA86BC64E5A}"/>
+              </a:ext>
+            </a:extLst>
+          </p:cNvPr>
+          <p:cNvSpPr>
+            <a:spLocks noGrp="1"/>
+          </p:cNvSpPr>
+          <p:nvPr>
+            <p:ph idx="1"/>
+          </p:nvPr>
+        </p:nvSpPr>
+        <p:spPr>
+          <a:xfrm>
+            <a:off x="838200" y="1825625"/>
+            <a:ext cx="4083756" cy="4351338"/>
+          </a:xfrm>
+        </p:spPr>
+        <p:txBody>
+          <a:bodyPr/>
+          <a:lstStyle/>
+          <a:p>
+            <a:r>
+              <a:rPr lang="en-US" dirty="0"/>
+              <a:t>DSC decreases slightly with larger amount of pixels at first</a:t>
+            </a:r>
+          </a:p>
+          <a:p>
+            <a:pPr lvl="1"/>
+            <a:r>
+              <a:rPr lang="en-US" dirty="0"/>
+              <a:t>More pixels but same amount of parameters</a:t>
+            </a:r>
+          </a:p>
+          <a:p>
+            <a:r>
+              <a:rPr lang="en-US" dirty="0"/>
+              <a:t>DSC Increases again with 128x128</a:t>
+            </a:r>
+          </a:p>
+          <a:p>
+            <a:pPr lvl="1"/>
+            <a:r>
+              <a:rPr lang="en-US" dirty="0"/>
+              <a:t>Higher fidelity reconstruction</a:t>
+            </a:r>
+          </a:p>
+          <a:p>
+            <a:endParaRPr lang="en-US" dirty="0"/>
+          </a:p>
+        </p:txBody>
+      </p:sp>
+      <p:pic>
+        <p:nvPicPr>
+          <p:cNvPr id="6" name="Picture 5">
+            <a:extLst>
+              <a:ext uri="{FF2B5EF4-FFF2-40B4-BE49-F238E27FC236}">
+                <a16:creationId xmlns:a16="http://schemas.microsoft.com/office/drawing/2014/main" id="{846BA763-A490-EA09-984D-85ED338BA192}"/>
+              </a:ext>
+            </a:extLst>
+          </p:cNvPr>
+          <p:cNvPicPr>
+            <a:picLocks noChangeAspect="1"/>
+          </p:cNvPicPr>
+          <p:nvPr/>
+        </p:nvPicPr>
+        <p:blipFill>
+          <a:blip r:embed="rId2"/>
+          <a:stretch>
+            <a:fillRect/>
+          </a:stretch>
+        </p:blipFill>
+        <p:spPr>
+          <a:xfrm>
+            <a:off x="5032926" y="1777302"/>
+            <a:ext cx="6320874" cy="4715573"/>
+          </a:xfrm>
+          <a:prstGeom prst="rect">
+            <a:avLst/>
+          </a:prstGeom>
+        </p:spPr>
+      </p:pic>
+    </p:spTree>
+    <p:extLst>
+      <p:ext uri="{BB962C8B-B14F-4D97-AF65-F5344CB8AC3E}">
+        <p14:creationId xmlns:p14="http://schemas.microsoft.com/office/powerpoint/2010/main" val="1477655658"/>
+      </p:ext>
+    </p:extLst>
+  </p:cSld>
+  <p:clrMapOvr>
+    <a:masterClrMapping/>
+  </p:clrMapOvr>
+</p:sld>
+</file>
+
+<file path=ppt/slides/slide16.xml><?xml version="1.0" encoding="utf-8"?>
+<p:sld xmlns:a="http://schemas.openxmlformats.org/drawingml/2006/main" xmlns:r="http://schemas.openxmlformats.org/officeDocument/2006/relationships" xmlns:p="http://schemas.openxmlformats.org/presentationml/2006/main">
+  <p:cSld>
+    <p:spTree>
+      <p:nvGrpSpPr>
+        <p:cNvPr id="1" name=""/>
+        <p:cNvGrpSpPr/>
+        <p:nvPr/>
+      </p:nvGrpSpPr>
+      <p:grpSpPr>
+        <a:xfrm>
+          <a:off x="0" y="0"/>
+          <a:ext cx="0" cy="0"/>
+          <a:chOff x="0" y="0"/>
+          <a:chExt cx="0" cy="0"/>
+        </a:xfrm>
+      </p:grpSpPr>
+      <mc:AlternateContent xmlns:mc="http://schemas.openxmlformats.org/markup-compatibility/2006" xmlns:a14="http://schemas.microsoft.com/office/drawing/2010/main">
+        <mc:Choice Requires="a14">
+          <p:sp>
+            <p:nvSpPr>
+              <p:cNvPr id="2" name="Title 1">
+                <a:extLst>
+                  <a:ext uri="{FF2B5EF4-FFF2-40B4-BE49-F238E27FC236}">
+                    <a16:creationId xmlns:a16="http://schemas.microsoft.com/office/drawing/2014/main" id="{E350D33D-2193-433C-8EF7-B2C2D5E37D96}"/>
+                  </a:ext>
+                </a:extLst>
+              </p:cNvPr>
+              <p:cNvSpPr>
+                <a:spLocks noGrp="1"/>
+              </p:cNvSpPr>
+              <p:nvPr>
+                <p:ph type="title"/>
+              </p:nvPr>
+            </p:nvSpPr>
+            <p:spPr/>
+            <p:txBody>
+              <a:bodyPr/>
+              <a:lstStyle/>
+              <a:p>
+                <a:r>
+                  <a:rPr lang="en-US" dirty="0"/>
+                  <a:t>Signal area size as a function of </a:t>
+                </a:r>
+                <a14:m>
+                  <m:oMath xmlns:m="http://schemas.openxmlformats.org/officeDocument/2006/math">
+                    <m:sSub>
+                      <m:sSubPr>
+                        <m:ctrlPr>
+                          <a:rPr lang="en-US" b="0" i="1" smtClean="0">
+                            <a:latin typeface="Cambria Math" panose="02040503050406030204" pitchFamily="18" charset="0"/>
+                          </a:rPr>
+                        </m:ctrlPr>
+                      </m:sSubPr>
+                      <m:e>
+                        <m:r>
+                          <a:rPr lang="en-US" b="0" i="1" smtClean="0">
+                            <a:latin typeface="Cambria Math" panose="02040503050406030204" pitchFamily="18" charset="0"/>
+                          </a:rPr>
+                          <m:t>𝜎</m:t>
+                        </m:r>
+                      </m:e>
+                      <m:sub>
+                        <m:r>
+                          <a:rPr lang="en-US" b="0" i="1" smtClean="0">
+                            <a:latin typeface="Cambria Math" panose="02040503050406030204" pitchFamily="18" charset="0"/>
+                          </a:rPr>
+                          <m:t>𝑠</m:t>
+                        </m:r>
+                      </m:sub>
+                    </m:sSub>
+                  </m:oMath>
+                </a14:m>
+                <a:endParaRPr lang="en-US" dirty="0"/>
+              </a:p>
+            </p:txBody>
+          </p:sp>
+        </mc:Choice>
+        <mc:Fallback xmlns="">
+          <p:sp>
+            <p:nvSpPr>
+              <p:cNvPr id="2" name="Title 1">
+                <a:extLst>
+                  <a:ext uri="{FF2B5EF4-FFF2-40B4-BE49-F238E27FC236}">
+                    <a16:creationId xmlns:a16="http://schemas.microsoft.com/office/drawing/2014/main" id="{E350D33D-2193-433C-8EF7-B2C2D5E37D96}"/>
+                  </a:ext>
+                </a:extLst>
+              </p:cNvPr>
+              <p:cNvSpPr>
+                <a:spLocks noGrp="1" noRot="1" noChangeAspect="1" noMove="1" noResize="1" noEditPoints="1" noAdjustHandles="1" noChangeArrowheads="1" noChangeShapeType="1" noTextEdit="1"/>
+              </p:cNvSpPr>
+              <p:nvPr>
+                <p:ph type="title"/>
+              </p:nvPr>
+            </p:nvSpPr>
+            <p:spPr>
+              <a:blipFill>
+                <a:blip r:embed="rId2"/>
+                <a:stretch>
+                  <a:fillRect l="-2377"/>
+                </a:stretch>
+              </a:blipFill>
+            </p:spPr>
+            <p:txBody>
+              <a:bodyPr/>
+              <a:lstStyle/>
+              <a:p>
+                <a:r>
+                  <a:rPr lang="en-US">
+                    <a:noFill/>
+                  </a:rPr>
+                  <a:t> </a:t>
+                </a:r>
+              </a:p>
+            </p:txBody>
+          </p:sp>
+        </mc:Fallback>
+      </mc:AlternateContent>
+      <mc:AlternateContent xmlns:mc="http://schemas.openxmlformats.org/markup-compatibility/2006">
+        <mc:Choice xmlns:a14="http://schemas.microsoft.com/office/drawing/2010/main" Requires="a14">
+          <p:sp>
+            <p:nvSpPr>
+              <p:cNvPr id="4" name="Content Placeholder 3">
+                <a:extLst>
+                  <a:ext uri="{FF2B5EF4-FFF2-40B4-BE49-F238E27FC236}">
+                    <a16:creationId xmlns:a16="http://schemas.microsoft.com/office/drawing/2014/main" id="{3E6BBE77-1AD7-0BFD-D9F2-D72A385BB28B}"/>
+                  </a:ext>
+                </a:extLst>
+              </p:cNvPr>
+              <p:cNvSpPr>
+                <a:spLocks noGrp="1"/>
+              </p:cNvSpPr>
+              <p:nvPr>
+                <p:ph idx="1"/>
+              </p:nvPr>
+            </p:nvSpPr>
+            <p:spPr>
+              <a:xfrm>
+                <a:off x="838200" y="1825625"/>
+                <a:ext cx="4095044" cy="4351338"/>
+              </a:xfrm>
+            </p:spPr>
+            <p:txBody>
+              <a:bodyPr/>
+              <a:lstStyle/>
+              <a:p>
+                <a:r>
+                  <a:rPr lang="en-US" dirty="0"/>
+                  <a:t>Notice loss of stability (jagged lines) with smaller </a:t>
+                </a:r>
+                <a14:m>
+                  <m:oMath xmlns:m="http://schemas.openxmlformats.org/officeDocument/2006/math">
+                    <m:sSub>
+                      <m:sSubPr>
+                        <m:ctrlPr>
+                          <a:rPr lang="en-US" b="0" i="1" smtClean="0">
+                            <a:latin typeface="Cambria Math" panose="02040503050406030204" pitchFamily="18" charset="0"/>
+                          </a:rPr>
+                        </m:ctrlPr>
+                      </m:sSubPr>
+                      <m:e>
+                        <m:r>
+                          <a:rPr lang="en-US" b="0" i="1" smtClean="0">
+                            <a:latin typeface="Cambria Math" panose="02040503050406030204" pitchFamily="18" charset="0"/>
+                          </a:rPr>
+                          <m:t>𝜎</m:t>
+                        </m:r>
+                      </m:e>
+                      <m:sub>
+                        <m:r>
+                          <a:rPr lang="en-US" b="0" i="1" smtClean="0">
+                            <a:latin typeface="Cambria Math" panose="02040503050406030204" pitchFamily="18" charset="0"/>
+                          </a:rPr>
+                          <m:t>𝑠</m:t>
+                        </m:r>
+                      </m:sub>
+                    </m:sSub>
+                  </m:oMath>
+                </a14:m>
+                <a:endParaRPr lang="en-US" dirty="0"/>
+              </a:p>
+              <a:p>
+                <a:r>
+                  <a:rPr lang="en-US" dirty="0"/>
+                  <a:t>More pixels lowers the threshold before loss of stability</a:t>
+                </a:r>
+              </a:p>
+              <a:p>
+                <a:pPr lvl="1"/>
+                <a:r>
+                  <a:rPr lang="en-US" dirty="0"/>
+                  <a:t>Higher resolution allows for resolving smaller signals</a:t>
+                </a:r>
+              </a:p>
+            </p:txBody>
+          </p:sp>
+        </mc:Choice>
+        <mc:Fallback>
+          <p:sp>
+            <p:nvSpPr>
+              <p:cNvPr id="4" name="Content Placeholder 3">
+                <a:extLst>
+                  <a:ext uri="{FF2B5EF4-FFF2-40B4-BE49-F238E27FC236}">
+                    <a16:creationId xmlns:a16="http://schemas.microsoft.com/office/drawing/2014/main" id="{3E6BBE77-1AD7-0BFD-D9F2-D72A385BB28B}"/>
+                  </a:ext>
+                </a:extLst>
+              </p:cNvPr>
+              <p:cNvSpPr>
+                <a:spLocks noGrp="1" noRot="1" noChangeAspect="1" noMove="1" noResize="1" noEditPoints="1" noAdjustHandles="1" noChangeArrowheads="1" noChangeShapeType="1" noTextEdit="1"/>
+              </p:cNvSpPr>
+              <p:nvPr>
+                <p:ph idx="1"/>
+              </p:nvPr>
+            </p:nvSpPr>
+            <p:spPr>
+              <a:xfrm>
+                <a:off x="838200" y="1825625"/>
+                <a:ext cx="4095044" cy="4351338"/>
+              </a:xfrm>
+              <a:blipFill>
+                <a:blip r:embed="rId3"/>
+                <a:stretch>
+                  <a:fillRect l="-2786" t="-2326"/>
+                </a:stretch>
+              </a:blipFill>
+            </p:spPr>
+            <p:txBody>
+              <a:bodyPr/>
+              <a:lstStyle/>
+              <a:p>
+                <a:r>
+                  <a:rPr lang="en-US">
+                    <a:noFill/>
+                  </a:rPr>
+                  <a:t> </a:t>
+                </a:r>
+              </a:p>
+            </p:txBody>
+          </p:sp>
+        </mc:Fallback>
+      </mc:AlternateContent>
+      <p:pic>
+        <p:nvPicPr>
+          <p:cNvPr id="6" name="Picture 5">
+            <a:extLst>
+              <a:ext uri="{FF2B5EF4-FFF2-40B4-BE49-F238E27FC236}">
+                <a16:creationId xmlns:a16="http://schemas.microsoft.com/office/drawing/2014/main" id="{3EA63AA8-98AD-E94B-F260-15B55FCD1EAD}"/>
+              </a:ext>
+            </a:extLst>
+          </p:cNvPr>
+          <p:cNvPicPr>
+            <a:picLocks noChangeAspect="1"/>
+          </p:cNvPicPr>
+          <p:nvPr/>
+        </p:nvPicPr>
+        <p:blipFill>
+          <a:blip r:embed="rId4"/>
+          <a:stretch>
+            <a:fillRect/>
+          </a:stretch>
+        </p:blipFill>
+        <p:spPr>
+          <a:xfrm>
+            <a:off x="4849329" y="1825624"/>
+            <a:ext cx="6742182" cy="4351337"/>
+          </a:xfrm>
+          <a:prstGeom prst="rect">
+            <a:avLst/>
+          </a:prstGeom>
+        </p:spPr>
+      </p:pic>
+    </p:spTree>
+    <p:extLst>
+      <p:ext uri="{BB962C8B-B14F-4D97-AF65-F5344CB8AC3E}">
+        <p14:creationId xmlns:p14="http://schemas.microsoft.com/office/powerpoint/2010/main" val="847609079"/>
+      </p:ext>
+    </p:extLst>
+  </p:cSld>
+  <p:clrMapOvr>
+    <a:masterClrMapping/>
+  </p:clrMapOvr>
+</p:sld>
+</file>
+
+<file path=ppt/slides/slide17.xml><?xml version="1.0" encoding="utf-8"?>
+<p:sld xmlns:a="http://schemas.openxmlformats.org/drawingml/2006/main" xmlns:r="http://schemas.openxmlformats.org/officeDocument/2006/relationships" xmlns:p="http://schemas.openxmlformats.org/presentationml/2006/main">
+  <p:cSld>
+    <p:spTree>
+      <p:nvGrpSpPr>
+        <p:cNvPr id="1" name=""/>
+        <p:cNvGrpSpPr/>
+        <p:nvPr/>
+      </p:nvGrpSpPr>
+      <p:grpSpPr>
+        <a:xfrm>
+          <a:off x="0" y="0"/>
+          <a:ext cx="0" cy="0"/>
+          <a:chOff x="0" y="0"/>
+          <a:chExt cx="0" cy="0"/>
+        </a:xfrm>
+      </p:grpSpPr>
+      <p:sp>
+        <p:nvSpPr>
+          <p:cNvPr id="2" name="Title 1">
+            <a:extLst>
+              <a:ext uri="{FF2B5EF4-FFF2-40B4-BE49-F238E27FC236}">
+                <a16:creationId xmlns:a16="http://schemas.microsoft.com/office/drawing/2014/main" id="{14850823-4E1B-44D6-401E-7BF60934B016}"/>
+              </a:ext>
+            </a:extLst>
+          </p:cNvPr>
+          <p:cNvSpPr>
+            <a:spLocks noGrp="1"/>
+          </p:cNvSpPr>
+          <p:nvPr>
+            <p:ph type="title"/>
+          </p:nvPr>
+        </p:nvSpPr>
+        <p:spPr/>
+        <p:txBody>
+          <a:bodyPr/>
+          <a:lstStyle/>
+          <a:p>
+            <a:r>
+              <a:rPr lang="en-US" dirty="0"/>
+              <a:t>Conclusion</a:t>
+            </a:r>
+          </a:p>
+        </p:txBody>
+      </p:sp>
+      <p:sp>
+        <p:nvSpPr>
+          <p:cNvPr id="3" name="Content Placeholder 2">
+            <a:extLst>
+              <a:ext uri="{FF2B5EF4-FFF2-40B4-BE49-F238E27FC236}">
+                <a16:creationId xmlns:a16="http://schemas.microsoft.com/office/drawing/2014/main" id="{72420799-A0FD-2BA0-46FD-387315D239D8}"/>
+              </a:ext>
+            </a:extLst>
+          </p:cNvPr>
+          <p:cNvSpPr>
+            <a:spLocks noGrp="1"/>
+          </p:cNvSpPr>
+          <p:nvPr>
+            <p:ph idx="1"/>
+          </p:nvPr>
+        </p:nvSpPr>
+        <p:spPr/>
+        <p:txBody>
+          <a:bodyPr/>
+          <a:lstStyle/>
+          <a:p>
+            <a:r>
+              <a:rPr lang="en-US" dirty="0"/>
+              <a:t>#Pixels↑ Pixel Size↓ Reconstruction quality↑</a:t>
+            </a:r>
+          </a:p>
+          <a:p>
+            <a:r>
+              <a:rPr lang="en-US" dirty="0"/>
+              <a:t>Index↑ Eigenvalue↓ Eigenvector oscillations↑</a:t>
+            </a:r>
+          </a:p>
+          <a:p>
+            <a:r>
+              <a:rPr lang="en-US" dirty="0"/>
+              <a:t>#Pixels↑ #Non-null eigenvalues↑</a:t>
+            </a:r>
+          </a:p>
+          <a:p>
+            <a:r>
+              <a:rPr lang="en-US" dirty="0"/>
+              <a:t>#Pixels↓↓ Convolution breadth↓ Segment accuracy↑</a:t>
+            </a:r>
+          </a:p>
+          <a:p>
+            <a:r>
+              <a:rPr lang="en-US" dirty="0"/>
+              <a:t>#Pixels↑↑ Reconstruction quality↑ Segment accuracy↑</a:t>
+            </a:r>
+          </a:p>
+          <a:p>
+            <a:r>
+              <a:rPr lang="en-US" dirty="0"/>
+              <a:t>#Pixels↓ Reconstruction quality↓ Min size of resolvable signal↑</a:t>
+            </a:r>
+          </a:p>
+          <a:p>
+            <a:endParaRPr lang="en-US" dirty="0"/>
+          </a:p>
+        </p:txBody>
+      </p:sp>
+    </p:spTree>
+    <p:extLst>
+      <p:ext uri="{BB962C8B-B14F-4D97-AF65-F5344CB8AC3E}">
+        <p14:creationId xmlns:p14="http://schemas.microsoft.com/office/powerpoint/2010/main" val="2945629439"/>
+      </p:ext>
+    </p:extLst>
+  </p:cSld>
+  <p:clrMapOvr>
+    <a:masterClrMapping/>
+  </p:clrMapOvr>
+</p:sld>
+</file>
+
 <file path=ppt/slides/slide2.xml><?xml version="1.0" encoding="utf-8"?>
 <p:sld xmlns:a="http://schemas.openxmlformats.org/drawingml/2006/main" xmlns:r="http://schemas.openxmlformats.org/officeDocument/2006/relationships" xmlns:p="http://schemas.openxmlformats.org/presentationml/2006/main">
   <p:cSld>
@@ -10771,7 +11923,7 @@
           <p:cNvPr id="2" name="Title 1">
             <a:extLst>
               <a:ext uri="{FF2B5EF4-FFF2-40B4-BE49-F238E27FC236}">
-                <a16:creationId xmlns:a16="http://schemas.microsoft.com/office/drawing/2014/main" id="{00A8A42D-AC99-E2AB-7958-AAC8F737E4B4}"/>
+                <a16:creationId xmlns:a16="http://schemas.microsoft.com/office/drawing/2014/main" id="{D7C1F7AF-9608-6F41-D20E-A7CDAD3DD202}"/>
               </a:ext>
             </a:extLst>
           </p:cNvPr>
@@ -10789,605 +11941,235 @@
           <a:p>
             <a:r>
               <a:rPr lang="en-US" dirty="0"/>
-              <a:t>Part D calculations</a:t>
+              <a:t>“AI”-based Segmentation using CNNs</a:t>
             </a:r>
           </a:p>
         </p:txBody>
       </p:sp>
-      <mc:AlternateContent xmlns:mc="http://schemas.openxmlformats.org/markup-compatibility/2006">
-        <mc:Choice xmlns:a14="http://schemas.microsoft.com/office/drawing/2010/main" Requires="a14">
-          <p:sp>
-            <p:nvSpPr>
-              <p:cNvPr id="3" name="Content Placeholder 2">
-                <a:extLst>
-                  <a:ext uri="{FF2B5EF4-FFF2-40B4-BE49-F238E27FC236}">
-                    <a16:creationId xmlns:a16="http://schemas.microsoft.com/office/drawing/2014/main" id="{AC7B966C-2333-A8EB-D4CB-76FBC3398A82}"/>
-                  </a:ext>
-                </a:extLst>
-              </p:cNvPr>
-              <p:cNvSpPr>
-                <a:spLocks noGrp="1"/>
-              </p:cNvSpPr>
-              <p:nvPr>
-                <p:ph idx="1"/>
-              </p:nvPr>
-            </p:nvSpPr>
-            <p:spPr>
-              <a:xfrm>
-                <a:off x="838200" y="1825625"/>
-                <a:ext cx="10515600" cy="4826384"/>
-              </a:xfrm>
-            </p:spPr>
-            <p:txBody>
-              <a:bodyPr>
-                <a:normAutofit lnSpcReduction="10000"/>
-              </a:bodyPr>
-              <a:lstStyle/>
-              <a:p>
-                <a:r>
-                  <a:rPr lang="en-US" dirty="0"/>
-                  <a:t>dice similarity coefficient (DSC) definition</a:t>
-                </a:r>
-              </a:p>
-              <a:p>
-                <a:pPr lvl="1"/>
-                <a14:m>
-                  <m:oMath xmlns:m="http://schemas.openxmlformats.org/officeDocument/2006/math">
-                    <m:r>
-                      <a:rPr lang="en-US" b="0" i="1" smtClean="0">
-                        <a:latin typeface="Cambria Math" panose="02040503050406030204" pitchFamily="18" charset="0"/>
-                      </a:rPr>
-                      <m:t>𝐷𝑆𝐶</m:t>
-                    </m:r>
-                    <m:r>
-                      <a:rPr lang="en-US" b="0" i="1" smtClean="0">
-                        <a:latin typeface="Cambria Math" panose="02040503050406030204" pitchFamily="18" charset="0"/>
-                      </a:rPr>
-                      <m:t>=</m:t>
-                    </m:r>
-                    <m:f>
-                      <m:fPr>
-                        <m:ctrlPr>
-                          <a:rPr lang="en-US" b="0" i="1" smtClean="0">
-                            <a:latin typeface="Cambria Math" panose="02040503050406030204" pitchFamily="18" charset="0"/>
-                          </a:rPr>
-                        </m:ctrlPr>
-                      </m:fPr>
-                      <m:num>
-                        <m:r>
-                          <a:rPr lang="en-US" b="0" i="1" smtClean="0">
-                            <a:latin typeface="Cambria Math" panose="02040503050406030204" pitchFamily="18" charset="0"/>
-                          </a:rPr>
-                          <m:t>2|</m:t>
-                        </m:r>
-                        <m:r>
-                          <a:rPr lang="en-US" b="0" i="1" smtClean="0">
-                            <a:latin typeface="Cambria Math" panose="02040503050406030204" pitchFamily="18" charset="0"/>
-                          </a:rPr>
-                          <m:t>𝑋</m:t>
-                        </m:r>
-                        <m:r>
-                          <a:rPr lang="en-US" b="0" i="1" smtClean="0">
-                            <a:latin typeface="Cambria Math" panose="02040503050406030204" pitchFamily="18" charset="0"/>
-                          </a:rPr>
-                          <m:t>∩</m:t>
-                        </m:r>
-                        <m:r>
-                          <a:rPr lang="en-US" b="0" i="1" smtClean="0">
-                            <a:latin typeface="Cambria Math" panose="02040503050406030204" pitchFamily="18" charset="0"/>
-                          </a:rPr>
-                          <m:t>𝑌</m:t>
-                        </m:r>
-                        <m:r>
-                          <a:rPr lang="en-US" b="0" i="1" smtClean="0">
-                            <a:latin typeface="Cambria Math" panose="02040503050406030204" pitchFamily="18" charset="0"/>
-                          </a:rPr>
-                          <m:t>| </m:t>
-                        </m:r>
-                      </m:num>
-                      <m:den>
-                        <m:d>
-                          <m:dPr>
-                            <m:begChr m:val="|"/>
-                            <m:endChr m:val="|"/>
-                            <m:ctrlPr>
-                              <a:rPr lang="en-US" b="0" i="1" smtClean="0">
-                                <a:latin typeface="Cambria Math" panose="02040503050406030204" pitchFamily="18" charset="0"/>
-                              </a:rPr>
-                            </m:ctrlPr>
-                          </m:dPr>
-                          <m:e>
-                            <m:r>
-                              <a:rPr lang="en-US" b="0" i="1" smtClean="0">
-                                <a:latin typeface="Cambria Math" panose="02040503050406030204" pitchFamily="18" charset="0"/>
-                              </a:rPr>
-                              <m:t>𝑋</m:t>
-                            </m:r>
-                          </m:e>
-                        </m:d>
-                        <m:r>
-                          <a:rPr lang="en-US" b="0" i="1" smtClean="0">
-                            <a:latin typeface="Cambria Math" panose="02040503050406030204" pitchFamily="18" charset="0"/>
-                          </a:rPr>
-                          <m:t>+|</m:t>
-                        </m:r>
-                        <m:r>
-                          <a:rPr lang="en-US" b="0" i="1" smtClean="0">
-                            <a:latin typeface="Cambria Math" panose="02040503050406030204" pitchFamily="18" charset="0"/>
-                          </a:rPr>
-                          <m:t>𝑌</m:t>
-                        </m:r>
-                        <m:r>
-                          <a:rPr lang="en-US" b="0" i="1" smtClean="0">
-                            <a:latin typeface="Cambria Math" panose="02040503050406030204" pitchFamily="18" charset="0"/>
-                          </a:rPr>
-                          <m:t>|</m:t>
-                        </m:r>
-                      </m:den>
-                    </m:f>
-                    <m:r>
-                      <a:rPr lang="en-US" b="0" i="0" smtClean="0">
-                        <a:latin typeface="Cambria Math" panose="02040503050406030204" pitchFamily="18" charset="0"/>
-                      </a:rPr>
-                      <m:t> </m:t>
-                    </m:r>
-                  </m:oMath>
-                </a14:m>
-                <a:r>
-                  <a:rPr lang="en-US" dirty="0"/>
-                  <a:t>between sets </a:t>
-                </a:r>
-                <a:r>
-                  <a:rPr lang="en-US" i="1" dirty="0"/>
-                  <a:t>X</a:t>
-                </a:r>
-                <a:r>
-                  <a:rPr lang="en-US" dirty="0"/>
-                  <a:t> and </a:t>
-                </a:r>
-                <a:r>
-                  <a:rPr lang="en-US" i="1" dirty="0"/>
-                  <a:t>Y</a:t>
-                </a:r>
-                <a:r>
-                  <a:rPr lang="en-US" dirty="0"/>
-                  <a:t>, where </a:t>
-                </a:r>
-                <a14:m>
-                  <m:oMath xmlns:m="http://schemas.openxmlformats.org/officeDocument/2006/math">
-                    <m:r>
-                      <a:rPr lang="en-US" i="1">
-                        <a:latin typeface="Cambria Math" panose="02040503050406030204" pitchFamily="18" charset="0"/>
-                      </a:rPr>
-                      <m:t>|</m:t>
-                    </m:r>
-                    <m:r>
-                      <a:rPr lang="en-US" i="1">
-                        <a:latin typeface="Cambria Math" panose="02040503050406030204" pitchFamily="18" charset="0"/>
-                      </a:rPr>
-                      <m:t>𝑋</m:t>
-                    </m:r>
-                    <m:r>
-                      <a:rPr lang="en-US" i="1">
-                        <a:latin typeface="Cambria Math" panose="02040503050406030204" pitchFamily="18" charset="0"/>
-                      </a:rPr>
-                      <m:t>∩</m:t>
-                    </m:r>
-                    <m:r>
-                      <a:rPr lang="en-US" i="1">
-                        <a:latin typeface="Cambria Math" panose="02040503050406030204" pitchFamily="18" charset="0"/>
-                      </a:rPr>
-                      <m:t>𝑌</m:t>
-                    </m:r>
-                    <m:r>
-                      <a:rPr lang="en-US" i="1">
-                        <a:latin typeface="Cambria Math" panose="02040503050406030204" pitchFamily="18" charset="0"/>
-                      </a:rPr>
-                      <m:t>| </m:t>
-                    </m:r>
-                  </m:oMath>
-                </a14:m>
-                <a:r>
-                  <a:rPr lang="en-US" dirty="0"/>
-                  <a:t>is number of shared elements between the two sets, and </a:t>
-                </a:r>
-                <a14:m>
-                  <m:oMath xmlns:m="http://schemas.openxmlformats.org/officeDocument/2006/math">
-                    <m:r>
-                      <a:rPr lang="en-US" b="0" i="1" smtClean="0">
-                        <a:latin typeface="Cambria Math" panose="02040503050406030204" pitchFamily="18" charset="0"/>
-                      </a:rPr>
-                      <m:t>|</m:t>
-                    </m:r>
-                    <m:r>
-                      <a:rPr lang="en-US" b="0" i="1" smtClean="0">
-                        <a:latin typeface="Cambria Math" panose="02040503050406030204" pitchFamily="18" charset="0"/>
-                      </a:rPr>
-                      <m:t>𝑋</m:t>
-                    </m:r>
-                    <m:r>
-                      <a:rPr lang="en-US" b="0" i="1" smtClean="0">
-                        <a:latin typeface="Cambria Math" panose="02040503050406030204" pitchFamily="18" charset="0"/>
-                      </a:rPr>
-                      <m:t>|</m:t>
-                    </m:r>
-                  </m:oMath>
-                </a14:m>
-                <a:r>
-                  <a:rPr lang="en-US" dirty="0"/>
-                  <a:t>&amp;</a:t>
-                </a:r>
-                <a14:m>
-                  <m:oMath xmlns:m="http://schemas.openxmlformats.org/officeDocument/2006/math">
-                    <m:d>
-                      <m:dPr>
-                        <m:begChr m:val="|"/>
-                        <m:endChr m:val="|"/>
-                        <m:ctrlPr>
-                          <a:rPr lang="en-US" b="0" i="1" dirty="0" smtClean="0">
-                            <a:latin typeface="Cambria Math" panose="02040503050406030204" pitchFamily="18" charset="0"/>
-                          </a:rPr>
-                        </m:ctrlPr>
-                      </m:dPr>
-                      <m:e>
-                        <m:r>
-                          <a:rPr lang="en-US" b="0" i="1" dirty="0" smtClean="0">
-                            <a:latin typeface="Cambria Math" panose="02040503050406030204" pitchFamily="18" charset="0"/>
-                          </a:rPr>
-                          <m:t>𝑌</m:t>
-                        </m:r>
-                      </m:e>
-                    </m:d>
-                  </m:oMath>
-                </a14:m>
-                <a:r>
-                  <a:rPr lang="en-US" dirty="0"/>
-                  <a:t> are the number of elements in each set respectively</a:t>
-                </a:r>
-              </a:p>
-              <a:p>
-                <a:pPr lvl="1"/>
-                <a:r>
-                  <a:rPr lang="en-US" dirty="0"/>
-                  <a:t>In the context of the project, </a:t>
-                </a:r>
-                <a14:m>
-                  <m:oMath xmlns:m="http://schemas.openxmlformats.org/officeDocument/2006/math">
-                    <m:r>
-                      <a:rPr lang="en-US" b="0" i="1" smtClean="0">
-                        <a:latin typeface="Cambria Math" panose="02040503050406030204" pitchFamily="18" charset="0"/>
-                      </a:rPr>
-                      <m:t>|</m:t>
-                    </m:r>
-                    <m:r>
-                      <a:rPr lang="en-US" b="0" i="1" smtClean="0">
-                        <a:latin typeface="Cambria Math" panose="02040503050406030204" pitchFamily="18" charset="0"/>
-                      </a:rPr>
-                      <m:t>𝑋</m:t>
-                    </m:r>
-                    <m:r>
-                      <a:rPr lang="en-US" b="0" i="1" smtClean="0">
-                        <a:latin typeface="Cambria Math" panose="02040503050406030204" pitchFamily="18" charset="0"/>
-                      </a:rPr>
-                      <m:t>|</m:t>
-                    </m:r>
-                  </m:oMath>
-                </a14:m>
-                <a:r>
-                  <a:rPr lang="en-US" dirty="0"/>
-                  <a:t> is pixel number in true segmentation, </a:t>
-                </a:r>
-                <a14:m>
-                  <m:oMath xmlns:m="http://schemas.openxmlformats.org/officeDocument/2006/math">
-                    <m:r>
-                      <a:rPr lang="en-US" b="0" i="1" smtClean="0">
-                        <a:latin typeface="Cambria Math" panose="02040503050406030204" pitchFamily="18" charset="0"/>
-                      </a:rPr>
-                      <m:t>|</m:t>
-                    </m:r>
-                    <m:r>
-                      <a:rPr lang="en-US" b="0" i="1" smtClean="0">
-                        <a:latin typeface="Cambria Math" panose="02040503050406030204" pitchFamily="18" charset="0"/>
-                      </a:rPr>
-                      <m:t>𝑌</m:t>
-                    </m:r>
-                    <m:r>
-                      <a:rPr lang="en-US" b="0" i="1" smtClean="0">
-                        <a:latin typeface="Cambria Math" panose="02040503050406030204" pitchFamily="18" charset="0"/>
-                      </a:rPr>
-                      <m:t>|</m:t>
-                    </m:r>
-                  </m:oMath>
-                </a14:m>
-                <a:r>
-                  <a:rPr lang="en-US" dirty="0"/>
-                  <a:t> is pixel number in CNN estimated segmentation, and </a:t>
-                </a:r>
-                <a14:m>
-                  <m:oMath xmlns:m="http://schemas.openxmlformats.org/officeDocument/2006/math">
-                    <m:r>
-                      <a:rPr lang="en-US" b="0" i="1" smtClean="0">
-                        <a:latin typeface="Cambria Math" panose="02040503050406030204" pitchFamily="18" charset="0"/>
-                      </a:rPr>
-                      <m:t>|</m:t>
-                    </m:r>
-                    <m:r>
-                      <a:rPr lang="en-US" b="0" i="1" smtClean="0">
-                        <a:latin typeface="Cambria Math" panose="02040503050406030204" pitchFamily="18" charset="0"/>
-                      </a:rPr>
-                      <m:t>𝑋</m:t>
-                    </m:r>
-                    <m:r>
-                      <a:rPr lang="en-US" b="0" i="1" smtClean="0">
-                        <a:latin typeface="Cambria Math" panose="02040503050406030204" pitchFamily="18" charset="0"/>
-                      </a:rPr>
-                      <m:t>∩</m:t>
-                    </m:r>
-                    <m:r>
-                      <a:rPr lang="en-US" b="0" i="1" smtClean="0">
-                        <a:latin typeface="Cambria Math" panose="02040503050406030204" pitchFamily="18" charset="0"/>
-                      </a:rPr>
-                      <m:t>𝑌</m:t>
-                    </m:r>
-                    <m:r>
-                      <a:rPr lang="en-US" b="0" i="1" smtClean="0">
-                        <a:latin typeface="Cambria Math" panose="02040503050406030204" pitchFamily="18" charset="0"/>
-                      </a:rPr>
-                      <m:t>|</m:t>
-                    </m:r>
-                  </m:oMath>
-                </a14:m>
-                <a:r>
-                  <a:rPr lang="en-US" dirty="0"/>
-                  <a:t> is number of identical pixels shared between the two</a:t>
-                </a:r>
-              </a:p>
-              <a:p>
-                <a:pPr lvl="1"/>
-                <a:r>
-                  <a:rPr lang="en-US" dirty="0"/>
-                  <a:t>In case where both </a:t>
-                </a:r>
-                <a:r>
-                  <a:rPr lang="en-US" i="1" dirty="0"/>
-                  <a:t>X </a:t>
-                </a:r>
-                <a:r>
-                  <a:rPr lang="en-US" dirty="0"/>
-                  <a:t>and </a:t>
-                </a:r>
-                <a:r>
-                  <a:rPr lang="en-US" i="1" dirty="0"/>
-                  <a:t>Y</a:t>
-                </a:r>
-                <a:r>
-                  <a:rPr lang="en-US" dirty="0"/>
-                  <a:t> are empty sets, </a:t>
-                </a:r>
-                <a:r>
-                  <a:rPr lang="en-US" i="1" dirty="0"/>
-                  <a:t>DSC</a:t>
-                </a:r>
-                <a:r>
-                  <a:rPr lang="en-US" dirty="0"/>
-                  <a:t> is set to 1 since the model correctly identifies that there are no object pixels present</a:t>
-                </a:r>
-              </a:p>
-              <a:p>
-                <a:r>
-                  <a:rPr lang="en-US" dirty="0"/>
-                  <a:t>Signal area definition</a:t>
-                </a:r>
-              </a:p>
-              <a:p>
-                <a:pPr lvl="1"/>
-                <a14:m>
-                  <m:oMath xmlns:m="http://schemas.openxmlformats.org/officeDocument/2006/math">
-                    <m:sSub>
-                      <m:sSubPr>
-                        <m:ctrlPr>
-                          <a:rPr lang="en-US" b="0" i="1" smtClean="0">
-                            <a:latin typeface="Cambria Math" panose="02040503050406030204" pitchFamily="18" charset="0"/>
-                          </a:rPr>
-                        </m:ctrlPr>
-                      </m:sSubPr>
-                      <m:e>
-                        <m:r>
-                          <a:rPr lang="en-US" b="0" i="1" smtClean="0">
-                            <a:latin typeface="Cambria Math" panose="02040503050406030204" pitchFamily="18" charset="0"/>
-                          </a:rPr>
-                          <m:t>𝜎</m:t>
-                        </m:r>
-                      </m:e>
-                      <m:sub>
-                        <m:r>
-                          <a:rPr lang="en-US" b="0" i="1" smtClean="0">
-                            <a:latin typeface="Cambria Math" panose="02040503050406030204" pitchFamily="18" charset="0"/>
-                          </a:rPr>
-                          <m:t>𝑠</m:t>
-                        </m:r>
-                      </m:sub>
-                    </m:sSub>
-                  </m:oMath>
-                </a14:m>
-                <a:r>
-                  <a:rPr lang="en-US" dirty="0"/>
-                  <a:t> is used to generate system matrix, thus true signal area = </a:t>
-                </a:r>
-                <a14:m>
-                  <m:oMath xmlns:m="http://schemas.openxmlformats.org/officeDocument/2006/math">
-                    <m:r>
-                      <a:rPr lang="en-US" b="0" i="1" smtClean="0">
-                        <a:latin typeface="Cambria Math" panose="02040503050406030204" pitchFamily="18" charset="0"/>
-                      </a:rPr>
-                      <m:t>𝜋</m:t>
-                    </m:r>
-                    <m:sSubSup>
-                      <m:sSubSupPr>
-                        <m:ctrlPr>
-                          <a:rPr lang="en-US" b="0" i="1" smtClean="0">
-                            <a:latin typeface="Cambria Math" panose="02040503050406030204" pitchFamily="18" charset="0"/>
-                          </a:rPr>
-                        </m:ctrlPr>
-                      </m:sSubSupPr>
-                      <m:e>
-                        <m:r>
-                          <a:rPr lang="en-US" b="0" i="1" smtClean="0">
-                            <a:latin typeface="Cambria Math" panose="02040503050406030204" pitchFamily="18" charset="0"/>
-                          </a:rPr>
-                          <m:t>𝜎</m:t>
-                        </m:r>
-                      </m:e>
-                      <m:sub>
-                        <m:r>
-                          <a:rPr lang="en-US" b="0" i="1" smtClean="0">
-                            <a:latin typeface="Cambria Math" panose="02040503050406030204" pitchFamily="18" charset="0"/>
-                          </a:rPr>
-                          <m:t>𝑠</m:t>
-                        </m:r>
-                      </m:sub>
-                      <m:sup>
-                        <m:r>
-                          <a:rPr lang="en-US" b="0" i="1" smtClean="0">
-                            <a:latin typeface="Cambria Math" panose="02040503050406030204" pitchFamily="18" charset="0"/>
-                          </a:rPr>
-                          <m:t>2</m:t>
-                        </m:r>
-                      </m:sup>
-                    </m:sSubSup>
-                  </m:oMath>
-                </a14:m>
-                <a:endParaRPr lang="en-US" dirty="0"/>
-              </a:p>
-              <a:p>
-                <a:pPr lvl="1"/>
-                <a:r>
-                  <a:rPr lang="en-US" dirty="0"/>
-                  <a:t>Model signal area can be obtained by </a:t>
-                </a:r>
-                <a14:m>
-                  <m:oMath xmlns:m="http://schemas.openxmlformats.org/officeDocument/2006/math">
-                    <m:r>
-                      <a:rPr lang="en-US" b="0" i="1" smtClean="0">
-                        <a:latin typeface="Cambria Math" panose="02040503050406030204" pitchFamily="18" charset="0"/>
-                      </a:rPr>
-                      <m:t>𝑚𝑜𝑑𝑒𝑙𝑒𝑑</m:t>
-                    </m:r>
-                    <m:r>
-                      <a:rPr lang="en-US" b="0" i="1" smtClean="0">
-                        <a:latin typeface="Cambria Math" panose="02040503050406030204" pitchFamily="18" charset="0"/>
-                      </a:rPr>
-                      <m:t> </m:t>
-                    </m:r>
-                    <m:r>
-                      <a:rPr lang="en-US" b="0" i="1" smtClean="0">
-                        <a:latin typeface="Cambria Math" panose="02040503050406030204" pitchFamily="18" charset="0"/>
-                      </a:rPr>
-                      <m:t>𝑜𝑏𝑗𝑒𝑐𝑡</m:t>
-                    </m:r>
-                    <m:r>
-                      <a:rPr lang="en-US" b="0" i="1" smtClean="0">
-                        <a:latin typeface="Cambria Math" panose="02040503050406030204" pitchFamily="18" charset="0"/>
-                      </a:rPr>
-                      <m:t> </m:t>
-                    </m:r>
-                    <m:r>
-                      <a:rPr lang="en-US" b="0" i="1" smtClean="0">
-                        <a:latin typeface="Cambria Math" panose="02040503050406030204" pitchFamily="18" charset="0"/>
-                      </a:rPr>
-                      <m:t>𝑝𝑖𝑥𝑒𝑙</m:t>
-                    </m:r>
-                    <m:r>
-                      <a:rPr lang="en-US" b="0" i="1" smtClean="0">
-                        <a:latin typeface="Cambria Math" panose="02040503050406030204" pitchFamily="18" charset="0"/>
-                      </a:rPr>
-                      <m:t> </m:t>
-                    </m:r>
-                    <m:r>
-                      <a:rPr lang="en-US" b="0" i="1" smtClean="0">
-                        <a:latin typeface="Cambria Math" panose="02040503050406030204" pitchFamily="18" charset="0"/>
-                      </a:rPr>
-                      <m:t>𝑐𝑜𝑢𝑛𝑡</m:t>
-                    </m:r>
-                    <m:r>
-                      <a:rPr lang="en-US" b="0" i="1" smtClean="0">
-                        <a:latin typeface="Cambria Math" panose="02040503050406030204" pitchFamily="18" charset="0"/>
-                      </a:rPr>
-                      <m:t>×</m:t>
-                    </m:r>
-                    <m:r>
-                      <a:rPr lang="en-US" b="0" i="1" smtClean="0">
-                        <a:latin typeface="Cambria Math" panose="02040503050406030204" pitchFamily="18" charset="0"/>
-                      </a:rPr>
-                      <m:t>𝑝𝑖𝑥𝑒𝑙</m:t>
-                    </m:r>
-                    <m:r>
-                      <a:rPr lang="en-US" b="0" i="1" smtClean="0">
-                        <a:latin typeface="Cambria Math" panose="02040503050406030204" pitchFamily="18" charset="0"/>
-                      </a:rPr>
-                      <m:t> </m:t>
-                    </m:r>
-                    <m:r>
-                      <a:rPr lang="en-US" b="0" i="1" smtClean="0">
-                        <a:latin typeface="Cambria Math" panose="02040503050406030204" pitchFamily="18" charset="0"/>
-                      </a:rPr>
-                      <m:t>𝑠𝑖𝑧𝑒</m:t>
-                    </m:r>
-                  </m:oMath>
-                </a14:m>
-                <a:endParaRPr lang="en-US" dirty="0"/>
-              </a:p>
-            </p:txBody>
-          </p:sp>
-        </mc:Choice>
-        <mc:Fallback>
-          <p:sp>
-            <p:nvSpPr>
-              <p:cNvPr id="3" name="Content Placeholder 2">
-                <a:extLst>
-                  <a:ext uri="{FF2B5EF4-FFF2-40B4-BE49-F238E27FC236}">
-                    <a16:creationId xmlns:a16="http://schemas.microsoft.com/office/drawing/2014/main" id="{AC7B966C-2333-A8EB-D4CB-76FBC3398A82}"/>
-                  </a:ext>
-                </a:extLst>
-              </p:cNvPr>
-              <p:cNvSpPr>
-                <a:spLocks noGrp="1" noRot="1" noChangeAspect="1" noMove="1" noResize="1" noEditPoints="1" noAdjustHandles="1" noChangeArrowheads="1" noChangeShapeType="1" noTextEdit="1"/>
-              </p:cNvSpPr>
-              <p:nvPr>
-                <p:ph idx="1"/>
-              </p:nvPr>
-            </p:nvSpPr>
-            <p:spPr>
-              <a:xfrm>
-                <a:off x="838200" y="1825625"/>
-                <a:ext cx="10515600" cy="4826384"/>
-              </a:xfrm>
-              <a:blipFill>
-                <a:blip r:embed="rId2"/>
-                <a:stretch>
-                  <a:fillRect l="-1043" t="-2778"/>
-                </a:stretch>
-              </a:blipFill>
-            </p:spPr>
-            <p:txBody>
-              <a:bodyPr/>
-              <a:lstStyle/>
-              <a:p>
-                <a:r>
-                  <a:rPr lang="en-US">
-                    <a:noFill/>
-                  </a:rPr>
-                  <a:t> </a:t>
-                </a:r>
-              </a:p>
-            </p:txBody>
-          </p:sp>
-        </mc:Fallback>
-      </mc:AlternateContent>
+      <p:pic>
+        <p:nvPicPr>
+          <p:cNvPr id="1028" name="Picture 4" descr="Beginners Guide to Convolutional Neural Networks | by Sabina Pokhrel |  Towards Data Science">
+            <a:extLst>
+              <a:ext uri="{FF2B5EF4-FFF2-40B4-BE49-F238E27FC236}">
+                <a16:creationId xmlns:a16="http://schemas.microsoft.com/office/drawing/2014/main" id="{A00B098A-5F48-A1CE-FF32-C512C1BF19A3}"/>
+              </a:ext>
+            </a:extLst>
+          </p:cNvPr>
+          <p:cNvPicPr>
+            <a:picLocks noChangeAspect="1" noChangeArrowheads="1"/>
+          </p:cNvPicPr>
+          <p:nvPr/>
+        </p:nvPicPr>
+        <p:blipFill>
+          <a:blip r:embed="rId3">
+            <a:extLst>
+              <a:ext uri="{28A0092B-C50C-407E-A947-70E740481C1C}">
+                <a14:useLocalDpi xmlns:a14="http://schemas.microsoft.com/office/drawing/2010/main" val="0"/>
+              </a:ext>
+            </a:extLst>
+          </a:blip>
+          <a:srcRect/>
+          <a:stretch>
+            <a:fillRect/>
+          </a:stretch>
+        </p:blipFill>
+        <p:spPr bwMode="auto">
+          <a:xfrm>
+            <a:off x="560070" y="1803293"/>
+            <a:ext cx="3897911" cy="2345172"/>
+          </a:xfrm>
+          <a:prstGeom prst="rect">
+            <a:avLst/>
+          </a:prstGeom>
+          <a:noFill/>
+          <a:extLst>
+            <a:ext uri="{909E8E84-426E-40DD-AFC4-6F175D3DCCD1}">
+              <a14:hiddenFill xmlns:a14="http://schemas.microsoft.com/office/drawing/2010/main">
+                <a:solidFill>
+                  <a:srgbClr val="FFFFFF"/>
+                </a:solidFill>
+              </a14:hiddenFill>
+            </a:ext>
+          </a:extLst>
+        </p:spPr>
+      </p:pic>
+      <p:pic>
+        <p:nvPicPr>
+          <p:cNvPr id="1030" name="Picture 6">
+            <a:extLst>
+              <a:ext uri="{FF2B5EF4-FFF2-40B4-BE49-F238E27FC236}">
+                <a16:creationId xmlns:a16="http://schemas.microsoft.com/office/drawing/2014/main" id="{C85AEF8B-4670-3FDD-0ECC-7D0244E8D1AD}"/>
+              </a:ext>
+            </a:extLst>
+          </p:cNvPr>
+          <p:cNvPicPr>
+            <a:picLocks noChangeAspect="1" noChangeArrowheads="1"/>
+          </p:cNvPicPr>
+          <p:nvPr/>
+        </p:nvPicPr>
+        <p:blipFill>
+          <a:blip r:embed="rId4">
+            <a:extLst>
+              <a:ext uri="{28A0092B-C50C-407E-A947-70E740481C1C}">
+                <a14:useLocalDpi xmlns:a14="http://schemas.microsoft.com/office/drawing/2010/main" val="0"/>
+              </a:ext>
+            </a:extLst>
+          </a:blip>
+          <a:srcRect/>
+          <a:stretch>
+            <a:fillRect/>
+          </a:stretch>
+        </p:blipFill>
+        <p:spPr bwMode="auto">
+          <a:xfrm>
+            <a:off x="4473221" y="1459865"/>
+            <a:ext cx="7473032" cy="3032027"/>
+          </a:xfrm>
+          <a:prstGeom prst="rect">
+            <a:avLst/>
+          </a:prstGeom>
+          <a:noFill/>
+          <a:extLst>
+            <a:ext uri="{909E8E84-426E-40DD-AFC4-6F175D3DCCD1}">
+              <a14:hiddenFill xmlns:a14="http://schemas.microsoft.com/office/drawing/2010/main">
+                <a:solidFill>
+                  <a:srgbClr val="FFFFFF"/>
+                </a:solidFill>
+              </a14:hiddenFill>
+            </a:ext>
+          </a:extLst>
+        </p:spPr>
+      </p:pic>
+      <p:sp>
+        <p:nvSpPr>
+          <p:cNvPr id="4" name="TextBox 3">
+            <a:extLst>
+              <a:ext uri="{FF2B5EF4-FFF2-40B4-BE49-F238E27FC236}">
+                <a16:creationId xmlns:a16="http://schemas.microsoft.com/office/drawing/2014/main" id="{AF14DAB4-EF1D-948D-0A3C-A8FA4795FD6D}"/>
+              </a:ext>
+            </a:extLst>
+          </p:cNvPr>
+          <p:cNvSpPr txBox="1"/>
+          <p:nvPr/>
+        </p:nvSpPr>
+        <p:spPr>
+          <a:xfrm>
+            <a:off x="1572037" y="4442164"/>
+            <a:ext cx="1873975" cy="369332"/>
+          </a:xfrm>
+          <a:prstGeom prst="rect">
+            <a:avLst/>
+          </a:prstGeom>
+          <a:noFill/>
+        </p:spPr>
+        <p:txBody>
+          <a:bodyPr wrap="none" rtlCol="0">
+            <a:spAutoFit/>
+          </a:bodyPr>
+          <a:lstStyle/>
+          <a:p>
+            <a:r>
+              <a:rPr lang="en-US" dirty="0"/>
+              <a:t>Convolution Layer</a:t>
+            </a:r>
+          </a:p>
+        </p:txBody>
+      </p:sp>
+      <p:sp>
+        <p:nvSpPr>
+          <p:cNvPr id="5" name="TextBox 4">
+            <a:extLst>
+              <a:ext uri="{FF2B5EF4-FFF2-40B4-BE49-F238E27FC236}">
+                <a16:creationId xmlns:a16="http://schemas.microsoft.com/office/drawing/2014/main" id="{662953B9-ADA2-B167-C202-2BD2AF3754BC}"/>
+              </a:ext>
+            </a:extLst>
+          </p:cNvPr>
+          <p:cNvSpPr txBox="1"/>
+          <p:nvPr/>
+        </p:nvSpPr>
+        <p:spPr>
+          <a:xfrm>
+            <a:off x="7244825" y="4442163"/>
+            <a:ext cx="1957074" cy="369332"/>
+          </a:xfrm>
+          <a:prstGeom prst="rect">
+            <a:avLst/>
+          </a:prstGeom>
+          <a:noFill/>
+        </p:spPr>
+        <p:txBody>
+          <a:bodyPr wrap="none" rtlCol="0">
+            <a:spAutoFit/>
+          </a:bodyPr>
+          <a:lstStyle/>
+          <a:p>
+            <a:r>
+              <a:rPr lang="en-US" dirty="0"/>
+              <a:t>U-Net Architecture</a:t>
+            </a:r>
+          </a:p>
+        </p:txBody>
+      </p:sp>
+      <p:sp>
+        <p:nvSpPr>
+          <p:cNvPr id="7" name="Content Placeholder 2">
+            <a:extLst>
+              <a:ext uri="{FF2B5EF4-FFF2-40B4-BE49-F238E27FC236}">
+                <a16:creationId xmlns:a16="http://schemas.microsoft.com/office/drawing/2014/main" id="{E4943044-C1B0-515D-3865-0F9F12984085}"/>
+              </a:ext>
+            </a:extLst>
+          </p:cNvPr>
+          <p:cNvSpPr>
+            <a:spLocks noGrp="1"/>
+          </p:cNvSpPr>
+          <p:nvPr>
+            <p:ph idx="1"/>
+          </p:nvPr>
+        </p:nvSpPr>
+        <p:spPr>
+          <a:xfrm>
+            <a:off x="838200" y="5105193"/>
+            <a:ext cx="10515600" cy="1546815"/>
+          </a:xfrm>
+        </p:spPr>
+        <p:txBody>
+          <a:bodyPr>
+            <a:normAutofit fontScale="92500"/>
+          </a:bodyPr>
+          <a:lstStyle/>
+          <a:p>
+            <a:r>
+              <a:rPr lang="en-US" dirty="0"/>
+              <a:t>Convolution layers incorporate information from neighboring pixels</a:t>
+            </a:r>
+          </a:p>
+          <a:p>
+            <a:r>
+              <a:rPr lang="en-US" dirty="0"/>
+              <a:t>U-Net architecture allows for efficient ”compression” and “decompression” of high dimensional data for computational cost savings</a:t>
+            </a:r>
+          </a:p>
+          <a:p>
+            <a:endParaRPr lang="en-US" dirty="0"/>
+          </a:p>
+          <a:p>
+            <a:endParaRPr lang="en-US" dirty="0"/>
+          </a:p>
+          <a:p>
+            <a:endParaRPr lang="en-US" dirty="0"/>
+          </a:p>
+          <a:p>
+            <a:endParaRPr lang="en-US" dirty="0"/>
+          </a:p>
+          <a:p>
+            <a:endParaRPr lang="en-US" dirty="0"/>
+          </a:p>
+        </p:txBody>
+      </p:sp>
     </p:spTree>
     <p:extLst>
       <p:ext uri="{BB962C8B-B14F-4D97-AF65-F5344CB8AC3E}">
-        <p14:creationId xmlns:p14="http://schemas.microsoft.com/office/powerpoint/2010/main" val="3927467327"/>
+        <p14:creationId xmlns:p14="http://schemas.microsoft.com/office/powerpoint/2010/main" val="417434421"/>
       </p:ext>
     </p:extLst>
   </p:cSld>
@@ -11419,7 +12201,7 @@
           <p:cNvPr id="2" name="Title 1">
             <a:extLst>
               <a:ext uri="{FF2B5EF4-FFF2-40B4-BE49-F238E27FC236}">
-                <a16:creationId xmlns:a16="http://schemas.microsoft.com/office/drawing/2014/main" id="{25EDB189-BE1E-FF1A-9818-B326885A36EA}"/>
+                <a16:creationId xmlns:a16="http://schemas.microsoft.com/office/drawing/2014/main" id="{9EC274B7-A859-F3F5-F91E-19B971E5A414}"/>
               </a:ext>
             </a:extLst>
           </p:cNvPr>
@@ -11437,26 +12219,73 @@
           <a:p>
             <a:r>
               <a:rPr lang="en-US" dirty="0"/>
-              <a:t> dice similarity coefficient (DSC) </a:t>
+              <a:t>Mini U-net</a:t>
+            </a:r>
+          </a:p>
+        </p:txBody>
+      </p:sp>
+      <p:sp>
+        <p:nvSpPr>
+          <p:cNvPr id="3" name="Content Placeholder 2">
+            <a:extLst>
+              <a:ext uri="{FF2B5EF4-FFF2-40B4-BE49-F238E27FC236}">
+                <a16:creationId xmlns:a16="http://schemas.microsoft.com/office/drawing/2014/main" id="{5EBFAC62-8143-95D2-5EBE-84EDE328E2A5}"/>
+              </a:ext>
+            </a:extLst>
+          </p:cNvPr>
+          <p:cNvSpPr>
+            <a:spLocks noGrp="1"/>
+          </p:cNvSpPr>
+          <p:nvPr>
+            <p:ph idx="1"/>
+          </p:nvPr>
+        </p:nvSpPr>
+        <p:spPr>
+          <a:xfrm>
+            <a:off x="665922" y="4879165"/>
+            <a:ext cx="10515600" cy="1311049"/>
+          </a:xfrm>
+        </p:spPr>
+        <p:txBody>
+          <a:bodyPr/>
+          <a:lstStyle/>
+          <a:p>
+            <a:r>
+              <a:rPr lang="en-US" dirty="0"/>
+              <a:t>Smaller model</a:t>
+            </a:r>
+          </a:p>
+          <a:p>
+            <a:r>
+              <a:rPr lang="en-US" b="0" i="0" dirty="0">
+                <a:solidFill>
+                  <a:srgbClr val="000000"/>
+                </a:solidFill>
+                <a:effectLst/>
+                <a:latin typeface="Menlo" panose="020B0609030804020204" pitchFamily="49" charset="0"/>
+              </a:rPr>
+              <a:t>465986</a:t>
+            </a:r>
+            <a:r>
+              <a:rPr lang="en-US" dirty="0"/>
+              <a:t> parameters</a:t>
             </a:r>
           </a:p>
         </p:txBody>
       </p:sp>
       <p:pic>
         <p:nvPicPr>
-          <p:cNvPr id="5" name="Content Placeholder 4">
+          <p:cNvPr id="5" name="Picture 4">
             <a:extLst>
               <a:ext uri="{FF2B5EF4-FFF2-40B4-BE49-F238E27FC236}">
-                <a16:creationId xmlns:a16="http://schemas.microsoft.com/office/drawing/2014/main" id="{1EA8C25E-5119-6304-1777-CEBE3CAEFDC9}"/>
+                <a16:creationId xmlns:a16="http://schemas.microsoft.com/office/drawing/2014/main" id="{6A83F9DC-6DFE-DDD5-DB93-50EB999F164F}"/>
               </a:ext>
             </a:extLst>
           </p:cNvPr>
           <p:cNvPicPr>
-            <a:picLocks noGrp="1" noChangeAspect="1"/>
+            <a:picLocks noChangeAspect="1"/>
           </p:cNvPicPr>
-          <p:nvPr>
-            <p:ph idx="1"/>
-          </p:nvPr>
+          <p:nvPr/>
         </p:nvPicPr>
         <p:blipFill>
           <a:blip r:embed="rId2"/>
@@ -11465,16 +12294,19 @@
           </a:stretch>
         </p:blipFill>
         <p:spPr>
-          <a:xfrm>
-            <a:off x="3179678" y="1825625"/>
-            <a:ext cx="5832644" cy="4351338"/>
+          <a:xfrm rot="16200000">
+            <a:off x="4615587" y="-2918222"/>
+            <a:ext cx="2960825" cy="11887097"/>
           </a:xfrm>
+          <a:prstGeom prst="rect">
+            <a:avLst/>
+          </a:prstGeom>
         </p:spPr>
       </p:pic>
     </p:spTree>
     <p:extLst>
       <p:ext uri="{BB962C8B-B14F-4D97-AF65-F5344CB8AC3E}">
-        <p14:creationId xmlns:p14="http://schemas.microsoft.com/office/powerpoint/2010/main" val="1477655658"/>
+        <p14:creationId xmlns:p14="http://schemas.microsoft.com/office/powerpoint/2010/main" val="2741201295"/>
       </p:ext>
     </p:extLst>
   </p:cSld>
@@ -11489,7 +12321,13 @@
   <p:cSld>
     <p:spTree>
       <p:nvGrpSpPr>
-        <p:cNvPr id="1" name=""/>
+        <p:cNvPr id="1" name="">
+          <a:extLst>
+            <a:ext uri="{FF2B5EF4-FFF2-40B4-BE49-F238E27FC236}">
+              <a16:creationId xmlns:a16="http://schemas.microsoft.com/office/drawing/2014/main" id="{8F3711A1-6F27-168C-7A3F-765CB24D47BC}"/>
+            </a:ext>
+          </a:extLst>
+        </p:cNvPr>
         <p:cNvGrpSpPr/>
         <p:nvPr/>
       </p:nvGrpSpPr>
@@ -11501,122 +12339,115 @@
           <a:chExt cx="0" cy="0"/>
         </a:xfrm>
       </p:grpSpPr>
-      <mc:AlternateContent xmlns:mc="http://schemas.openxmlformats.org/markup-compatibility/2006">
-        <mc:Choice xmlns:a14="http://schemas.microsoft.com/office/drawing/2010/main" Requires="a14">
-          <p:sp>
-            <p:nvSpPr>
-              <p:cNvPr id="2" name="Title 1">
-                <a:extLst>
-                  <a:ext uri="{FF2B5EF4-FFF2-40B4-BE49-F238E27FC236}">
-                    <a16:creationId xmlns:a16="http://schemas.microsoft.com/office/drawing/2014/main" id="{E350D33D-2193-433C-8EF7-B2C2D5E37D96}"/>
-                  </a:ext>
-                </a:extLst>
-              </p:cNvPr>
-              <p:cNvSpPr>
-                <a:spLocks noGrp="1"/>
-              </p:cNvSpPr>
-              <p:nvPr>
-                <p:ph type="title"/>
-              </p:nvPr>
-            </p:nvSpPr>
-            <p:spPr/>
-            <p:txBody>
-              <a:bodyPr/>
-              <a:lstStyle/>
-              <a:p>
-                <a:r>
-                  <a:rPr lang="en-US" dirty="0"/>
-                  <a:t>Signal area size as a function of </a:t>
-                </a:r>
-                <a14:m>
-                  <m:oMath xmlns:m="http://schemas.openxmlformats.org/officeDocument/2006/math">
-                    <m:sSub>
-                      <m:sSubPr>
-                        <m:ctrlPr>
-                          <a:rPr lang="en-US" b="0" i="1" smtClean="0">
-                            <a:latin typeface="Cambria Math" panose="02040503050406030204" pitchFamily="18" charset="0"/>
-                          </a:rPr>
-                        </m:ctrlPr>
-                      </m:sSubPr>
-                      <m:e>
-                        <m:r>
-                          <a:rPr lang="en-US" b="0" i="1" smtClean="0">
-                            <a:latin typeface="Cambria Math" panose="02040503050406030204" pitchFamily="18" charset="0"/>
-                          </a:rPr>
-                          <m:t>𝜎</m:t>
-                        </m:r>
-                      </m:e>
-                      <m:sub>
-                        <m:r>
-                          <a:rPr lang="en-US" b="0" i="1" smtClean="0">
-                            <a:latin typeface="Cambria Math" panose="02040503050406030204" pitchFamily="18" charset="0"/>
-                          </a:rPr>
-                          <m:t>𝑠</m:t>
-                        </m:r>
-                      </m:sub>
-                    </m:sSub>
-                  </m:oMath>
-                </a14:m>
-                <a:endParaRPr lang="en-US" dirty="0"/>
-              </a:p>
-            </p:txBody>
-          </p:sp>
-        </mc:Choice>
-        <mc:Fallback>
-          <p:sp>
-            <p:nvSpPr>
-              <p:cNvPr id="2" name="Title 1">
-                <a:extLst>
-                  <a:ext uri="{FF2B5EF4-FFF2-40B4-BE49-F238E27FC236}">
-                    <a16:creationId xmlns:a16="http://schemas.microsoft.com/office/drawing/2014/main" id="{E350D33D-2193-433C-8EF7-B2C2D5E37D96}"/>
-                  </a:ext>
-                </a:extLst>
-              </p:cNvPr>
-              <p:cNvSpPr>
-                <a:spLocks noGrp="1" noRot="1" noChangeAspect="1" noMove="1" noResize="1" noEditPoints="1" noAdjustHandles="1" noChangeArrowheads="1" noChangeShapeType="1" noTextEdit="1"/>
-              </p:cNvSpPr>
-              <p:nvPr>
-                <p:ph type="title"/>
-              </p:nvPr>
-            </p:nvSpPr>
-            <p:spPr>
-              <a:blipFill>
-                <a:blip r:embed="rId2"/>
-                <a:stretch>
-                  <a:fillRect l="-2377"/>
-                </a:stretch>
-              </a:blipFill>
-            </p:spPr>
-            <p:txBody>
-              <a:bodyPr/>
-              <a:lstStyle/>
-              <a:p>
-                <a:r>
-                  <a:rPr lang="en-US">
-                    <a:noFill/>
-                  </a:rPr>
-                  <a:t> </a:t>
-                </a:r>
-              </a:p>
-            </p:txBody>
-          </p:sp>
-        </mc:Fallback>
-      </mc:AlternateContent>
+      <p:sp>
+        <p:nvSpPr>
+          <p:cNvPr id="2" name="Title 1">
+            <a:extLst>
+              <a:ext uri="{FF2B5EF4-FFF2-40B4-BE49-F238E27FC236}">
+                <a16:creationId xmlns:a16="http://schemas.microsoft.com/office/drawing/2014/main" id="{E81D1A52-E2D0-0540-17E5-983D1C1095FE}"/>
+              </a:ext>
+            </a:extLst>
+          </p:cNvPr>
+          <p:cNvSpPr>
+            <a:spLocks noGrp="1"/>
+          </p:cNvSpPr>
+          <p:nvPr>
+            <p:ph type="title"/>
+          </p:nvPr>
+        </p:nvSpPr>
+        <p:spPr/>
+        <p:txBody>
+          <a:bodyPr/>
+          <a:lstStyle/>
+          <a:p>
+            <a:r>
+              <a:rPr lang="en-US" dirty="0"/>
+              <a:t>U-net Training</a:t>
+            </a:r>
+          </a:p>
+        </p:txBody>
+      </p:sp>
+      <p:sp>
+        <p:nvSpPr>
+          <p:cNvPr id="10" name="Content Placeholder 2">
+            <a:extLst>
+              <a:ext uri="{FF2B5EF4-FFF2-40B4-BE49-F238E27FC236}">
+                <a16:creationId xmlns:a16="http://schemas.microsoft.com/office/drawing/2014/main" id="{8A90B932-E6CC-835C-31A7-87F00170D6CA}"/>
+              </a:ext>
+            </a:extLst>
+          </p:cNvPr>
+          <p:cNvSpPr>
+            <a:spLocks noGrp="1"/>
+          </p:cNvSpPr>
+          <p:nvPr>
+            <p:ph idx="1"/>
+          </p:nvPr>
+        </p:nvSpPr>
+        <p:spPr>
+          <a:xfrm>
+            <a:off x="838200" y="1505157"/>
+            <a:ext cx="3962552" cy="5146851"/>
+          </a:xfrm>
+        </p:spPr>
+        <p:txBody>
+          <a:bodyPr>
+            <a:normAutofit/>
+          </a:bodyPr>
+          <a:lstStyle/>
+          <a:p>
+            <a:r>
+              <a:rPr lang="en-US" dirty="0"/>
+              <a:t>Data from reconstructed object images and labels</a:t>
+            </a:r>
+          </a:p>
+          <a:p>
+            <a:pPr lvl="1"/>
+            <a:r>
+              <a:rPr lang="en-US" dirty="0"/>
+              <a:t>100 test, 400 training</a:t>
+            </a:r>
+          </a:p>
+          <a:p>
+            <a:pPr lvl="1"/>
+            <a:r>
+              <a:rPr lang="en-US" dirty="0"/>
+              <a:t>Normalize image values between [0, 1]</a:t>
+            </a:r>
+          </a:p>
+          <a:p>
+            <a:pPr lvl="1"/>
+            <a:r>
+              <a:rPr lang="en-US" dirty="0"/>
+              <a:t>Mask/labels are either 0 (background) or 1 (signal)</a:t>
+            </a:r>
+          </a:p>
+          <a:p>
+            <a:r>
+              <a:rPr lang="en-US" dirty="0"/>
+              <a:t>Minimize training loss</a:t>
+            </a:r>
+          </a:p>
+          <a:p>
+            <a:r>
+              <a:rPr lang="en-US" dirty="0"/>
+              <a:t>Validate with test images</a:t>
+            </a:r>
+          </a:p>
+        </p:txBody>
+      </p:sp>
       <p:pic>
         <p:nvPicPr>
-          <p:cNvPr id="5" name="Content Placeholder 4">
+          <p:cNvPr id="4" name="Picture 3">
             <a:extLst>
               <a:ext uri="{FF2B5EF4-FFF2-40B4-BE49-F238E27FC236}">
-                <a16:creationId xmlns:a16="http://schemas.microsoft.com/office/drawing/2014/main" id="{9069030D-1B50-BA0A-A3AC-C6BEFC5C7322}"/>
+                <a16:creationId xmlns:a16="http://schemas.microsoft.com/office/drawing/2014/main" id="{4A4D4FA5-D41E-380A-DF38-B6A4DDBA8307}"/>
               </a:ext>
             </a:extLst>
           </p:cNvPr>
           <p:cNvPicPr>
-            <a:picLocks noGrp="1" noChangeAspect="1"/>
+            <a:picLocks noChangeAspect="1"/>
           </p:cNvPicPr>
-          <p:nvPr>
-            <p:ph idx="1"/>
-          </p:nvPr>
+          <p:nvPr/>
         </p:nvPicPr>
         <p:blipFill>
           <a:blip r:embed="rId3"/>
@@ -11626,15 +12457,108 @@
         </p:blipFill>
         <p:spPr>
           <a:xfrm>
-            <a:off x="2702755" y="1825625"/>
-            <a:ext cx="6786490" cy="4351338"/>
+            <a:off x="4800752" y="1505157"/>
+            <a:ext cx="3425261" cy="2189921"/>
           </a:xfrm>
+          <a:prstGeom prst="rect">
+            <a:avLst/>
+          </a:prstGeom>
+        </p:spPr>
+      </p:pic>
+      <p:pic>
+        <p:nvPicPr>
+          <p:cNvPr id="5" name="Picture 4">
+            <a:extLst>
+              <a:ext uri="{FF2B5EF4-FFF2-40B4-BE49-F238E27FC236}">
+                <a16:creationId xmlns:a16="http://schemas.microsoft.com/office/drawing/2014/main" id="{41D656F0-0421-045D-9FAA-A41014696941}"/>
+              </a:ext>
+            </a:extLst>
+          </p:cNvPr>
+          <p:cNvPicPr>
+            <a:picLocks noChangeAspect="1"/>
+          </p:cNvPicPr>
+          <p:nvPr/>
+        </p:nvPicPr>
+        <p:blipFill>
+          <a:blip r:embed="rId4"/>
+          <a:stretch>
+            <a:fillRect/>
+          </a:stretch>
+        </p:blipFill>
+        <p:spPr>
+          <a:xfrm>
+            <a:off x="8216363" y="1505157"/>
+            <a:ext cx="3393174" cy="2189921"/>
+          </a:xfrm>
+          <a:prstGeom prst="rect">
+            <a:avLst/>
+          </a:prstGeom>
+        </p:spPr>
+      </p:pic>
+      <p:pic>
+        <p:nvPicPr>
+          <p:cNvPr id="7" name="Picture 6">
+            <a:extLst>
+              <a:ext uri="{FF2B5EF4-FFF2-40B4-BE49-F238E27FC236}">
+                <a16:creationId xmlns:a16="http://schemas.microsoft.com/office/drawing/2014/main" id="{376D5AA3-40C7-2924-201D-D254C3EC9A82}"/>
+              </a:ext>
+            </a:extLst>
+          </p:cNvPr>
+          <p:cNvPicPr>
+            <a:picLocks noChangeAspect="1"/>
+          </p:cNvPicPr>
+          <p:nvPr/>
+        </p:nvPicPr>
+        <p:blipFill>
+          <a:blip r:embed="rId5"/>
+          <a:stretch>
+            <a:fillRect/>
+          </a:stretch>
+        </p:blipFill>
+        <p:spPr>
+          <a:xfrm>
+            <a:off x="4823189" y="3840163"/>
+            <a:ext cx="3393174" cy="2189921"/>
+          </a:xfrm>
+          <a:prstGeom prst="rect">
+            <a:avLst/>
+          </a:prstGeom>
+        </p:spPr>
+      </p:pic>
+      <p:pic>
+        <p:nvPicPr>
+          <p:cNvPr id="11" name="Picture 10">
+            <a:extLst>
+              <a:ext uri="{FF2B5EF4-FFF2-40B4-BE49-F238E27FC236}">
+                <a16:creationId xmlns:a16="http://schemas.microsoft.com/office/drawing/2014/main" id="{33F1DCE9-7AF2-B823-A115-A4C994489261}"/>
+              </a:ext>
+            </a:extLst>
+          </p:cNvPr>
+          <p:cNvPicPr>
+            <a:picLocks noChangeAspect="1"/>
+          </p:cNvPicPr>
+          <p:nvPr/>
+        </p:nvPicPr>
+        <p:blipFill>
+          <a:blip r:embed="rId6"/>
+          <a:stretch>
+            <a:fillRect/>
+          </a:stretch>
+        </p:blipFill>
+        <p:spPr>
+          <a:xfrm>
+            <a:off x="8216363" y="3840163"/>
+            <a:ext cx="3393174" cy="2189921"/>
+          </a:xfrm>
+          <a:prstGeom prst="rect">
+            <a:avLst/>
+          </a:prstGeom>
         </p:spPr>
       </p:pic>
     </p:spTree>
     <p:extLst>
       <p:ext uri="{BB962C8B-B14F-4D97-AF65-F5344CB8AC3E}">
-        <p14:creationId xmlns:p14="http://schemas.microsoft.com/office/powerpoint/2010/main" val="847609079"/>
+        <p14:creationId xmlns:p14="http://schemas.microsoft.com/office/powerpoint/2010/main" val="4033216268"/>
       </p:ext>
     </p:extLst>
   </p:cSld>
@@ -12235,23 +13159,6 @@
 </file>
 
 <file path=customXml/item1.xml><?xml version="1.0" encoding="utf-8"?>
-<p:properties xmlns:p="http://schemas.microsoft.com/office/2006/metadata/properties" xmlns:xsi="http://www.w3.org/2001/XMLSchema-instance" xmlns:pc="http://schemas.microsoft.com/office/infopath/2007/PartnerControls">
-  <documentManagement>
-    <_activity xmlns="65ab1a49-e739-4593-bd50-31927be0d00d" xsi:nil="true"/>
-  </documentManagement>
-</p:properties>
-</file>
-
-<file path=customXml/item2.xml><?xml version="1.0" encoding="utf-8"?>
-<?mso-contentType ?>
-<FormTemplates xmlns="http://schemas.microsoft.com/sharepoint/v3/contenttype/forms">
-  <Display>DocumentLibraryForm</Display>
-  <Edit>DocumentLibraryForm</Edit>
-  <New>DocumentLibraryForm</New>
-</FormTemplates>
-</file>
-
-<file path=customXml/item3.xml><?xml version="1.0" encoding="utf-8"?>
 <ct:contentTypeSchema xmlns:ct="http://schemas.microsoft.com/office/2006/metadata/contentType" xmlns:ma="http://schemas.microsoft.com/office/2006/metadata/properties/metaAttributes" ct:_="" ma:_="" ma:contentTypeName="Document" ma:contentTypeID="0x010100EC4F812E6609434DA8633D12E8A65FAC" ma:contentTypeVersion="15" ma:contentTypeDescription="Create a new document." ma:contentTypeScope="" ma:versionID="b65c8206aacb6a2f09658d1288328316">
   <xsd:schema xmlns:xsd="http://www.w3.org/2001/XMLSchema" xmlns:xs="http://www.w3.org/2001/XMLSchema" xmlns:p="http://schemas.microsoft.com/office/2006/metadata/properties" xmlns:ns3="65ab1a49-e739-4593-bd50-31927be0d00d" xmlns:ns4="33e0619f-d250-4555-b544-2748c73268b5" targetNamespace="http://schemas.microsoft.com/office/2006/metadata/properties" ma:root="true" ma:fieldsID="00031ad9e95b0eece4881d6199365dd2" ns3:_="" ns4:_="">
     <xsd:import namespace="65ab1a49-e739-4593-bd50-31927be0d00d"/>
@@ -12484,32 +13391,24 @@
 </ct:contentTypeSchema>
 </file>
 
-<file path=customXml/itemProps1.xml><?xml version="1.0" encoding="utf-8"?>
-<ds:datastoreItem xmlns:ds="http://schemas.openxmlformats.org/officeDocument/2006/customXml" ds:itemID="{DEC4EDD2-4785-4152-B467-3F8AFA5739BC}">
-  <ds:schemaRefs>
-    <ds:schemaRef ds:uri="33e0619f-d250-4555-b544-2748c73268b5"/>
-    <ds:schemaRef ds:uri="65ab1a49-e739-4593-bd50-31927be0d00d"/>
-    <ds:schemaRef ds:uri="http://purl.org/dc/dcmitype/"/>
-    <ds:schemaRef ds:uri="http://purl.org/dc/elements/1.1/"/>
-    <ds:schemaRef ds:uri="http://purl.org/dc/terms/"/>
-    <ds:schemaRef ds:uri="http://schemas.microsoft.com/office/2006/documentManagement/types"/>
-    <ds:schemaRef ds:uri="http://schemas.microsoft.com/office/2006/metadata/properties"/>
-    <ds:schemaRef ds:uri="http://schemas.microsoft.com/office/infopath/2007/PartnerControls"/>
-    <ds:schemaRef ds:uri="http://schemas.openxmlformats.org/package/2006/metadata/core-properties"/>
-    <ds:schemaRef ds:uri="http://www.w3.org/XML/1998/namespace"/>
-  </ds:schemaRefs>
-</ds:datastoreItem>
+<file path=customXml/item2.xml><?xml version="1.0" encoding="utf-8"?>
+<?mso-contentType ?>
+<FormTemplates xmlns="http://schemas.microsoft.com/sharepoint/v3/contenttype/forms">
+  <Display>DocumentLibraryForm</Display>
+  <Edit>DocumentLibraryForm</Edit>
+  <New>DocumentLibraryForm</New>
+</FormTemplates>
 </file>
 
-<file path=customXml/itemProps2.xml><?xml version="1.0" encoding="utf-8"?>
-<ds:datastoreItem xmlns:ds="http://schemas.openxmlformats.org/officeDocument/2006/customXml" ds:itemID="{EE6237EC-2080-4FEC-B60F-FBA9319B39FB}">
-  <ds:schemaRefs>
-    <ds:schemaRef ds:uri="http://schemas.microsoft.com/sharepoint/v3/contenttype/forms"/>
-  </ds:schemaRefs>
-</ds:datastoreItem>
+<file path=customXml/item3.xml><?xml version="1.0" encoding="utf-8"?>
+<p:properties xmlns:p="http://schemas.microsoft.com/office/2006/metadata/properties" xmlns:xsi="http://www.w3.org/2001/XMLSchema-instance" xmlns:pc="http://schemas.microsoft.com/office/infopath/2007/PartnerControls">
+  <documentManagement>
+    <_activity xmlns="65ab1a49-e739-4593-bd50-31927be0d00d" xsi:nil="true"/>
+  </documentManagement>
+</p:properties>
 </file>
 
-<file path=customXml/itemProps3.xml><?xml version="1.0" encoding="utf-8"?>
+<file path=customXml/itemProps1.xml><?xml version="1.0" encoding="utf-8"?>
 <ds:datastoreItem xmlns:ds="http://schemas.openxmlformats.org/officeDocument/2006/customXml" ds:itemID="{7D36296C-3063-46FE-957C-EBD96179AF0D}">
   <ds:schemaRefs>
     <ds:schemaRef ds:uri="33e0619f-d250-4555-b544-2748c73268b5"/>
@@ -12526,4 +13425,29 @@
     <ds:schemaRef ds:uri="http://www.w3.org/2001/XMLSchema"/>
   </ds:schemaRefs>
 </ds:datastoreItem>
+</file>
+
+<file path=customXml/itemProps2.xml><?xml version="1.0" encoding="utf-8"?>
+<ds:datastoreItem xmlns:ds="http://schemas.openxmlformats.org/officeDocument/2006/customXml" ds:itemID="{EE6237EC-2080-4FEC-B60F-FBA9319B39FB}">
+  <ds:schemaRefs>
+    <ds:schemaRef ds:uri="http://schemas.microsoft.com/sharepoint/v3/contenttype/forms"/>
+  </ds:schemaRefs>
+</ds:datastoreItem>
+</file>
+
+<file path=customXml/itemProps3.xml><?xml version="1.0" encoding="utf-8"?>
+<ds:datastoreItem xmlns:ds="http://schemas.openxmlformats.org/officeDocument/2006/customXml" ds:itemID="{DEC4EDD2-4785-4152-B467-3F8AFA5739BC}">
+  <ds:schemaRefs>
+    <ds:schemaRef ds:uri="33e0619f-d250-4555-b544-2748c73268b5"/>
+    <ds:schemaRef ds:uri="65ab1a49-e739-4593-bd50-31927be0d00d"/>
+    <ds:schemaRef ds:uri="http://purl.org/dc/dcmitype/"/>
+    <ds:schemaRef ds:uri="http://purl.org/dc/elements/1.1/"/>
+    <ds:schemaRef ds:uri="http://purl.org/dc/terms/"/>
+    <ds:schemaRef ds:uri="http://schemas.microsoft.com/office/2006/documentManagement/types"/>
+    <ds:schemaRef ds:uri="http://schemas.microsoft.com/office/2006/metadata/properties"/>
+    <ds:schemaRef ds:uri="http://schemas.microsoft.com/office/infopath/2007/PartnerControls"/>
+    <ds:schemaRef ds:uri="http://schemas.openxmlformats.org/package/2006/metadata/core-properties"/>
+    <ds:schemaRef ds:uri="http://www.w3.org/XML/1998/namespace"/>
+  </ds:schemaRefs>
+</ds:datastoreItem>
 </file>